--- a/Writeups/Design Figures.pptx
+++ b/Writeups/Design Figures.pptx
@@ -105,6 +105,11 @@
       </a:defRPr>
     </a:lvl9pPr>
   </p:defaultTextStyle>
+  <p:extLst>
+    <p:ext uri="{EFAFB233-063F-42B5-8137-9DF3F51BA10A}">
+      <p15:sldGuideLst xmlns:p15="http://schemas.microsoft.com/office/powerpoint/2012/main"/>
+    </p:ext>
+  </p:extLst>
 </p:presentation>
 </file>
 
@@ -255,7 +260,7 @@
           <a:p>
             <a:fld id="{914BB29B-1D65-452B-8FC4-46EDB4DF1FB8}" type="datetimeFigureOut">
               <a:rPr lang="en-US" smtClean="0"/>
-              <a:t>11/27/2022</a:t>
+              <a:t>11/30/2022</a:t>
             </a:fld>
             <a:endParaRPr lang="en-US"/>
           </a:p>
@@ -453,7 +458,7 @@
           <a:p>
             <a:fld id="{914BB29B-1D65-452B-8FC4-46EDB4DF1FB8}" type="datetimeFigureOut">
               <a:rPr lang="en-US" smtClean="0"/>
-              <a:t>11/27/2022</a:t>
+              <a:t>11/30/2022</a:t>
             </a:fld>
             <a:endParaRPr lang="en-US"/>
           </a:p>
@@ -661,7 +666,7 @@
           <a:p>
             <a:fld id="{914BB29B-1D65-452B-8FC4-46EDB4DF1FB8}" type="datetimeFigureOut">
               <a:rPr lang="en-US" smtClean="0"/>
-              <a:t>11/27/2022</a:t>
+              <a:t>11/30/2022</a:t>
             </a:fld>
             <a:endParaRPr lang="en-US"/>
           </a:p>
@@ -859,7 +864,7 @@
           <a:p>
             <a:fld id="{914BB29B-1D65-452B-8FC4-46EDB4DF1FB8}" type="datetimeFigureOut">
               <a:rPr lang="en-US" smtClean="0"/>
-              <a:t>11/27/2022</a:t>
+              <a:t>11/30/2022</a:t>
             </a:fld>
             <a:endParaRPr lang="en-US"/>
           </a:p>
@@ -1134,7 +1139,7 @@
           <a:p>
             <a:fld id="{914BB29B-1D65-452B-8FC4-46EDB4DF1FB8}" type="datetimeFigureOut">
               <a:rPr lang="en-US" smtClean="0"/>
-              <a:t>11/27/2022</a:t>
+              <a:t>11/30/2022</a:t>
             </a:fld>
             <a:endParaRPr lang="en-US"/>
           </a:p>
@@ -1399,7 +1404,7 @@
           <a:p>
             <a:fld id="{914BB29B-1D65-452B-8FC4-46EDB4DF1FB8}" type="datetimeFigureOut">
               <a:rPr lang="en-US" smtClean="0"/>
-              <a:t>11/27/2022</a:t>
+              <a:t>11/30/2022</a:t>
             </a:fld>
             <a:endParaRPr lang="en-US"/>
           </a:p>
@@ -1811,7 +1816,7 @@
           <a:p>
             <a:fld id="{914BB29B-1D65-452B-8FC4-46EDB4DF1FB8}" type="datetimeFigureOut">
               <a:rPr lang="en-US" smtClean="0"/>
-              <a:t>11/27/2022</a:t>
+              <a:t>11/30/2022</a:t>
             </a:fld>
             <a:endParaRPr lang="en-US"/>
           </a:p>
@@ -1952,7 +1957,7 @@
           <a:p>
             <a:fld id="{914BB29B-1D65-452B-8FC4-46EDB4DF1FB8}" type="datetimeFigureOut">
               <a:rPr lang="en-US" smtClean="0"/>
-              <a:t>11/27/2022</a:t>
+              <a:t>11/30/2022</a:t>
             </a:fld>
             <a:endParaRPr lang="en-US"/>
           </a:p>
@@ -2065,7 +2070,7 @@
           <a:p>
             <a:fld id="{914BB29B-1D65-452B-8FC4-46EDB4DF1FB8}" type="datetimeFigureOut">
               <a:rPr lang="en-US" smtClean="0"/>
-              <a:t>11/27/2022</a:t>
+              <a:t>11/30/2022</a:t>
             </a:fld>
             <a:endParaRPr lang="en-US"/>
           </a:p>
@@ -2376,7 +2381,7 @@
           <a:p>
             <a:fld id="{914BB29B-1D65-452B-8FC4-46EDB4DF1FB8}" type="datetimeFigureOut">
               <a:rPr lang="en-US" smtClean="0"/>
-              <a:t>11/27/2022</a:t>
+              <a:t>11/30/2022</a:t>
             </a:fld>
             <a:endParaRPr lang="en-US"/>
           </a:p>
@@ -2664,7 +2669,7 @@
           <a:p>
             <a:fld id="{914BB29B-1D65-452B-8FC4-46EDB4DF1FB8}" type="datetimeFigureOut">
               <a:rPr lang="en-US" smtClean="0"/>
-              <a:t>11/27/2022</a:t>
+              <a:t>11/30/2022</a:t>
             </a:fld>
             <a:endParaRPr lang="en-US"/>
           </a:p>
@@ -2905,7 +2910,7 @@
           <a:p>
             <a:fld id="{914BB29B-1D65-452B-8FC4-46EDB4DF1FB8}" type="datetimeFigureOut">
               <a:rPr lang="en-US" smtClean="0"/>
-              <a:t>11/27/2022</a:t>
+              <a:t>11/30/2022</a:t>
             </a:fld>
             <a:endParaRPr lang="en-US"/>
           </a:p>
@@ -4594,7 +4599,7 @@
                           <a:ea typeface="Calibri" panose="020F0502020204030204" pitchFamily="34" charset="0"/>
                           <a:cs typeface="Times New Roman" panose="02020603050405020304" pitchFamily="18" charset="0"/>
                         </a:rPr>
-                        <a:t>publi</a:t>
+                        <a:t>dino</a:t>
                       </a:r>
                       <a:r>
                         <a:rPr lang="en-US" sz="700" dirty="0">
@@ -4608,7 +4613,7 @@
                         <a:t> </a:t>
                       </a:r>
                       <a:r>
-                        <a:rPr lang="en-US" sz="1400" b="1" dirty="0" err="1">
+                        <a:rPr lang="en-US" sz="1600" b="1" dirty="0">
                           <a:solidFill>
                             <a:schemeClr val="tx1"/>
                           </a:solidFill>
@@ -4616,7 +4621,7 @@
                           <a:ea typeface="Calibri" panose="020F0502020204030204" pitchFamily="34" charset="0"/>
                           <a:cs typeface="Times New Roman" panose="02020603050405020304" pitchFamily="18" charset="0"/>
                         </a:rPr>
-                        <a:t>sh</a:t>
+                        <a:t>s</a:t>
                       </a:r>
                       <a:r>
                         <a:rPr lang="en-US" sz="700" b="1" dirty="0">
@@ -4638,17 +4643,16 @@
                           <a:ea typeface="Calibri" panose="020F0502020204030204" pitchFamily="34" charset="0"/>
                           <a:cs typeface="Times New Roman" panose="02020603050405020304" pitchFamily="18" charset="0"/>
                         </a:rPr>
-                        <a:t>er</a:t>
+                        <a:t>aur</a:t>
                       </a:r>
-                      <a:endParaRPr lang="en-US" sz="1200" dirty="0">
-                        <a:solidFill>
-                          <a:schemeClr val="tx1"/>
-                        </a:solidFill>
-                        <a:effectLst/>
-                        <a:latin typeface="Sylfaen" panose="010A0502050306030303" pitchFamily="18" charset="0"/>
-                        <a:ea typeface="Calibri" panose="020F0502020204030204" pitchFamily="34" charset="0"/>
-                        <a:cs typeface="Times New Roman" panose="02020603050405020304" pitchFamily="18" charset="0"/>
-                      </a:endParaRPr>
+                      <a:r>
+                        <a:rPr lang="en-US" sz="1100" dirty="0">
+                          <a:effectLst/>
+                          <a:ea typeface="Calibri" panose="020F0502020204030204" pitchFamily="34" charset="0"/>
+                          <a:cs typeface="Times New Roman" panose="02020603050405020304" pitchFamily="18" charset="0"/>
+                        </a:rPr>
+                        <a:t> </a:t>
+                      </a:r>
                     </a:p>
                   </p:txBody>
                 </p:sp>
@@ -5087,13 +5091,10 @@
                     </a:bodyPr>
                     <a:lstStyle/>
                     <a:p>
-                      <a:pPr marL="0" marR="0" algn="ctr">
+                      <a:pPr algn="ctr">
                         <a:lnSpc>
                           <a:spcPct val="107000"/>
                         </a:lnSpc>
-                        <a:spcBef>
-                          <a:spcPts val="0"/>
-                        </a:spcBef>
                         <a:spcAft>
                           <a:spcPts val="800"/>
                         </a:spcAft>
@@ -5107,7 +5108,7 @@
                           <a:ea typeface="Calibri" panose="020F0502020204030204" pitchFamily="34" charset="0"/>
                           <a:cs typeface="Times New Roman" panose="02020603050405020304" pitchFamily="18" charset="0"/>
                         </a:rPr>
-                        <a:t>dino</a:t>
+                        <a:t>publi</a:t>
                       </a:r>
                       <a:r>
                         <a:rPr lang="en-US" sz="700" dirty="0">
@@ -5121,7 +5122,7 @@
                         <a:t> </a:t>
                       </a:r>
                       <a:r>
-                        <a:rPr lang="en-US" sz="1600" b="1" dirty="0">
+                        <a:rPr lang="en-US" sz="1400" b="1" dirty="0" err="1">
                           <a:solidFill>
                             <a:schemeClr val="tx1"/>
                           </a:solidFill>
@@ -5129,7 +5130,7 @@
                           <a:ea typeface="Calibri" panose="020F0502020204030204" pitchFamily="34" charset="0"/>
                           <a:cs typeface="Times New Roman" panose="02020603050405020304" pitchFamily="18" charset="0"/>
                         </a:rPr>
-                        <a:t>s</a:t>
+                        <a:t>sh</a:t>
                       </a:r>
                       <a:r>
                         <a:rPr lang="en-US" sz="700" b="1" dirty="0">
@@ -5151,16 +5152,17 @@
                           <a:ea typeface="Calibri" panose="020F0502020204030204" pitchFamily="34" charset="0"/>
                           <a:cs typeface="Times New Roman" panose="02020603050405020304" pitchFamily="18" charset="0"/>
                         </a:rPr>
-                        <a:t>aur</a:t>
+                        <a:t>er</a:t>
                       </a:r>
-                      <a:r>
-                        <a:rPr lang="en-US" sz="1100" dirty="0">
-                          <a:effectLst/>
-                          <a:ea typeface="Calibri" panose="020F0502020204030204" pitchFamily="34" charset="0"/>
-                          <a:cs typeface="Times New Roman" panose="02020603050405020304" pitchFamily="18" charset="0"/>
-                        </a:rPr>
-                        <a:t> </a:t>
-                      </a:r>
+                      <a:endParaRPr lang="en-US" sz="1200" dirty="0">
+                        <a:solidFill>
+                          <a:schemeClr val="tx1"/>
+                        </a:solidFill>
+                        <a:effectLst/>
+                        <a:latin typeface="Sylfaen" panose="010A0502050306030303" pitchFamily="18" charset="0"/>
+                        <a:ea typeface="Calibri" panose="020F0502020204030204" pitchFamily="34" charset="0"/>
+                        <a:cs typeface="Times New Roman" panose="02020603050405020304" pitchFamily="18" charset="0"/>
+                      </a:endParaRPr>
                     </a:p>
                   </p:txBody>
                 </p:sp>
@@ -5407,7 +5409,7 @@
                 </p:blipFill>
                 <p:spPr>
                   <a:xfrm flipH="1">
-                    <a:off x="6631226" y="3492312"/>
+                    <a:off x="6607694" y="3466946"/>
                     <a:ext cx="288948" cy="412616"/>
                   </a:xfrm>
                   <a:prstGeom prst="rect">
@@ -5524,43 +5526,8 @@
           </p:nvSpPr>
           <p:spPr>
             <a:xfrm>
-              <a:off x="5934895" y="3366371"/>
-              <a:ext cx="328526" cy="369332"/>
-            </a:xfrm>
-            <a:prstGeom prst="rect">
-              <a:avLst/>
-            </a:prstGeom>
-            <a:noFill/>
-          </p:spPr>
-          <p:txBody>
-            <a:bodyPr wrap="square" rtlCol="0">
-              <a:spAutoFit/>
-            </a:bodyPr>
-            <a:lstStyle/>
-            <a:p>
-              <a:r>
-                <a:rPr lang="en-US" dirty="0"/>
-                <a:t>S</a:t>
-              </a:r>
-            </a:p>
-          </p:txBody>
-        </p:sp>
-        <p:sp>
-          <p:nvSpPr>
-            <p:cNvPr id="172" name="TextBox 171">
-              <a:extLst>
-                <a:ext uri="{FF2B5EF4-FFF2-40B4-BE49-F238E27FC236}">
-                  <a16:creationId xmlns:a16="http://schemas.microsoft.com/office/drawing/2014/main" id="{D133495B-B197-34C2-D0EB-35C59E93B106}"/>
-                </a:ext>
-              </a:extLst>
-            </p:cNvPr>
-            <p:cNvSpPr txBox="1"/>
-            <p:nvPr/>
-          </p:nvSpPr>
-          <p:spPr>
-            <a:xfrm>
-              <a:off x="9287350" y="3375816"/>
-              <a:ext cx="417980" cy="369332"/>
+              <a:off x="5894322" y="3315186"/>
+              <a:ext cx="506132" cy="369332"/>
             </a:xfrm>
             <a:prstGeom prst="rect">
               <a:avLst/>
@@ -5578,6 +5545,41 @@
                 <a:t>Sh</a:t>
               </a:r>
               <a:endParaRPr lang="en-US" dirty="0"/>
+            </a:p>
+          </p:txBody>
+        </p:sp>
+        <p:sp>
+          <p:nvSpPr>
+            <p:cNvPr id="172" name="TextBox 171">
+              <a:extLst>
+                <a:ext uri="{FF2B5EF4-FFF2-40B4-BE49-F238E27FC236}">
+                  <a16:creationId xmlns:a16="http://schemas.microsoft.com/office/drawing/2014/main" id="{D133495B-B197-34C2-D0EB-35C59E93B106}"/>
+                </a:ext>
+              </a:extLst>
+            </p:cNvPr>
+            <p:cNvSpPr txBox="1"/>
+            <p:nvPr/>
+          </p:nvSpPr>
+          <p:spPr>
+            <a:xfrm>
+              <a:off x="9381902" y="3378211"/>
+              <a:ext cx="417980" cy="369332"/>
+            </a:xfrm>
+            <a:prstGeom prst="rect">
+              <a:avLst/>
+            </a:prstGeom>
+            <a:noFill/>
+          </p:spPr>
+          <p:txBody>
+            <a:bodyPr wrap="square" rtlCol="0">
+              <a:spAutoFit/>
+            </a:bodyPr>
+            <a:lstStyle/>
+            <a:p>
+              <a:r>
+                <a:rPr lang="en-US" dirty="0"/>
+                <a:t>S</a:t>
+              </a:r>
             </a:p>
           </p:txBody>
         </p:sp>
@@ -7589,691 +7591,6 @@
       </p:sp>
       <p:sp>
         <p:nvSpPr>
-          <p:cNvPr id="50" name="Text Box 10">
-            <a:extLst>
-              <a:ext uri="{FF2B5EF4-FFF2-40B4-BE49-F238E27FC236}">
-                <a16:creationId xmlns:a16="http://schemas.microsoft.com/office/drawing/2014/main" id="{25385EE8-0738-E6AD-5E74-C64195104560}"/>
-              </a:ext>
-            </a:extLst>
-          </p:cNvPr>
-          <p:cNvSpPr txBox="1">
-            <a:spLocks noChangeArrowheads="1"/>
-          </p:cNvSpPr>
-          <p:nvPr/>
-        </p:nvSpPr>
-        <p:spPr bwMode="auto">
-          <a:xfrm>
-            <a:off x="6064148" y="3480905"/>
-            <a:ext cx="1182249" cy="350686"/>
-          </a:xfrm>
-          <a:prstGeom prst="rect">
-            <a:avLst/>
-          </a:prstGeom>
-          <a:noFill/>
-          <a:ln>
-            <a:noFill/>
-          </a:ln>
-        </p:spPr>
-        <p:txBody>
-          <a:bodyPr vert="horz" wrap="square" lIns="91440" tIns="45720" rIns="91440" bIns="45720" numCol="1" anchor="t" anchorCtr="0" compatLnSpc="1">
-            <a:prstTxWarp prst="textNoShape">
-              <a:avLst/>
-            </a:prstTxWarp>
-          </a:bodyPr>
-          <a:lstStyle/>
-          <a:p>
-            <a:pPr marL="0" marR="0" lvl="0" indent="0" algn="ctr" defTabSz="914400" rtl="0" eaLnBrk="0" fontAlgn="base" latinLnBrk="0" hangingPunct="0">
-              <a:lnSpc>
-                <a:spcPct val="100000"/>
-              </a:lnSpc>
-              <a:spcBef>
-                <a:spcPct val="0"/>
-              </a:spcBef>
-              <a:spcAft>
-                <a:spcPct val="0"/>
-              </a:spcAft>
-              <a:buClrTx/>
-              <a:buSzTx/>
-              <a:buFontTx/>
-              <a:buNone/>
-              <a:tabLst/>
-            </a:pPr>
-            <a:r>
-              <a:rPr kumimoji="0" lang="en-US" altLang="en-US" sz="1600" b="1" u="none" strike="noStrike" cap="none" normalizeH="0" baseline="0" dirty="0">
-                <a:ln>
-                  <a:noFill/>
-                </a:ln>
-                <a:solidFill>
-                  <a:srgbClr val="FE9700"/>
-                </a:solidFill>
-                <a:effectLst/>
-                <a:latin typeface="Sylfaen" panose="010A0502050306030303" pitchFamily="18" charset="0"/>
-                <a:ea typeface="Calibri" panose="020F0502020204030204" pitchFamily="34" charset="0"/>
-                <a:cs typeface="Times New Roman" panose="02020603050405020304" pitchFamily="18" charset="0"/>
-              </a:rPr>
-              <a:t>Talker A </a:t>
-            </a:r>
-            <a:endParaRPr kumimoji="0" lang="en-US" altLang="en-US" sz="3600" b="1" u="none" strike="noStrike" cap="none" normalizeH="0" baseline="0" dirty="0">
-              <a:ln>
-                <a:noFill/>
-              </a:ln>
-              <a:solidFill>
-                <a:srgbClr val="FE9700"/>
-              </a:solidFill>
-              <a:effectLst/>
-              <a:latin typeface="Arial" panose="020B0604020202020204" pitchFamily="34" charset="0"/>
-            </a:endParaRPr>
-          </a:p>
-        </p:txBody>
-      </p:sp>
-      <p:pic>
-        <p:nvPicPr>
-          <p:cNvPr id="108" name="Graphic 107" descr="School girl outline">
-            <a:extLst>
-              <a:ext uri="{FF2B5EF4-FFF2-40B4-BE49-F238E27FC236}">
-                <a16:creationId xmlns:a16="http://schemas.microsoft.com/office/drawing/2014/main" id="{16F16696-8606-53DD-A44A-13C121DBD52C}"/>
-              </a:ext>
-            </a:extLst>
-          </p:cNvPr>
-          <p:cNvPicPr>
-            <a:picLocks noChangeAspect="1"/>
-          </p:cNvPicPr>
-          <p:nvPr/>
-        </p:nvPicPr>
-        <p:blipFill>
-          <a:blip r:embed="rId2">
-            <a:extLst>
-              <a:ext uri="{28A0092B-C50C-407E-A947-70E740481C1C}">
-                <a14:useLocalDpi xmlns:a14="http://schemas.microsoft.com/office/drawing/2010/main" val="0"/>
-              </a:ext>
-              <a:ext uri="{96DAC541-7B7A-43D3-8B79-37D633B846F1}">
-                <asvg:svgBlip xmlns:asvg="http://schemas.microsoft.com/office/drawing/2016/SVG/main" r:embed="rId3"/>
-              </a:ext>
-            </a:extLst>
-          </a:blip>
-          <a:stretch>
-            <a:fillRect/>
-          </a:stretch>
-        </p:blipFill>
-        <p:spPr>
-          <a:xfrm>
-            <a:off x="6139531" y="4246896"/>
-            <a:ext cx="643655" cy="728255"/>
-          </a:xfrm>
-          <a:prstGeom prst="rect">
-            <a:avLst/>
-          </a:prstGeom>
-        </p:spPr>
-      </p:pic>
-      <p:sp>
-        <p:nvSpPr>
-          <p:cNvPr id="109" name="Rectangle: Rounded Corners 108">
-            <a:extLst>
-              <a:ext uri="{FF2B5EF4-FFF2-40B4-BE49-F238E27FC236}">
-                <a16:creationId xmlns:a16="http://schemas.microsoft.com/office/drawing/2014/main" id="{8DD8ECC1-B590-8221-B14F-3ED085A89FA2}"/>
-              </a:ext>
-            </a:extLst>
-          </p:cNvPr>
-          <p:cNvSpPr/>
-          <p:nvPr/>
-        </p:nvSpPr>
-        <p:spPr>
-          <a:xfrm>
-            <a:off x="6196942" y="3791426"/>
-            <a:ext cx="870528" cy="1101078"/>
-          </a:xfrm>
-          <a:prstGeom prst="roundRect">
-            <a:avLst/>
-          </a:prstGeom>
-          <a:noFill/>
-          <a:ln w="57150">
-            <a:solidFill>
-              <a:srgbClr val="FFBE5F"/>
-            </a:solidFill>
-          </a:ln>
-        </p:spPr>
-        <p:style>
-          <a:lnRef idx="2">
-            <a:schemeClr val="accent1">
-              <a:shade val="50000"/>
-            </a:schemeClr>
-          </a:lnRef>
-          <a:fillRef idx="1">
-            <a:schemeClr val="accent1"/>
-          </a:fillRef>
-          <a:effectRef idx="0">
-            <a:schemeClr val="accent1"/>
-          </a:effectRef>
-          <a:fontRef idx="minor">
-            <a:schemeClr val="lt1"/>
-          </a:fontRef>
-        </p:style>
-        <p:txBody>
-          <a:bodyPr rot="0" spcFirstLastPara="0" vert="horz" wrap="square" lIns="91440" tIns="45720" rIns="91440" bIns="45720" numCol="1" spcCol="0" rtlCol="0" fromWordArt="0" anchor="ctr" anchorCtr="0" forceAA="0" compatLnSpc="1">
-            <a:prstTxWarp prst="textNoShape">
-              <a:avLst/>
-            </a:prstTxWarp>
-            <a:noAutofit/>
-          </a:bodyPr>
-          <a:lstStyle/>
-          <a:p>
-            <a:endParaRPr lang="en-US"/>
-          </a:p>
-        </p:txBody>
-      </p:sp>
-      <p:sp>
-        <p:nvSpPr>
-          <p:cNvPr id="110" name="Text Box 11">
-            <a:extLst>
-              <a:ext uri="{FF2B5EF4-FFF2-40B4-BE49-F238E27FC236}">
-                <a16:creationId xmlns:a16="http://schemas.microsoft.com/office/drawing/2014/main" id="{378421CD-0EFA-BCA3-735A-CD5ECACF8DC6}"/>
-              </a:ext>
-            </a:extLst>
-          </p:cNvPr>
-          <p:cNvSpPr txBox="1">
-            <a:spLocks noChangeArrowheads="1"/>
-          </p:cNvSpPr>
-          <p:nvPr/>
-        </p:nvSpPr>
-        <p:spPr bwMode="auto">
-          <a:xfrm>
-            <a:off x="6208112" y="4938705"/>
-            <a:ext cx="854301" cy="236248"/>
-          </a:xfrm>
-          <a:prstGeom prst="rect">
-            <a:avLst/>
-          </a:prstGeom>
-          <a:solidFill>
-            <a:srgbClr val="FFFFFF"/>
-          </a:solidFill>
-          <a:ln>
-            <a:noFill/>
-          </a:ln>
-          <a:extLst>
-            <a:ext uri="{91240B29-F687-4F45-9708-019B960494DF}">
-              <a14:hiddenLine xmlns:a14="http://schemas.microsoft.com/office/drawing/2010/main" w="6350">
-                <a:solidFill>
-                  <a:srgbClr val="000000"/>
-                </a:solidFill>
-                <a:miter lim="800000"/>
-                <a:headEnd/>
-                <a:tailEnd/>
-              </a14:hiddenLine>
-            </a:ext>
-          </a:extLst>
-        </p:spPr>
-        <p:txBody>
-          <a:bodyPr vert="horz" wrap="square" lIns="91440" tIns="45720" rIns="91440" bIns="45720" numCol="1" anchor="t" anchorCtr="0" compatLnSpc="1">
-            <a:prstTxWarp prst="textNoShape">
-              <a:avLst/>
-            </a:prstTxWarp>
-          </a:bodyPr>
-          <a:lstStyle/>
-          <a:p>
-            <a:pPr marL="0" marR="0" lvl="0" indent="0" algn="ctr" defTabSz="914400" rtl="0" eaLnBrk="0" fontAlgn="base" latinLnBrk="0" hangingPunct="0">
-              <a:lnSpc>
-                <a:spcPct val="100000"/>
-              </a:lnSpc>
-              <a:spcBef>
-                <a:spcPct val="0"/>
-              </a:spcBef>
-              <a:spcAft>
-                <a:spcPct val="0"/>
-              </a:spcAft>
-              <a:buClrTx/>
-              <a:buSzTx/>
-              <a:buFontTx/>
-              <a:buNone/>
-              <a:tabLst/>
-            </a:pPr>
-            <a:r>
-              <a:rPr kumimoji="0" lang="en-US" altLang="en-US" sz="1100" b="0" i="1" u="none" strike="noStrike" cap="none" normalizeH="0" baseline="0" dirty="0">
-                <a:ln>
-                  <a:noFill/>
-                </a:ln>
-                <a:solidFill>
-                  <a:schemeClr val="tx1"/>
-                </a:solidFill>
-                <a:effectLst/>
-                <a:latin typeface="Sylfaen" panose="010A0502050306030303" pitchFamily="18" charset="0"/>
-                <a:ea typeface="Calibri" panose="020F0502020204030204" pitchFamily="34" charset="0"/>
-                <a:cs typeface="Times New Roman" panose="02020603050405020304" pitchFamily="18" charset="0"/>
-              </a:rPr>
-              <a:t>Left</a:t>
-            </a:r>
-            <a:endParaRPr kumimoji="0" lang="en-US" altLang="en-US" sz="2400" b="0" i="0" u="none" strike="noStrike" cap="none" normalizeH="0" baseline="0" dirty="0">
-              <a:ln>
-                <a:noFill/>
-              </a:ln>
-              <a:solidFill>
-                <a:schemeClr val="tx1"/>
-              </a:solidFill>
-              <a:effectLst/>
-              <a:latin typeface="Arial" panose="020B0604020202020204" pitchFamily="34" charset="0"/>
-            </a:endParaRPr>
-          </a:p>
-        </p:txBody>
-      </p:sp>
-      <p:pic>
-        <p:nvPicPr>
-          <p:cNvPr id="111" name="Graphic 110" descr="Female outline">
-            <a:extLst>
-              <a:ext uri="{FF2B5EF4-FFF2-40B4-BE49-F238E27FC236}">
-                <a16:creationId xmlns:a16="http://schemas.microsoft.com/office/drawing/2014/main" id="{D793642E-B70E-B7D0-0724-BCB64229626B}"/>
-              </a:ext>
-            </a:extLst>
-          </p:cNvPr>
-          <p:cNvPicPr>
-            <a:picLocks noChangeAspect="1"/>
-          </p:cNvPicPr>
-          <p:nvPr/>
-        </p:nvPicPr>
-        <p:blipFill>
-          <a:blip r:embed="rId4">
-            <a:extLst>
-              <a:ext uri="{28A0092B-C50C-407E-A947-70E740481C1C}">
-                <a14:useLocalDpi xmlns:a14="http://schemas.microsoft.com/office/drawing/2010/main" val="0"/>
-              </a:ext>
-              <a:ext uri="{96DAC541-7B7A-43D3-8B79-37D633B846F1}">
-                <asvg:svgBlip xmlns:asvg="http://schemas.microsoft.com/office/drawing/2016/SVG/main" r:embed="rId5"/>
-              </a:ext>
-            </a:extLst>
-          </a:blip>
-          <a:stretch>
-            <a:fillRect/>
-          </a:stretch>
-        </p:blipFill>
-        <p:spPr>
-          <a:xfrm>
-            <a:off x="6741670" y="3831995"/>
-            <a:ext cx="312079" cy="353098"/>
-          </a:xfrm>
-          <a:prstGeom prst="rect">
-            <a:avLst/>
-          </a:prstGeom>
-        </p:spPr>
-      </p:pic>
-      <p:pic>
-        <p:nvPicPr>
-          <p:cNvPr id="112" name="Graphic 111" descr="Ear outline">
-            <a:extLst>
-              <a:ext uri="{FF2B5EF4-FFF2-40B4-BE49-F238E27FC236}">
-                <a16:creationId xmlns:a16="http://schemas.microsoft.com/office/drawing/2014/main" id="{F42A0FA8-CE7D-BF00-2591-3C4A71A19123}"/>
-              </a:ext>
-            </a:extLst>
-          </p:cNvPr>
-          <p:cNvPicPr>
-            <a:picLocks noChangeAspect="1"/>
-          </p:cNvPicPr>
-          <p:nvPr/>
-        </p:nvPicPr>
-        <p:blipFill>
-          <a:blip r:embed="rId10">
-            <a:extLst>
-              <a:ext uri="{28A0092B-C50C-407E-A947-70E740481C1C}">
-                <a14:useLocalDpi xmlns:a14="http://schemas.microsoft.com/office/drawing/2010/main" val="0"/>
-              </a:ext>
-              <a:ext uri="{96DAC541-7B7A-43D3-8B79-37D633B846F1}">
-                <asvg:svgBlip xmlns:asvg="http://schemas.microsoft.com/office/drawing/2016/SVG/main" r:embed="rId11"/>
-              </a:ext>
-            </a:extLst>
-          </a:blip>
-          <a:stretch>
-            <a:fillRect/>
-          </a:stretch>
-        </p:blipFill>
-        <p:spPr>
-          <a:xfrm>
-            <a:off x="7448525" y="4192038"/>
-            <a:ext cx="269217" cy="386613"/>
-          </a:xfrm>
-          <a:prstGeom prst="rect">
-            <a:avLst/>
-          </a:prstGeom>
-        </p:spPr>
-      </p:pic>
-      <p:sp>
-        <p:nvSpPr>
-          <p:cNvPr id="114" name="Rectangle: Rounded Corners 113">
-            <a:extLst>
-              <a:ext uri="{FF2B5EF4-FFF2-40B4-BE49-F238E27FC236}">
-                <a16:creationId xmlns:a16="http://schemas.microsoft.com/office/drawing/2014/main" id="{9D465BD3-48EA-C687-F557-C72943322B0A}"/>
-              </a:ext>
-            </a:extLst>
-          </p:cNvPr>
-          <p:cNvSpPr/>
-          <p:nvPr/>
-        </p:nvSpPr>
-        <p:spPr>
-          <a:xfrm>
-            <a:off x="6220009" y="5258458"/>
-            <a:ext cx="870528" cy="1101078"/>
-          </a:xfrm>
-          <a:prstGeom prst="roundRect">
-            <a:avLst/>
-          </a:prstGeom>
-          <a:noFill/>
-          <a:ln w="57150">
-            <a:solidFill>
-              <a:srgbClr val="FFBE5F"/>
-            </a:solidFill>
-          </a:ln>
-        </p:spPr>
-        <p:style>
-          <a:lnRef idx="2">
-            <a:schemeClr val="accent1">
-              <a:shade val="50000"/>
-            </a:schemeClr>
-          </a:lnRef>
-          <a:fillRef idx="1">
-            <a:schemeClr val="accent1"/>
-          </a:fillRef>
-          <a:effectRef idx="0">
-            <a:schemeClr val="accent1"/>
-          </a:effectRef>
-          <a:fontRef idx="minor">
-            <a:schemeClr val="lt1"/>
-          </a:fontRef>
-        </p:style>
-        <p:txBody>
-          <a:bodyPr rot="0" spcFirstLastPara="0" vert="horz" wrap="square" lIns="91440" tIns="45720" rIns="91440" bIns="45720" numCol="1" spcCol="0" rtlCol="0" fromWordArt="0" anchor="ctr" anchorCtr="0" forceAA="0" compatLnSpc="1">
-            <a:prstTxWarp prst="textNoShape">
-              <a:avLst/>
-            </a:prstTxWarp>
-            <a:noAutofit/>
-          </a:bodyPr>
-          <a:lstStyle/>
-          <a:p>
-            <a:endParaRPr lang="en-US">
-              <a:solidFill>
-                <a:srgbClr val="FFBE5F"/>
-              </a:solidFill>
-            </a:endParaRPr>
-          </a:p>
-        </p:txBody>
-      </p:sp>
-      <p:sp>
-        <p:nvSpPr>
-          <p:cNvPr id="115" name="Text Box 11">
-            <a:extLst>
-              <a:ext uri="{FF2B5EF4-FFF2-40B4-BE49-F238E27FC236}">
-                <a16:creationId xmlns:a16="http://schemas.microsoft.com/office/drawing/2014/main" id="{D5C25037-C60C-902B-D7B6-2E4AC36B445C}"/>
-              </a:ext>
-            </a:extLst>
-          </p:cNvPr>
-          <p:cNvSpPr txBox="1">
-            <a:spLocks noChangeArrowheads="1"/>
-          </p:cNvSpPr>
-          <p:nvPr/>
-        </p:nvSpPr>
-        <p:spPr bwMode="auto">
-          <a:xfrm>
-            <a:off x="6231179" y="6405737"/>
-            <a:ext cx="854301" cy="236248"/>
-          </a:xfrm>
-          <a:prstGeom prst="rect">
-            <a:avLst/>
-          </a:prstGeom>
-          <a:solidFill>
-            <a:srgbClr val="FFFFFF"/>
-          </a:solidFill>
-          <a:ln>
-            <a:noFill/>
-          </a:ln>
-          <a:extLst>
-            <a:ext uri="{91240B29-F687-4F45-9708-019B960494DF}">
-              <a14:hiddenLine xmlns:a14="http://schemas.microsoft.com/office/drawing/2010/main" w="6350">
-                <a:solidFill>
-                  <a:srgbClr val="000000"/>
-                </a:solidFill>
-                <a:miter lim="800000"/>
-                <a:headEnd/>
-                <a:tailEnd/>
-              </a14:hiddenLine>
-            </a:ext>
-          </a:extLst>
-        </p:spPr>
-        <p:txBody>
-          <a:bodyPr vert="horz" wrap="square" lIns="91440" tIns="45720" rIns="91440" bIns="45720" numCol="1" anchor="t" anchorCtr="0" compatLnSpc="1">
-            <a:prstTxWarp prst="textNoShape">
-              <a:avLst/>
-            </a:prstTxWarp>
-          </a:bodyPr>
-          <a:lstStyle/>
-          <a:p>
-            <a:pPr marL="0" marR="0" lvl="0" indent="0" algn="ctr" defTabSz="914400" rtl="0" eaLnBrk="0" fontAlgn="base" latinLnBrk="0" hangingPunct="0">
-              <a:lnSpc>
-                <a:spcPct val="100000"/>
-              </a:lnSpc>
-              <a:spcBef>
-                <a:spcPct val="0"/>
-              </a:spcBef>
-              <a:spcAft>
-                <a:spcPct val="0"/>
-              </a:spcAft>
-              <a:buClrTx/>
-              <a:buSzTx/>
-              <a:buFontTx/>
-              <a:buNone/>
-              <a:tabLst/>
-            </a:pPr>
-            <a:r>
-              <a:rPr kumimoji="0" lang="en-US" altLang="en-US" sz="1100" b="0" i="1" u="none" strike="noStrike" cap="none" normalizeH="0" baseline="0" dirty="0">
-                <a:ln>
-                  <a:noFill/>
-                </a:ln>
-                <a:solidFill>
-                  <a:schemeClr val="tx1"/>
-                </a:solidFill>
-                <a:effectLst/>
-                <a:latin typeface="Sylfaen" panose="010A0502050306030303" pitchFamily="18" charset="0"/>
-                <a:ea typeface="Calibri" panose="020F0502020204030204" pitchFamily="34" charset="0"/>
-                <a:cs typeface="Times New Roman" panose="02020603050405020304" pitchFamily="18" charset="0"/>
-              </a:rPr>
-              <a:t>Left</a:t>
-            </a:r>
-            <a:endParaRPr kumimoji="0" lang="en-US" altLang="en-US" sz="2400" b="0" i="0" u="none" strike="noStrike" cap="none" normalizeH="0" baseline="0" dirty="0">
-              <a:ln>
-                <a:noFill/>
-              </a:ln>
-              <a:solidFill>
-                <a:schemeClr val="tx1"/>
-              </a:solidFill>
-              <a:effectLst/>
-              <a:latin typeface="Arial" panose="020B0604020202020204" pitchFamily="34" charset="0"/>
-            </a:endParaRPr>
-          </a:p>
-        </p:txBody>
-      </p:sp>
-      <p:pic>
-        <p:nvPicPr>
-          <p:cNvPr id="116" name="Graphic 115" descr="Ear outline">
-            <a:extLst>
-              <a:ext uri="{FF2B5EF4-FFF2-40B4-BE49-F238E27FC236}">
-                <a16:creationId xmlns:a16="http://schemas.microsoft.com/office/drawing/2014/main" id="{0FCE5436-82A4-8ADF-D737-A285B7FDDEB6}"/>
-              </a:ext>
-            </a:extLst>
-          </p:cNvPr>
-          <p:cNvPicPr>
-            <a:picLocks noChangeAspect="1"/>
-          </p:cNvPicPr>
-          <p:nvPr/>
-        </p:nvPicPr>
-        <p:blipFill>
-          <a:blip r:embed="rId10">
-            <a:extLst>
-              <a:ext uri="{28A0092B-C50C-407E-A947-70E740481C1C}">
-                <a14:useLocalDpi xmlns:a14="http://schemas.microsoft.com/office/drawing/2010/main" val="0"/>
-              </a:ext>
-              <a:ext uri="{96DAC541-7B7A-43D3-8B79-37D633B846F1}">
-                <asvg:svgBlip xmlns:asvg="http://schemas.microsoft.com/office/drawing/2016/SVG/main" r:embed="rId11"/>
-              </a:ext>
-            </a:extLst>
-          </a:blip>
-          <a:stretch>
-            <a:fillRect/>
-          </a:stretch>
-        </p:blipFill>
-        <p:spPr>
-          <a:xfrm>
-            <a:off x="7463634" y="5682969"/>
-            <a:ext cx="269217" cy="386613"/>
-          </a:xfrm>
-          <a:prstGeom prst="rect">
-            <a:avLst/>
-          </a:prstGeom>
-        </p:spPr>
-      </p:pic>
-      <p:pic>
-        <p:nvPicPr>
-          <p:cNvPr id="117" name="Graphic 116" descr="School boy outline">
-            <a:extLst>
-              <a:ext uri="{FF2B5EF4-FFF2-40B4-BE49-F238E27FC236}">
-                <a16:creationId xmlns:a16="http://schemas.microsoft.com/office/drawing/2014/main" id="{9173A514-5413-D50C-02C7-23EA3D6DA191}"/>
-              </a:ext>
-            </a:extLst>
-          </p:cNvPr>
-          <p:cNvPicPr>
-            <a:picLocks noChangeAspect="1"/>
-          </p:cNvPicPr>
-          <p:nvPr/>
-        </p:nvPicPr>
-        <p:blipFill>
-          <a:blip r:embed="rId6">
-            <a:extLst>
-              <a:ext uri="{28A0092B-C50C-407E-A947-70E740481C1C}">
-                <a14:useLocalDpi xmlns:a14="http://schemas.microsoft.com/office/drawing/2010/main" val="0"/>
-              </a:ext>
-              <a:ext uri="{96DAC541-7B7A-43D3-8B79-37D633B846F1}">
-                <asvg:svgBlip xmlns:asvg="http://schemas.microsoft.com/office/drawing/2016/SVG/main" r:embed="rId7"/>
-              </a:ext>
-            </a:extLst>
-          </a:blip>
-          <a:stretch>
-            <a:fillRect/>
-          </a:stretch>
-        </p:blipFill>
-        <p:spPr>
-          <a:xfrm>
-            <a:off x="6164312" y="5696778"/>
-            <a:ext cx="643653" cy="728254"/>
-          </a:xfrm>
-          <a:prstGeom prst="rect">
-            <a:avLst/>
-          </a:prstGeom>
-        </p:spPr>
-      </p:pic>
-      <p:pic>
-        <p:nvPicPr>
-          <p:cNvPr id="118" name="Graphic 117" descr="Male outline">
-            <a:extLst>
-              <a:ext uri="{FF2B5EF4-FFF2-40B4-BE49-F238E27FC236}">
-                <a16:creationId xmlns:a16="http://schemas.microsoft.com/office/drawing/2014/main" id="{3706654B-B7CB-C8AD-0460-FD7D7BA940B8}"/>
-              </a:ext>
-            </a:extLst>
-          </p:cNvPr>
-          <p:cNvPicPr>
-            <a:picLocks noChangeAspect="1"/>
-          </p:cNvPicPr>
-          <p:nvPr/>
-        </p:nvPicPr>
-        <p:blipFill>
-          <a:blip r:embed="rId8">
-            <a:extLst>
-              <a:ext uri="{28A0092B-C50C-407E-A947-70E740481C1C}">
-                <a14:useLocalDpi xmlns:a14="http://schemas.microsoft.com/office/drawing/2010/main" val="0"/>
-              </a:ext>
-              <a:ext uri="{96DAC541-7B7A-43D3-8B79-37D633B846F1}">
-                <asvg:svgBlip xmlns:asvg="http://schemas.microsoft.com/office/drawing/2016/SVG/main" r:embed="rId9"/>
-              </a:ext>
-            </a:extLst>
-          </a:blip>
-          <a:stretch>
-            <a:fillRect/>
-          </a:stretch>
-        </p:blipFill>
-        <p:spPr>
-          <a:xfrm>
-            <a:off x="6721120" y="5305892"/>
-            <a:ext cx="341901" cy="386841"/>
-          </a:xfrm>
-          <a:prstGeom prst="rect">
-            <a:avLst/>
-          </a:prstGeom>
-        </p:spPr>
-      </p:pic>
-      <p:sp>
-        <p:nvSpPr>
-          <p:cNvPr id="146" name="TextBox 145">
-            <a:extLst>
-              <a:ext uri="{FF2B5EF4-FFF2-40B4-BE49-F238E27FC236}">
-                <a16:creationId xmlns:a16="http://schemas.microsoft.com/office/drawing/2014/main" id="{FC2CA765-BD84-DA34-F837-6DE8AC796591}"/>
-              </a:ext>
-            </a:extLst>
-          </p:cNvPr>
-          <p:cNvSpPr txBox="1"/>
-          <p:nvPr/>
-        </p:nvSpPr>
-        <p:spPr>
-          <a:xfrm>
-            <a:off x="6751696" y="5959636"/>
-            <a:ext cx="417980" cy="369332"/>
-          </a:xfrm>
-          <a:prstGeom prst="rect">
-            <a:avLst/>
-          </a:prstGeom>
-          <a:noFill/>
-        </p:spPr>
-        <p:txBody>
-          <a:bodyPr wrap="square" rtlCol="0">
-            <a:spAutoFit/>
-          </a:bodyPr>
-          <a:lstStyle/>
-          <a:p>
-            <a:r>
-              <a:rPr lang="en-US" dirty="0"/>
-              <a:t>S</a:t>
-            </a:r>
-          </a:p>
-        </p:txBody>
-      </p:sp>
-      <p:sp>
-        <p:nvSpPr>
-          <p:cNvPr id="149" name="TextBox 148">
-            <a:extLst>
-              <a:ext uri="{FF2B5EF4-FFF2-40B4-BE49-F238E27FC236}">
-                <a16:creationId xmlns:a16="http://schemas.microsoft.com/office/drawing/2014/main" id="{0E1C2932-A7E1-DF58-63B3-A59941BFE575}"/>
-              </a:ext>
-            </a:extLst>
-          </p:cNvPr>
-          <p:cNvSpPr txBox="1"/>
-          <p:nvPr/>
-        </p:nvSpPr>
-        <p:spPr>
-          <a:xfrm>
-            <a:off x="6764829" y="4514294"/>
-            <a:ext cx="417980" cy="369332"/>
-          </a:xfrm>
-          <a:prstGeom prst="rect">
-            <a:avLst/>
-          </a:prstGeom>
-          <a:noFill/>
-        </p:spPr>
-        <p:txBody>
-          <a:bodyPr wrap="square" rtlCol="0">
-            <a:spAutoFit/>
-          </a:bodyPr>
-          <a:lstStyle/>
-          <a:p>
-            <a:r>
-              <a:rPr lang="en-US" dirty="0"/>
-              <a:t>S</a:t>
-            </a:r>
-          </a:p>
-        </p:txBody>
-      </p:sp>
-      <p:sp>
-        <p:nvSpPr>
           <p:cNvPr id="31" name="Text Box 10">
             <a:extLst>
               <a:ext uri="{FF2B5EF4-FFF2-40B4-BE49-F238E27FC236}">
@@ -9014,7 +8331,7 @@
         </p:nvSpPr>
         <p:spPr bwMode="auto">
           <a:xfrm>
-            <a:off x="7085528" y="3475584"/>
+            <a:off x="4205168" y="193209"/>
             <a:ext cx="1467665" cy="419705"/>
           </a:xfrm>
           <a:prstGeom prst="rect">
@@ -9156,172 +8473,281 @@
           </a:p>
         </p:txBody>
       </p:sp>
-      <p:pic>
-        <p:nvPicPr>
-          <p:cNvPr id="120" name="Graphic 119" descr="School boy outline">
+      <p:grpSp>
+        <p:nvGrpSpPr>
+          <p:cNvPr id="3" name="Group 2">
             <a:extLst>
               <a:ext uri="{FF2B5EF4-FFF2-40B4-BE49-F238E27FC236}">
-                <a16:creationId xmlns:a16="http://schemas.microsoft.com/office/drawing/2014/main" id="{27B00F38-72DE-89C7-0AF0-3EC8956248B7}"/>
+                <a16:creationId xmlns:a16="http://schemas.microsoft.com/office/drawing/2014/main" id="{93CFE9CF-564E-D3C7-02B2-072AD42AFD22}"/>
               </a:ext>
             </a:extLst>
           </p:cNvPr>
-          <p:cNvPicPr>
-            <a:picLocks noChangeAspect="1"/>
-          </p:cNvPicPr>
+          <p:cNvGrpSpPr/>
           <p:nvPr/>
-        </p:nvPicPr>
-        <p:blipFill>
-          <a:blip r:embed="rId6">
-            <a:extLst>
-              <a:ext uri="{28A0092B-C50C-407E-A947-70E740481C1C}">
-                <a14:useLocalDpi xmlns:a14="http://schemas.microsoft.com/office/drawing/2010/main" val="0"/>
-              </a:ext>
-              <a:ext uri="{96DAC541-7B7A-43D3-8B79-37D633B846F1}">
-                <asvg:svgBlip xmlns:asvg="http://schemas.microsoft.com/office/drawing/2016/SVG/main" r:embed="rId7"/>
-              </a:ext>
-            </a:extLst>
-          </a:blip>
-          <a:stretch>
-            <a:fillRect/>
-          </a:stretch>
-        </p:blipFill>
-        <p:spPr>
+        </p:nvGrpSpPr>
+        <p:grpSpPr>
           <a:xfrm>
-            <a:off x="7695416" y="4249656"/>
-            <a:ext cx="643653" cy="728254"/>
+            <a:off x="3203873" y="183841"/>
+            <a:ext cx="2274921" cy="3233973"/>
+            <a:chOff x="6064148" y="3408012"/>
+            <a:chExt cx="2274921" cy="3233973"/>
           </a:xfrm>
-          <a:prstGeom prst="rect">
-            <a:avLst/>
-          </a:prstGeom>
-        </p:spPr>
-      </p:pic>
-      <p:sp>
-        <p:nvSpPr>
-          <p:cNvPr id="121" name="Rectangle: Rounded Corners 120">
-            <a:extLst>
-              <a:ext uri="{FF2B5EF4-FFF2-40B4-BE49-F238E27FC236}">
-                <a16:creationId xmlns:a16="http://schemas.microsoft.com/office/drawing/2014/main" id="{171291B7-AA92-5EB1-B6B8-7BA1F051B80F}"/>
-              </a:ext>
-            </a:extLst>
-          </p:cNvPr>
-          <p:cNvSpPr/>
-          <p:nvPr/>
-        </p:nvSpPr>
-        <p:spPr>
-          <a:xfrm>
-            <a:off x="7383347" y="3798603"/>
-            <a:ext cx="875776" cy="1101077"/>
-          </a:xfrm>
-          <a:prstGeom prst="roundRect">
-            <a:avLst/>
-          </a:prstGeom>
-          <a:noFill/>
-          <a:ln w="57150">
+        </p:grpSpPr>
+        <p:sp>
+          <p:nvSpPr>
+            <p:cNvPr id="50" name="Text Box 10">
+              <a:extLst>
+                <a:ext uri="{FF2B5EF4-FFF2-40B4-BE49-F238E27FC236}">
+                  <a16:creationId xmlns:a16="http://schemas.microsoft.com/office/drawing/2014/main" id="{25385EE8-0738-E6AD-5E74-C64195104560}"/>
+                </a:ext>
+              </a:extLst>
+            </p:cNvPr>
+            <p:cNvSpPr txBox="1">
+              <a:spLocks noChangeArrowheads="1"/>
+            </p:cNvSpPr>
+            <p:nvPr/>
+          </p:nvSpPr>
+          <p:spPr bwMode="auto">
+            <a:xfrm>
+              <a:off x="6064148" y="3408012"/>
+              <a:ext cx="1182249" cy="350686"/>
+            </a:xfrm>
+            <a:prstGeom prst="rect">
+              <a:avLst/>
+            </a:prstGeom>
+            <a:noFill/>
+            <a:ln>
+              <a:noFill/>
+            </a:ln>
+          </p:spPr>
+          <p:txBody>
+            <a:bodyPr vert="horz" wrap="square" lIns="91440" tIns="45720" rIns="91440" bIns="45720" numCol="1" anchor="t" anchorCtr="0" compatLnSpc="1">
+              <a:prstTxWarp prst="textNoShape">
+                <a:avLst/>
+              </a:prstTxWarp>
+            </a:bodyPr>
+            <a:lstStyle/>
+            <a:p>
+              <a:pPr marL="0" marR="0" lvl="0" indent="0" algn="ctr" defTabSz="914400" rtl="0" eaLnBrk="0" fontAlgn="base" latinLnBrk="0" hangingPunct="0">
+                <a:lnSpc>
+                  <a:spcPct val="100000"/>
+                </a:lnSpc>
+                <a:spcBef>
+                  <a:spcPct val="0"/>
+                </a:spcBef>
+                <a:spcAft>
+                  <a:spcPct val="0"/>
+                </a:spcAft>
+                <a:buClrTx/>
+                <a:buSzTx/>
+                <a:buFontTx/>
+                <a:buNone/>
+                <a:tabLst/>
+              </a:pPr>
+              <a:r>
+                <a:rPr kumimoji="0" lang="en-US" altLang="en-US" sz="1600" b="1" u="none" strike="noStrike" cap="none" normalizeH="0" baseline="0" dirty="0">
+                  <a:ln>
+                    <a:noFill/>
+                  </a:ln>
+                  <a:solidFill>
+                    <a:srgbClr val="FE9700"/>
+                  </a:solidFill>
+                  <a:effectLst/>
+                  <a:latin typeface="Sylfaen" panose="010A0502050306030303" pitchFamily="18" charset="0"/>
+                  <a:ea typeface="Calibri" panose="020F0502020204030204" pitchFamily="34" charset="0"/>
+                  <a:cs typeface="Times New Roman" panose="02020603050405020304" pitchFamily="18" charset="0"/>
+                </a:rPr>
+                <a:t>Talker A </a:t>
+              </a:r>
+              <a:endParaRPr kumimoji="0" lang="en-US" altLang="en-US" sz="3600" b="1" u="none" strike="noStrike" cap="none" normalizeH="0" baseline="0" dirty="0">
+                <a:ln>
+                  <a:noFill/>
+                </a:ln>
+                <a:solidFill>
+                  <a:srgbClr val="FE9700"/>
+                </a:solidFill>
+                <a:effectLst/>
+                <a:latin typeface="Arial" panose="020B0604020202020204" pitchFamily="34" charset="0"/>
+              </a:endParaRPr>
+            </a:p>
+          </p:txBody>
+        </p:sp>
+        <p:pic>
+          <p:nvPicPr>
+            <p:cNvPr id="108" name="Graphic 107" descr="School girl outline">
+              <a:extLst>
+                <a:ext uri="{FF2B5EF4-FFF2-40B4-BE49-F238E27FC236}">
+                  <a16:creationId xmlns:a16="http://schemas.microsoft.com/office/drawing/2014/main" id="{16F16696-8606-53DD-A44A-13C121DBD52C}"/>
+                </a:ext>
+              </a:extLst>
+            </p:cNvPr>
+            <p:cNvPicPr>
+              <a:picLocks noChangeAspect="1"/>
+            </p:cNvPicPr>
+            <p:nvPr/>
+          </p:nvPicPr>
+          <p:blipFill>
+            <a:blip r:embed="rId2">
+              <a:extLst>
+                <a:ext uri="{28A0092B-C50C-407E-A947-70E740481C1C}">
+                  <a14:useLocalDpi xmlns:a14="http://schemas.microsoft.com/office/drawing/2010/main" val="0"/>
+                </a:ext>
+                <a:ext uri="{96DAC541-7B7A-43D3-8B79-37D633B846F1}">
+                  <asvg:svgBlip xmlns:asvg="http://schemas.microsoft.com/office/drawing/2016/SVG/main" r:embed="rId3"/>
+                </a:ext>
+              </a:extLst>
+            </a:blip>
+            <a:stretch>
+              <a:fillRect/>
+            </a:stretch>
+          </p:blipFill>
+          <p:spPr>
+            <a:xfrm>
+              <a:off x="6139531" y="4246896"/>
+              <a:ext cx="643655" cy="728255"/>
+            </a:xfrm>
+            <a:prstGeom prst="rect">
+              <a:avLst/>
+            </a:prstGeom>
+          </p:spPr>
+        </p:pic>
+        <p:sp>
+          <p:nvSpPr>
+            <p:cNvPr id="109" name="Rectangle: Rounded Corners 108">
+              <a:extLst>
+                <a:ext uri="{FF2B5EF4-FFF2-40B4-BE49-F238E27FC236}">
+                  <a16:creationId xmlns:a16="http://schemas.microsoft.com/office/drawing/2014/main" id="{8DD8ECC1-B590-8221-B14F-3ED085A89FA2}"/>
+                </a:ext>
+              </a:extLst>
+            </p:cNvPr>
+            <p:cNvSpPr/>
+            <p:nvPr/>
+          </p:nvSpPr>
+          <p:spPr>
+            <a:xfrm>
+              <a:off x="6196942" y="3791426"/>
+              <a:ext cx="870528" cy="1101078"/>
+            </a:xfrm>
+            <a:prstGeom prst="roundRect">
+              <a:avLst/>
+            </a:prstGeom>
+            <a:noFill/>
+            <a:ln w="57150">
+              <a:solidFill>
+                <a:srgbClr val="FFBE5F"/>
+              </a:solidFill>
+            </a:ln>
+          </p:spPr>
+          <p:style>
+            <a:lnRef idx="2">
+              <a:schemeClr val="accent1">
+                <a:shade val="50000"/>
+              </a:schemeClr>
+            </a:lnRef>
+            <a:fillRef idx="1">
+              <a:schemeClr val="accent1"/>
+            </a:fillRef>
+            <a:effectRef idx="0">
+              <a:schemeClr val="accent1"/>
+            </a:effectRef>
+            <a:fontRef idx="minor">
+              <a:schemeClr val="lt1"/>
+            </a:fontRef>
+          </p:style>
+          <p:txBody>
+            <a:bodyPr rot="0" spcFirstLastPara="0" vert="horz" wrap="square" lIns="91440" tIns="45720" rIns="91440" bIns="45720" numCol="1" spcCol="0" rtlCol="0" fromWordArt="0" anchor="ctr" anchorCtr="0" forceAA="0" compatLnSpc="1">
+              <a:prstTxWarp prst="textNoShape">
+                <a:avLst/>
+              </a:prstTxWarp>
+              <a:noAutofit/>
+            </a:bodyPr>
+            <a:lstStyle/>
+            <a:p>
+              <a:endParaRPr lang="en-US"/>
+            </a:p>
+          </p:txBody>
+        </p:sp>
+        <p:sp>
+          <p:nvSpPr>
+            <p:cNvPr id="110" name="Text Box 11">
+              <a:extLst>
+                <a:ext uri="{FF2B5EF4-FFF2-40B4-BE49-F238E27FC236}">
+                  <a16:creationId xmlns:a16="http://schemas.microsoft.com/office/drawing/2014/main" id="{378421CD-0EFA-BCA3-735A-CD5ECACF8DC6}"/>
+                </a:ext>
+              </a:extLst>
+            </p:cNvPr>
+            <p:cNvSpPr txBox="1">
+              <a:spLocks noChangeArrowheads="1"/>
+            </p:cNvSpPr>
+            <p:nvPr/>
+          </p:nvSpPr>
+          <p:spPr bwMode="auto">
+            <a:xfrm>
+              <a:off x="6208112" y="4938705"/>
+              <a:ext cx="854301" cy="236248"/>
+            </a:xfrm>
+            <a:prstGeom prst="rect">
+              <a:avLst/>
+            </a:prstGeom>
             <a:solidFill>
-              <a:srgbClr val="77CEF9"/>
+              <a:srgbClr val="FFFFFF"/>
             </a:solidFill>
-          </a:ln>
-        </p:spPr>
-        <p:style>
-          <a:lnRef idx="2">
-            <a:schemeClr val="accent1">
-              <a:shade val="50000"/>
-            </a:schemeClr>
-          </a:lnRef>
-          <a:fillRef idx="1">
-            <a:schemeClr val="accent1"/>
-          </a:fillRef>
-          <a:effectRef idx="0">
-            <a:schemeClr val="accent1"/>
-          </a:effectRef>
-          <a:fontRef idx="minor">
-            <a:schemeClr val="lt1"/>
-          </a:fontRef>
-        </p:style>
-        <p:txBody>
-          <a:bodyPr rot="0" spcFirstLastPara="0" vert="horz" wrap="square" lIns="91440" tIns="45720" rIns="91440" bIns="45720" numCol="1" spcCol="0" rtlCol="0" fromWordArt="0" anchor="ctr" anchorCtr="0" forceAA="0" compatLnSpc="1">
-            <a:prstTxWarp prst="textNoShape">
-              <a:avLst/>
-            </a:prstTxWarp>
-            <a:noAutofit/>
-          </a:bodyPr>
-          <a:lstStyle/>
-          <a:p>
-            <a:endParaRPr lang="en-US">
-              <a:solidFill>
-                <a:srgbClr val="0CA7F4"/>
-              </a:solidFill>
-            </a:endParaRPr>
-          </a:p>
-        </p:txBody>
-      </p:sp>
-      <p:sp>
-        <p:nvSpPr>
-          <p:cNvPr id="122" name="Text Box 10">
-            <a:extLst>
-              <a:ext uri="{FF2B5EF4-FFF2-40B4-BE49-F238E27FC236}">
-                <a16:creationId xmlns:a16="http://schemas.microsoft.com/office/drawing/2014/main" id="{3619B8A7-C765-E6BC-36B7-7BA6238D16AE}"/>
-              </a:ext>
-            </a:extLst>
-          </p:cNvPr>
-          <p:cNvSpPr txBox="1">
-            <a:spLocks noChangeArrowheads="1"/>
-          </p:cNvSpPr>
-          <p:nvPr/>
-        </p:nvSpPr>
-        <p:spPr bwMode="auto">
-          <a:xfrm>
-            <a:off x="7402883" y="4935774"/>
-            <a:ext cx="854299" cy="236247"/>
-          </a:xfrm>
-          <a:prstGeom prst="rect">
-            <a:avLst/>
-          </a:prstGeom>
-          <a:solidFill>
-            <a:srgbClr val="FFFFFF"/>
-          </a:solidFill>
-          <a:ln>
-            <a:noFill/>
-          </a:ln>
-          <a:extLst>
-            <a:ext uri="{91240B29-F687-4F45-9708-019B960494DF}">
-              <a14:hiddenLine xmlns:a14="http://schemas.microsoft.com/office/drawing/2010/main" w="6350">
-                <a:solidFill>
-                  <a:srgbClr val="000000"/>
-                </a:solidFill>
-                <a:miter lim="800000"/>
-                <a:headEnd/>
-                <a:tailEnd/>
-              </a14:hiddenLine>
-            </a:ext>
-          </a:extLst>
-        </p:spPr>
-        <p:txBody>
-          <a:bodyPr vert="horz" wrap="square" lIns="91440" tIns="45720" rIns="91440" bIns="45720" numCol="1" anchor="t" anchorCtr="0" compatLnSpc="1">
-            <a:prstTxWarp prst="textNoShape">
-              <a:avLst/>
-            </a:prstTxWarp>
-          </a:bodyPr>
-          <a:lstStyle/>
-          <a:p>
-            <a:pPr marL="0" marR="0" lvl="0" indent="0" algn="ctr" defTabSz="914400" rtl="0" eaLnBrk="0" fontAlgn="base" latinLnBrk="0" hangingPunct="0">
-              <a:lnSpc>
-                <a:spcPct val="100000"/>
-              </a:lnSpc>
-              <a:spcBef>
-                <a:spcPct val="0"/>
-              </a:spcBef>
-              <a:spcAft>
-                <a:spcPct val="0"/>
-              </a:spcAft>
-              <a:buClrTx/>
-              <a:buSzTx/>
-              <a:buFontTx/>
-              <a:buNone/>
-              <a:tabLst/>
-            </a:pPr>
-            <a:r>
-              <a:rPr kumimoji="0" lang="en-US" altLang="en-US" sz="1100" b="0" i="1" u="none" strike="noStrike" cap="none" normalizeH="0" baseline="0" dirty="0">
+            <a:ln>
+              <a:noFill/>
+            </a:ln>
+            <a:extLst>
+              <a:ext uri="{91240B29-F687-4F45-9708-019B960494DF}">
+                <a14:hiddenLine xmlns:a14="http://schemas.microsoft.com/office/drawing/2010/main" w="6350">
+                  <a:solidFill>
+                    <a:srgbClr val="000000"/>
+                  </a:solidFill>
+                  <a:miter lim="800000"/>
+                  <a:headEnd/>
+                  <a:tailEnd/>
+                </a14:hiddenLine>
+              </a:ext>
+            </a:extLst>
+          </p:spPr>
+          <p:txBody>
+            <a:bodyPr vert="horz" wrap="square" lIns="91440" tIns="45720" rIns="91440" bIns="45720" numCol="1" anchor="t" anchorCtr="0" compatLnSpc="1">
+              <a:prstTxWarp prst="textNoShape">
+                <a:avLst/>
+              </a:prstTxWarp>
+            </a:bodyPr>
+            <a:lstStyle/>
+            <a:p>
+              <a:pPr marL="0" marR="0" lvl="0" indent="0" algn="ctr" defTabSz="914400" rtl="0" eaLnBrk="0" fontAlgn="base" latinLnBrk="0" hangingPunct="0">
+                <a:lnSpc>
+                  <a:spcPct val="100000"/>
+                </a:lnSpc>
+                <a:spcBef>
+                  <a:spcPct val="0"/>
+                </a:spcBef>
+                <a:spcAft>
+                  <a:spcPct val="0"/>
+                </a:spcAft>
+                <a:buClrTx/>
+                <a:buSzTx/>
+                <a:buFontTx/>
+                <a:buNone/>
+                <a:tabLst/>
+              </a:pPr>
+              <a:r>
+                <a:rPr kumimoji="0" lang="en-US" altLang="en-US" sz="1100" b="0" i="1" u="none" strike="noStrike" cap="none" normalizeH="0" baseline="0" dirty="0">
+                  <a:ln>
+                    <a:noFill/>
+                  </a:ln>
+                  <a:solidFill>
+                    <a:schemeClr val="tx1"/>
+                  </a:solidFill>
+                  <a:effectLst/>
+                  <a:latin typeface="Sylfaen" panose="010A0502050306030303" pitchFamily="18" charset="0"/>
+                  <a:ea typeface="Calibri" panose="020F0502020204030204" pitchFamily="34" charset="0"/>
+                  <a:cs typeface="Times New Roman" panose="02020603050405020304" pitchFamily="18" charset="0"/>
+                </a:rPr>
+                <a:t>Left</a:t>
+              </a:r>
+              <a:endParaRPr kumimoji="0" lang="en-US" altLang="en-US" sz="2400" b="0" i="0" u="none" strike="noStrike" cap="none" normalizeH="0" baseline="0" dirty="0">
                 <a:ln>
                   <a:noFill/>
                 </a:ln>
@@ -9329,308 +8755,230 @@
                   <a:schemeClr val="tx1"/>
                 </a:solidFill>
                 <a:effectLst/>
-                <a:latin typeface="Sylfaen" panose="010A0502050306030303" pitchFamily="18" charset="0"/>
-                <a:ea typeface="Calibri" panose="020F0502020204030204" pitchFamily="34" charset="0"/>
-                <a:cs typeface="Times New Roman" panose="02020603050405020304" pitchFamily="18" charset="0"/>
-              </a:rPr>
-              <a:t>Right</a:t>
-            </a:r>
-            <a:endParaRPr kumimoji="0" lang="en-US" altLang="en-US" sz="2400" b="0" i="0" u="none" strike="noStrike" cap="none" normalizeH="0" baseline="0" dirty="0">
-              <a:ln>
-                <a:noFill/>
-              </a:ln>
+                <a:latin typeface="Arial" panose="020B0604020202020204" pitchFamily="34" charset="0"/>
+              </a:endParaRPr>
+            </a:p>
+          </p:txBody>
+        </p:sp>
+        <p:pic>
+          <p:nvPicPr>
+            <p:cNvPr id="111" name="Graphic 110" descr="Female outline">
+              <a:extLst>
+                <a:ext uri="{FF2B5EF4-FFF2-40B4-BE49-F238E27FC236}">
+                  <a16:creationId xmlns:a16="http://schemas.microsoft.com/office/drawing/2014/main" id="{D793642E-B70E-B7D0-0724-BCB64229626B}"/>
+                </a:ext>
+              </a:extLst>
+            </p:cNvPr>
+            <p:cNvPicPr>
+              <a:picLocks noChangeAspect="1"/>
+            </p:cNvPicPr>
+            <p:nvPr/>
+          </p:nvPicPr>
+          <p:blipFill>
+            <a:blip r:embed="rId4">
+              <a:extLst>
+                <a:ext uri="{28A0092B-C50C-407E-A947-70E740481C1C}">
+                  <a14:useLocalDpi xmlns:a14="http://schemas.microsoft.com/office/drawing/2010/main" val="0"/>
+                </a:ext>
+                <a:ext uri="{96DAC541-7B7A-43D3-8B79-37D633B846F1}">
+                  <asvg:svgBlip xmlns:asvg="http://schemas.microsoft.com/office/drawing/2016/SVG/main" r:embed="rId5"/>
+                </a:ext>
+              </a:extLst>
+            </a:blip>
+            <a:stretch>
+              <a:fillRect/>
+            </a:stretch>
+          </p:blipFill>
+          <p:spPr>
+            <a:xfrm>
+              <a:off x="6741670" y="3831995"/>
+              <a:ext cx="312079" cy="353098"/>
+            </a:xfrm>
+            <a:prstGeom prst="rect">
+              <a:avLst/>
+            </a:prstGeom>
+          </p:spPr>
+        </p:pic>
+        <p:pic>
+          <p:nvPicPr>
+            <p:cNvPr id="112" name="Graphic 111" descr="Ear outline">
+              <a:extLst>
+                <a:ext uri="{FF2B5EF4-FFF2-40B4-BE49-F238E27FC236}">
+                  <a16:creationId xmlns:a16="http://schemas.microsoft.com/office/drawing/2014/main" id="{F42A0FA8-CE7D-BF00-2591-3C4A71A19123}"/>
+                </a:ext>
+              </a:extLst>
+            </p:cNvPr>
+            <p:cNvPicPr>
+              <a:picLocks noChangeAspect="1"/>
+            </p:cNvPicPr>
+            <p:nvPr/>
+          </p:nvPicPr>
+          <p:blipFill>
+            <a:blip r:embed="rId10">
+              <a:extLst>
+                <a:ext uri="{28A0092B-C50C-407E-A947-70E740481C1C}">
+                  <a14:useLocalDpi xmlns:a14="http://schemas.microsoft.com/office/drawing/2010/main" val="0"/>
+                </a:ext>
+                <a:ext uri="{96DAC541-7B7A-43D3-8B79-37D633B846F1}">
+                  <asvg:svgBlip xmlns:asvg="http://schemas.microsoft.com/office/drawing/2016/SVG/main" r:embed="rId11"/>
+                </a:ext>
+              </a:extLst>
+            </a:blip>
+            <a:stretch>
+              <a:fillRect/>
+            </a:stretch>
+          </p:blipFill>
+          <p:spPr>
+            <a:xfrm>
+              <a:off x="7448525" y="4192038"/>
+              <a:ext cx="269217" cy="386613"/>
+            </a:xfrm>
+            <a:prstGeom prst="rect">
+              <a:avLst/>
+            </a:prstGeom>
+          </p:spPr>
+        </p:pic>
+        <p:sp>
+          <p:nvSpPr>
+            <p:cNvPr id="114" name="Rectangle: Rounded Corners 113">
+              <a:extLst>
+                <a:ext uri="{FF2B5EF4-FFF2-40B4-BE49-F238E27FC236}">
+                  <a16:creationId xmlns:a16="http://schemas.microsoft.com/office/drawing/2014/main" id="{9D465BD3-48EA-C687-F557-C72943322B0A}"/>
+                </a:ext>
+              </a:extLst>
+            </p:cNvPr>
+            <p:cNvSpPr/>
+            <p:nvPr/>
+          </p:nvSpPr>
+          <p:spPr>
+            <a:xfrm>
+              <a:off x="6220009" y="5258458"/>
+              <a:ext cx="870528" cy="1101078"/>
+            </a:xfrm>
+            <a:prstGeom prst="roundRect">
+              <a:avLst/>
+            </a:prstGeom>
+            <a:noFill/>
+            <a:ln w="57150">
               <a:solidFill>
-                <a:schemeClr val="tx1"/>
+                <a:srgbClr val="FFBE5F"/>
               </a:solidFill>
-              <a:effectLst/>
-              <a:latin typeface="Arial" panose="020B0604020202020204" pitchFamily="34" charset="0"/>
-            </a:endParaRPr>
-          </a:p>
-        </p:txBody>
-      </p:sp>
-      <p:pic>
-        <p:nvPicPr>
-          <p:cNvPr id="123" name="Graphic 122" descr="Male outline">
-            <a:extLst>
-              <a:ext uri="{FF2B5EF4-FFF2-40B4-BE49-F238E27FC236}">
-                <a16:creationId xmlns:a16="http://schemas.microsoft.com/office/drawing/2014/main" id="{A6695C99-19C9-AB47-A1E8-5AF7EAA70A17}"/>
-              </a:ext>
-            </a:extLst>
-          </p:cNvPr>
-          <p:cNvPicPr>
-            <a:picLocks noChangeAspect="1"/>
-          </p:cNvPicPr>
-          <p:nvPr/>
-        </p:nvPicPr>
-        <p:blipFill>
-          <a:blip r:embed="rId8">
-            <a:extLst>
-              <a:ext uri="{28A0092B-C50C-407E-A947-70E740481C1C}">
-                <a14:useLocalDpi xmlns:a14="http://schemas.microsoft.com/office/drawing/2010/main" val="0"/>
-              </a:ext>
-              <a:ext uri="{96DAC541-7B7A-43D3-8B79-37D633B846F1}">
-                <asvg:svgBlip xmlns:asvg="http://schemas.microsoft.com/office/drawing/2016/SVG/main" r:embed="rId9"/>
-              </a:ext>
-            </a:extLst>
-          </a:blip>
-          <a:stretch>
-            <a:fillRect/>
-          </a:stretch>
-        </p:blipFill>
-        <p:spPr>
-          <a:xfrm>
-            <a:off x="7428378" y="3847238"/>
-            <a:ext cx="341901" cy="386841"/>
-          </a:xfrm>
-          <a:prstGeom prst="rect">
-            <a:avLst/>
-          </a:prstGeom>
-        </p:spPr>
-      </p:pic>
-      <p:pic>
-        <p:nvPicPr>
-          <p:cNvPr id="124" name="Graphic 123" descr="Ear outline">
-            <a:extLst>
-              <a:ext uri="{FF2B5EF4-FFF2-40B4-BE49-F238E27FC236}">
-                <a16:creationId xmlns:a16="http://schemas.microsoft.com/office/drawing/2014/main" id="{D8D8250F-CD03-56B2-C00F-5074C63BD0E6}"/>
-              </a:ext>
-            </a:extLst>
-          </p:cNvPr>
-          <p:cNvPicPr>
-            <a:picLocks noChangeAspect="1"/>
-          </p:cNvPicPr>
-          <p:nvPr/>
-        </p:nvPicPr>
-        <p:blipFill>
-          <a:blip r:embed="rId10">
-            <a:extLst>
-              <a:ext uri="{28A0092B-C50C-407E-A947-70E740481C1C}">
-                <a14:useLocalDpi xmlns:a14="http://schemas.microsoft.com/office/drawing/2010/main" val="0"/>
-              </a:ext>
-              <a:ext uri="{96DAC541-7B7A-43D3-8B79-37D633B846F1}">
-                <asvg:svgBlip xmlns:asvg="http://schemas.microsoft.com/office/drawing/2016/SVG/main" r:embed="rId11"/>
-              </a:ext>
-            </a:extLst>
-          </a:blip>
-          <a:stretch>
-            <a:fillRect/>
-          </a:stretch>
-        </p:blipFill>
-        <p:spPr>
-          <a:xfrm flipH="1">
-            <a:off x="6755231" y="5671463"/>
-            <a:ext cx="269216" cy="386613"/>
-          </a:xfrm>
-          <a:prstGeom prst="rect">
-            <a:avLst/>
-          </a:prstGeom>
-        </p:spPr>
-      </p:pic>
-      <p:pic>
-        <p:nvPicPr>
-          <p:cNvPr id="126" name="Graphic 125" descr="School girl outline">
-            <a:extLst>
-              <a:ext uri="{FF2B5EF4-FFF2-40B4-BE49-F238E27FC236}">
-                <a16:creationId xmlns:a16="http://schemas.microsoft.com/office/drawing/2014/main" id="{DCA5DA57-934D-4CE6-8ABE-BD115025B810}"/>
-              </a:ext>
-            </a:extLst>
-          </p:cNvPr>
-          <p:cNvPicPr>
-            <a:picLocks noChangeAspect="1"/>
-          </p:cNvPicPr>
-          <p:nvPr/>
-        </p:nvPicPr>
-        <p:blipFill>
-          <a:blip r:embed="rId2">
-            <a:extLst>
-              <a:ext uri="{28A0092B-C50C-407E-A947-70E740481C1C}">
-                <a14:useLocalDpi xmlns:a14="http://schemas.microsoft.com/office/drawing/2010/main" val="0"/>
-              </a:ext>
-              <a:ext uri="{96DAC541-7B7A-43D3-8B79-37D633B846F1}">
-                <asvg:svgBlip xmlns:asvg="http://schemas.microsoft.com/office/drawing/2016/SVG/main" r:embed="rId3"/>
-              </a:ext>
-            </a:extLst>
-          </a:blip>
-          <a:stretch>
-            <a:fillRect/>
-          </a:stretch>
-        </p:blipFill>
-        <p:spPr>
-          <a:xfrm>
-            <a:off x="7674863" y="5727201"/>
-            <a:ext cx="643655" cy="728255"/>
-          </a:xfrm>
-          <a:prstGeom prst="rect">
-            <a:avLst/>
-          </a:prstGeom>
-        </p:spPr>
-      </p:pic>
-      <p:pic>
-        <p:nvPicPr>
-          <p:cNvPr id="127" name="Graphic 126" descr="Female outline">
-            <a:extLst>
-              <a:ext uri="{FF2B5EF4-FFF2-40B4-BE49-F238E27FC236}">
-                <a16:creationId xmlns:a16="http://schemas.microsoft.com/office/drawing/2014/main" id="{F91F3E51-234F-DE01-0A71-3FB23C3AF3BB}"/>
-              </a:ext>
-            </a:extLst>
-          </p:cNvPr>
-          <p:cNvPicPr>
-            <a:picLocks noChangeAspect="1"/>
-          </p:cNvPicPr>
-          <p:nvPr/>
-        </p:nvPicPr>
-        <p:blipFill>
-          <a:blip r:embed="rId4">
-            <a:extLst>
-              <a:ext uri="{28A0092B-C50C-407E-A947-70E740481C1C}">
-                <a14:useLocalDpi xmlns:a14="http://schemas.microsoft.com/office/drawing/2010/main" val="0"/>
-              </a:ext>
-              <a:ext uri="{96DAC541-7B7A-43D3-8B79-37D633B846F1}">
-                <asvg:svgBlip xmlns:asvg="http://schemas.microsoft.com/office/drawing/2016/SVG/main" r:embed="rId5"/>
-              </a:ext>
-            </a:extLst>
-          </a:blip>
-          <a:stretch>
-            <a:fillRect/>
-          </a:stretch>
-        </p:blipFill>
-        <p:spPr>
-          <a:xfrm>
-            <a:off x="7440231" y="5339136"/>
-            <a:ext cx="312079" cy="353098"/>
-          </a:xfrm>
-          <a:prstGeom prst="rect">
-            <a:avLst/>
-          </a:prstGeom>
-        </p:spPr>
-      </p:pic>
-      <p:sp>
-        <p:nvSpPr>
-          <p:cNvPr id="128" name="Rectangle: Rounded Corners 127">
-            <a:extLst>
-              <a:ext uri="{FF2B5EF4-FFF2-40B4-BE49-F238E27FC236}">
-                <a16:creationId xmlns:a16="http://schemas.microsoft.com/office/drawing/2014/main" id="{72E19DB9-8CC5-0E55-91BC-86EEA828D34A}"/>
-              </a:ext>
-            </a:extLst>
-          </p:cNvPr>
-          <p:cNvSpPr/>
-          <p:nvPr/>
-        </p:nvSpPr>
-        <p:spPr>
-          <a:xfrm>
-            <a:off x="7407853" y="5255631"/>
-            <a:ext cx="875776" cy="1101077"/>
-          </a:xfrm>
-          <a:prstGeom prst="roundRect">
-            <a:avLst/>
-          </a:prstGeom>
-          <a:noFill/>
-          <a:ln w="57150">
+            </a:ln>
+          </p:spPr>
+          <p:style>
+            <a:lnRef idx="2">
+              <a:schemeClr val="accent1">
+                <a:shade val="50000"/>
+              </a:schemeClr>
+            </a:lnRef>
+            <a:fillRef idx="1">
+              <a:schemeClr val="accent1"/>
+            </a:fillRef>
+            <a:effectRef idx="0">
+              <a:schemeClr val="accent1"/>
+            </a:effectRef>
+            <a:fontRef idx="minor">
+              <a:schemeClr val="lt1"/>
+            </a:fontRef>
+          </p:style>
+          <p:txBody>
+            <a:bodyPr rot="0" spcFirstLastPara="0" vert="horz" wrap="square" lIns="91440" tIns="45720" rIns="91440" bIns="45720" numCol="1" spcCol="0" rtlCol="0" fromWordArt="0" anchor="ctr" anchorCtr="0" forceAA="0" compatLnSpc="1">
+              <a:prstTxWarp prst="textNoShape">
+                <a:avLst/>
+              </a:prstTxWarp>
+              <a:noAutofit/>
+            </a:bodyPr>
+            <a:lstStyle/>
+            <a:p>
+              <a:endParaRPr lang="en-US">
+                <a:solidFill>
+                  <a:srgbClr val="FFBE5F"/>
+                </a:solidFill>
+              </a:endParaRPr>
+            </a:p>
+          </p:txBody>
+        </p:sp>
+        <p:sp>
+          <p:nvSpPr>
+            <p:cNvPr id="115" name="Text Box 11">
+              <a:extLst>
+                <a:ext uri="{FF2B5EF4-FFF2-40B4-BE49-F238E27FC236}">
+                  <a16:creationId xmlns:a16="http://schemas.microsoft.com/office/drawing/2014/main" id="{D5C25037-C60C-902B-D7B6-2E4AC36B445C}"/>
+                </a:ext>
+              </a:extLst>
+            </p:cNvPr>
+            <p:cNvSpPr txBox="1">
+              <a:spLocks noChangeArrowheads="1"/>
+            </p:cNvSpPr>
+            <p:nvPr/>
+          </p:nvSpPr>
+          <p:spPr bwMode="auto">
+            <a:xfrm>
+              <a:off x="6231179" y="6405737"/>
+              <a:ext cx="854301" cy="236248"/>
+            </a:xfrm>
+            <a:prstGeom prst="rect">
+              <a:avLst/>
+            </a:prstGeom>
             <a:solidFill>
-              <a:srgbClr val="77CEF9"/>
+              <a:srgbClr val="FFFFFF"/>
             </a:solidFill>
-          </a:ln>
-        </p:spPr>
-        <p:style>
-          <a:lnRef idx="2">
-            <a:schemeClr val="accent1">
-              <a:shade val="50000"/>
-            </a:schemeClr>
-          </a:lnRef>
-          <a:fillRef idx="1">
-            <a:schemeClr val="accent1"/>
-          </a:fillRef>
-          <a:effectRef idx="0">
-            <a:schemeClr val="accent1"/>
-          </a:effectRef>
-          <a:fontRef idx="minor">
-            <a:schemeClr val="lt1"/>
-          </a:fontRef>
-        </p:style>
-        <p:txBody>
-          <a:bodyPr rot="0" spcFirstLastPara="0" vert="horz" wrap="square" lIns="91440" tIns="45720" rIns="91440" bIns="45720" numCol="1" spcCol="0" rtlCol="0" fromWordArt="0" anchor="ctr" anchorCtr="0" forceAA="0" compatLnSpc="1">
-            <a:prstTxWarp prst="textNoShape">
-              <a:avLst/>
-            </a:prstTxWarp>
-            <a:noAutofit/>
-          </a:bodyPr>
-          <a:lstStyle/>
-          <a:p>
-            <a:endParaRPr lang="en-US">
-              <a:solidFill>
-                <a:srgbClr val="0CA7F4"/>
-              </a:solidFill>
-            </a:endParaRPr>
-          </a:p>
-        </p:txBody>
-      </p:sp>
-      <p:sp>
-        <p:nvSpPr>
-          <p:cNvPr id="129" name="Text Box 10">
-            <a:extLst>
-              <a:ext uri="{FF2B5EF4-FFF2-40B4-BE49-F238E27FC236}">
-                <a16:creationId xmlns:a16="http://schemas.microsoft.com/office/drawing/2014/main" id="{42DC089E-6024-6FED-7D86-4FB2762042A9}"/>
-              </a:ext>
-            </a:extLst>
-          </p:cNvPr>
-          <p:cNvSpPr txBox="1">
-            <a:spLocks noChangeArrowheads="1"/>
-          </p:cNvSpPr>
-          <p:nvPr/>
-        </p:nvSpPr>
-        <p:spPr bwMode="auto">
-          <a:xfrm>
-            <a:off x="7427389" y="6392802"/>
-            <a:ext cx="854299" cy="236247"/>
-          </a:xfrm>
-          <a:prstGeom prst="rect">
-            <a:avLst/>
-          </a:prstGeom>
-          <a:solidFill>
-            <a:srgbClr val="FFFFFF"/>
-          </a:solidFill>
-          <a:ln>
-            <a:noFill/>
-          </a:ln>
-          <a:extLst>
-            <a:ext uri="{91240B29-F687-4F45-9708-019B960494DF}">
-              <a14:hiddenLine xmlns:a14="http://schemas.microsoft.com/office/drawing/2010/main" w="6350">
-                <a:solidFill>
-                  <a:srgbClr val="000000"/>
-                </a:solidFill>
-                <a:miter lim="800000"/>
-                <a:headEnd/>
-                <a:tailEnd/>
-              </a14:hiddenLine>
-            </a:ext>
-          </a:extLst>
-        </p:spPr>
-        <p:txBody>
-          <a:bodyPr vert="horz" wrap="square" lIns="91440" tIns="45720" rIns="91440" bIns="45720" numCol="1" anchor="t" anchorCtr="0" compatLnSpc="1">
-            <a:prstTxWarp prst="textNoShape">
-              <a:avLst/>
-            </a:prstTxWarp>
-          </a:bodyPr>
-          <a:lstStyle/>
-          <a:p>
-            <a:pPr marL="0" marR="0" lvl="0" indent="0" algn="ctr" defTabSz="914400" rtl="0" eaLnBrk="0" fontAlgn="base" latinLnBrk="0" hangingPunct="0">
-              <a:lnSpc>
-                <a:spcPct val="100000"/>
-              </a:lnSpc>
-              <a:spcBef>
-                <a:spcPct val="0"/>
-              </a:spcBef>
-              <a:spcAft>
-                <a:spcPct val="0"/>
-              </a:spcAft>
-              <a:buClrTx/>
-              <a:buSzTx/>
-              <a:buFontTx/>
-              <a:buNone/>
-              <a:tabLst/>
-            </a:pPr>
-            <a:r>
-              <a:rPr kumimoji="0" lang="en-US" altLang="en-US" sz="1100" b="0" i="1" u="none" strike="noStrike" cap="none" normalizeH="0" baseline="0" dirty="0">
+            <a:ln>
+              <a:noFill/>
+            </a:ln>
+            <a:extLst>
+              <a:ext uri="{91240B29-F687-4F45-9708-019B960494DF}">
+                <a14:hiddenLine xmlns:a14="http://schemas.microsoft.com/office/drawing/2010/main" w="6350">
+                  <a:solidFill>
+                    <a:srgbClr val="000000"/>
+                  </a:solidFill>
+                  <a:miter lim="800000"/>
+                  <a:headEnd/>
+                  <a:tailEnd/>
+                </a14:hiddenLine>
+              </a:ext>
+            </a:extLst>
+          </p:spPr>
+          <p:txBody>
+            <a:bodyPr vert="horz" wrap="square" lIns="91440" tIns="45720" rIns="91440" bIns="45720" numCol="1" anchor="t" anchorCtr="0" compatLnSpc="1">
+              <a:prstTxWarp prst="textNoShape">
+                <a:avLst/>
+              </a:prstTxWarp>
+            </a:bodyPr>
+            <a:lstStyle/>
+            <a:p>
+              <a:pPr marL="0" marR="0" lvl="0" indent="0" algn="ctr" defTabSz="914400" rtl="0" eaLnBrk="0" fontAlgn="base" latinLnBrk="0" hangingPunct="0">
+                <a:lnSpc>
+                  <a:spcPct val="100000"/>
+                </a:lnSpc>
+                <a:spcBef>
+                  <a:spcPct val="0"/>
+                </a:spcBef>
+                <a:spcAft>
+                  <a:spcPct val="0"/>
+                </a:spcAft>
+                <a:buClrTx/>
+                <a:buSzTx/>
+                <a:buFontTx/>
+                <a:buNone/>
+                <a:tabLst/>
+              </a:pPr>
+              <a:r>
+                <a:rPr kumimoji="0" lang="en-US" altLang="en-US" sz="1100" b="0" i="1" u="none" strike="noStrike" cap="none" normalizeH="0" baseline="0" dirty="0">
+                  <a:ln>
+                    <a:noFill/>
+                  </a:ln>
+                  <a:solidFill>
+                    <a:schemeClr val="tx1"/>
+                  </a:solidFill>
+                  <a:effectLst/>
+                  <a:latin typeface="Sylfaen" panose="010A0502050306030303" pitchFamily="18" charset="0"/>
+                  <a:ea typeface="Calibri" panose="020F0502020204030204" pitchFamily="34" charset="0"/>
+                  <a:cs typeface="Times New Roman" panose="02020603050405020304" pitchFamily="18" charset="0"/>
+                </a:rPr>
+                <a:t>Left</a:t>
+              </a:r>
+              <a:endParaRPr kumimoji="0" lang="en-US" altLang="en-US" sz="2400" b="0" i="0" u="none" strike="noStrike" cap="none" normalizeH="0" baseline="0" dirty="0">
                 <a:ln>
                   <a:noFill/>
                 </a:ln>
@@ -9638,136 +8986,811 @@
                   <a:schemeClr val="tx1"/>
                 </a:solidFill>
                 <a:effectLst/>
-                <a:latin typeface="Sylfaen" panose="010A0502050306030303" pitchFamily="18" charset="0"/>
-                <a:ea typeface="Calibri" panose="020F0502020204030204" pitchFamily="34" charset="0"/>
-                <a:cs typeface="Times New Roman" panose="02020603050405020304" pitchFamily="18" charset="0"/>
-              </a:rPr>
-              <a:t>Right</a:t>
-            </a:r>
-            <a:endParaRPr kumimoji="0" lang="en-US" altLang="en-US" sz="2400" b="0" i="0" u="none" strike="noStrike" cap="none" normalizeH="0" baseline="0" dirty="0">
-              <a:ln>
-                <a:noFill/>
-              </a:ln>
+                <a:latin typeface="Arial" panose="020B0604020202020204" pitchFamily="34" charset="0"/>
+              </a:endParaRPr>
+            </a:p>
+          </p:txBody>
+        </p:sp>
+        <p:pic>
+          <p:nvPicPr>
+            <p:cNvPr id="116" name="Graphic 115" descr="Ear outline">
+              <a:extLst>
+                <a:ext uri="{FF2B5EF4-FFF2-40B4-BE49-F238E27FC236}">
+                  <a16:creationId xmlns:a16="http://schemas.microsoft.com/office/drawing/2014/main" id="{0FCE5436-82A4-8ADF-D737-A285B7FDDEB6}"/>
+                </a:ext>
+              </a:extLst>
+            </p:cNvPr>
+            <p:cNvPicPr>
+              <a:picLocks noChangeAspect="1"/>
+            </p:cNvPicPr>
+            <p:nvPr/>
+          </p:nvPicPr>
+          <p:blipFill>
+            <a:blip r:embed="rId10">
+              <a:extLst>
+                <a:ext uri="{28A0092B-C50C-407E-A947-70E740481C1C}">
+                  <a14:useLocalDpi xmlns:a14="http://schemas.microsoft.com/office/drawing/2010/main" val="0"/>
+                </a:ext>
+                <a:ext uri="{96DAC541-7B7A-43D3-8B79-37D633B846F1}">
+                  <asvg:svgBlip xmlns:asvg="http://schemas.microsoft.com/office/drawing/2016/SVG/main" r:embed="rId11"/>
+                </a:ext>
+              </a:extLst>
+            </a:blip>
+            <a:stretch>
+              <a:fillRect/>
+            </a:stretch>
+          </p:blipFill>
+          <p:spPr>
+            <a:xfrm>
+              <a:off x="7463634" y="5682969"/>
+              <a:ext cx="269217" cy="386613"/>
+            </a:xfrm>
+            <a:prstGeom prst="rect">
+              <a:avLst/>
+            </a:prstGeom>
+          </p:spPr>
+        </p:pic>
+        <p:pic>
+          <p:nvPicPr>
+            <p:cNvPr id="117" name="Graphic 116" descr="School boy outline">
+              <a:extLst>
+                <a:ext uri="{FF2B5EF4-FFF2-40B4-BE49-F238E27FC236}">
+                  <a16:creationId xmlns:a16="http://schemas.microsoft.com/office/drawing/2014/main" id="{9173A514-5413-D50C-02C7-23EA3D6DA191}"/>
+                </a:ext>
+              </a:extLst>
+            </p:cNvPr>
+            <p:cNvPicPr>
+              <a:picLocks noChangeAspect="1"/>
+            </p:cNvPicPr>
+            <p:nvPr/>
+          </p:nvPicPr>
+          <p:blipFill>
+            <a:blip r:embed="rId6">
+              <a:extLst>
+                <a:ext uri="{28A0092B-C50C-407E-A947-70E740481C1C}">
+                  <a14:useLocalDpi xmlns:a14="http://schemas.microsoft.com/office/drawing/2010/main" val="0"/>
+                </a:ext>
+                <a:ext uri="{96DAC541-7B7A-43D3-8B79-37D633B846F1}">
+                  <asvg:svgBlip xmlns:asvg="http://schemas.microsoft.com/office/drawing/2016/SVG/main" r:embed="rId7"/>
+                </a:ext>
+              </a:extLst>
+            </a:blip>
+            <a:stretch>
+              <a:fillRect/>
+            </a:stretch>
+          </p:blipFill>
+          <p:spPr>
+            <a:xfrm>
+              <a:off x="6164312" y="5696778"/>
+              <a:ext cx="643653" cy="728254"/>
+            </a:xfrm>
+            <a:prstGeom prst="rect">
+              <a:avLst/>
+            </a:prstGeom>
+          </p:spPr>
+        </p:pic>
+        <p:pic>
+          <p:nvPicPr>
+            <p:cNvPr id="118" name="Graphic 117" descr="Male outline">
+              <a:extLst>
+                <a:ext uri="{FF2B5EF4-FFF2-40B4-BE49-F238E27FC236}">
+                  <a16:creationId xmlns:a16="http://schemas.microsoft.com/office/drawing/2014/main" id="{3706654B-B7CB-C8AD-0460-FD7D7BA940B8}"/>
+                </a:ext>
+              </a:extLst>
+            </p:cNvPr>
+            <p:cNvPicPr>
+              <a:picLocks noChangeAspect="1"/>
+            </p:cNvPicPr>
+            <p:nvPr/>
+          </p:nvPicPr>
+          <p:blipFill>
+            <a:blip r:embed="rId8">
+              <a:extLst>
+                <a:ext uri="{28A0092B-C50C-407E-A947-70E740481C1C}">
+                  <a14:useLocalDpi xmlns:a14="http://schemas.microsoft.com/office/drawing/2010/main" val="0"/>
+                </a:ext>
+                <a:ext uri="{96DAC541-7B7A-43D3-8B79-37D633B846F1}">
+                  <asvg:svgBlip xmlns:asvg="http://schemas.microsoft.com/office/drawing/2016/SVG/main" r:embed="rId9"/>
+                </a:ext>
+              </a:extLst>
+            </a:blip>
+            <a:stretch>
+              <a:fillRect/>
+            </a:stretch>
+          </p:blipFill>
+          <p:spPr>
+            <a:xfrm>
+              <a:off x="6721120" y="5305892"/>
+              <a:ext cx="341901" cy="386841"/>
+            </a:xfrm>
+            <a:prstGeom prst="rect">
+              <a:avLst/>
+            </a:prstGeom>
+          </p:spPr>
+        </p:pic>
+        <p:sp>
+          <p:nvSpPr>
+            <p:cNvPr id="146" name="TextBox 145">
+              <a:extLst>
+                <a:ext uri="{FF2B5EF4-FFF2-40B4-BE49-F238E27FC236}">
+                  <a16:creationId xmlns:a16="http://schemas.microsoft.com/office/drawing/2014/main" id="{FC2CA765-BD84-DA34-F837-6DE8AC796591}"/>
+                </a:ext>
+              </a:extLst>
+            </p:cNvPr>
+            <p:cNvSpPr txBox="1"/>
+            <p:nvPr/>
+          </p:nvSpPr>
+          <p:spPr>
+            <a:xfrm>
+              <a:off x="6751696" y="5959636"/>
+              <a:ext cx="417980" cy="369332"/>
+            </a:xfrm>
+            <a:prstGeom prst="rect">
+              <a:avLst/>
+            </a:prstGeom>
+            <a:noFill/>
+          </p:spPr>
+          <p:txBody>
+            <a:bodyPr wrap="square" rtlCol="0">
+              <a:spAutoFit/>
+            </a:bodyPr>
+            <a:lstStyle/>
+            <a:p>
+              <a:r>
+                <a:rPr lang="en-US" dirty="0"/>
+                <a:t>S</a:t>
+              </a:r>
+            </a:p>
+          </p:txBody>
+        </p:sp>
+        <p:sp>
+          <p:nvSpPr>
+            <p:cNvPr id="149" name="TextBox 148">
+              <a:extLst>
+                <a:ext uri="{FF2B5EF4-FFF2-40B4-BE49-F238E27FC236}">
+                  <a16:creationId xmlns:a16="http://schemas.microsoft.com/office/drawing/2014/main" id="{0E1C2932-A7E1-DF58-63B3-A59941BFE575}"/>
+                </a:ext>
+              </a:extLst>
+            </p:cNvPr>
+            <p:cNvSpPr txBox="1"/>
+            <p:nvPr/>
+          </p:nvSpPr>
+          <p:spPr>
+            <a:xfrm>
+              <a:off x="6764829" y="4514294"/>
+              <a:ext cx="417980" cy="369332"/>
+            </a:xfrm>
+            <a:prstGeom prst="rect">
+              <a:avLst/>
+            </a:prstGeom>
+            <a:noFill/>
+          </p:spPr>
+          <p:txBody>
+            <a:bodyPr wrap="square" rtlCol="0">
+              <a:spAutoFit/>
+            </a:bodyPr>
+            <a:lstStyle/>
+            <a:p>
+              <a:r>
+                <a:rPr lang="en-US" dirty="0"/>
+                <a:t>S</a:t>
+              </a:r>
+            </a:p>
+          </p:txBody>
+        </p:sp>
+        <p:pic>
+          <p:nvPicPr>
+            <p:cNvPr id="120" name="Graphic 119" descr="School boy outline">
+              <a:extLst>
+                <a:ext uri="{FF2B5EF4-FFF2-40B4-BE49-F238E27FC236}">
+                  <a16:creationId xmlns:a16="http://schemas.microsoft.com/office/drawing/2014/main" id="{27B00F38-72DE-89C7-0AF0-3EC8956248B7}"/>
+                </a:ext>
+              </a:extLst>
+            </p:cNvPr>
+            <p:cNvPicPr>
+              <a:picLocks noChangeAspect="1"/>
+            </p:cNvPicPr>
+            <p:nvPr/>
+          </p:nvPicPr>
+          <p:blipFill>
+            <a:blip r:embed="rId6">
+              <a:extLst>
+                <a:ext uri="{28A0092B-C50C-407E-A947-70E740481C1C}">
+                  <a14:useLocalDpi xmlns:a14="http://schemas.microsoft.com/office/drawing/2010/main" val="0"/>
+                </a:ext>
+                <a:ext uri="{96DAC541-7B7A-43D3-8B79-37D633B846F1}">
+                  <asvg:svgBlip xmlns:asvg="http://schemas.microsoft.com/office/drawing/2016/SVG/main" r:embed="rId7"/>
+                </a:ext>
+              </a:extLst>
+            </a:blip>
+            <a:stretch>
+              <a:fillRect/>
+            </a:stretch>
+          </p:blipFill>
+          <p:spPr>
+            <a:xfrm>
+              <a:off x="7695416" y="4249656"/>
+              <a:ext cx="643653" cy="728254"/>
+            </a:xfrm>
+            <a:prstGeom prst="rect">
+              <a:avLst/>
+            </a:prstGeom>
+          </p:spPr>
+        </p:pic>
+        <p:sp>
+          <p:nvSpPr>
+            <p:cNvPr id="121" name="Rectangle: Rounded Corners 120">
+              <a:extLst>
+                <a:ext uri="{FF2B5EF4-FFF2-40B4-BE49-F238E27FC236}">
+                  <a16:creationId xmlns:a16="http://schemas.microsoft.com/office/drawing/2014/main" id="{171291B7-AA92-5EB1-B6B8-7BA1F051B80F}"/>
+                </a:ext>
+              </a:extLst>
+            </p:cNvPr>
+            <p:cNvSpPr/>
+            <p:nvPr/>
+          </p:nvSpPr>
+          <p:spPr>
+            <a:xfrm>
+              <a:off x="7383347" y="3798603"/>
+              <a:ext cx="875776" cy="1101077"/>
+            </a:xfrm>
+            <a:prstGeom prst="roundRect">
+              <a:avLst/>
+            </a:prstGeom>
+            <a:noFill/>
+            <a:ln w="57150">
               <a:solidFill>
-                <a:schemeClr val="tx1"/>
+                <a:srgbClr val="77CEF9"/>
               </a:solidFill>
-              <a:effectLst/>
-              <a:latin typeface="Arial" panose="020B0604020202020204" pitchFamily="34" charset="0"/>
-            </a:endParaRPr>
-          </a:p>
-        </p:txBody>
-      </p:sp>
-      <p:pic>
-        <p:nvPicPr>
-          <p:cNvPr id="130" name="Graphic 129" descr="Ear outline">
-            <a:extLst>
-              <a:ext uri="{FF2B5EF4-FFF2-40B4-BE49-F238E27FC236}">
-                <a16:creationId xmlns:a16="http://schemas.microsoft.com/office/drawing/2014/main" id="{E947D740-7FA0-2E00-296E-5B43BCBB1098}"/>
-              </a:ext>
-            </a:extLst>
-          </p:cNvPr>
-          <p:cNvPicPr>
-            <a:picLocks noChangeAspect="1"/>
-          </p:cNvPicPr>
-          <p:nvPr/>
-        </p:nvPicPr>
-        <p:blipFill>
-          <a:blip r:embed="rId10">
-            <a:extLst>
-              <a:ext uri="{28A0092B-C50C-407E-A947-70E740481C1C}">
-                <a14:useLocalDpi xmlns:a14="http://schemas.microsoft.com/office/drawing/2010/main" val="0"/>
-              </a:ext>
-              <a:ext uri="{96DAC541-7B7A-43D3-8B79-37D633B846F1}">
-                <asvg:svgBlip xmlns:asvg="http://schemas.microsoft.com/office/drawing/2016/SVG/main" r:embed="rId11"/>
-              </a:ext>
-            </a:extLst>
-          </a:blip>
-          <a:stretch>
-            <a:fillRect/>
-          </a:stretch>
-        </p:blipFill>
-        <p:spPr>
-          <a:xfrm flipH="1">
-            <a:off x="6779584" y="4226316"/>
-            <a:ext cx="269216" cy="386613"/>
-          </a:xfrm>
-          <a:prstGeom prst="rect">
-            <a:avLst/>
-          </a:prstGeom>
-        </p:spPr>
-      </p:pic>
-      <p:sp>
-        <p:nvSpPr>
-          <p:cNvPr id="136" name="TextBox 135">
-            <a:extLst>
-              <a:ext uri="{FF2B5EF4-FFF2-40B4-BE49-F238E27FC236}">
-                <a16:creationId xmlns:a16="http://schemas.microsoft.com/office/drawing/2014/main" id="{67C2364F-B05D-539C-6020-6743D92C948F}"/>
-              </a:ext>
-            </a:extLst>
-          </p:cNvPr>
-          <p:cNvSpPr txBox="1"/>
-          <p:nvPr/>
-        </p:nvSpPr>
-        <p:spPr>
-          <a:xfrm>
-            <a:off x="7416189" y="4539384"/>
-            <a:ext cx="417980" cy="369332"/>
-          </a:xfrm>
-          <a:prstGeom prst="rect">
-            <a:avLst/>
-          </a:prstGeom>
-          <a:noFill/>
-        </p:spPr>
-        <p:txBody>
-          <a:bodyPr wrap="square" rtlCol="0">
-            <a:spAutoFit/>
-          </a:bodyPr>
-          <a:lstStyle/>
-          <a:p>
-            <a:r>
-              <a:rPr lang="en-US" dirty="0" err="1"/>
-              <a:t>Sh</a:t>
-            </a:r>
-            <a:endParaRPr lang="en-US" dirty="0"/>
-          </a:p>
-        </p:txBody>
-      </p:sp>
-      <p:sp>
-        <p:nvSpPr>
-          <p:cNvPr id="137" name="TextBox 136">
-            <a:extLst>
-              <a:ext uri="{FF2B5EF4-FFF2-40B4-BE49-F238E27FC236}">
-                <a16:creationId xmlns:a16="http://schemas.microsoft.com/office/drawing/2014/main" id="{695A2EAC-BB1C-A9CA-CFA8-F91517633794}"/>
-              </a:ext>
-            </a:extLst>
-          </p:cNvPr>
-          <p:cNvSpPr txBox="1"/>
-          <p:nvPr/>
-        </p:nvSpPr>
-        <p:spPr>
-          <a:xfrm>
-            <a:off x="7416189" y="5951765"/>
-            <a:ext cx="417980" cy="369332"/>
-          </a:xfrm>
-          <a:prstGeom prst="rect">
-            <a:avLst/>
-          </a:prstGeom>
-          <a:noFill/>
-        </p:spPr>
-        <p:txBody>
-          <a:bodyPr wrap="square" rtlCol="0">
-            <a:spAutoFit/>
-          </a:bodyPr>
-          <a:lstStyle/>
-          <a:p>
-            <a:r>
-              <a:rPr lang="en-US" dirty="0" err="1"/>
-              <a:t>Sh</a:t>
-            </a:r>
-            <a:endParaRPr lang="en-US" dirty="0"/>
-          </a:p>
-        </p:txBody>
-      </p:sp>
+            </a:ln>
+          </p:spPr>
+          <p:style>
+            <a:lnRef idx="2">
+              <a:schemeClr val="accent1">
+                <a:shade val="50000"/>
+              </a:schemeClr>
+            </a:lnRef>
+            <a:fillRef idx="1">
+              <a:schemeClr val="accent1"/>
+            </a:fillRef>
+            <a:effectRef idx="0">
+              <a:schemeClr val="accent1"/>
+            </a:effectRef>
+            <a:fontRef idx="minor">
+              <a:schemeClr val="lt1"/>
+            </a:fontRef>
+          </p:style>
+          <p:txBody>
+            <a:bodyPr rot="0" spcFirstLastPara="0" vert="horz" wrap="square" lIns="91440" tIns="45720" rIns="91440" bIns="45720" numCol="1" spcCol="0" rtlCol="0" fromWordArt="0" anchor="ctr" anchorCtr="0" forceAA="0" compatLnSpc="1">
+              <a:prstTxWarp prst="textNoShape">
+                <a:avLst/>
+              </a:prstTxWarp>
+              <a:noAutofit/>
+            </a:bodyPr>
+            <a:lstStyle/>
+            <a:p>
+              <a:endParaRPr lang="en-US">
+                <a:solidFill>
+                  <a:srgbClr val="0CA7F4"/>
+                </a:solidFill>
+              </a:endParaRPr>
+            </a:p>
+          </p:txBody>
+        </p:sp>
+        <p:sp>
+          <p:nvSpPr>
+            <p:cNvPr id="122" name="Text Box 10">
+              <a:extLst>
+                <a:ext uri="{FF2B5EF4-FFF2-40B4-BE49-F238E27FC236}">
+                  <a16:creationId xmlns:a16="http://schemas.microsoft.com/office/drawing/2014/main" id="{3619B8A7-C765-E6BC-36B7-7BA6238D16AE}"/>
+                </a:ext>
+              </a:extLst>
+            </p:cNvPr>
+            <p:cNvSpPr txBox="1">
+              <a:spLocks noChangeArrowheads="1"/>
+            </p:cNvSpPr>
+            <p:nvPr/>
+          </p:nvSpPr>
+          <p:spPr bwMode="auto">
+            <a:xfrm>
+              <a:off x="7402883" y="4935774"/>
+              <a:ext cx="854299" cy="236247"/>
+            </a:xfrm>
+            <a:prstGeom prst="rect">
+              <a:avLst/>
+            </a:prstGeom>
+            <a:solidFill>
+              <a:srgbClr val="FFFFFF"/>
+            </a:solidFill>
+            <a:ln>
+              <a:noFill/>
+            </a:ln>
+            <a:extLst>
+              <a:ext uri="{91240B29-F687-4F45-9708-019B960494DF}">
+                <a14:hiddenLine xmlns:a14="http://schemas.microsoft.com/office/drawing/2010/main" w="6350">
+                  <a:solidFill>
+                    <a:srgbClr val="000000"/>
+                  </a:solidFill>
+                  <a:miter lim="800000"/>
+                  <a:headEnd/>
+                  <a:tailEnd/>
+                </a14:hiddenLine>
+              </a:ext>
+            </a:extLst>
+          </p:spPr>
+          <p:txBody>
+            <a:bodyPr vert="horz" wrap="square" lIns="91440" tIns="45720" rIns="91440" bIns="45720" numCol="1" anchor="t" anchorCtr="0" compatLnSpc="1">
+              <a:prstTxWarp prst="textNoShape">
+                <a:avLst/>
+              </a:prstTxWarp>
+            </a:bodyPr>
+            <a:lstStyle/>
+            <a:p>
+              <a:pPr marL="0" marR="0" lvl="0" indent="0" algn="ctr" defTabSz="914400" rtl="0" eaLnBrk="0" fontAlgn="base" latinLnBrk="0" hangingPunct="0">
+                <a:lnSpc>
+                  <a:spcPct val="100000"/>
+                </a:lnSpc>
+                <a:spcBef>
+                  <a:spcPct val="0"/>
+                </a:spcBef>
+                <a:spcAft>
+                  <a:spcPct val="0"/>
+                </a:spcAft>
+                <a:buClrTx/>
+                <a:buSzTx/>
+                <a:buFontTx/>
+                <a:buNone/>
+                <a:tabLst/>
+              </a:pPr>
+              <a:r>
+                <a:rPr kumimoji="0" lang="en-US" altLang="en-US" sz="1100" b="0" i="1" u="none" strike="noStrike" cap="none" normalizeH="0" baseline="0" dirty="0">
+                  <a:ln>
+                    <a:noFill/>
+                  </a:ln>
+                  <a:solidFill>
+                    <a:schemeClr val="tx1"/>
+                  </a:solidFill>
+                  <a:effectLst/>
+                  <a:latin typeface="Sylfaen" panose="010A0502050306030303" pitchFamily="18" charset="0"/>
+                  <a:ea typeface="Calibri" panose="020F0502020204030204" pitchFamily="34" charset="0"/>
+                  <a:cs typeface="Times New Roman" panose="02020603050405020304" pitchFamily="18" charset="0"/>
+                </a:rPr>
+                <a:t>Right</a:t>
+              </a:r>
+              <a:endParaRPr kumimoji="0" lang="en-US" altLang="en-US" sz="2400" b="0" i="0" u="none" strike="noStrike" cap="none" normalizeH="0" baseline="0" dirty="0">
+                <a:ln>
+                  <a:noFill/>
+                </a:ln>
+                <a:solidFill>
+                  <a:schemeClr val="tx1"/>
+                </a:solidFill>
+                <a:effectLst/>
+                <a:latin typeface="Arial" panose="020B0604020202020204" pitchFamily="34" charset="0"/>
+              </a:endParaRPr>
+            </a:p>
+          </p:txBody>
+        </p:sp>
+        <p:pic>
+          <p:nvPicPr>
+            <p:cNvPr id="123" name="Graphic 122" descr="Male outline">
+              <a:extLst>
+                <a:ext uri="{FF2B5EF4-FFF2-40B4-BE49-F238E27FC236}">
+                  <a16:creationId xmlns:a16="http://schemas.microsoft.com/office/drawing/2014/main" id="{A6695C99-19C9-AB47-A1E8-5AF7EAA70A17}"/>
+                </a:ext>
+              </a:extLst>
+            </p:cNvPr>
+            <p:cNvPicPr>
+              <a:picLocks noChangeAspect="1"/>
+            </p:cNvPicPr>
+            <p:nvPr/>
+          </p:nvPicPr>
+          <p:blipFill>
+            <a:blip r:embed="rId8">
+              <a:extLst>
+                <a:ext uri="{28A0092B-C50C-407E-A947-70E740481C1C}">
+                  <a14:useLocalDpi xmlns:a14="http://schemas.microsoft.com/office/drawing/2010/main" val="0"/>
+                </a:ext>
+                <a:ext uri="{96DAC541-7B7A-43D3-8B79-37D633B846F1}">
+                  <asvg:svgBlip xmlns:asvg="http://schemas.microsoft.com/office/drawing/2016/SVG/main" r:embed="rId9"/>
+                </a:ext>
+              </a:extLst>
+            </a:blip>
+            <a:stretch>
+              <a:fillRect/>
+            </a:stretch>
+          </p:blipFill>
+          <p:spPr>
+            <a:xfrm>
+              <a:off x="7428378" y="3847238"/>
+              <a:ext cx="341901" cy="386841"/>
+            </a:xfrm>
+            <a:prstGeom prst="rect">
+              <a:avLst/>
+            </a:prstGeom>
+          </p:spPr>
+        </p:pic>
+        <p:pic>
+          <p:nvPicPr>
+            <p:cNvPr id="124" name="Graphic 123" descr="Ear outline">
+              <a:extLst>
+                <a:ext uri="{FF2B5EF4-FFF2-40B4-BE49-F238E27FC236}">
+                  <a16:creationId xmlns:a16="http://schemas.microsoft.com/office/drawing/2014/main" id="{D8D8250F-CD03-56B2-C00F-5074C63BD0E6}"/>
+                </a:ext>
+              </a:extLst>
+            </p:cNvPr>
+            <p:cNvPicPr>
+              <a:picLocks noChangeAspect="1"/>
+            </p:cNvPicPr>
+            <p:nvPr/>
+          </p:nvPicPr>
+          <p:blipFill>
+            <a:blip r:embed="rId10">
+              <a:extLst>
+                <a:ext uri="{28A0092B-C50C-407E-A947-70E740481C1C}">
+                  <a14:useLocalDpi xmlns:a14="http://schemas.microsoft.com/office/drawing/2010/main" val="0"/>
+                </a:ext>
+                <a:ext uri="{96DAC541-7B7A-43D3-8B79-37D633B846F1}">
+                  <asvg:svgBlip xmlns:asvg="http://schemas.microsoft.com/office/drawing/2016/SVG/main" r:embed="rId11"/>
+                </a:ext>
+              </a:extLst>
+            </a:blip>
+            <a:stretch>
+              <a:fillRect/>
+            </a:stretch>
+          </p:blipFill>
+          <p:spPr>
+            <a:xfrm flipH="1">
+              <a:off x="6755231" y="5671463"/>
+              <a:ext cx="269216" cy="386613"/>
+            </a:xfrm>
+            <a:prstGeom prst="rect">
+              <a:avLst/>
+            </a:prstGeom>
+          </p:spPr>
+        </p:pic>
+        <p:pic>
+          <p:nvPicPr>
+            <p:cNvPr id="126" name="Graphic 125" descr="School girl outline">
+              <a:extLst>
+                <a:ext uri="{FF2B5EF4-FFF2-40B4-BE49-F238E27FC236}">
+                  <a16:creationId xmlns:a16="http://schemas.microsoft.com/office/drawing/2014/main" id="{DCA5DA57-934D-4CE6-8ABE-BD115025B810}"/>
+                </a:ext>
+              </a:extLst>
+            </p:cNvPr>
+            <p:cNvPicPr>
+              <a:picLocks noChangeAspect="1"/>
+            </p:cNvPicPr>
+            <p:nvPr/>
+          </p:nvPicPr>
+          <p:blipFill>
+            <a:blip r:embed="rId2">
+              <a:extLst>
+                <a:ext uri="{28A0092B-C50C-407E-A947-70E740481C1C}">
+                  <a14:useLocalDpi xmlns:a14="http://schemas.microsoft.com/office/drawing/2010/main" val="0"/>
+                </a:ext>
+                <a:ext uri="{96DAC541-7B7A-43D3-8B79-37D633B846F1}">
+                  <asvg:svgBlip xmlns:asvg="http://schemas.microsoft.com/office/drawing/2016/SVG/main" r:embed="rId3"/>
+                </a:ext>
+              </a:extLst>
+            </a:blip>
+            <a:stretch>
+              <a:fillRect/>
+            </a:stretch>
+          </p:blipFill>
+          <p:spPr>
+            <a:xfrm>
+              <a:off x="7674863" y="5727201"/>
+              <a:ext cx="643655" cy="728255"/>
+            </a:xfrm>
+            <a:prstGeom prst="rect">
+              <a:avLst/>
+            </a:prstGeom>
+          </p:spPr>
+        </p:pic>
+        <p:pic>
+          <p:nvPicPr>
+            <p:cNvPr id="127" name="Graphic 126" descr="Female outline">
+              <a:extLst>
+                <a:ext uri="{FF2B5EF4-FFF2-40B4-BE49-F238E27FC236}">
+                  <a16:creationId xmlns:a16="http://schemas.microsoft.com/office/drawing/2014/main" id="{F91F3E51-234F-DE01-0A71-3FB23C3AF3BB}"/>
+                </a:ext>
+              </a:extLst>
+            </p:cNvPr>
+            <p:cNvPicPr>
+              <a:picLocks noChangeAspect="1"/>
+            </p:cNvPicPr>
+            <p:nvPr/>
+          </p:nvPicPr>
+          <p:blipFill>
+            <a:blip r:embed="rId4">
+              <a:extLst>
+                <a:ext uri="{28A0092B-C50C-407E-A947-70E740481C1C}">
+                  <a14:useLocalDpi xmlns:a14="http://schemas.microsoft.com/office/drawing/2010/main" val="0"/>
+                </a:ext>
+                <a:ext uri="{96DAC541-7B7A-43D3-8B79-37D633B846F1}">
+                  <asvg:svgBlip xmlns:asvg="http://schemas.microsoft.com/office/drawing/2016/SVG/main" r:embed="rId5"/>
+                </a:ext>
+              </a:extLst>
+            </a:blip>
+            <a:stretch>
+              <a:fillRect/>
+            </a:stretch>
+          </p:blipFill>
+          <p:spPr>
+            <a:xfrm>
+              <a:off x="7440231" y="5339136"/>
+              <a:ext cx="312079" cy="353098"/>
+            </a:xfrm>
+            <a:prstGeom prst="rect">
+              <a:avLst/>
+            </a:prstGeom>
+          </p:spPr>
+        </p:pic>
+        <p:sp>
+          <p:nvSpPr>
+            <p:cNvPr id="128" name="Rectangle: Rounded Corners 127">
+              <a:extLst>
+                <a:ext uri="{FF2B5EF4-FFF2-40B4-BE49-F238E27FC236}">
+                  <a16:creationId xmlns:a16="http://schemas.microsoft.com/office/drawing/2014/main" id="{72E19DB9-8CC5-0E55-91BC-86EEA828D34A}"/>
+                </a:ext>
+              </a:extLst>
+            </p:cNvPr>
+            <p:cNvSpPr/>
+            <p:nvPr/>
+          </p:nvSpPr>
+          <p:spPr>
+            <a:xfrm>
+              <a:off x="7407853" y="5255631"/>
+              <a:ext cx="875776" cy="1101077"/>
+            </a:xfrm>
+            <a:prstGeom prst="roundRect">
+              <a:avLst/>
+            </a:prstGeom>
+            <a:noFill/>
+            <a:ln w="57150">
+              <a:solidFill>
+                <a:srgbClr val="77CEF9"/>
+              </a:solidFill>
+            </a:ln>
+          </p:spPr>
+          <p:style>
+            <a:lnRef idx="2">
+              <a:schemeClr val="accent1">
+                <a:shade val="50000"/>
+              </a:schemeClr>
+            </a:lnRef>
+            <a:fillRef idx="1">
+              <a:schemeClr val="accent1"/>
+            </a:fillRef>
+            <a:effectRef idx="0">
+              <a:schemeClr val="accent1"/>
+            </a:effectRef>
+            <a:fontRef idx="minor">
+              <a:schemeClr val="lt1"/>
+            </a:fontRef>
+          </p:style>
+          <p:txBody>
+            <a:bodyPr rot="0" spcFirstLastPara="0" vert="horz" wrap="square" lIns="91440" tIns="45720" rIns="91440" bIns="45720" numCol="1" spcCol="0" rtlCol="0" fromWordArt="0" anchor="ctr" anchorCtr="0" forceAA="0" compatLnSpc="1">
+              <a:prstTxWarp prst="textNoShape">
+                <a:avLst/>
+              </a:prstTxWarp>
+              <a:noAutofit/>
+            </a:bodyPr>
+            <a:lstStyle/>
+            <a:p>
+              <a:endParaRPr lang="en-US">
+                <a:solidFill>
+                  <a:srgbClr val="0CA7F4"/>
+                </a:solidFill>
+              </a:endParaRPr>
+            </a:p>
+          </p:txBody>
+        </p:sp>
+        <p:sp>
+          <p:nvSpPr>
+            <p:cNvPr id="129" name="Text Box 10">
+              <a:extLst>
+                <a:ext uri="{FF2B5EF4-FFF2-40B4-BE49-F238E27FC236}">
+                  <a16:creationId xmlns:a16="http://schemas.microsoft.com/office/drawing/2014/main" id="{42DC089E-6024-6FED-7D86-4FB2762042A9}"/>
+                </a:ext>
+              </a:extLst>
+            </p:cNvPr>
+            <p:cNvSpPr txBox="1">
+              <a:spLocks noChangeArrowheads="1"/>
+            </p:cNvSpPr>
+            <p:nvPr/>
+          </p:nvSpPr>
+          <p:spPr bwMode="auto">
+            <a:xfrm>
+              <a:off x="7427389" y="6392802"/>
+              <a:ext cx="854299" cy="236247"/>
+            </a:xfrm>
+            <a:prstGeom prst="rect">
+              <a:avLst/>
+            </a:prstGeom>
+            <a:solidFill>
+              <a:srgbClr val="FFFFFF"/>
+            </a:solidFill>
+            <a:ln>
+              <a:noFill/>
+            </a:ln>
+            <a:extLst>
+              <a:ext uri="{91240B29-F687-4F45-9708-019B960494DF}">
+                <a14:hiddenLine xmlns:a14="http://schemas.microsoft.com/office/drawing/2010/main" w="6350">
+                  <a:solidFill>
+                    <a:srgbClr val="000000"/>
+                  </a:solidFill>
+                  <a:miter lim="800000"/>
+                  <a:headEnd/>
+                  <a:tailEnd/>
+                </a14:hiddenLine>
+              </a:ext>
+            </a:extLst>
+          </p:spPr>
+          <p:txBody>
+            <a:bodyPr vert="horz" wrap="square" lIns="91440" tIns="45720" rIns="91440" bIns="45720" numCol="1" anchor="t" anchorCtr="0" compatLnSpc="1">
+              <a:prstTxWarp prst="textNoShape">
+                <a:avLst/>
+              </a:prstTxWarp>
+            </a:bodyPr>
+            <a:lstStyle/>
+            <a:p>
+              <a:pPr marL="0" marR="0" lvl="0" indent="0" algn="ctr" defTabSz="914400" rtl="0" eaLnBrk="0" fontAlgn="base" latinLnBrk="0" hangingPunct="0">
+                <a:lnSpc>
+                  <a:spcPct val="100000"/>
+                </a:lnSpc>
+                <a:spcBef>
+                  <a:spcPct val="0"/>
+                </a:spcBef>
+                <a:spcAft>
+                  <a:spcPct val="0"/>
+                </a:spcAft>
+                <a:buClrTx/>
+                <a:buSzTx/>
+                <a:buFontTx/>
+                <a:buNone/>
+                <a:tabLst/>
+              </a:pPr>
+              <a:r>
+                <a:rPr kumimoji="0" lang="en-US" altLang="en-US" sz="1100" b="0" i="1" u="none" strike="noStrike" cap="none" normalizeH="0" baseline="0" dirty="0">
+                  <a:ln>
+                    <a:noFill/>
+                  </a:ln>
+                  <a:solidFill>
+                    <a:schemeClr val="tx1"/>
+                  </a:solidFill>
+                  <a:effectLst/>
+                  <a:latin typeface="Sylfaen" panose="010A0502050306030303" pitchFamily="18" charset="0"/>
+                  <a:ea typeface="Calibri" panose="020F0502020204030204" pitchFamily="34" charset="0"/>
+                  <a:cs typeface="Times New Roman" panose="02020603050405020304" pitchFamily="18" charset="0"/>
+                </a:rPr>
+                <a:t>Right</a:t>
+              </a:r>
+              <a:endParaRPr kumimoji="0" lang="en-US" altLang="en-US" sz="2400" b="0" i="0" u="none" strike="noStrike" cap="none" normalizeH="0" baseline="0" dirty="0">
+                <a:ln>
+                  <a:noFill/>
+                </a:ln>
+                <a:solidFill>
+                  <a:schemeClr val="tx1"/>
+                </a:solidFill>
+                <a:effectLst/>
+                <a:latin typeface="Arial" panose="020B0604020202020204" pitchFamily="34" charset="0"/>
+              </a:endParaRPr>
+            </a:p>
+          </p:txBody>
+        </p:sp>
+        <p:pic>
+          <p:nvPicPr>
+            <p:cNvPr id="130" name="Graphic 129" descr="Ear outline">
+              <a:extLst>
+                <a:ext uri="{FF2B5EF4-FFF2-40B4-BE49-F238E27FC236}">
+                  <a16:creationId xmlns:a16="http://schemas.microsoft.com/office/drawing/2014/main" id="{E947D740-7FA0-2E00-296E-5B43BCBB1098}"/>
+                </a:ext>
+              </a:extLst>
+            </p:cNvPr>
+            <p:cNvPicPr>
+              <a:picLocks noChangeAspect="1"/>
+            </p:cNvPicPr>
+            <p:nvPr/>
+          </p:nvPicPr>
+          <p:blipFill>
+            <a:blip r:embed="rId10">
+              <a:extLst>
+                <a:ext uri="{28A0092B-C50C-407E-A947-70E740481C1C}">
+                  <a14:useLocalDpi xmlns:a14="http://schemas.microsoft.com/office/drawing/2010/main" val="0"/>
+                </a:ext>
+                <a:ext uri="{96DAC541-7B7A-43D3-8B79-37D633B846F1}">
+                  <asvg:svgBlip xmlns:asvg="http://schemas.microsoft.com/office/drawing/2016/SVG/main" r:embed="rId11"/>
+                </a:ext>
+              </a:extLst>
+            </a:blip>
+            <a:stretch>
+              <a:fillRect/>
+            </a:stretch>
+          </p:blipFill>
+          <p:spPr>
+            <a:xfrm flipH="1">
+              <a:off x="6779584" y="4226316"/>
+              <a:ext cx="269216" cy="386613"/>
+            </a:xfrm>
+            <a:prstGeom prst="rect">
+              <a:avLst/>
+            </a:prstGeom>
+          </p:spPr>
+        </p:pic>
+        <p:sp>
+          <p:nvSpPr>
+            <p:cNvPr id="136" name="TextBox 135">
+              <a:extLst>
+                <a:ext uri="{FF2B5EF4-FFF2-40B4-BE49-F238E27FC236}">
+                  <a16:creationId xmlns:a16="http://schemas.microsoft.com/office/drawing/2014/main" id="{67C2364F-B05D-539C-6020-6743D92C948F}"/>
+                </a:ext>
+              </a:extLst>
+            </p:cNvPr>
+            <p:cNvSpPr txBox="1"/>
+            <p:nvPr/>
+          </p:nvSpPr>
+          <p:spPr>
+            <a:xfrm>
+              <a:off x="7416189" y="4539384"/>
+              <a:ext cx="417980" cy="369332"/>
+            </a:xfrm>
+            <a:prstGeom prst="rect">
+              <a:avLst/>
+            </a:prstGeom>
+            <a:noFill/>
+          </p:spPr>
+          <p:txBody>
+            <a:bodyPr wrap="square" rtlCol="0">
+              <a:spAutoFit/>
+            </a:bodyPr>
+            <a:lstStyle/>
+            <a:p>
+              <a:r>
+                <a:rPr lang="en-US" dirty="0" err="1"/>
+                <a:t>Sh</a:t>
+              </a:r>
+              <a:endParaRPr lang="en-US" dirty="0"/>
+            </a:p>
+          </p:txBody>
+        </p:sp>
+        <p:sp>
+          <p:nvSpPr>
+            <p:cNvPr id="137" name="TextBox 136">
+              <a:extLst>
+                <a:ext uri="{FF2B5EF4-FFF2-40B4-BE49-F238E27FC236}">
+                  <a16:creationId xmlns:a16="http://schemas.microsoft.com/office/drawing/2014/main" id="{695A2EAC-BB1C-A9CA-CFA8-F91517633794}"/>
+                </a:ext>
+              </a:extLst>
+            </p:cNvPr>
+            <p:cNvSpPr txBox="1"/>
+            <p:nvPr/>
+          </p:nvSpPr>
+          <p:spPr>
+            <a:xfrm>
+              <a:off x="7416189" y="5951765"/>
+              <a:ext cx="417980" cy="369332"/>
+            </a:xfrm>
+            <a:prstGeom prst="rect">
+              <a:avLst/>
+            </a:prstGeom>
+            <a:noFill/>
+          </p:spPr>
+          <p:txBody>
+            <a:bodyPr wrap="square" rtlCol="0">
+              <a:spAutoFit/>
+            </a:bodyPr>
+            <a:lstStyle/>
+            <a:p>
+              <a:r>
+                <a:rPr lang="en-US" dirty="0" err="1"/>
+                <a:t>Sh</a:t>
+              </a:r>
+              <a:endParaRPr lang="en-US" dirty="0"/>
+            </a:p>
+          </p:txBody>
+        </p:sp>
+      </p:grpSp>
       <p:pic>
         <p:nvPicPr>
           <p:cNvPr id="19" name="Graphic 18" descr="School boy outline">
@@ -10417,107 +10440,12 @@
           </a:fontRef>
         </p:style>
       </p:cxnSp>
-      <p:pic>
-        <p:nvPicPr>
-          <p:cNvPr id="84" name="Graphic 83" descr="School girl outline">
-            <a:extLst>
-              <a:ext uri="{FF2B5EF4-FFF2-40B4-BE49-F238E27FC236}">
-                <a16:creationId xmlns:a16="http://schemas.microsoft.com/office/drawing/2014/main" id="{5FA33109-11A8-5B1A-B32C-1AD4B060289B}"/>
-              </a:ext>
-            </a:extLst>
-          </p:cNvPr>
-          <p:cNvPicPr>
-            <a:picLocks noChangeAspect="1"/>
-          </p:cNvPicPr>
-          <p:nvPr/>
-        </p:nvPicPr>
-        <p:blipFill>
-          <a:blip r:embed="rId2">
-            <a:extLst>
-              <a:ext uri="{28A0092B-C50C-407E-A947-70E740481C1C}">
-                <a14:useLocalDpi xmlns:a14="http://schemas.microsoft.com/office/drawing/2010/main" val="0"/>
-              </a:ext>
-              <a:ext uri="{96DAC541-7B7A-43D3-8B79-37D633B846F1}">
-                <asvg:svgBlip xmlns:asvg="http://schemas.microsoft.com/office/drawing/2016/SVG/main" r:embed="rId3"/>
-              </a:ext>
-            </a:extLst>
-          </a:blip>
-          <a:stretch>
-            <a:fillRect/>
-          </a:stretch>
-        </p:blipFill>
-        <p:spPr>
-          <a:xfrm>
-            <a:off x="3369745" y="1021993"/>
-            <a:ext cx="643655" cy="728255"/>
-          </a:xfrm>
-          <a:prstGeom prst="rect">
-            <a:avLst/>
-          </a:prstGeom>
-        </p:spPr>
-      </p:pic>
       <p:sp>
         <p:nvSpPr>
-          <p:cNvPr id="85" name="Rectangle: Rounded Corners 84">
+          <p:cNvPr id="91" name="Text Box 11">
             <a:extLst>
               <a:ext uri="{FF2B5EF4-FFF2-40B4-BE49-F238E27FC236}">
-                <a16:creationId xmlns:a16="http://schemas.microsoft.com/office/drawing/2014/main" id="{8926EA4E-78B6-6C3C-4827-19A939F88FE5}"/>
-              </a:ext>
-            </a:extLst>
-          </p:cNvPr>
-          <p:cNvSpPr/>
-          <p:nvPr/>
-        </p:nvSpPr>
-        <p:spPr>
-          <a:xfrm>
-            <a:off x="3427156" y="566523"/>
-            <a:ext cx="870528" cy="1101078"/>
-          </a:xfrm>
-          <a:prstGeom prst="roundRect">
-            <a:avLst/>
-          </a:prstGeom>
-          <a:noFill/>
-          <a:ln w="57150">
-            <a:solidFill>
-              <a:srgbClr val="77CEF9"/>
-            </a:solidFill>
-          </a:ln>
-        </p:spPr>
-        <p:style>
-          <a:lnRef idx="2">
-            <a:schemeClr val="accent1">
-              <a:shade val="50000"/>
-            </a:schemeClr>
-          </a:lnRef>
-          <a:fillRef idx="1">
-            <a:schemeClr val="accent1"/>
-          </a:fillRef>
-          <a:effectRef idx="0">
-            <a:schemeClr val="accent1"/>
-          </a:effectRef>
-          <a:fontRef idx="minor">
-            <a:schemeClr val="lt1"/>
-          </a:fontRef>
-        </p:style>
-        <p:txBody>
-          <a:bodyPr rot="0" spcFirstLastPara="0" vert="horz" wrap="square" lIns="91440" tIns="45720" rIns="91440" bIns="45720" numCol="1" spcCol="0" rtlCol="0" fromWordArt="0" anchor="ctr" anchorCtr="0" forceAA="0" compatLnSpc="1">
-            <a:prstTxWarp prst="textNoShape">
-              <a:avLst/>
-            </a:prstTxWarp>
-            <a:noAutofit/>
-          </a:bodyPr>
-          <a:lstStyle/>
-          <a:p>
-            <a:endParaRPr lang="en-US"/>
-          </a:p>
-        </p:txBody>
-      </p:sp>
-      <p:sp>
-        <p:nvSpPr>
-          <p:cNvPr id="86" name="Text Box 11">
-            <a:extLst>
-              <a:ext uri="{FF2B5EF4-FFF2-40B4-BE49-F238E27FC236}">
-                <a16:creationId xmlns:a16="http://schemas.microsoft.com/office/drawing/2014/main" id="{3AABC722-8594-AD7F-BBF4-D912E6A785CC}"/>
+                <a16:creationId xmlns:a16="http://schemas.microsoft.com/office/drawing/2014/main" id="{6ABD6580-77ED-4342-766B-3442DA2AD050}"/>
               </a:ext>
             </a:extLst>
           </p:cNvPr>
@@ -10528,7 +10456,7 @@
         </p:nvSpPr>
         <p:spPr bwMode="auto">
           <a:xfrm>
-            <a:off x="3438326" y="1713802"/>
+            <a:off x="6189460" y="6493466"/>
             <a:ext cx="854301" cy="236248"/>
           </a:xfrm>
           <a:prstGeom prst="rect">
@@ -10605,580 +10533,6 @@
           </a:p>
         </p:txBody>
       </p:sp>
-      <p:pic>
-        <p:nvPicPr>
-          <p:cNvPr id="87" name="Graphic 86" descr="Female outline">
-            <a:extLst>
-              <a:ext uri="{FF2B5EF4-FFF2-40B4-BE49-F238E27FC236}">
-                <a16:creationId xmlns:a16="http://schemas.microsoft.com/office/drawing/2014/main" id="{F21C47D8-D065-581E-C935-BDA3F36FE661}"/>
-              </a:ext>
-            </a:extLst>
-          </p:cNvPr>
-          <p:cNvPicPr>
-            <a:picLocks noChangeAspect="1"/>
-          </p:cNvPicPr>
-          <p:nvPr/>
-        </p:nvPicPr>
-        <p:blipFill>
-          <a:blip r:embed="rId4">
-            <a:extLst>
-              <a:ext uri="{28A0092B-C50C-407E-A947-70E740481C1C}">
-                <a14:useLocalDpi xmlns:a14="http://schemas.microsoft.com/office/drawing/2010/main" val="0"/>
-              </a:ext>
-              <a:ext uri="{96DAC541-7B7A-43D3-8B79-37D633B846F1}">
-                <asvg:svgBlip xmlns:asvg="http://schemas.microsoft.com/office/drawing/2016/SVG/main" r:embed="rId5"/>
-              </a:ext>
-            </a:extLst>
-          </a:blip>
-          <a:stretch>
-            <a:fillRect/>
-          </a:stretch>
-        </p:blipFill>
-        <p:spPr>
-          <a:xfrm>
-            <a:off x="3971884" y="607092"/>
-            <a:ext cx="312079" cy="353098"/>
-          </a:xfrm>
-          <a:prstGeom prst="rect">
-            <a:avLst/>
-          </a:prstGeom>
-        </p:spPr>
-      </p:pic>
-      <p:pic>
-        <p:nvPicPr>
-          <p:cNvPr id="88" name="Graphic 87" descr="Ear outline">
-            <a:extLst>
-              <a:ext uri="{FF2B5EF4-FFF2-40B4-BE49-F238E27FC236}">
-                <a16:creationId xmlns:a16="http://schemas.microsoft.com/office/drawing/2014/main" id="{E3F0D192-33FD-E78C-2E0F-E117D8CD228F}"/>
-              </a:ext>
-            </a:extLst>
-          </p:cNvPr>
-          <p:cNvPicPr>
-            <a:picLocks noChangeAspect="1"/>
-          </p:cNvPicPr>
-          <p:nvPr/>
-        </p:nvPicPr>
-        <p:blipFill>
-          <a:blip r:embed="rId10">
-            <a:extLst>
-              <a:ext uri="{28A0092B-C50C-407E-A947-70E740481C1C}">
-                <a14:useLocalDpi xmlns:a14="http://schemas.microsoft.com/office/drawing/2010/main" val="0"/>
-              </a:ext>
-              <a:ext uri="{96DAC541-7B7A-43D3-8B79-37D633B846F1}">
-                <asvg:svgBlip xmlns:asvg="http://schemas.microsoft.com/office/drawing/2016/SVG/main" r:embed="rId11"/>
-              </a:ext>
-            </a:extLst>
-          </a:blip>
-          <a:stretch>
-            <a:fillRect/>
-          </a:stretch>
-        </p:blipFill>
-        <p:spPr>
-          <a:xfrm>
-            <a:off x="4602494" y="2485255"/>
-            <a:ext cx="269217" cy="386613"/>
-          </a:xfrm>
-          <a:prstGeom prst="rect">
-            <a:avLst/>
-          </a:prstGeom>
-        </p:spPr>
-      </p:pic>
-      <p:sp>
-        <p:nvSpPr>
-          <p:cNvPr id="90" name="Rectangle: Rounded Corners 89">
-            <a:extLst>
-              <a:ext uri="{FF2B5EF4-FFF2-40B4-BE49-F238E27FC236}">
-                <a16:creationId xmlns:a16="http://schemas.microsoft.com/office/drawing/2014/main" id="{0494CA85-3224-8B39-404E-E9458617340E}"/>
-              </a:ext>
-            </a:extLst>
-          </p:cNvPr>
-          <p:cNvSpPr/>
-          <p:nvPr/>
-        </p:nvSpPr>
-        <p:spPr>
-          <a:xfrm>
-            <a:off x="3406753" y="2054803"/>
-            <a:ext cx="870528" cy="1101078"/>
-          </a:xfrm>
-          <a:prstGeom prst="roundRect">
-            <a:avLst/>
-          </a:prstGeom>
-          <a:noFill/>
-          <a:ln w="57150">
-            <a:solidFill>
-              <a:srgbClr val="77CEF9"/>
-            </a:solidFill>
-          </a:ln>
-        </p:spPr>
-        <p:style>
-          <a:lnRef idx="2">
-            <a:schemeClr val="accent1">
-              <a:shade val="50000"/>
-            </a:schemeClr>
-          </a:lnRef>
-          <a:fillRef idx="1">
-            <a:schemeClr val="accent1"/>
-          </a:fillRef>
-          <a:effectRef idx="0">
-            <a:schemeClr val="accent1"/>
-          </a:effectRef>
-          <a:fontRef idx="minor">
-            <a:schemeClr val="lt1"/>
-          </a:fontRef>
-        </p:style>
-        <p:txBody>
-          <a:bodyPr rot="0" spcFirstLastPara="0" vert="horz" wrap="square" lIns="91440" tIns="45720" rIns="91440" bIns="45720" numCol="1" spcCol="0" rtlCol="0" fromWordArt="0" anchor="ctr" anchorCtr="0" forceAA="0" compatLnSpc="1">
-            <a:prstTxWarp prst="textNoShape">
-              <a:avLst/>
-            </a:prstTxWarp>
-            <a:noAutofit/>
-          </a:bodyPr>
-          <a:lstStyle/>
-          <a:p>
-            <a:endParaRPr lang="en-US"/>
-          </a:p>
-        </p:txBody>
-      </p:sp>
-      <p:sp>
-        <p:nvSpPr>
-          <p:cNvPr id="91" name="Text Box 11">
-            <a:extLst>
-              <a:ext uri="{FF2B5EF4-FFF2-40B4-BE49-F238E27FC236}">
-                <a16:creationId xmlns:a16="http://schemas.microsoft.com/office/drawing/2014/main" id="{6ABD6580-77ED-4342-766B-3442DA2AD050}"/>
-              </a:ext>
-            </a:extLst>
-          </p:cNvPr>
-          <p:cNvSpPr txBox="1">
-            <a:spLocks noChangeArrowheads="1"/>
-          </p:cNvSpPr>
-          <p:nvPr/>
-        </p:nvSpPr>
-        <p:spPr bwMode="auto">
-          <a:xfrm>
-            <a:off x="3417923" y="3202082"/>
-            <a:ext cx="854301" cy="236248"/>
-          </a:xfrm>
-          <a:prstGeom prst="rect">
-            <a:avLst/>
-          </a:prstGeom>
-          <a:solidFill>
-            <a:srgbClr val="FFFFFF"/>
-          </a:solidFill>
-          <a:ln>
-            <a:noFill/>
-          </a:ln>
-          <a:extLst>
-            <a:ext uri="{91240B29-F687-4F45-9708-019B960494DF}">
-              <a14:hiddenLine xmlns:a14="http://schemas.microsoft.com/office/drawing/2010/main" w="6350">
-                <a:solidFill>
-                  <a:srgbClr val="000000"/>
-                </a:solidFill>
-                <a:miter lim="800000"/>
-                <a:headEnd/>
-                <a:tailEnd/>
-              </a14:hiddenLine>
-            </a:ext>
-          </a:extLst>
-        </p:spPr>
-        <p:txBody>
-          <a:bodyPr vert="horz" wrap="square" lIns="91440" tIns="45720" rIns="91440" bIns="45720" numCol="1" anchor="t" anchorCtr="0" compatLnSpc="1">
-            <a:prstTxWarp prst="textNoShape">
-              <a:avLst/>
-            </a:prstTxWarp>
-          </a:bodyPr>
-          <a:lstStyle/>
-          <a:p>
-            <a:pPr marL="0" marR="0" lvl="0" indent="0" algn="ctr" defTabSz="914400" rtl="0" eaLnBrk="0" fontAlgn="base" latinLnBrk="0" hangingPunct="0">
-              <a:lnSpc>
-                <a:spcPct val="100000"/>
-              </a:lnSpc>
-              <a:spcBef>
-                <a:spcPct val="0"/>
-              </a:spcBef>
-              <a:spcAft>
-                <a:spcPct val="0"/>
-              </a:spcAft>
-              <a:buClrTx/>
-              <a:buSzTx/>
-              <a:buFontTx/>
-              <a:buNone/>
-              <a:tabLst/>
-            </a:pPr>
-            <a:r>
-              <a:rPr kumimoji="0" lang="en-US" altLang="en-US" sz="1100" b="0" i="1" u="none" strike="noStrike" cap="none" normalizeH="0" baseline="0" dirty="0">
-                <a:ln>
-                  <a:noFill/>
-                </a:ln>
-                <a:solidFill>
-                  <a:schemeClr val="tx1"/>
-                </a:solidFill>
-                <a:effectLst/>
-                <a:latin typeface="Sylfaen" panose="010A0502050306030303" pitchFamily="18" charset="0"/>
-                <a:ea typeface="Calibri" panose="020F0502020204030204" pitchFamily="34" charset="0"/>
-                <a:cs typeface="Times New Roman" panose="02020603050405020304" pitchFamily="18" charset="0"/>
-              </a:rPr>
-              <a:t>Left</a:t>
-            </a:r>
-            <a:endParaRPr kumimoji="0" lang="en-US" altLang="en-US" sz="2400" b="0" i="0" u="none" strike="noStrike" cap="none" normalizeH="0" baseline="0" dirty="0">
-              <a:ln>
-                <a:noFill/>
-              </a:ln>
-              <a:solidFill>
-                <a:schemeClr val="tx1"/>
-              </a:solidFill>
-              <a:effectLst/>
-              <a:latin typeface="Arial" panose="020B0604020202020204" pitchFamily="34" charset="0"/>
-            </a:endParaRPr>
-          </a:p>
-        </p:txBody>
-      </p:sp>
-      <p:pic>
-        <p:nvPicPr>
-          <p:cNvPr id="92" name="Graphic 91" descr="Ear outline">
-            <a:extLst>
-              <a:ext uri="{FF2B5EF4-FFF2-40B4-BE49-F238E27FC236}">
-                <a16:creationId xmlns:a16="http://schemas.microsoft.com/office/drawing/2014/main" id="{EE1832BE-1678-09B0-A92D-64ACDF569FA0}"/>
-              </a:ext>
-            </a:extLst>
-          </p:cNvPr>
-          <p:cNvPicPr>
-            <a:picLocks noChangeAspect="1"/>
-          </p:cNvPicPr>
-          <p:nvPr/>
-        </p:nvPicPr>
-        <p:blipFill>
-          <a:blip r:embed="rId10">
-            <a:extLst>
-              <a:ext uri="{28A0092B-C50C-407E-A947-70E740481C1C}">
-                <a14:useLocalDpi xmlns:a14="http://schemas.microsoft.com/office/drawing/2010/main" val="0"/>
-              </a:ext>
-              <a:ext uri="{96DAC541-7B7A-43D3-8B79-37D633B846F1}">
-                <asvg:svgBlip xmlns:asvg="http://schemas.microsoft.com/office/drawing/2016/SVG/main" r:embed="rId11"/>
-              </a:ext>
-            </a:extLst>
-          </a:blip>
-          <a:stretch>
-            <a:fillRect/>
-          </a:stretch>
-        </p:blipFill>
-        <p:spPr>
-          <a:xfrm>
-            <a:off x="4643295" y="1015170"/>
-            <a:ext cx="269217" cy="386613"/>
-          </a:xfrm>
-          <a:prstGeom prst="rect">
-            <a:avLst/>
-          </a:prstGeom>
-        </p:spPr>
-      </p:pic>
-      <p:pic>
-        <p:nvPicPr>
-          <p:cNvPr id="93" name="Graphic 92" descr="School boy outline">
-            <a:extLst>
-              <a:ext uri="{FF2B5EF4-FFF2-40B4-BE49-F238E27FC236}">
-                <a16:creationId xmlns:a16="http://schemas.microsoft.com/office/drawing/2014/main" id="{A212EC77-0016-C905-8FAF-6EE7F893D275}"/>
-              </a:ext>
-            </a:extLst>
-          </p:cNvPr>
-          <p:cNvPicPr>
-            <a:picLocks noChangeAspect="1"/>
-          </p:cNvPicPr>
-          <p:nvPr/>
-        </p:nvPicPr>
-        <p:blipFill>
-          <a:blip r:embed="rId6">
-            <a:extLst>
-              <a:ext uri="{28A0092B-C50C-407E-A947-70E740481C1C}">
-                <a14:useLocalDpi xmlns:a14="http://schemas.microsoft.com/office/drawing/2010/main" val="0"/>
-              </a:ext>
-              <a:ext uri="{96DAC541-7B7A-43D3-8B79-37D633B846F1}">
-                <asvg:svgBlip xmlns:asvg="http://schemas.microsoft.com/office/drawing/2016/SVG/main" r:embed="rId7"/>
-              </a:ext>
-            </a:extLst>
-          </a:blip>
-          <a:stretch>
-            <a:fillRect/>
-          </a:stretch>
-        </p:blipFill>
-        <p:spPr>
-          <a:xfrm>
-            <a:off x="3349933" y="2494449"/>
-            <a:ext cx="643653" cy="728254"/>
-          </a:xfrm>
-          <a:prstGeom prst="rect">
-            <a:avLst/>
-          </a:prstGeom>
-        </p:spPr>
-      </p:pic>
-      <p:pic>
-        <p:nvPicPr>
-          <p:cNvPr id="94" name="Graphic 93" descr="Male outline">
-            <a:extLst>
-              <a:ext uri="{FF2B5EF4-FFF2-40B4-BE49-F238E27FC236}">
-                <a16:creationId xmlns:a16="http://schemas.microsoft.com/office/drawing/2014/main" id="{494EF8F1-4B91-1410-849C-965FF2224B1E}"/>
-              </a:ext>
-            </a:extLst>
-          </p:cNvPr>
-          <p:cNvPicPr>
-            <a:picLocks noChangeAspect="1"/>
-          </p:cNvPicPr>
-          <p:nvPr/>
-        </p:nvPicPr>
-        <p:blipFill>
-          <a:blip r:embed="rId8">
-            <a:extLst>
-              <a:ext uri="{28A0092B-C50C-407E-A947-70E740481C1C}">
-                <a14:useLocalDpi xmlns:a14="http://schemas.microsoft.com/office/drawing/2010/main" val="0"/>
-              </a:ext>
-              <a:ext uri="{96DAC541-7B7A-43D3-8B79-37D633B846F1}">
-                <asvg:svgBlip xmlns:asvg="http://schemas.microsoft.com/office/drawing/2016/SVG/main" r:embed="rId9"/>
-              </a:ext>
-            </a:extLst>
-          </a:blip>
-          <a:stretch>
-            <a:fillRect/>
-          </a:stretch>
-        </p:blipFill>
-        <p:spPr>
-          <a:xfrm>
-            <a:off x="3907864" y="2102237"/>
-            <a:ext cx="341901" cy="386841"/>
-          </a:xfrm>
-          <a:prstGeom prst="rect">
-            <a:avLst/>
-          </a:prstGeom>
-        </p:spPr>
-      </p:pic>
-      <p:sp>
-        <p:nvSpPr>
-          <p:cNvPr id="131" name="Text Box 10">
-            <a:extLst>
-              <a:ext uri="{FF2B5EF4-FFF2-40B4-BE49-F238E27FC236}">
-                <a16:creationId xmlns:a16="http://schemas.microsoft.com/office/drawing/2014/main" id="{CE1D6EEA-DC20-55DA-B22E-385AC0827570}"/>
-              </a:ext>
-            </a:extLst>
-          </p:cNvPr>
-          <p:cNvSpPr txBox="1">
-            <a:spLocks noChangeArrowheads="1"/>
-          </p:cNvSpPr>
-          <p:nvPr/>
-        </p:nvSpPr>
-        <p:spPr bwMode="auto">
-          <a:xfrm>
-            <a:off x="3156215" y="185826"/>
-            <a:ext cx="1467665" cy="419705"/>
-          </a:xfrm>
-          <a:prstGeom prst="rect">
-            <a:avLst/>
-          </a:prstGeom>
-          <a:noFill/>
-          <a:ln>
-            <a:noFill/>
-          </a:ln>
-        </p:spPr>
-        <p:txBody>
-          <a:bodyPr vert="horz" wrap="square" lIns="91440" tIns="45720" rIns="91440" bIns="45720" numCol="1" anchor="t" anchorCtr="0" compatLnSpc="1">
-            <a:prstTxWarp prst="textNoShape">
-              <a:avLst/>
-            </a:prstTxWarp>
-          </a:bodyPr>
-          <a:lstStyle/>
-          <a:p>
-            <a:pPr marL="0" marR="0" lvl="0" indent="0" algn="ctr" defTabSz="914400" rtl="0" eaLnBrk="0" fontAlgn="base" latinLnBrk="0" hangingPunct="0">
-              <a:lnSpc>
-                <a:spcPct val="100000"/>
-              </a:lnSpc>
-              <a:spcBef>
-                <a:spcPct val="0"/>
-              </a:spcBef>
-              <a:spcAft>
-                <a:spcPct val="0"/>
-              </a:spcAft>
-              <a:buClrTx/>
-              <a:buSzTx/>
-              <a:buFontTx/>
-              <a:buNone/>
-              <a:tabLst/>
-            </a:pPr>
-            <a:r>
-              <a:rPr kumimoji="0" lang="en-US" altLang="en-US" sz="1600" b="1" u="none" strike="noStrike" cap="none" normalizeH="0" baseline="0" dirty="0">
-                <a:ln>
-                  <a:noFill/>
-                </a:ln>
-                <a:solidFill>
-                  <a:srgbClr val="0CA7F4"/>
-                </a:solidFill>
-                <a:effectLst/>
-                <a:latin typeface="Sylfaen" panose="010A0502050306030303" pitchFamily="18" charset="0"/>
-                <a:ea typeface="Calibri" panose="020F0502020204030204" pitchFamily="34" charset="0"/>
-                <a:cs typeface="Times New Roman" panose="02020603050405020304" pitchFamily="18" charset="0"/>
-              </a:rPr>
-              <a:t>Talker B</a:t>
-            </a:r>
-            <a:endParaRPr kumimoji="0" lang="en-US" altLang="en-US" sz="3600" b="1" u="none" strike="noStrike" cap="none" normalizeH="0" baseline="0" dirty="0">
-              <a:ln>
-                <a:noFill/>
-              </a:ln>
-              <a:solidFill>
-                <a:srgbClr val="0CA7F4"/>
-              </a:solidFill>
-              <a:effectLst/>
-              <a:latin typeface="Arial" panose="020B0604020202020204" pitchFamily="34" charset="0"/>
-            </a:endParaRPr>
-          </a:p>
-        </p:txBody>
-      </p:sp>
-      <p:sp>
-        <p:nvSpPr>
-          <p:cNvPr id="139" name="TextBox 138">
-            <a:extLst>
-              <a:ext uri="{FF2B5EF4-FFF2-40B4-BE49-F238E27FC236}">
-                <a16:creationId xmlns:a16="http://schemas.microsoft.com/office/drawing/2014/main" id="{847C9644-D79F-8A83-C2E5-7AC7CB0F5D50}"/>
-              </a:ext>
-            </a:extLst>
-          </p:cNvPr>
-          <p:cNvSpPr txBox="1"/>
-          <p:nvPr/>
-        </p:nvSpPr>
-        <p:spPr>
-          <a:xfrm>
-            <a:off x="3906413" y="1293407"/>
-            <a:ext cx="417980" cy="369332"/>
-          </a:xfrm>
-          <a:prstGeom prst="rect">
-            <a:avLst/>
-          </a:prstGeom>
-          <a:noFill/>
-        </p:spPr>
-        <p:txBody>
-          <a:bodyPr wrap="square" rtlCol="0">
-            <a:spAutoFit/>
-          </a:bodyPr>
-          <a:lstStyle/>
-          <a:p>
-            <a:r>
-              <a:rPr lang="en-US" dirty="0" err="1"/>
-              <a:t>Sh</a:t>
-            </a:r>
-            <a:endParaRPr lang="en-US" dirty="0"/>
-          </a:p>
-        </p:txBody>
-      </p:sp>
-      <p:sp>
-        <p:nvSpPr>
-          <p:cNvPr id="140" name="TextBox 139">
-            <a:extLst>
-              <a:ext uri="{FF2B5EF4-FFF2-40B4-BE49-F238E27FC236}">
-                <a16:creationId xmlns:a16="http://schemas.microsoft.com/office/drawing/2014/main" id="{0B70D157-ADF4-6BF7-C0B7-139BC7868600}"/>
-              </a:ext>
-            </a:extLst>
-          </p:cNvPr>
-          <p:cNvSpPr txBox="1"/>
-          <p:nvPr/>
-        </p:nvSpPr>
-        <p:spPr>
-          <a:xfrm>
-            <a:off x="3859301" y="2782074"/>
-            <a:ext cx="417980" cy="369332"/>
-          </a:xfrm>
-          <a:prstGeom prst="rect">
-            <a:avLst/>
-          </a:prstGeom>
-          <a:noFill/>
-        </p:spPr>
-        <p:txBody>
-          <a:bodyPr wrap="square" rtlCol="0">
-            <a:spAutoFit/>
-          </a:bodyPr>
-          <a:lstStyle/>
-          <a:p>
-            <a:r>
-              <a:rPr lang="en-US" dirty="0" err="1"/>
-              <a:t>Sh</a:t>
-            </a:r>
-            <a:endParaRPr lang="en-US" dirty="0"/>
-          </a:p>
-        </p:txBody>
-      </p:sp>
-      <p:sp>
-        <p:nvSpPr>
-          <p:cNvPr id="134" name="Text Box 10">
-            <a:extLst>
-              <a:ext uri="{FF2B5EF4-FFF2-40B4-BE49-F238E27FC236}">
-                <a16:creationId xmlns:a16="http://schemas.microsoft.com/office/drawing/2014/main" id="{5DE3E955-2C73-2067-B562-4DF7B75A5845}"/>
-              </a:ext>
-            </a:extLst>
-          </p:cNvPr>
-          <p:cNvSpPr txBox="1">
-            <a:spLocks noChangeArrowheads="1"/>
-          </p:cNvSpPr>
-          <p:nvPr/>
-        </p:nvSpPr>
-        <p:spPr bwMode="auto">
-          <a:xfrm>
-            <a:off x="4261966" y="197319"/>
-            <a:ext cx="1467665" cy="419705"/>
-          </a:xfrm>
-          <a:prstGeom prst="rect">
-            <a:avLst/>
-          </a:prstGeom>
-          <a:noFill/>
-          <a:ln>
-            <a:noFill/>
-          </a:ln>
-        </p:spPr>
-        <p:txBody>
-          <a:bodyPr vert="horz" wrap="square" lIns="91440" tIns="45720" rIns="91440" bIns="45720" numCol="1" anchor="t" anchorCtr="0" compatLnSpc="1">
-            <a:prstTxWarp prst="textNoShape">
-              <a:avLst/>
-            </a:prstTxWarp>
-          </a:bodyPr>
-          <a:lstStyle/>
-          <a:p>
-            <a:pPr marL="0" marR="0" lvl="0" indent="0" algn="ctr" defTabSz="914400" rtl="0" eaLnBrk="0" fontAlgn="base" latinLnBrk="0" hangingPunct="0">
-              <a:lnSpc>
-                <a:spcPct val="100000"/>
-              </a:lnSpc>
-              <a:spcBef>
-                <a:spcPct val="0"/>
-              </a:spcBef>
-              <a:spcAft>
-                <a:spcPct val="0"/>
-              </a:spcAft>
-              <a:buClrTx/>
-              <a:buSzTx/>
-              <a:buFontTx/>
-              <a:buNone/>
-              <a:tabLst/>
-            </a:pPr>
-            <a:r>
-              <a:rPr kumimoji="0" lang="en-US" altLang="en-US" sz="1600" b="1" u="none" strike="noStrike" cap="none" normalizeH="0" baseline="0" dirty="0">
-                <a:ln>
-                  <a:noFill/>
-                </a:ln>
-                <a:solidFill>
-                  <a:srgbClr val="FE9700"/>
-                </a:solidFill>
-                <a:effectLst/>
-                <a:latin typeface="Sylfaen" panose="010A0502050306030303" pitchFamily="18" charset="0"/>
-                <a:ea typeface="Calibri" panose="020F0502020204030204" pitchFamily="34" charset="0"/>
-                <a:cs typeface="Times New Roman" panose="02020603050405020304" pitchFamily="18" charset="0"/>
-              </a:rPr>
-              <a:t>Talker A</a:t>
-            </a:r>
-            <a:endParaRPr kumimoji="0" lang="en-US" altLang="en-US" sz="3600" b="1" u="none" strike="noStrike" cap="none" normalizeH="0" baseline="0" dirty="0">
-              <a:ln>
-                <a:noFill/>
-              </a:ln>
-              <a:solidFill>
-                <a:srgbClr val="FE9700"/>
-              </a:solidFill>
-              <a:effectLst/>
-              <a:latin typeface="Arial" panose="020B0604020202020204" pitchFamily="34" charset="0"/>
-            </a:endParaRPr>
-          </a:p>
-        </p:txBody>
-      </p:sp>
       <p:sp>
         <p:nvSpPr>
           <p:cNvPr id="133" name="Text Box 10">
@@ -11967,168 +11321,202 @@
           </p:txBody>
         </p:sp>
       </p:grpSp>
-      <p:pic>
-        <p:nvPicPr>
-          <p:cNvPr id="96" name="Graphic 95" descr="School boy outline">
+      <p:grpSp>
+        <p:nvGrpSpPr>
+          <p:cNvPr id="2" name="Group 1">
             <a:extLst>
               <a:ext uri="{FF2B5EF4-FFF2-40B4-BE49-F238E27FC236}">
-                <a16:creationId xmlns:a16="http://schemas.microsoft.com/office/drawing/2014/main" id="{C1A9F65A-1E04-C678-3797-7C3B6314E778}"/>
+                <a16:creationId xmlns:a16="http://schemas.microsoft.com/office/drawing/2014/main" id="{8D5C9780-4658-557D-D8C4-656235EB9015}"/>
               </a:ext>
             </a:extLst>
           </p:cNvPr>
-          <p:cNvPicPr>
-            <a:picLocks noChangeAspect="1"/>
-          </p:cNvPicPr>
+          <p:cNvGrpSpPr/>
           <p:nvPr/>
-        </p:nvPicPr>
-        <p:blipFill>
-          <a:blip r:embed="rId6">
-            <a:extLst>
-              <a:ext uri="{28A0092B-C50C-407E-A947-70E740481C1C}">
-                <a14:useLocalDpi xmlns:a14="http://schemas.microsoft.com/office/drawing/2010/main" val="0"/>
-              </a:ext>
-              <a:ext uri="{96DAC541-7B7A-43D3-8B79-37D633B846F1}">
-                <asvg:svgBlip xmlns:asvg="http://schemas.microsoft.com/office/drawing/2016/SVG/main" r:embed="rId7"/>
-              </a:ext>
-            </a:extLst>
-          </a:blip>
-          <a:stretch>
-            <a:fillRect/>
-          </a:stretch>
-        </p:blipFill>
-        <p:spPr>
+        </p:nvGrpSpPr>
+        <p:grpSpPr>
           <a:xfrm>
-            <a:off x="4889109" y="1037920"/>
-            <a:ext cx="643653" cy="728254"/>
+            <a:off x="5924083" y="3496857"/>
+            <a:ext cx="2573416" cy="3242855"/>
+            <a:chOff x="3156215" y="185826"/>
+            <a:chExt cx="2573416" cy="3242855"/>
           </a:xfrm>
-          <a:prstGeom prst="rect">
-            <a:avLst/>
-          </a:prstGeom>
-        </p:spPr>
-      </p:pic>
-      <p:sp>
-        <p:nvSpPr>
-          <p:cNvPr id="97" name="Rectangle: Rounded Corners 96">
-            <a:extLst>
-              <a:ext uri="{FF2B5EF4-FFF2-40B4-BE49-F238E27FC236}">
-                <a16:creationId xmlns:a16="http://schemas.microsoft.com/office/drawing/2014/main" id="{859A32C5-AE99-B380-34D0-847211F875B8}"/>
-              </a:ext>
-            </a:extLst>
-          </p:cNvPr>
-          <p:cNvSpPr/>
-          <p:nvPr/>
-        </p:nvSpPr>
-        <p:spPr>
-          <a:xfrm>
-            <a:off x="4577040" y="586867"/>
-            <a:ext cx="875776" cy="1101077"/>
-          </a:xfrm>
-          <a:prstGeom prst="roundRect">
-            <a:avLst/>
-          </a:prstGeom>
-          <a:noFill/>
-          <a:ln w="57150">
+        </p:grpSpPr>
+        <p:pic>
+          <p:nvPicPr>
+            <p:cNvPr id="84" name="Graphic 83" descr="School girl outline">
+              <a:extLst>
+                <a:ext uri="{FF2B5EF4-FFF2-40B4-BE49-F238E27FC236}">
+                  <a16:creationId xmlns:a16="http://schemas.microsoft.com/office/drawing/2014/main" id="{5FA33109-11A8-5B1A-B32C-1AD4B060289B}"/>
+                </a:ext>
+              </a:extLst>
+            </p:cNvPr>
+            <p:cNvPicPr>
+              <a:picLocks noChangeAspect="1"/>
+            </p:cNvPicPr>
+            <p:nvPr/>
+          </p:nvPicPr>
+          <p:blipFill>
+            <a:blip r:embed="rId2">
+              <a:extLst>
+                <a:ext uri="{28A0092B-C50C-407E-A947-70E740481C1C}">
+                  <a14:useLocalDpi xmlns:a14="http://schemas.microsoft.com/office/drawing/2010/main" val="0"/>
+                </a:ext>
+                <a:ext uri="{96DAC541-7B7A-43D3-8B79-37D633B846F1}">
+                  <asvg:svgBlip xmlns:asvg="http://schemas.microsoft.com/office/drawing/2016/SVG/main" r:embed="rId3"/>
+                </a:ext>
+              </a:extLst>
+            </a:blip>
+            <a:stretch>
+              <a:fillRect/>
+            </a:stretch>
+          </p:blipFill>
+          <p:spPr>
+            <a:xfrm>
+              <a:off x="3369745" y="1021993"/>
+              <a:ext cx="643655" cy="728255"/>
+            </a:xfrm>
+            <a:prstGeom prst="rect">
+              <a:avLst/>
+            </a:prstGeom>
+          </p:spPr>
+        </p:pic>
+        <p:sp>
+          <p:nvSpPr>
+            <p:cNvPr id="85" name="Rectangle: Rounded Corners 84">
+              <a:extLst>
+                <a:ext uri="{FF2B5EF4-FFF2-40B4-BE49-F238E27FC236}">
+                  <a16:creationId xmlns:a16="http://schemas.microsoft.com/office/drawing/2014/main" id="{8926EA4E-78B6-6C3C-4827-19A939F88FE5}"/>
+                </a:ext>
+              </a:extLst>
+            </p:cNvPr>
+            <p:cNvSpPr/>
+            <p:nvPr/>
+          </p:nvSpPr>
+          <p:spPr>
+            <a:xfrm>
+              <a:off x="3427156" y="566523"/>
+              <a:ext cx="870528" cy="1101078"/>
+            </a:xfrm>
+            <a:prstGeom prst="roundRect">
+              <a:avLst/>
+            </a:prstGeom>
+            <a:noFill/>
+            <a:ln w="57150">
+              <a:solidFill>
+                <a:srgbClr val="77CEF9"/>
+              </a:solidFill>
+            </a:ln>
+          </p:spPr>
+          <p:style>
+            <a:lnRef idx="2">
+              <a:schemeClr val="accent1">
+                <a:shade val="50000"/>
+              </a:schemeClr>
+            </a:lnRef>
+            <a:fillRef idx="1">
+              <a:schemeClr val="accent1"/>
+            </a:fillRef>
+            <a:effectRef idx="0">
+              <a:schemeClr val="accent1"/>
+            </a:effectRef>
+            <a:fontRef idx="minor">
+              <a:schemeClr val="lt1"/>
+            </a:fontRef>
+          </p:style>
+          <p:txBody>
+            <a:bodyPr rot="0" spcFirstLastPara="0" vert="horz" wrap="square" lIns="91440" tIns="45720" rIns="91440" bIns="45720" numCol="1" spcCol="0" rtlCol="0" fromWordArt="0" anchor="ctr" anchorCtr="0" forceAA="0" compatLnSpc="1">
+              <a:prstTxWarp prst="textNoShape">
+                <a:avLst/>
+              </a:prstTxWarp>
+              <a:noAutofit/>
+            </a:bodyPr>
+            <a:lstStyle/>
+            <a:p>
+              <a:endParaRPr lang="en-US"/>
+            </a:p>
+          </p:txBody>
+        </p:sp>
+        <p:sp>
+          <p:nvSpPr>
+            <p:cNvPr id="86" name="Text Box 11">
+              <a:extLst>
+                <a:ext uri="{FF2B5EF4-FFF2-40B4-BE49-F238E27FC236}">
+                  <a16:creationId xmlns:a16="http://schemas.microsoft.com/office/drawing/2014/main" id="{3AABC722-8594-AD7F-BBF4-D912E6A785CC}"/>
+                </a:ext>
+              </a:extLst>
+            </p:cNvPr>
+            <p:cNvSpPr txBox="1">
+              <a:spLocks noChangeArrowheads="1"/>
+            </p:cNvSpPr>
+            <p:nvPr/>
+          </p:nvSpPr>
+          <p:spPr bwMode="auto">
+            <a:xfrm>
+              <a:off x="3438326" y="1713802"/>
+              <a:ext cx="854301" cy="236248"/>
+            </a:xfrm>
+            <a:prstGeom prst="rect">
+              <a:avLst/>
+            </a:prstGeom>
             <a:solidFill>
-              <a:srgbClr val="FFBE5F"/>
+              <a:srgbClr val="FFFFFF"/>
             </a:solidFill>
-          </a:ln>
-        </p:spPr>
-        <p:style>
-          <a:lnRef idx="2">
-            <a:schemeClr val="accent1">
-              <a:shade val="50000"/>
-            </a:schemeClr>
-          </a:lnRef>
-          <a:fillRef idx="1">
-            <a:schemeClr val="accent1"/>
-          </a:fillRef>
-          <a:effectRef idx="0">
-            <a:schemeClr val="accent1"/>
-          </a:effectRef>
-          <a:fontRef idx="minor">
-            <a:schemeClr val="lt1"/>
-          </a:fontRef>
-        </p:style>
-        <p:txBody>
-          <a:bodyPr rot="0" spcFirstLastPara="0" vert="horz" wrap="square" lIns="91440" tIns="45720" rIns="91440" bIns="45720" numCol="1" spcCol="0" rtlCol="0" fromWordArt="0" anchor="ctr" anchorCtr="0" forceAA="0" compatLnSpc="1">
-            <a:prstTxWarp prst="textNoShape">
-              <a:avLst/>
-            </a:prstTxWarp>
-            <a:noAutofit/>
-          </a:bodyPr>
-          <a:lstStyle/>
-          <a:p>
-            <a:endParaRPr lang="en-US"/>
-          </a:p>
-        </p:txBody>
-      </p:sp>
-      <p:sp>
-        <p:nvSpPr>
-          <p:cNvPr id="98" name="Text Box 10">
-            <a:extLst>
-              <a:ext uri="{FF2B5EF4-FFF2-40B4-BE49-F238E27FC236}">
-                <a16:creationId xmlns:a16="http://schemas.microsoft.com/office/drawing/2014/main" id="{F1981079-9AC3-39EC-E2F4-6BCF80F9A51D}"/>
-              </a:ext>
-            </a:extLst>
-          </p:cNvPr>
-          <p:cNvSpPr txBox="1">
-            <a:spLocks noChangeArrowheads="1"/>
-          </p:cNvSpPr>
-          <p:nvPr/>
-        </p:nvSpPr>
-        <p:spPr bwMode="auto">
-          <a:xfrm>
-            <a:off x="4596576" y="1724038"/>
-            <a:ext cx="854299" cy="236247"/>
-          </a:xfrm>
-          <a:prstGeom prst="rect">
-            <a:avLst/>
-          </a:prstGeom>
-          <a:solidFill>
-            <a:srgbClr val="FFFFFF"/>
-          </a:solidFill>
-          <a:ln>
-            <a:noFill/>
-          </a:ln>
-          <a:extLst>
-            <a:ext uri="{91240B29-F687-4F45-9708-019B960494DF}">
-              <a14:hiddenLine xmlns:a14="http://schemas.microsoft.com/office/drawing/2010/main" w="6350">
-                <a:solidFill>
-                  <a:srgbClr val="000000"/>
-                </a:solidFill>
-                <a:miter lim="800000"/>
-                <a:headEnd/>
-                <a:tailEnd/>
-              </a14:hiddenLine>
-            </a:ext>
-          </a:extLst>
-        </p:spPr>
-        <p:txBody>
-          <a:bodyPr vert="horz" wrap="square" lIns="91440" tIns="45720" rIns="91440" bIns="45720" numCol="1" anchor="t" anchorCtr="0" compatLnSpc="1">
-            <a:prstTxWarp prst="textNoShape">
-              <a:avLst/>
-            </a:prstTxWarp>
-          </a:bodyPr>
-          <a:lstStyle/>
-          <a:p>
-            <a:pPr marL="0" marR="0" lvl="0" indent="0" algn="ctr" defTabSz="914400" rtl="0" eaLnBrk="0" fontAlgn="base" latinLnBrk="0" hangingPunct="0">
-              <a:lnSpc>
-                <a:spcPct val="100000"/>
-              </a:lnSpc>
-              <a:spcBef>
-                <a:spcPct val="0"/>
-              </a:spcBef>
-              <a:spcAft>
-                <a:spcPct val="0"/>
-              </a:spcAft>
-              <a:buClrTx/>
-              <a:buSzTx/>
-              <a:buFontTx/>
-              <a:buNone/>
-              <a:tabLst/>
-            </a:pPr>
-            <a:r>
-              <a:rPr kumimoji="0" lang="en-US" altLang="en-US" sz="1100" b="0" i="1" u="none" strike="noStrike" cap="none" normalizeH="0" baseline="0" dirty="0">
+            <a:ln>
+              <a:noFill/>
+            </a:ln>
+            <a:extLst>
+              <a:ext uri="{91240B29-F687-4F45-9708-019B960494DF}">
+                <a14:hiddenLine xmlns:a14="http://schemas.microsoft.com/office/drawing/2010/main" w="6350">
+                  <a:solidFill>
+                    <a:srgbClr val="000000"/>
+                  </a:solidFill>
+                  <a:miter lim="800000"/>
+                  <a:headEnd/>
+                  <a:tailEnd/>
+                </a14:hiddenLine>
+              </a:ext>
+            </a:extLst>
+          </p:spPr>
+          <p:txBody>
+            <a:bodyPr vert="horz" wrap="square" lIns="91440" tIns="45720" rIns="91440" bIns="45720" numCol="1" anchor="t" anchorCtr="0" compatLnSpc="1">
+              <a:prstTxWarp prst="textNoShape">
+                <a:avLst/>
+              </a:prstTxWarp>
+            </a:bodyPr>
+            <a:lstStyle/>
+            <a:p>
+              <a:pPr marL="0" marR="0" lvl="0" indent="0" algn="ctr" defTabSz="914400" rtl="0" eaLnBrk="0" fontAlgn="base" latinLnBrk="0" hangingPunct="0">
+                <a:lnSpc>
+                  <a:spcPct val="100000"/>
+                </a:lnSpc>
+                <a:spcBef>
+                  <a:spcPct val="0"/>
+                </a:spcBef>
+                <a:spcAft>
+                  <a:spcPct val="0"/>
+                </a:spcAft>
+                <a:buClrTx/>
+                <a:buSzTx/>
+                <a:buFontTx/>
+                <a:buNone/>
+                <a:tabLst/>
+              </a:pPr>
+              <a:r>
+                <a:rPr kumimoji="0" lang="en-US" altLang="en-US" sz="1100" b="0" i="1" u="none" strike="noStrike" cap="none" normalizeH="0" baseline="0" dirty="0">
+                  <a:ln>
+                    <a:noFill/>
+                  </a:ln>
+                  <a:solidFill>
+                    <a:schemeClr val="tx1"/>
+                  </a:solidFill>
+                  <a:effectLst/>
+                  <a:latin typeface="Sylfaen" panose="010A0502050306030303" pitchFamily="18" charset="0"/>
+                  <a:ea typeface="Calibri" panose="020F0502020204030204" pitchFamily="34" charset="0"/>
+                  <a:cs typeface="Times New Roman" panose="02020603050405020304" pitchFamily="18" charset="0"/>
+                </a:rPr>
+                <a:t>Left</a:t>
+              </a:r>
+              <a:endParaRPr kumimoji="0" lang="en-US" altLang="en-US" sz="2400" b="0" i="0" u="none" strike="noStrike" cap="none" normalizeH="0" baseline="0" dirty="0">
                 <a:ln>
                   <a:noFill/>
                 </a:ln>
@@ -12136,304 +11524,668 @@
                   <a:schemeClr val="tx1"/>
                 </a:solidFill>
                 <a:effectLst/>
-                <a:latin typeface="Sylfaen" panose="010A0502050306030303" pitchFamily="18" charset="0"/>
-                <a:ea typeface="Calibri" panose="020F0502020204030204" pitchFamily="34" charset="0"/>
-                <a:cs typeface="Times New Roman" panose="02020603050405020304" pitchFamily="18" charset="0"/>
-              </a:rPr>
-              <a:t>Right</a:t>
-            </a:r>
-            <a:endParaRPr kumimoji="0" lang="en-US" altLang="en-US" sz="2400" b="0" i="0" u="none" strike="noStrike" cap="none" normalizeH="0" baseline="0" dirty="0">
-              <a:ln>
-                <a:noFill/>
-              </a:ln>
+                <a:latin typeface="Arial" panose="020B0604020202020204" pitchFamily="34" charset="0"/>
+              </a:endParaRPr>
+            </a:p>
+          </p:txBody>
+        </p:sp>
+        <p:pic>
+          <p:nvPicPr>
+            <p:cNvPr id="87" name="Graphic 86" descr="Female outline">
+              <a:extLst>
+                <a:ext uri="{FF2B5EF4-FFF2-40B4-BE49-F238E27FC236}">
+                  <a16:creationId xmlns:a16="http://schemas.microsoft.com/office/drawing/2014/main" id="{F21C47D8-D065-581E-C935-BDA3F36FE661}"/>
+                </a:ext>
+              </a:extLst>
+            </p:cNvPr>
+            <p:cNvPicPr>
+              <a:picLocks noChangeAspect="1"/>
+            </p:cNvPicPr>
+            <p:nvPr/>
+          </p:nvPicPr>
+          <p:blipFill>
+            <a:blip r:embed="rId4">
+              <a:extLst>
+                <a:ext uri="{28A0092B-C50C-407E-A947-70E740481C1C}">
+                  <a14:useLocalDpi xmlns:a14="http://schemas.microsoft.com/office/drawing/2010/main" val="0"/>
+                </a:ext>
+                <a:ext uri="{96DAC541-7B7A-43D3-8B79-37D633B846F1}">
+                  <asvg:svgBlip xmlns:asvg="http://schemas.microsoft.com/office/drawing/2016/SVG/main" r:embed="rId5"/>
+                </a:ext>
+              </a:extLst>
+            </a:blip>
+            <a:stretch>
+              <a:fillRect/>
+            </a:stretch>
+          </p:blipFill>
+          <p:spPr>
+            <a:xfrm>
+              <a:off x="3971884" y="607092"/>
+              <a:ext cx="312079" cy="353098"/>
+            </a:xfrm>
+            <a:prstGeom prst="rect">
+              <a:avLst/>
+            </a:prstGeom>
+          </p:spPr>
+        </p:pic>
+        <p:pic>
+          <p:nvPicPr>
+            <p:cNvPr id="88" name="Graphic 87" descr="Ear outline">
+              <a:extLst>
+                <a:ext uri="{FF2B5EF4-FFF2-40B4-BE49-F238E27FC236}">
+                  <a16:creationId xmlns:a16="http://schemas.microsoft.com/office/drawing/2014/main" id="{E3F0D192-33FD-E78C-2E0F-E117D8CD228F}"/>
+                </a:ext>
+              </a:extLst>
+            </p:cNvPr>
+            <p:cNvPicPr>
+              <a:picLocks noChangeAspect="1"/>
+            </p:cNvPicPr>
+            <p:nvPr/>
+          </p:nvPicPr>
+          <p:blipFill>
+            <a:blip r:embed="rId10">
+              <a:extLst>
+                <a:ext uri="{28A0092B-C50C-407E-A947-70E740481C1C}">
+                  <a14:useLocalDpi xmlns:a14="http://schemas.microsoft.com/office/drawing/2010/main" val="0"/>
+                </a:ext>
+                <a:ext uri="{96DAC541-7B7A-43D3-8B79-37D633B846F1}">
+                  <asvg:svgBlip xmlns:asvg="http://schemas.microsoft.com/office/drawing/2016/SVG/main" r:embed="rId11"/>
+                </a:ext>
+              </a:extLst>
+            </a:blip>
+            <a:stretch>
+              <a:fillRect/>
+            </a:stretch>
+          </p:blipFill>
+          <p:spPr>
+            <a:xfrm>
+              <a:off x="4602494" y="2485255"/>
+              <a:ext cx="269217" cy="386613"/>
+            </a:xfrm>
+            <a:prstGeom prst="rect">
+              <a:avLst/>
+            </a:prstGeom>
+          </p:spPr>
+        </p:pic>
+        <p:sp>
+          <p:nvSpPr>
+            <p:cNvPr id="90" name="Rectangle: Rounded Corners 89">
+              <a:extLst>
+                <a:ext uri="{FF2B5EF4-FFF2-40B4-BE49-F238E27FC236}">
+                  <a16:creationId xmlns:a16="http://schemas.microsoft.com/office/drawing/2014/main" id="{0494CA85-3224-8B39-404E-E9458617340E}"/>
+                </a:ext>
+              </a:extLst>
+            </p:cNvPr>
+            <p:cNvSpPr/>
+            <p:nvPr/>
+          </p:nvSpPr>
+          <p:spPr>
+            <a:xfrm>
+              <a:off x="3406753" y="2054803"/>
+              <a:ext cx="870528" cy="1101078"/>
+            </a:xfrm>
+            <a:prstGeom prst="roundRect">
+              <a:avLst/>
+            </a:prstGeom>
+            <a:noFill/>
+            <a:ln w="57150">
               <a:solidFill>
-                <a:schemeClr val="tx1"/>
+                <a:srgbClr val="77CEF9"/>
               </a:solidFill>
-              <a:effectLst/>
-              <a:latin typeface="Arial" panose="020B0604020202020204" pitchFamily="34" charset="0"/>
-            </a:endParaRPr>
-          </a:p>
-        </p:txBody>
-      </p:sp>
-      <p:pic>
-        <p:nvPicPr>
-          <p:cNvPr id="99" name="Graphic 98" descr="Male outline">
-            <a:extLst>
-              <a:ext uri="{FF2B5EF4-FFF2-40B4-BE49-F238E27FC236}">
-                <a16:creationId xmlns:a16="http://schemas.microsoft.com/office/drawing/2014/main" id="{B246DFCE-F2D1-2D2F-59DE-CED25C2CED3A}"/>
-              </a:ext>
-            </a:extLst>
-          </p:cNvPr>
-          <p:cNvPicPr>
-            <a:picLocks noChangeAspect="1"/>
-          </p:cNvPicPr>
-          <p:nvPr/>
-        </p:nvPicPr>
-        <p:blipFill>
-          <a:blip r:embed="rId8">
-            <a:extLst>
-              <a:ext uri="{28A0092B-C50C-407E-A947-70E740481C1C}">
-                <a14:useLocalDpi xmlns:a14="http://schemas.microsoft.com/office/drawing/2010/main" val="0"/>
-              </a:ext>
-              <a:ext uri="{96DAC541-7B7A-43D3-8B79-37D633B846F1}">
-                <asvg:svgBlip xmlns:asvg="http://schemas.microsoft.com/office/drawing/2016/SVG/main" r:embed="rId9"/>
-              </a:ext>
-            </a:extLst>
-          </a:blip>
-          <a:stretch>
-            <a:fillRect/>
-          </a:stretch>
-        </p:blipFill>
-        <p:spPr>
-          <a:xfrm>
-            <a:off x="4622071" y="635502"/>
-            <a:ext cx="341901" cy="386841"/>
-          </a:xfrm>
-          <a:prstGeom prst="rect">
-            <a:avLst/>
-          </a:prstGeom>
-        </p:spPr>
-      </p:pic>
-      <p:pic>
-        <p:nvPicPr>
-          <p:cNvPr id="100" name="Graphic 99" descr="Ear outline">
-            <a:extLst>
-              <a:ext uri="{FF2B5EF4-FFF2-40B4-BE49-F238E27FC236}">
-                <a16:creationId xmlns:a16="http://schemas.microsoft.com/office/drawing/2014/main" id="{6D6A5DCB-B563-509D-9D35-A999C2263C17}"/>
-              </a:ext>
-            </a:extLst>
-          </p:cNvPr>
-          <p:cNvPicPr>
-            <a:picLocks noChangeAspect="1"/>
-          </p:cNvPicPr>
-          <p:nvPr/>
-        </p:nvPicPr>
-        <p:blipFill>
-          <a:blip r:embed="rId10">
-            <a:extLst>
-              <a:ext uri="{28A0092B-C50C-407E-A947-70E740481C1C}">
-                <a14:useLocalDpi xmlns:a14="http://schemas.microsoft.com/office/drawing/2010/main" val="0"/>
-              </a:ext>
-              <a:ext uri="{96DAC541-7B7A-43D3-8B79-37D633B846F1}">
-                <asvg:svgBlip xmlns:asvg="http://schemas.microsoft.com/office/drawing/2016/SVG/main" r:embed="rId11"/>
-              </a:ext>
-            </a:extLst>
-          </a:blip>
-          <a:stretch>
-            <a:fillRect/>
-          </a:stretch>
-        </p:blipFill>
-        <p:spPr>
-          <a:xfrm flipH="1">
-            <a:off x="3985081" y="989504"/>
-            <a:ext cx="269216" cy="386613"/>
-          </a:xfrm>
-          <a:prstGeom prst="rect">
-            <a:avLst/>
-          </a:prstGeom>
-        </p:spPr>
-      </p:pic>
-      <p:pic>
-        <p:nvPicPr>
-          <p:cNvPr id="102" name="Graphic 101" descr="School girl outline">
-            <a:extLst>
-              <a:ext uri="{FF2B5EF4-FFF2-40B4-BE49-F238E27FC236}">
-                <a16:creationId xmlns:a16="http://schemas.microsoft.com/office/drawing/2014/main" id="{E4511461-D672-DF12-455B-7E71F010C8B7}"/>
-              </a:ext>
-            </a:extLst>
-          </p:cNvPr>
-          <p:cNvPicPr>
-            <a:picLocks noChangeAspect="1"/>
-          </p:cNvPicPr>
-          <p:nvPr/>
-        </p:nvPicPr>
-        <p:blipFill>
-          <a:blip r:embed="rId2">
-            <a:extLst>
-              <a:ext uri="{28A0092B-C50C-407E-A947-70E740481C1C}">
-                <a14:useLocalDpi xmlns:a14="http://schemas.microsoft.com/office/drawing/2010/main" val="0"/>
-              </a:ext>
-              <a:ext uri="{96DAC541-7B7A-43D3-8B79-37D633B846F1}">
-                <asvg:svgBlip xmlns:asvg="http://schemas.microsoft.com/office/drawing/2016/SVG/main" r:embed="rId3"/>
-              </a:ext>
-            </a:extLst>
-          </a:blip>
-          <a:stretch>
-            <a:fillRect/>
-          </a:stretch>
-        </p:blipFill>
-        <p:spPr>
-          <a:xfrm>
-            <a:off x="4825211" y="2491866"/>
-            <a:ext cx="643655" cy="728255"/>
-          </a:xfrm>
-          <a:prstGeom prst="rect">
-            <a:avLst/>
-          </a:prstGeom>
-        </p:spPr>
-      </p:pic>
-      <p:pic>
-        <p:nvPicPr>
-          <p:cNvPr id="103" name="Graphic 102" descr="Female outline">
-            <a:extLst>
-              <a:ext uri="{FF2B5EF4-FFF2-40B4-BE49-F238E27FC236}">
-                <a16:creationId xmlns:a16="http://schemas.microsoft.com/office/drawing/2014/main" id="{DAC763E0-FD0A-B98A-581D-FDB13BB0FE1D}"/>
-              </a:ext>
-            </a:extLst>
-          </p:cNvPr>
-          <p:cNvPicPr>
-            <a:picLocks noChangeAspect="1"/>
-          </p:cNvPicPr>
-          <p:nvPr/>
-        </p:nvPicPr>
-        <p:blipFill>
-          <a:blip r:embed="rId4">
-            <a:extLst>
-              <a:ext uri="{28A0092B-C50C-407E-A947-70E740481C1C}">
-                <a14:useLocalDpi xmlns:a14="http://schemas.microsoft.com/office/drawing/2010/main" val="0"/>
-              </a:ext>
-              <a:ext uri="{96DAC541-7B7A-43D3-8B79-37D633B846F1}">
-                <asvg:svgBlip xmlns:asvg="http://schemas.microsoft.com/office/drawing/2016/SVG/main" r:embed="rId5"/>
-              </a:ext>
-            </a:extLst>
-          </a:blip>
-          <a:stretch>
-            <a:fillRect/>
-          </a:stretch>
-        </p:blipFill>
-        <p:spPr>
-          <a:xfrm>
-            <a:off x="4590579" y="2138768"/>
-            <a:ext cx="312079" cy="353098"/>
-          </a:xfrm>
-          <a:prstGeom prst="rect">
-            <a:avLst/>
-          </a:prstGeom>
-        </p:spPr>
-      </p:pic>
-      <p:sp>
-        <p:nvSpPr>
-          <p:cNvPr id="104" name="Rectangle: Rounded Corners 103">
-            <a:extLst>
-              <a:ext uri="{FF2B5EF4-FFF2-40B4-BE49-F238E27FC236}">
-                <a16:creationId xmlns:a16="http://schemas.microsoft.com/office/drawing/2014/main" id="{478EE609-8D47-7DC6-B539-26733B9643B6}"/>
-              </a:ext>
-            </a:extLst>
-          </p:cNvPr>
-          <p:cNvSpPr/>
-          <p:nvPr/>
-        </p:nvSpPr>
-        <p:spPr>
-          <a:xfrm>
-            <a:off x="4558201" y="2055263"/>
-            <a:ext cx="875776" cy="1101077"/>
-          </a:xfrm>
-          <a:prstGeom prst="roundRect">
-            <a:avLst/>
-          </a:prstGeom>
-          <a:noFill/>
-          <a:ln w="57150">
+            </a:ln>
+          </p:spPr>
+          <p:style>
+            <a:lnRef idx="2">
+              <a:schemeClr val="accent1">
+                <a:shade val="50000"/>
+              </a:schemeClr>
+            </a:lnRef>
+            <a:fillRef idx="1">
+              <a:schemeClr val="accent1"/>
+            </a:fillRef>
+            <a:effectRef idx="0">
+              <a:schemeClr val="accent1"/>
+            </a:effectRef>
+            <a:fontRef idx="minor">
+              <a:schemeClr val="lt1"/>
+            </a:fontRef>
+          </p:style>
+          <p:txBody>
+            <a:bodyPr rot="0" spcFirstLastPara="0" vert="horz" wrap="square" lIns="91440" tIns="45720" rIns="91440" bIns="45720" numCol="1" spcCol="0" rtlCol="0" fromWordArt="0" anchor="ctr" anchorCtr="0" forceAA="0" compatLnSpc="1">
+              <a:prstTxWarp prst="textNoShape">
+                <a:avLst/>
+              </a:prstTxWarp>
+              <a:noAutofit/>
+            </a:bodyPr>
+            <a:lstStyle/>
+            <a:p>
+              <a:endParaRPr lang="en-US"/>
+            </a:p>
+          </p:txBody>
+        </p:sp>
+        <p:pic>
+          <p:nvPicPr>
+            <p:cNvPr id="92" name="Graphic 91" descr="Ear outline">
+              <a:extLst>
+                <a:ext uri="{FF2B5EF4-FFF2-40B4-BE49-F238E27FC236}">
+                  <a16:creationId xmlns:a16="http://schemas.microsoft.com/office/drawing/2014/main" id="{EE1832BE-1678-09B0-A92D-64ACDF569FA0}"/>
+                </a:ext>
+              </a:extLst>
+            </p:cNvPr>
+            <p:cNvPicPr>
+              <a:picLocks noChangeAspect="1"/>
+            </p:cNvPicPr>
+            <p:nvPr/>
+          </p:nvPicPr>
+          <p:blipFill>
+            <a:blip r:embed="rId10">
+              <a:extLst>
+                <a:ext uri="{28A0092B-C50C-407E-A947-70E740481C1C}">
+                  <a14:useLocalDpi xmlns:a14="http://schemas.microsoft.com/office/drawing/2010/main" val="0"/>
+                </a:ext>
+                <a:ext uri="{96DAC541-7B7A-43D3-8B79-37D633B846F1}">
+                  <asvg:svgBlip xmlns:asvg="http://schemas.microsoft.com/office/drawing/2016/SVG/main" r:embed="rId11"/>
+                </a:ext>
+              </a:extLst>
+            </a:blip>
+            <a:stretch>
+              <a:fillRect/>
+            </a:stretch>
+          </p:blipFill>
+          <p:spPr>
+            <a:xfrm>
+              <a:off x="4643295" y="1015170"/>
+              <a:ext cx="269217" cy="386613"/>
+            </a:xfrm>
+            <a:prstGeom prst="rect">
+              <a:avLst/>
+            </a:prstGeom>
+          </p:spPr>
+        </p:pic>
+        <p:pic>
+          <p:nvPicPr>
+            <p:cNvPr id="93" name="Graphic 92" descr="School boy outline">
+              <a:extLst>
+                <a:ext uri="{FF2B5EF4-FFF2-40B4-BE49-F238E27FC236}">
+                  <a16:creationId xmlns:a16="http://schemas.microsoft.com/office/drawing/2014/main" id="{A212EC77-0016-C905-8FAF-6EE7F893D275}"/>
+                </a:ext>
+              </a:extLst>
+            </p:cNvPr>
+            <p:cNvPicPr>
+              <a:picLocks noChangeAspect="1"/>
+            </p:cNvPicPr>
+            <p:nvPr/>
+          </p:nvPicPr>
+          <p:blipFill>
+            <a:blip r:embed="rId6">
+              <a:extLst>
+                <a:ext uri="{28A0092B-C50C-407E-A947-70E740481C1C}">
+                  <a14:useLocalDpi xmlns:a14="http://schemas.microsoft.com/office/drawing/2010/main" val="0"/>
+                </a:ext>
+                <a:ext uri="{96DAC541-7B7A-43D3-8B79-37D633B846F1}">
+                  <asvg:svgBlip xmlns:asvg="http://schemas.microsoft.com/office/drawing/2016/SVG/main" r:embed="rId7"/>
+                </a:ext>
+              </a:extLst>
+            </a:blip>
+            <a:stretch>
+              <a:fillRect/>
+            </a:stretch>
+          </p:blipFill>
+          <p:spPr>
+            <a:xfrm>
+              <a:off x="3349933" y="2494449"/>
+              <a:ext cx="643653" cy="728254"/>
+            </a:xfrm>
+            <a:prstGeom prst="rect">
+              <a:avLst/>
+            </a:prstGeom>
+          </p:spPr>
+        </p:pic>
+        <p:pic>
+          <p:nvPicPr>
+            <p:cNvPr id="94" name="Graphic 93" descr="Male outline">
+              <a:extLst>
+                <a:ext uri="{FF2B5EF4-FFF2-40B4-BE49-F238E27FC236}">
+                  <a16:creationId xmlns:a16="http://schemas.microsoft.com/office/drawing/2014/main" id="{494EF8F1-4B91-1410-849C-965FF2224B1E}"/>
+                </a:ext>
+              </a:extLst>
+            </p:cNvPr>
+            <p:cNvPicPr>
+              <a:picLocks noChangeAspect="1"/>
+            </p:cNvPicPr>
+            <p:nvPr/>
+          </p:nvPicPr>
+          <p:blipFill>
+            <a:blip r:embed="rId8">
+              <a:extLst>
+                <a:ext uri="{28A0092B-C50C-407E-A947-70E740481C1C}">
+                  <a14:useLocalDpi xmlns:a14="http://schemas.microsoft.com/office/drawing/2010/main" val="0"/>
+                </a:ext>
+                <a:ext uri="{96DAC541-7B7A-43D3-8B79-37D633B846F1}">
+                  <asvg:svgBlip xmlns:asvg="http://schemas.microsoft.com/office/drawing/2016/SVG/main" r:embed="rId9"/>
+                </a:ext>
+              </a:extLst>
+            </a:blip>
+            <a:stretch>
+              <a:fillRect/>
+            </a:stretch>
+          </p:blipFill>
+          <p:spPr>
+            <a:xfrm>
+              <a:off x="3907864" y="2102237"/>
+              <a:ext cx="341901" cy="386841"/>
+            </a:xfrm>
+            <a:prstGeom prst="rect">
+              <a:avLst/>
+            </a:prstGeom>
+          </p:spPr>
+        </p:pic>
+        <p:sp>
+          <p:nvSpPr>
+            <p:cNvPr id="131" name="Text Box 10">
+              <a:extLst>
+                <a:ext uri="{FF2B5EF4-FFF2-40B4-BE49-F238E27FC236}">
+                  <a16:creationId xmlns:a16="http://schemas.microsoft.com/office/drawing/2014/main" id="{CE1D6EEA-DC20-55DA-B22E-385AC0827570}"/>
+                </a:ext>
+              </a:extLst>
+            </p:cNvPr>
+            <p:cNvSpPr txBox="1">
+              <a:spLocks noChangeArrowheads="1"/>
+            </p:cNvSpPr>
+            <p:nvPr/>
+          </p:nvSpPr>
+          <p:spPr bwMode="auto">
+            <a:xfrm>
+              <a:off x="3156215" y="185826"/>
+              <a:ext cx="1467665" cy="419705"/>
+            </a:xfrm>
+            <a:prstGeom prst="rect">
+              <a:avLst/>
+            </a:prstGeom>
+            <a:noFill/>
+            <a:ln>
+              <a:noFill/>
+            </a:ln>
+          </p:spPr>
+          <p:txBody>
+            <a:bodyPr vert="horz" wrap="square" lIns="91440" tIns="45720" rIns="91440" bIns="45720" numCol="1" anchor="t" anchorCtr="0" compatLnSpc="1">
+              <a:prstTxWarp prst="textNoShape">
+                <a:avLst/>
+              </a:prstTxWarp>
+            </a:bodyPr>
+            <a:lstStyle/>
+            <a:p>
+              <a:pPr marL="0" marR="0" lvl="0" indent="0" algn="ctr" defTabSz="914400" rtl="0" eaLnBrk="0" fontAlgn="base" latinLnBrk="0" hangingPunct="0">
+                <a:lnSpc>
+                  <a:spcPct val="100000"/>
+                </a:lnSpc>
+                <a:spcBef>
+                  <a:spcPct val="0"/>
+                </a:spcBef>
+                <a:spcAft>
+                  <a:spcPct val="0"/>
+                </a:spcAft>
+                <a:buClrTx/>
+                <a:buSzTx/>
+                <a:buFontTx/>
+                <a:buNone/>
+                <a:tabLst/>
+              </a:pPr>
+              <a:r>
+                <a:rPr kumimoji="0" lang="en-US" altLang="en-US" sz="1600" b="1" u="none" strike="noStrike" cap="none" normalizeH="0" baseline="0" dirty="0">
+                  <a:ln>
+                    <a:noFill/>
+                  </a:ln>
+                  <a:solidFill>
+                    <a:srgbClr val="0CA7F4"/>
+                  </a:solidFill>
+                  <a:effectLst/>
+                  <a:latin typeface="Sylfaen" panose="010A0502050306030303" pitchFamily="18" charset="0"/>
+                  <a:ea typeface="Calibri" panose="020F0502020204030204" pitchFamily="34" charset="0"/>
+                  <a:cs typeface="Times New Roman" panose="02020603050405020304" pitchFamily="18" charset="0"/>
+                </a:rPr>
+                <a:t>Talker B</a:t>
+              </a:r>
+              <a:endParaRPr kumimoji="0" lang="en-US" altLang="en-US" sz="3600" b="1" u="none" strike="noStrike" cap="none" normalizeH="0" baseline="0" dirty="0">
+                <a:ln>
+                  <a:noFill/>
+                </a:ln>
+                <a:solidFill>
+                  <a:srgbClr val="0CA7F4"/>
+                </a:solidFill>
+                <a:effectLst/>
+                <a:latin typeface="Arial" panose="020B0604020202020204" pitchFamily="34" charset="0"/>
+              </a:endParaRPr>
+            </a:p>
+          </p:txBody>
+        </p:sp>
+        <p:sp>
+          <p:nvSpPr>
+            <p:cNvPr id="139" name="TextBox 138">
+              <a:extLst>
+                <a:ext uri="{FF2B5EF4-FFF2-40B4-BE49-F238E27FC236}">
+                  <a16:creationId xmlns:a16="http://schemas.microsoft.com/office/drawing/2014/main" id="{847C9644-D79F-8A83-C2E5-7AC7CB0F5D50}"/>
+                </a:ext>
+              </a:extLst>
+            </p:cNvPr>
+            <p:cNvSpPr txBox="1"/>
+            <p:nvPr/>
+          </p:nvSpPr>
+          <p:spPr>
+            <a:xfrm>
+              <a:off x="3906413" y="1293407"/>
+              <a:ext cx="417980" cy="369332"/>
+            </a:xfrm>
+            <a:prstGeom prst="rect">
+              <a:avLst/>
+            </a:prstGeom>
+            <a:noFill/>
+          </p:spPr>
+          <p:txBody>
+            <a:bodyPr wrap="square" rtlCol="0">
+              <a:spAutoFit/>
+            </a:bodyPr>
+            <a:lstStyle/>
+            <a:p>
+              <a:r>
+                <a:rPr lang="en-US" dirty="0" err="1"/>
+                <a:t>Sh</a:t>
+              </a:r>
+              <a:endParaRPr lang="en-US" dirty="0"/>
+            </a:p>
+          </p:txBody>
+        </p:sp>
+        <p:sp>
+          <p:nvSpPr>
+            <p:cNvPr id="140" name="TextBox 139">
+              <a:extLst>
+                <a:ext uri="{FF2B5EF4-FFF2-40B4-BE49-F238E27FC236}">
+                  <a16:creationId xmlns:a16="http://schemas.microsoft.com/office/drawing/2014/main" id="{0B70D157-ADF4-6BF7-C0B7-139BC7868600}"/>
+                </a:ext>
+              </a:extLst>
+            </p:cNvPr>
+            <p:cNvSpPr txBox="1"/>
+            <p:nvPr/>
+          </p:nvSpPr>
+          <p:spPr>
+            <a:xfrm>
+              <a:off x="3859301" y="2782074"/>
+              <a:ext cx="417980" cy="369332"/>
+            </a:xfrm>
+            <a:prstGeom prst="rect">
+              <a:avLst/>
+            </a:prstGeom>
+            <a:noFill/>
+          </p:spPr>
+          <p:txBody>
+            <a:bodyPr wrap="square" rtlCol="0">
+              <a:spAutoFit/>
+            </a:bodyPr>
+            <a:lstStyle/>
+            <a:p>
+              <a:r>
+                <a:rPr lang="en-US" dirty="0" err="1"/>
+                <a:t>Sh</a:t>
+              </a:r>
+              <a:endParaRPr lang="en-US" dirty="0"/>
+            </a:p>
+          </p:txBody>
+        </p:sp>
+        <p:sp>
+          <p:nvSpPr>
+            <p:cNvPr id="134" name="Text Box 10">
+              <a:extLst>
+                <a:ext uri="{FF2B5EF4-FFF2-40B4-BE49-F238E27FC236}">
+                  <a16:creationId xmlns:a16="http://schemas.microsoft.com/office/drawing/2014/main" id="{5DE3E955-2C73-2067-B562-4DF7B75A5845}"/>
+                </a:ext>
+              </a:extLst>
+            </p:cNvPr>
+            <p:cNvSpPr txBox="1">
+              <a:spLocks noChangeArrowheads="1"/>
+            </p:cNvSpPr>
+            <p:nvPr/>
+          </p:nvSpPr>
+          <p:spPr bwMode="auto">
+            <a:xfrm>
+              <a:off x="4261966" y="197319"/>
+              <a:ext cx="1467665" cy="419705"/>
+            </a:xfrm>
+            <a:prstGeom prst="rect">
+              <a:avLst/>
+            </a:prstGeom>
+            <a:noFill/>
+            <a:ln>
+              <a:noFill/>
+            </a:ln>
+          </p:spPr>
+          <p:txBody>
+            <a:bodyPr vert="horz" wrap="square" lIns="91440" tIns="45720" rIns="91440" bIns="45720" numCol="1" anchor="t" anchorCtr="0" compatLnSpc="1">
+              <a:prstTxWarp prst="textNoShape">
+                <a:avLst/>
+              </a:prstTxWarp>
+            </a:bodyPr>
+            <a:lstStyle/>
+            <a:p>
+              <a:pPr marL="0" marR="0" lvl="0" indent="0" algn="ctr" defTabSz="914400" rtl="0" eaLnBrk="0" fontAlgn="base" latinLnBrk="0" hangingPunct="0">
+                <a:lnSpc>
+                  <a:spcPct val="100000"/>
+                </a:lnSpc>
+                <a:spcBef>
+                  <a:spcPct val="0"/>
+                </a:spcBef>
+                <a:spcAft>
+                  <a:spcPct val="0"/>
+                </a:spcAft>
+                <a:buClrTx/>
+                <a:buSzTx/>
+                <a:buFontTx/>
+                <a:buNone/>
+                <a:tabLst/>
+              </a:pPr>
+              <a:r>
+                <a:rPr kumimoji="0" lang="en-US" altLang="en-US" sz="1600" b="1" u="none" strike="noStrike" cap="none" normalizeH="0" baseline="0" dirty="0">
+                  <a:ln>
+                    <a:noFill/>
+                  </a:ln>
+                  <a:solidFill>
+                    <a:srgbClr val="FE9700"/>
+                  </a:solidFill>
+                  <a:effectLst/>
+                  <a:latin typeface="Sylfaen" panose="010A0502050306030303" pitchFamily="18" charset="0"/>
+                  <a:ea typeface="Calibri" panose="020F0502020204030204" pitchFamily="34" charset="0"/>
+                  <a:cs typeface="Times New Roman" panose="02020603050405020304" pitchFamily="18" charset="0"/>
+                </a:rPr>
+                <a:t>Talker A</a:t>
+              </a:r>
+              <a:endParaRPr kumimoji="0" lang="en-US" altLang="en-US" sz="3600" b="1" u="none" strike="noStrike" cap="none" normalizeH="0" baseline="0" dirty="0">
+                <a:ln>
+                  <a:noFill/>
+                </a:ln>
+                <a:solidFill>
+                  <a:srgbClr val="FE9700"/>
+                </a:solidFill>
+                <a:effectLst/>
+                <a:latin typeface="Arial" panose="020B0604020202020204" pitchFamily="34" charset="0"/>
+              </a:endParaRPr>
+            </a:p>
+          </p:txBody>
+        </p:sp>
+        <p:pic>
+          <p:nvPicPr>
+            <p:cNvPr id="96" name="Graphic 95" descr="School boy outline">
+              <a:extLst>
+                <a:ext uri="{FF2B5EF4-FFF2-40B4-BE49-F238E27FC236}">
+                  <a16:creationId xmlns:a16="http://schemas.microsoft.com/office/drawing/2014/main" id="{C1A9F65A-1E04-C678-3797-7C3B6314E778}"/>
+                </a:ext>
+              </a:extLst>
+            </p:cNvPr>
+            <p:cNvPicPr>
+              <a:picLocks noChangeAspect="1"/>
+            </p:cNvPicPr>
+            <p:nvPr/>
+          </p:nvPicPr>
+          <p:blipFill>
+            <a:blip r:embed="rId6">
+              <a:extLst>
+                <a:ext uri="{28A0092B-C50C-407E-A947-70E740481C1C}">
+                  <a14:useLocalDpi xmlns:a14="http://schemas.microsoft.com/office/drawing/2010/main" val="0"/>
+                </a:ext>
+                <a:ext uri="{96DAC541-7B7A-43D3-8B79-37D633B846F1}">
+                  <asvg:svgBlip xmlns:asvg="http://schemas.microsoft.com/office/drawing/2016/SVG/main" r:embed="rId7"/>
+                </a:ext>
+              </a:extLst>
+            </a:blip>
+            <a:stretch>
+              <a:fillRect/>
+            </a:stretch>
+          </p:blipFill>
+          <p:spPr>
+            <a:xfrm>
+              <a:off x="4889109" y="1037920"/>
+              <a:ext cx="643653" cy="728254"/>
+            </a:xfrm>
+            <a:prstGeom prst="rect">
+              <a:avLst/>
+            </a:prstGeom>
+          </p:spPr>
+        </p:pic>
+        <p:sp>
+          <p:nvSpPr>
+            <p:cNvPr id="97" name="Rectangle: Rounded Corners 96">
+              <a:extLst>
+                <a:ext uri="{FF2B5EF4-FFF2-40B4-BE49-F238E27FC236}">
+                  <a16:creationId xmlns:a16="http://schemas.microsoft.com/office/drawing/2014/main" id="{859A32C5-AE99-B380-34D0-847211F875B8}"/>
+                </a:ext>
+              </a:extLst>
+            </p:cNvPr>
+            <p:cNvSpPr/>
+            <p:nvPr/>
+          </p:nvSpPr>
+          <p:spPr>
+            <a:xfrm>
+              <a:off x="4577040" y="586867"/>
+              <a:ext cx="875776" cy="1101077"/>
+            </a:xfrm>
+            <a:prstGeom prst="roundRect">
+              <a:avLst/>
+            </a:prstGeom>
+            <a:noFill/>
+            <a:ln w="57150">
+              <a:solidFill>
+                <a:srgbClr val="FFBE5F"/>
+              </a:solidFill>
+            </a:ln>
+          </p:spPr>
+          <p:style>
+            <a:lnRef idx="2">
+              <a:schemeClr val="accent1">
+                <a:shade val="50000"/>
+              </a:schemeClr>
+            </a:lnRef>
+            <a:fillRef idx="1">
+              <a:schemeClr val="accent1"/>
+            </a:fillRef>
+            <a:effectRef idx="0">
+              <a:schemeClr val="accent1"/>
+            </a:effectRef>
+            <a:fontRef idx="minor">
+              <a:schemeClr val="lt1"/>
+            </a:fontRef>
+          </p:style>
+          <p:txBody>
+            <a:bodyPr rot="0" spcFirstLastPara="0" vert="horz" wrap="square" lIns="91440" tIns="45720" rIns="91440" bIns="45720" numCol="1" spcCol="0" rtlCol="0" fromWordArt="0" anchor="ctr" anchorCtr="0" forceAA="0" compatLnSpc="1">
+              <a:prstTxWarp prst="textNoShape">
+                <a:avLst/>
+              </a:prstTxWarp>
+              <a:noAutofit/>
+            </a:bodyPr>
+            <a:lstStyle/>
+            <a:p>
+              <a:endParaRPr lang="en-US"/>
+            </a:p>
+          </p:txBody>
+        </p:sp>
+        <p:sp>
+          <p:nvSpPr>
+            <p:cNvPr id="98" name="Text Box 10">
+              <a:extLst>
+                <a:ext uri="{FF2B5EF4-FFF2-40B4-BE49-F238E27FC236}">
+                  <a16:creationId xmlns:a16="http://schemas.microsoft.com/office/drawing/2014/main" id="{F1981079-9AC3-39EC-E2F4-6BCF80F9A51D}"/>
+                </a:ext>
+              </a:extLst>
+            </p:cNvPr>
+            <p:cNvSpPr txBox="1">
+              <a:spLocks noChangeArrowheads="1"/>
+            </p:cNvSpPr>
+            <p:nvPr/>
+          </p:nvSpPr>
+          <p:spPr bwMode="auto">
+            <a:xfrm>
+              <a:off x="4596576" y="1724038"/>
+              <a:ext cx="854299" cy="236247"/>
+            </a:xfrm>
+            <a:prstGeom prst="rect">
+              <a:avLst/>
+            </a:prstGeom>
             <a:solidFill>
-              <a:srgbClr val="FFBE5F"/>
+              <a:srgbClr val="FFFFFF"/>
             </a:solidFill>
-          </a:ln>
-        </p:spPr>
-        <p:style>
-          <a:lnRef idx="2">
-            <a:schemeClr val="accent1">
-              <a:shade val="50000"/>
-            </a:schemeClr>
-          </a:lnRef>
-          <a:fillRef idx="1">
-            <a:schemeClr val="accent1"/>
-          </a:fillRef>
-          <a:effectRef idx="0">
-            <a:schemeClr val="accent1"/>
-          </a:effectRef>
-          <a:fontRef idx="minor">
-            <a:schemeClr val="lt1"/>
-          </a:fontRef>
-        </p:style>
-        <p:txBody>
-          <a:bodyPr rot="0" spcFirstLastPara="0" vert="horz" wrap="square" lIns="91440" tIns="45720" rIns="91440" bIns="45720" numCol="1" spcCol="0" rtlCol="0" fromWordArt="0" anchor="ctr" anchorCtr="0" forceAA="0" compatLnSpc="1">
-            <a:prstTxWarp prst="textNoShape">
-              <a:avLst/>
-            </a:prstTxWarp>
-            <a:noAutofit/>
-          </a:bodyPr>
-          <a:lstStyle/>
-          <a:p>
-            <a:endParaRPr lang="en-US"/>
-          </a:p>
-        </p:txBody>
-      </p:sp>
-      <p:sp>
-        <p:nvSpPr>
-          <p:cNvPr id="105" name="Text Box 10">
-            <a:extLst>
-              <a:ext uri="{FF2B5EF4-FFF2-40B4-BE49-F238E27FC236}">
-                <a16:creationId xmlns:a16="http://schemas.microsoft.com/office/drawing/2014/main" id="{A4A47ED3-9D46-277C-1233-620CCE46F035}"/>
-              </a:ext>
-            </a:extLst>
-          </p:cNvPr>
-          <p:cNvSpPr txBox="1">
-            <a:spLocks noChangeArrowheads="1"/>
-          </p:cNvSpPr>
-          <p:nvPr/>
-        </p:nvSpPr>
-        <p:spPr bwMode="auto">
-          <a:xfrm>
-            <a:off x="4577737" y="3192434"/>
-            <a:ext cx="854299" cy="236247"/>
-          </a:xfrm>
-          <a:prstGeom prst="rect">
-            <a:avLst/>
-          </a:prstGeom>
-          <a:solidFill>
-            <a:srgbClr val="FFFFFF"/>
-          </a:solidFill>
-          <a:ln>
-            <a:noFill/>
-          </a:ln>
-          <a:extLst>
-            <a:ext uri="{91240B29-F687-4F45-9708-019B960494DF}">
-              <a14:hiddenLine xmlns:a14="http://schemas.microsoft.com/office/drawing/2010/main" w="6350">
-                <a:solidFill>
-                  <a:srgbClr val="000000"/>
-                </a:solidFill>
-                <a:miter lim="800000"/>
-                <a:headEnd/>
-                <a:tailEnd/>
-              </a14:hiddenLine>
-            </a:ext>
-          </a:extLst>
-        </p:spPr>
-        <p:txBody>
-          <a:bodyPr vert="horz" wrap="square" lIns="91440" tIns="45720" rIns="91440" bIns="45720" numCol="1" anchor="t" anchorCtr="0" compatLnSpc="1">
-            <a:prstTxWarp prst="textNoShape">
-              <a:avLst/>
-            </a:prstTxWarp>
-          </a:bodyPr>
-          <a:lstStyle/>
-          <a:p>
-            <a:pPr marL="0" marR="0" lvl="0" indent="0" algn="ctr" defTabSz="914400" rtl="0" eaLnBrk="0" fontAlgn="base" latinLnBrk="0" hangingPunct="0">
-              <a:lnSpc>
-                <a:spcPct val="100000"/>
-              </a:lnSpc>
-              <a:spcBef>
-                <a:spcPct val="0"/>
-              </a:spcBef>
-              <a:spcAft>
-                <a:spcPct val="0"/>
-              </a:spcAft>
-              <a:buClrTx/>
-              <a:buSzTx/>
-              <a:buFontTx/>
-              <a:buNone/>
-              <a:tabLst/>
-            </a:pPr>
-            <a:r>
-              <a:rPr kumimoji="0" lang="en-US" altLang="en-US" sz="1100" b="0" i="1" u="none" strike="noStrike" cap="none" normalizeH="0" baseline="0" dirty="0">
+            <a:ln>
+              <a:noFill/>
+            </a:ln>
+            <a:extLst>
+              <a:ext uri="{91240B29-F687-4F45-9708-019B960494DF}">
+                <a14:hiddenLine xmlns:a14="http://schemas.microsoft.com/office/drawing/2010/main" w="6350">
+                  <a:solidFill>
+                    <a:srgbClr val="000000"/>
+                  </a:solidFill>
+                  <a:miter lim="800000"/>
+                  <a:headEnd/>
+                  <a:tailEnd/>
+                </a14:hiddenLine>
+              </a:ext>
+            </a:extLst>
+          </p:spPr>
+          <p:txBody>
+            <a:bodyPr vert="horz" wrap="square" lIns="91440" tIns="45720" rIns="91440" bIns="45720" numCol="1" anchor="t" anchorCtr="0" compatLnSpc="1">
+              <a:prstTxWarp prst="textNoShape">
+                <a:avLst/>
+              </a:prstTxWarp>
+            </a:bodyPr>
+            <a:lstStyle/>
+            <a:p>
+              <a:pPr marL="0" marR="0" lvl="0" indent="0" algn="ctr" defTabSz="914400" rtl="0" eaLnBrk="0" fontAlgn="base" latinLnBrk="0" hangingPunct="0">
+                <a:lnSpc>
+                  <a:spcPct val="100000"/>
+                </a:lnSpc>
+                <a:spcBef>
+                  <a:spcPct val="0"/>
+                </a:spcBef>
+                <a:spcAft>
+                  <a:spcPct val="0"/>
+                </a:spcAft>
+                <a:buClrTx/>
+                <a:buSzTx/>
+                <a:buFontTx/>
+                <a:buNone/>
+                <a:tabLst/>
+              </a:pPr>
+              <a:r>
+                <a:rPr kumimoji="0" lang="en-US" altLang="en-US" sz="1100" b="0" i="1" u="none" strike="noStrike" cap="none" normalizeH="0" baseline="0" dirty="0">
+                  <a:ln>
+                    <a:noFill/>
+                  </a:ln>
+                  <a:solidFill>
+                    <a:schemeClr val="tx1"/>
+                  </a:solidFill>
+                  <a:effectLst/>
+                  <a:latin typeface="Sylfaen" panose="010A0502050306030303" pitchFamily="18" charset="0"/>
+                  <a:ea typeface="Calibri" panose="020F0502020204030204" pitchFamily="34" charset="0"/>
+                  <a:cs typeface="Times New Roman" panose="02020603050405020304" pitchFamily="18" charset="0"/>
+                </a:rPr>
+                <a:t>Right</a:t>
+              </a:r>
+              <a:endParaRPr kumimoji="0" lang="en-US" altLang="en-US" sz="2400" b="0" i="0" u="none" strike="noStrike" cap="none" normalizeH="0" baseline="0" dirty="0">
                 <a:ln>
                   <a:noFill/>
                 </a:ln>
@@ -12441,134 +12193,426 @@
                   <a:schemeClr val="tx1"/>
                 </a:solidFill>
                 <a:effectLst/>
-                <a:latin typeface="Sylfaen" panose="010A0502050306030303" pitchFamily="18" charset="0"/>
-                <a:ea typeface="Calibri" panose="020F0502020204030204" pitchFamily="34" charset="0"/>
-                <a:cs typeface="Times New Roman" panose="02020603050405020304" pitchFamily="18" charset="0"/>
-              </a:rPr>
-              <a:t>Right</a:t>
-            </a:r>
-            <a:endParaRPr kumimoji="0" lang="en-US" altLang="en-US" sz="2400" b="0" i="0" u="none" strike="noStrike" cap="none" normalizeH="0" baseline="0" dirty="0">
-              <a:ln>
-                <a:noFill/>
-              </a:ln>
+                <a:latin typeface="Arial" panose="020B0604020202020204" pitchFamily="34" charset="0"/>
+              </a:endParaRPr>
+            </a:p>
+          </p:txBody>
+        </p:sp>
+        <p:pic>
+          <p:nvPicPr>
+            <p:cNvPr id="99" name="Graphic 98" descr="Male outline">
+              <a:extLst>
+                <a:ext uri="{FF2B5EF4-FFF2-40B4-BE49-F238E27FC236}">
+                  <a16:creationId xmlns:a16="http://schemas.microsoft.com/office/drawing/2014/main" id="{B246DFCE-F2D1-2D2F-59DE-CED25C2CED3A}"/>
+                </a:ext>
+              </a:extLst>
+            </p:cNvPr>
+            <p:cNvPicPr>
+              <a:picLocks noChangeAspect="1"/>
+            </p:cNvPicPr>
+            <p:nvPr/>
+          </p:nvPicPr>
+          <p:blipFill>
+            <a:blip r:embed="rId8">
+              <a:extLst>
+                <a:ext uri="{28A0092B-C50C-407E-A947-70E740481C1C}">
+                  <a14:useLocalDpi xmlns:a14="http://schemas.microsoft.com/office/drawing/2010/main" val="0"/>
+                </a:ext>
+                <a:ext uri="{96DAC541-7B7A-43D3-8B79-37D633B846F1}">
+                  <asvg:svgBlip xmlns:asvg="http://schemas.microsoft.com/office/drawing/2016/SVG/main" r:embed="rId9"/>
+                </a:ext>
+              </a:extLst>
+            </a:blip>
+            <a:stretch>
+              <a:fillRect/>
+            </a:stretch>
+          </p:blipFill>
+          <p:spPr>
+            <a:xfrm>
+              <a:off x="4622071" y="635502"/>
+              <a:ext cx="341901" cy="386841"/>
+            </a:xfrm>
+            <a:prstGeom prst="rect">
+              <a:avLst/>
+            </a:prstGeom>
+          </p:spPr>
+        </p:pic>
+        <p:pic>
+          <p:nvPicPr>
+            <p:cNvPr id="100" name="Graphic 99" descr="Ear outline">
+              <a:extLst>
+                <a:ext uri="{FF2B5EF4-FFF2-40B4-BE49-F238E27FC236}">
+                  <a16:creationId xmlns:a16="http://schemas.microsoft.com/office/drawing/2014/main" id="{6D6A5DCB-B563-509D-9D35-A999C2263C17}"/>
+                </a:ext>
+              </a:extLst>
+            </p:cNvPr>
+            <p:cNvPicPr>
+              <a:picLocks noChangeAspect="1"/>
+            </p:cNvPicPr>
+            <p:nvPr/>
+          </p:nvPicPr>
+          <p:blipFill>
+            <a:blip r:embed="rId10">
+              <a:extLst>
+                <a:ext uri="{28A0092B-C50C-407E-A947-70E740481C1C}">
+                  <a14:useLocalDpi xmlns:a14="http://schemas.microsoft.com/office/drawing/2010/main" val="0"/>
+                </a:ext>
+                <a:ext uri="{96DAC541-7B7A-43D3-8B79-37D633B846F1}">
+                  <asvg:svgBlip xmlns:asvg="http://schemas.microsoft.com/office/drawing/2016/SVG/main" r:embed="rId11"/>
+                </a:ext>
+              </a:extLst>
+            </a:blip>
+            <a:stretch>
+              <a:fillRect/>
+            </a:stretch>
+          </p:blipFill>
+          <p:spPr>
+            <a:xfrm flipH="1">
+              <a:off x="3985081" y="989504"/>
+              <a:ext cx="269216" cy="386613"/>
+            </a:xfrm>
+            <a:prstGeom prst="rect">
+              <a:avLst/>
+            </a:prstGeom>
+          </p:spPr>
+        </p:pic>
+        <p:pic>
+          <p:nvPicPr>
+            <p:cNvPr id="102" name="Graphic 101" descr="School girl outline">
+              <a:extLst>
+                <a:ext uri="{FF2B5EF4-FFF2-40B4-BE49-F238E27FC236}">
+                  <a16:creationId xmlns:a16="http://schemas.microsoft.com/office/drawing/2014/main" id="{E4511461-D672-DF12-455B-7E71F010C8B7}"/>
+                </a:ext>
+              </a:extLst>
+            </p:cNvPr>
+            <p:cNvPicPr>
+              <a:picLocks noChangeAspect="1"/>
+            </p:cNvPicPr>
+            <p:nvPr/>
+          </p:nvPicPr>
+          <p:blipFill>
+            <a:blip r:embed="rId2">
+              <a:extLst>
+                <a:ext uri="{28A0092B-C50C-407E-A947-70E740481C1C}">
+                  <a14:useLocalDpi xmlns:a14="http://schemas.microsoft.com/office/drawing/2010/main" val="0"/>
+                </a:ext>
+                <a:ext uri="{96DAC541-7B7A-43D3-8B79-37D633B846F1}">
+                  <asvg:svgBlip xmlns:asvg="http://schemas.microsoft.com/office/drawing/2016/SVG/main" r:embed="rId3"/>
+                </a:ext>
+              </a:extLst>
+            </a:blip>
+            <a:stretch>
+              <a:fillRect/>
+            </a:stretch>
+          </p:blipFill>
+          <p:spPr>
+            <a:xfrm>
+              <a:off x="4825211" y="2491866"/>
+              <a:ext cx="643655" cy="728255"/>
+            </a:xfrm>
+            <a:prstGeom prst="rect">
+              <a:avLst/>
+            </a:prstGeom>
+          </p:spPr>
+        </p:pic>
+        <p:pic>
+          <p:nvPicPr>
+            <p:cNvPr id="103" name="Graphic 102" descr="Female outline">
+              <a:extLst>
+                <a:ext uri="{FF2B5EF4-FFF2-40B4-BE49-F238E27FC236}">
+                  <a16:creationId xmlns:a16="http://schemas.microsoft.com/office/drawing/2014/main" id="{DAC763E0-FD0A-B98A-581D-FDB13BB0FE1D}"/>
+                </a:ext>
+              </a:extLst>
+            </p:cNvPr>
+            <p:cNvPicPr>
+              <a:picLocks noChangeAspect="1"/>
+            </p:cNvPicPr>
+            <p:nvPr/>
+          </p:nvPicPr>
+          <p:blipFill>
+            <a:blip r:embed="rId4">
+              <a:extLst>
+                <a:ext uri="{28A0092B-C50C-407E-A947-70E740481C1C}">
+                  <a14:useLocalDpi xmlns:a14="http://schemas.microsoft.com/office/drawing/2010/main" val="0"/>
+                </a:ext>
+                <a:ext uri="{96DAC541-7B7A-43D3-8B79-37D633B846F1}">
+                  <asvg:svgBlip xmlns:asvg="http://schemas.microsoft.com/office/drawing/2016/SVG/main" r:embed="rId5"/>
+                </a:ext>
+              </a:extLst>
+            </a:blip>
+            <a:stretch>
+              <a:fillRect/>
+            </a:stretch>
+          </p:blipFill>
+          <p:spPr>
+            <a:xfrm>
+              <a:off x="4590579" y="2138768"/>
+              <a:ext cx="312079" cy="353098"/>
+            </a:xfrm>
+            <a:prstGeom prst="rect">
+              <a:avLst/>
+            </a:prstGeom>
+          </p:spPr>
+        </p:pic>
+        <p:sp>
+          <p:nvSpPr>
+            <p:cNvPr id="104" name="Rectangle: Rounded Corners 103">
+              <a:extLst>
+                <a:ext uri="{FF2B5EF4-FFF2-40B4-BE49-F238E27FC236}">
+                  <a16:creationId xmlns:a16="http://schemas.microsoft.com/office/drawing/2014/main" id="{478EE609-8D47-7DC6-B539-26733B9643B6}"/>
+                </a:ext>
+              </a:extLst>
+            </p:cNvPr>
+            <p:cNvSpPr/>
+            <p:nvPr/>
+          </p:nvSpPr>
+          <p:spPr>
+            <a:xfrm>
+              <a:off x="4558201" y="2055263"/>
+              <a:ext cx="875776" cy="1101077"/>
+            </a:xfrm>
+            <a:prstGeom prst="roundRect">
+              <a:avLst/>
+            </a:prstGeom>
+            <a:noFill/>
+            <a:ln w="57150">
               <a:solidFill>
-                <a:schemeClr val="tx1"/>
+                <a:srgbClr val="FFBE5F"/>
               </a:solidFill>
-              <a:effectLst/>
-              <a:latin typeface="Arial" panose="020B0604020202020204" pitchFamily="34" charset="0"/>
-            </a:endParaRPr>
-          </a:p>
-        </p:txBody>
-      </p:sp>
-      <p:pic>
-        <p:nvPicPr>
-          <p:cNvPr id="106" name="Graphic 105" descr="Ear outline">
-            <a:extLst>
-              <a:ext uri="{FF2B5EF4-FFF2-40B4-BE49-F238E27FC236}">
-                <a16:creationId xmlns:a16="http://schemas.microsoft.com/office/drawing/2014/main" id="{A8CBCE34-2A3E-D1CD-4ED7-A9839E9A46DC}"/>
-              </a:ext>
-            </a:extLst>
-          </p:cNvPr>
-          <p:cNvPicPr>
-            <a:picLocks noChangeAspect="1"/>
-          </p:cNvPicPr>
-          <p:nvPr/>
-        </p:nvPicPr>
-        <p:blipFill>
-          <a:blip r:embed="rId10">
-            <a:extLst>
-              <a:ext uri="{28A0092B-C50C-407E-A947-70E740481C1C}">
-                <a14:useLocalDpi xmlns:a14="http://schemas.microsoft.com/office/drawing/2010/main" val="0"/>
-              </a:ext>
-              <a:ext uri="{96DAC541-7B7A-43D3-8B79-37D633B846F1}">
-                <asvg:svgBlip xmlns:asvg="http://schemas.microsoft.com/office/drawing/2016/SVG/main" r:embed="rId11"/>
-              </a:ext>
-            </a:extLst>
-          </a:blip>
-          <a:stretch>
-            <a:fillRect/>
-          </a:stretch>
-        </p:blipFill>
-        <p:spPr>
-          <a:xfrm flipH="1">
-            <a:off x="3957898" y="2474300"/>
-            <a:ext cx="269216" cy="386613"/>
-          </a:xfrm>
-          <a:prstGeom prst="rect">
-            <a:avLst/>
-          </a:prstGeom>
-        </p:spPr>
-      </p:pic>
-      <p:sp>
-        <p:nvSpPr>
-          <p:cNvPr id="143" name="TextBox 142">
-            <a:extLst>
-              <a:ext uri="{FF2B5EF4-FFF2-40B4-BE49-F238E27FC236}">
-                <a16:creationId xmlns:a16="http://schemas.microsoft.com/office/drawing/2014/main" id="{F02D5D21-C2A2-C896-BEC8-8D6E3AD4AD24}"/>
-              </a:ext>
-            </a:extLst>
-          </p:cNvPr>
-          <p:cNvSpPr txBox="1"/>
-          <p:nvPr/>
-        </p:nvSpPr>
-        <p:spPr>
-          <a:xfrm>
-            <a:off x="4626296" y="1347574"/>
-            <a:ext cx="417980" cy="369332"/>
-          </a:xfrm>
-          <a:prstGeom prst="rect">
-            <a:avLst/>
-          </a:prstGeom>
-          <a:noFill/>
-        </p:spPr>
-        <p:txBody>
-          <a:bodyPr wrap="square" rtlCol="0">
-            <a:spAutoFit/>
-          </a:bodyPr>
-          <a:lstStyle/>
-          <a:p>
-            <a:r>
-              <a:rPr lang="en-US" dirty="0"/>
-              <a:t>S</a:t>
-            </a:r>
-          </a:p>
-        </p:txBody>
-      </p:sp>
-      <p:sp>
-        <p:nvSpPr>
-          <p:cNvPr id="144" name="TextBox 143">
-            <a:extLst>
-              <a:ext uri="{FF2B5EF4-FFF2-40B4-BE49-F238E27FC236}">
-                <a16:creationId xmlns:a16="http://schemas.microsoft.com/office/drawing/2014/main" id="{6D5B9524-150D-55DC-2E07-E15ACD2A3255}"/>
-              </a:ext>
-            </a:extLst>
-          </p:cNvPr>
-          <p:cNvSpPr txBox="1"/>
-          <p:nvPr/>
-        </p:nvSpPr>
-        <p:spPr>
-          <a:xfrm>
-            <a:off x="4616221" y="2770716"/>
-            <a:ext cx="417980" cy="369332"/>
-          </a:xfrm>
-          <a:prstGeom prst="rect">
-            <a:avLst/>
-          </a:prstGeom>
-          <a:noFill/>
-        </p:spPr>
-        <p:txBody>
-          <a:bodyPr wrap="square" rtlCol="0">
-            <a:spAutoFit/>
-          </a:bodyPr>
-          <a:lstStyle/>
-          <a:p>
-            <a:r>
-              <a:rPr lang="en-US" dirty="0"/>
-              <a:t>S</a:t>
-            </a:r>
-          </a:p>
-        </p:txBody>
-      </p:sp>
+            </a:ln>
+          </p:spPr>
+          <p:style>
+            <a:lnRef idx="2">
+              <a:schemeClr val="accent1">
+                <a:shade val="50000"/>
+              </a:schemeClr>
+            </a:lnRef>
+            <a:fillRef idx="1">
+              <a:schemeClr val="accent1"/>
+            </a:fillRef>
+            <a:effectRef idx="0">
+              <a:schemeClr val="accent1"/>
+            </a:effectRef>
+            <a:fontRef idx="minor">
+              <a:schemeClr val="lt1"/>
+            </a:fontRef>
+          </p:style>
+          <p:txBody>
+            <a:bodyPr rot="0" spcFirstLastPara="0" vert="horz" wrap="square" lIns="91440" tIns="45720" rIns="91440" bIns="45720" numCol="1" spcCol="0" rtlCol="0" fromWordArt="0" anchor="ctr" anchorCtr="0" forceAA="0" compatLnSpc="1">
+              <a:prstTxWarp prst="textNoShape">
+                <a:avLst/>
+              </a:prstTxWarp>
+              <a:noAutofit/>
+            </a:bodyPr>
+            <a:lstStyle/>
+            <a:p>
+              <a:endParaRPr lang="en-US"/>
+            </a:p>
+          </p:txBody>
+        </p:sp>
+        <p:sp>
+          <p:nvSpPr>
+            <p:cNvPr id="105" name="Text Box 10">
+              <a:extLst>
+                <a:ext uri="{FF2B5EF4-FFF2-40B4-BE49-F238E27FC236}">
+                  <a16:creationId xmlns:a16="http://schemas.microsoft.com/office/drawing/2014/main" id="{A4A47ED3-9D46-277C-1233-620CCE46F035}"/>
+                </a:ext>
+              </a:extLst>
+            </p:cNvPr>
+            <p:cNvSpPr txBox="1">
+              <a:spLocks noChangeArrowheads="1"/>
+            </p:cNvSpPr>
+            <p:nvPr/>
+          </p:nvSpPr>
+          <p:spPr bwMode="auto">
+            <a:xfrm>
+              <a:off x="4577737" y="3192434"/>
+              <a:ext cx="854299" cy="236247"/>
+            </a:xfrm>
+            <a:prstGeom prst="rect">
+              <a:avLst/>
+            </a:prstGeom>
+            <a:solidFill>
+              <a:srgbClr val="FFFFFF"/>
+            </a:solidFill>
+            <a:ln>
+              <a:noFill/>
+            </a:ln>
+            <a:extLst>
+              <a:ext uri="{91240B29-F687-4F45-9708-019B960494DF}">
+                <a14:hiddenLine xmlns:a14="http://schemas.microsoft.com/office/drawing/2010/main" w="6350">
+                  <a:solidFill>
+                    <a:srgbClr val="000000"/>
+                  </a:solidFill>
+                  <a:miter lim="800000"/>
+                  <a:headEnd/>
+                  <a:tailEnd/>
+                </a14:hiddenLine>
+              </a:ext>
+            </a:extLst>
+          </p:spPr>
+          <p:txBody>
+            <a:bodyPr vert="horz" wrap="square" lIns="91440" tIns="45720" rIns="91440" bIns="45720" numCol="1" anchor="t" anchorCtr="0" compatLnSpc="1">
+              <a:prstTxWarp prst="textNoShape">
+                <a:avLst/>
+              </a:prstTxWarp>
+            </a:bodyPr>
+            <a:lstStyle/>
+            <a:p>
+              <a:pPr marL="0" marR="0" lvl="0" indent="0" algn="ctr" defTabSz="914400" rtl="0" eaLnBrk="0" fontAlgn="base" latinLnBrk="0" hangingPunct="0">
+                <a:lnSpc>
+                  <a:spcPct val="100000"/>
+                </a:lnSpc>
+                <a:spcBef>
+                  <a:spcPct val="0"/>
+                </a:spcBef>
+                <a:spcAft>
+                  <a:spcPct val="0"/>
+                </a:spcAft>
+                <a:buClrTx/>
+                <a:buSzTx/>
+                <a:buFontTx/>
+                <a:buNone/>
+                <a:tabLst/>
+              </a:pPr>
+              <a:r>
+                <a:rPr kumimoji="0" lang="en-US" altLang="en-US" sz="1100" b="0" i="1" u="none" strike="noStrike" cap="none" normalizeH="0" baseline="0" dirty="0">
+                  <a:ln>
+                    <a:noFill/>
+                  </a:ln>
+                  <a:solidFill>
+                    <a:schemeClr val="tx1"/>
+                  </a:solidFill>
+                  <a:effectLst/>
+                  <a:latin typeface="Sylfaen" panose="010A0502050306030303" pitchFamily="18" charset="0"/>
+                  <a:ea typeface="Calibri" panose="020F0502020204030204" pitchFamily="34" charset="0"/>
+                  <a:cs typeface="Times New Roman" panose="02020603050405020304" pitchFamily="18" charset="0"/>
+                </a:rPr>
+                <a:t>Right</a:t>
+              </a:r>
+              <a:endParaRPr kumimoji="0" lang="en-US" altLang="en-US" sz="2400" b="0" i="0" u="none" strike="noStrike" cap="none" normalizeH="0" baseline="0" dirty="0">
+                <a:ln>
+                  <a:noFill/>
+                </a:ln>
+                <a:solidFill>
+                  <a:schemeClr val="tx1"/>
+                </a:solidFill>
+                <a:effectLst/>
+                <a:latin typeface="Arial" panose="020B0604020202020204" pitchFamily="34" charset="0"/>
+              </a:endParaRPr>
+            </a:p>
+          </p:txBody>
+        </p:sp>
+        <p:pic>
+          <p:nvPicPr>
+            <p:cNvPr id="106" name="Graphic 105" descr="Ear outline">
+              <a:extLst>
+                <a:ext uri="{FF2B5EF4-FFF2-40B4-BE49-F238E27FC236}">
+                  <a16:creationId xmlns:a16="http://schemas.microsoft.com/office/drawing/2014/main" id="{A8CBCE34-2A3E-D1CD-4ED7-A9839E9A46DC}"/>
+                </a:ext>
+              </a:extLst>
+            </p:cNvPr>
+            <p:cNvPicPr>
+              <a:picLocks noChangeAspect="1"/>
+            </p:cNvPicPr>
+            <p:nvPr/>
+          </p:nvPicPr>
+          <p:blipFill>
+            <a:blip r:embed="rId10">
+              <a:extLst>
+                <a:ext uri="{28A0092B-C50C-407E-A947-70E740481C1C}">
+                  <a14:useLocalDpi xmlns:a14="http://schemas.microsoft.com/office/drawing/2010/main" val="0"/>
+                </a:ext>
+                <a:ext uri="{96DAC541-7B7A-43D3-8B79-37D633B846F1}">
+                  <asvg:svgBlip xmlns:asvg="http://schemas.microsoft.com/office/drawing/2016/SVG/main" r:embed="rId11"/>
+                </a:ext>
+              </a:extLst>
+            </a:blip>
+            <a:stretch>
+              <a:fillRect/>
+            </a:stretch>
+          </p:blipFill>
+          <p:spPr>
+            <a:xfrm flipH="1">
+              <a:off x="3957898" y="2474300"/>
+              <a:ext cx="269216" cy="386613"/>
+            </a:xfrm>
+            <a:prstGeom prst="rect">
+              <a:avLst/>
+            </a:prstGeom>
+          </p:spPr>
+        </p:pic>
+        <p:sp>
+          <p:nvSpPr>
+            <p:cNvPr id="143" name="TextBox 142">
+              <a:extLst>
+                <a:ext uri="{FF2B5EF4-FFF2-40B4-BE49-F238E27FC236}">
+                  <a16:creationId xmlns:a16="http://schemas.microsoft.com/office/drawing/2014/main" id="{F02D5D21-C2A2-C896-BEC8-8D6E3AD4AD24}"/>
+                </a:ext>
+              </a:extLst>
+            </p:cNvPr>
+            <p:cNvSpPr txBox="1"/>
+            <p:nvPr/>
+          </p:nvSpPr>
+          <p:spPr>
+            <a:xfrm>
+              <a:off x="4626296" y="1347574"/>
+              <a:ext cx="417980" cy="369332"/>
+            </a:xfrm>
+            <a:prstGeom prst="rect">
+              <a:avLst/>
+            </a:prstGeom>
+            <a:noFill/>
+          </p:spPr>
+          <p:txBody>
+            <a:bodyPr wrap="square" rtlCol="0">
+              <a:spAutoFit/>
+            </a:bodyPr>
+            <a:lstStyle/>
+            <a:p>
+              <a:r>
+                <a:rPr lang="en-US" dirty="0"/>
+                <a:t>S</a:t>
+              </a:r>
+            </a:p>
+          </p:txBody>
+        </p:sp>
+        <p:sp>
+          <p:nvSpPr>
+            <p:cNvPr id="144" name="TextBox 143">
+              <a:extLst>
+                <a:ext uri="{FF2B5EF4-FFF2-40B4-BE49-F238E27FC236}">
+                  <a16:creationId xmlns:a16="http://schemas.microsoft.com/office/drawing/2014/main" id="{6D5B9524-150D-55DC-2E07-E15ACD2A3255}"/>
+                </a:ext>
+              </a:extLst>
+            </p:cNvPr>
+            <p:cNvSpPr txBox="1"/>
+            <p:nvPr/>
+          </p:nvSpPr>
+          <p:spPr>
+            <a:xfrm>
+              <a:off x="4616221" y="2770716"/>
+              <a:ext cx="417980" cy="369332"/>
+            </a:xfrm>
+            <a:prstGeom prst="rect">
+              <a:avLst/>
+            </a:prstGeom>
+            <a:noFill/>
+          </p:spPr>
+          <p:txBody>
+            <a:bodyPr wrap="square" rtlCol="0">
+              <a:spAutoFit/>
+            </a:bodyPr>
+            <a:lstStyle/>
+            <a:p>
+              <a:r>
+                <a:rPr lang="en-US" dirty="0"/>
+                <a:t>S</a:t>
+              </a:r>
+            </a:p>
+          </p:txBody>
+        </p:sp>
+      </p:grpSp>
       <p:sp>
         <p:nvSpPr>
           <p:cNvPr id="164" name="Rectangle: Rounded Corners 163">
@@ -12583,7 +12627,7 @@
         </p:nvSpPr>
         <p:spPr>
           <a:xfrm>
-            <a:off x="3253709" y="490782"/>
+            <a:off x="5943388" y="528946"/>
             <a:ext cx="2386755" cy="1458515"/>
           </a:xfrm>
           <a:prstGeom prst="roundRect">

--- a/Writeups/Design Figures.pptx
+++ b/Writeups/Design Figures.pptx
@@ -260,7 +260,7 @@
           <a:p>
             <a:fld id="{914BB29B-1D65-452B-8FC4-46EDB4DF1FB8}" type="datetimeFigureOut">
               <a:rPr lang="en-US" smtClean="0"/>
-              <a:t>11/30/2022</a:t>
+              <a:t>12/1/2022</a:t>
             </a:fld>
             <a:endParaRPr lang="en-US"/>
           </a:p>
@@ -458,7 +458,7 @@
           <a:p>
             <a:fld id="{914BB29B-1D65-452B-8FC4-46EDB4DF1FB8}" type="datetimeFigureOut">
               <a:rPr lang="en-US" smtClean="0"/>
-              <a:t>11/30/2022</a:t>
+              <a:t>12/1/2022</a:t>
             </a:fld>
             <a:endParaRPr lang="en-US"/>
           </a:p>
@@ -666,7 +666,7 @@
           <a:p>
             <a:fld id="{914BB29B-1D65-452B-8FC4-46EDB4DF1FB8}" type="datetimeFigureOut">
               <a:rPr lang="en-US" smtClean="0"/>
-              <a:t>11/30/2022</a:t>
+              <a:t>12/1/2022</a:t>
             </a:fld>
             <a:endParaRPr lang="en-US"/>
           </a:p>
@@ -864,7 +864,7 @@
           <a:p>
             <a:fld id="{914BB29B-1D65-452B-8FC4-46EDB4DF1FB8}" type="datetimeFigureOut">
               <a:rPr lang="en-US" smtClean="0"/>
-              <a:t>11/30/2022</a:t>
+              <a:t>12/1/2022</a:t>
             </a:fld>
             <a:endParaRPr lang="en-US"/>
           </a:p>
@@ -1139,7 +1139,7 @@
           <a:p>
             <a:fld id="{914BB29B-1D65-452B-8FC4-46EDB4DF1FB8}" type="datetimeFigureOut">
               <a:rPr lang="en-US" smtClean="0"/>
-              <a:t>11/30/2022</a:t>
+              <a:t>12/1/2022</a:t>
             </a:fld>
             <a:endParaRPr lang="en-US"/>
           </a:p>
@@ -1404,7 +1404,7 @@
           <a:p>
             <a:fld id="{914BB29B-1D65-452B-8FC4-46EDB4DF1FB8}" type="datetimeFigureOut">
               <a:rPr lang="en-US" smtClean="0"/>
-              <a:t>11/30/2022</a:t>
+              <a:t>12/1/2022</a:t>
             </a:fld>
             <a:endParaRPr lang="en-US"/>
           </a:p>
@@ -1816,7 +1816,7 @@
           <a:p>
             <a:fld id="{914BB29B-1D65-452B-8FC4-46EDB4DF1FB8}" type="datetimeFigureOut">
               <a:rPr lang="en-US" smtClean="0"/>
-              <a:t>11/30/2022</a:t>
+              <a:t>12/1/2022</a:t>
             </a:fld>
             <a:endParaRPr lang="en-US"/>
           </a:p>
@@ -1957,7 +1957,7 @@
           <a:p>
             <a:fld id="{914BB29B-1D65-452B-8FC4-46EDB4DF1FB8}" type="datetimeFigureOut">
               <a:rPr lang="en-US" smtClean="0"/>
-              <a:t>11/30/2022</a:t>
+              <a:t>12/1/2022</a:t>
             </a:fld>
             <a:endParaRPr lang="en-US"/>
           </a:p>
@@ -2070,7 +2070,7 @@
           <a:p>
             <a:fld id="{914BB29B-1D65-452B-8FC4-46EDB4DF1FB8}" type="datetimeFigureOut">
               <a:rPr lang="en-US" smtClean="0"/>
-              <a:t>11/30/2022</a:t>
+              <a:t>12/1/2022</a:t>
             </a:fld>
             <a:endParaRPr lang="en-US"/>
           </a:p>
@@ -2381,7 +2381,7 @@
           <a:p>
             <a:fld id="{914BB29B-1D65-452B-8FC4-46EDB4DF1FB8}" type="datetimeFigureOut">
               <a:rPr lang="en-US" smtClean="0"/>
-              <a:t>11/30/2022</a:t>
+              <a:t>12/1/2022</a:t>
             </a:fld>
             <a:endParaRPr lang="en-US"/>
           </a:p>
@@ -2669,7 +2669,7 @@
           <a:p>
             <a:fld id="{914BB29B-1D65-452B-8FC4-46EDB4DF1FB8}" type="datetimeFigureOut">
               <a:rPr lang="en-US" smtClean="0"/>
-              <a:t>11/30/2022</a:t>
+              <a:t>12/1/2022</a:t>
             </a:fld>
             <a:endParaRPr lang="en-US"/>
           </a:p>
@@ -2910,7 +2910,7 @@
           <a:p>
             <a:fld id="{914BB29B-1D65-452B-8FC4-46EDB4DF1FB8}" type="datetimeFigureOut">
               <a:rPr lang="en-US" smtClean="0"/>
-              <a:t>11/30/2022</a:t>
+              <a:t>12/1/2022</a:t>
             </a:fld>
             <a:endParaRPr lang="en-US"/>
           </a:p>
@@ -7059,536 +7059,6 @@
           </a:p>
         </p:txBody>
       </p:sp>
-      <p:pic>
-        <p:nvPicPr>
-          <p:cNvPr id="69" name="Graphic 68" descr="School girl outline">
-            <a:extLst>
-              <a:ext uri="{FF2B5EF4-FFF2-40B4-BE49-F238E27FC236}">
-                <a16:creationId xmlns:a16="http://schemas.microsoft.com/office/drawing/2014/main" id="{E7D62FCF-DFA3-DB0E-36B0-E6F3ECC8CFB2}"/>
-              </a:ext>
-            </a:extLst>
-          </p:cNvPr>
-          <p:cNvPicPr>
-            <a:picLocks noChangeAspect="1"/>
-          </p:cNvPicPr>
-          <p:nvPr/>
-        </p:nvPicPr>
-        <p:blipFill>
-          <a:blip r:embed="rId2">
-            <a:extLst>
-              <a:ext uri="{28A0092B-C50C-407E-A947-70E740481C1C}">
-                <a14:useLocalDpi xmlns:a14="http://schemas.microsoft.com/office/drawing/2010/main" val="0"/>
-              </a:ext>
-              <a:ext uri="{96DAC541-7B7A-43D3-8B79-37D633B846F1}">
-                <asvg:svgBlip xmlns:asvg="http://schemas.microsoft.com/office/drawing/2016/SVG/main" r:embed="rId3"/>
-              </a:ext>
-            </a:extLst>
-          </a:blip>
-          <a:stretch>
-            <a:fillRect/>
-          </a:stretch>
-        </p:blipFill>
-        <p:spPr>
-          <a:xfrm>
-            <a:off x="3384633" y="4261652"/>
-            <a:ext cx="643655" cy="728255"/>
-          </a:xfrm>
-          <a:prstGeom prst="rect">
-            <a:avLst/>
-          </a:prstGeom>
-        </p:spPr>
-      </p:pic>
-      <p:sp>
-        <p:nvSpPr>
-          <p:cNvPr id="70" name="Rectangle: Rounded Corners 69">
-            <a:extLst>
-              <a:ext uri="{FF2B5EF4-FFF2-40B4-BE49-F238E27FC236}">
-                <a16:creationId xmlns:a16="http://schemas.microsoft.com/office/drawing/2014/main" id="{E9B7D53F-7A2B-DBD5-A90A-BC6D406C8CD9}"/>
-              </a:ext>
-            </a:extLst>
-          </p:cNvPr>
-          <p:cNvSpPr/>
-          <p:nvPr/>
-        </p:nvSpPr>
-        <p:spPr>
-          <a:xfrm>
-            <a:off x="3442044" y="3806182"/>
-            <a:ext cx="870528" cy="1101078"/>
-          </a:xfrm>
-          <a:prstGeom prst="roundRect">
-            <a:avLst/>
-          </a:prstGeom>
-          <a:noFill/>
-          <a:ln w="57150">
-            <a:solidFill>
-              <a:srgbClr val="FFBE5F"/>
-            </a:solidFill>
-          </a:ln>
-        </p:spPr>
-        <p:style>
-          <a:lnRef idx="2">
-            <a:schemeClr val="accent1">
-              <a:shade val="50000"/>
-            </a:schemeClr>
-          </a:lnRef>
-          <a:fillRef idx="1">
-            <a:schemeClr val="accent1"/>
-          </a:fillRef>
-          <a:effectRef idx="0">
-            <a:schemeClr val="accent1"/>
-          </a:effectRef>
-          <a:fontRef idx="minor">
-            <a:schemeClr val="lt1"/>
-          </a:fontRef>
-        </p:style>
-        <p:txBody>
-          <a:bodyPr rot="0" spcFirstLastPara="0" vert="horz" wrap="square" lIns="91440" tIns="45720" rIns="91440" bIns="45720" numCol="1" spcCol="0" rtlCol="0" fromWordArt="0" anchor="ctr" anchorCtr="0" forceAA="0" compatLnSpc="1">
-            <a:prstTxWarp prst="textNoShape">
-              <a:avLst/>
-            </a:prstTxWarp>
-            <a:noAutofit/>
-          </a:bodyPr>
-          <a:lstStyle/>
-          <a:p>
-            <a:endParaRPr lang="en-US"/>
-          </a:p>
-        </p:txBody>
-      </p:sp>
-      <p:sp>
-        <p:nvSpPr>
-          <p:cNvPr id="71" name="Text Box 11">
-            <a:extLst>
-              <a:ext uri="{FF2B5EF4-FFF2-40B4-BE49-F238E27FC236}">
-                <a16:creationId xmlns:a16="http://schemas.microsoft.com/office/drawing/2014/main" id="{74F6E23D-639D-881E-E82F-4112E28448D2}"/>
-              </a:ext>
-            </a:extLst>
-          </p:cNvPr>
-          <p:cNvSpPr txBox="1">
-            <a:spLocks noChangeArrowheads="1"/>
-          </p:cNvSpPr>
-          <p:nvPr/>
-        </p:nvSpPr>
-        <p:spPr bwMode="auto">
-          <a:xfrm>
-            <a:off x="3453214" y="4953461"/>
-            <a:ext cx="854301" cy="236248"/>
-          </a:xfrm>
-          <a:prstGeom prst="rect">
-            <a:avLst/>
-          </a:prstGeom>
-          <a:solidFill>
-            <a:srgbClr val="FFFFFF"/>
-          </a:solidFill>
-          <a:ln>
-            <a:noFill/>
-          </a:ln>
-          <a:extLst>
-            <a:ext uri="{91240B29-F687-4F45-9708-019B960494DF}">
-              <a14:hiddenLine xmlns:a14="http://schemas.microsoft.com/office/drawing/2010/main" w="6350">
-                <a:solidFill>
-                  <a:srgbClr val="000000"/>
-                </a:solidFill>
-                <a:miter lim="800000"/>
-                <a:headEnd/>
-                <a:tailEnd/>
-              </a14:hiddenLine>
-            </a:ext>
-          </a:extLst>
-        </p:spPr>
-        <p:txBody>
-          <a:bodyPr vert="horz" wrap="square" lIns="91440" tIns="45720" rIns="91440" bIns="45720" numCol="1" anchor="t" anchorCtr="0" compatLnSpc="1">
-            <a:prstTxWarp prst="textNoShape">
-              <a:avLst/>
-            </a:prstTxWarp>
-          </a:bodyPr>
-          <a:lstStyle/>
-          <a:p>
-            <a:pPr marL="0" marR="0" lvl="0" indent="0" algn="ctr" defTabSz="914400" rtl="0" eaLnBrk="0" fontAlgn="base" latinLnBrk="0" hangingPunct="0">
-              <a:lnSpc>
-                <a:spcPct val="100000"/>
-              </a:lnSpc>
-              <a:spcBef>
-                <a:spcPct val="0"/>
-              </a:spcBef>
-              <a:spcAft>
-                <a:spcPct val="0"/>
-              </a:spcAft>
-              <a:buClrTx/>
-              <a:buSzTx/>
-              <a:buFontTx/>
-              <a:buNone/>
-              <a:tabLst/>
-            </a:pPr>
-            <a:r>
-              <a:rPr kumimoji="0" lang="en-US" altLang="en-US" sz="1100" b="0" i="1" u="none" strike="noStrike" cap="none" normalizeH="0" baseline="0" dirty="0">
-                <a:ln>
-                  <a:noFill/>
-                </a:ln>
-                <a:solidFill>
-                  <a:schemeClr val="tx1"/>
-                </a:solidFill>
-                <a:effectLst/>
-                <a:latin typeface="Sylfaen" panose="010A0502050306030303" pitchFamily="18" charset="0"/>
-                <a:ea typeface="Calibri" panose="020F0502020204030204" pitchFamily="34" charset="0"/>
-                <a:cs typeface="Times New Roman" panose="02020603050405020304" pitchFamily="18" charset="0"/>
-              </a:rPr>
-              <a:t>Left</a:t>
-            </a:r>
-            <a:endParaRPr kumimoji="0" lang="en-US" altLang="en-US" sz="2400" b="0" i="0" u="none" strike="noStrike" cap="none" normalizeH="0" baseline="0" dirty="0">
-              <a:ln>
-                <a:noFill/>
-              </a:ln>
-              <a:solidFill>
-                <a:schemeClr val="tx1"/>
-              </a:solidFill>
-              <a:effectLst/>
-              <a:latin typeface="Arial" panose="020B0604020202020204" pitchFamily="34" charset="0"/>
-            </a:endParaRPr>
-          </a:p>
-        </p:txBody>
-      </p:sp>
-      <p:pic>
-        <p:nvPicPr>
-          <p:cNvPr id="72" name="Graphic 71" descr="Female outline">
-            <a:extLst>
-              <a:ext uri="{FF2B5EF4-FFF2-40B4-BE49-F238E27FC236}">
-                <a16:creationId xmlns:a16="http://schemas.microsoft.com/office/drawing/2014/main" id="{FC2CBA89-06DD-2B40-71D4-C923F0C6F2B1}"/>
-              </a:ext>
-            </a:extLst>
-          </p:cNvPr>
-          <p:cNvPicPr>
-            <a:picLocks noChangeAspect="1"/>
-          </p:cNvPicPr>
-          <p:nvPr/>
-        </p:nvPicPr>
-        <p:blipFill>
-          <a:blip r:embed="rId4">
-            <a:extLst>
-              <a:ext uri="{28A0092B-C50C-407E-A947-70E740481C1C}">
-                <a14:useLocalDpi xmlns:a14="http://schemas.microsoft.com/office/drawing/2010/main" val="0"/>
-              </a:ext>
-              <a:ext uri="{96DAC541-7B7A-43D3-8B79-37D633B846F1}">
-                <asvg:svgBlip xmlns:asvg="http://schemas.microsoft.com/office/drawing/2016/SVG/main" r:embed="rId5"/>
-              </a:ext>
-            </a:extLst>
-          </a:blip>
-          <a:stretch>
-            <a:fillRect/>
-          </a:stretch>
-        </p:blipFill>
-        <p:spPr>
-          <a:xfrm>
-            <a:off x="3986772" y="3846751"/>
-            <a:ext cx="312079" cy="353098"/>
-          </a:xfrm>
-          <a:prstGeom prst="rect">
-            <a:avLst/>
-          </a:prstGeom>
-        </p:spPr>
-      </p:pic>
-      <p:sp>
-        <p:nvSpPr>
-          <p:cNvPr id="55" name="Rectangle: Rounded Corners 54">
-            <a:extLst>
-              <a:ext uri="{FF2B5EF4-FFF2-40B4-BE49-F238E27FC236}">
-                <a16:creationId xmlns:a16="http://schemas.microsoft.com/office/drawing/2014/main" id="{338AACAA-DD07-CF48-B0B6-3499AD1E6F81}"/>
-              </a:ext>
-            </a:extLst>
-          </p:cNvPr>
-          <p:cNvSpPr/>
-          <p:nvPr/>
-        </p:nvSpPr>
-        <p:spPr>
-          <a:xfrm>
-            <a:off x="3466137" y="5257392"/>
-            <a:ext cx="870528" cy="1101078"/>
-          </a:xfrm>
-          <a:prstGeom prst="roundRect">
-            <a:avLst/>
-          </a:prstGeom>
-          <a:noFill/>
-          <a:ln w="57150">
-            <a:solidFill>
-              <a:srgbClr val="FFBE5F"/>
-            </a:solidFill>
-          </a:ln>
-        </p:spPr>
-        <p:style>
-          <a:lnRef idx="2">
-            <a:schemeClr val="accent1">
-              <a:shade val="50000"/>
-            </a:schemeClr>
-          </a:lnRef>
-          <a:fillRef idx="1">
-            <a:schemeClr val="accent1"/>
-          </a:fillRef>
-          <a:effectRef idx="0">
-            <a:schemeClr val="accent1"/>
-          </a:effectRef>
-          <a:fontRef idx="minor">
-            <a:schemeClr val="lt1"/>
-          </a:fontRef>
-        </p:style>
-        <p:txBody>
-          <a:bodyPr rot="0" spcFirstLastPara="0" vert="horz" wrap="square" lIns="91440" tIns="45720" rIns="91440" bIns="45720" numCol="1" spcCol="0" rtlCol="0" fromWordArt="0" anchor="ctr" anchorCtr="0" forceAA="0" compatLnSpc="1">
-            <a:prstTxWarp prst="textNoShape">
-              <a:avLst/>
-            </a:prstTxWarp>
-            <a:noAutofit/>
-          </a:bodyPr>
-          <a:lstStyle/>
-          <a:p>
-            <a:endParaRPr lang="en-US">
-              <a:solidFill>
-                <a:srgbClr val="FFBE5F"/>
-              </a:solidFill>
-            </a:endParaRPr>
-          </a:p>
-        </p:txBody>
-      </p:sp>
-      <p:sp>
-        <p:nvSpPr>
-          <p:cNvPr id="56" name="Text Box 11">
-            <a:extLst>
-              <a:ext uri="{FF2B5EF4-FFF2-40B4-BE49-F238E27FC236}">
-                <a16:creationId xmlns:a16="http://schemas.microsoft.com/office/drawing/2014/main" id="{57E2CD8F-34AE-7E85-C07E-DEECB9F68E98}"/>
-              </a:ext>
-            </a:extLst>
-          </p:cNvPr>
-          <p:cNvSpPr txBox="1">
-            <a:spLocks noChangeArrowheads="1"/>
-          </p:cNvSpPr>
-          <p:nvPr/>
-        </p:nvSpPr>
-        <p:spPr bwMode="auto">
-          <a:xfrm>
-            <a:off x="3477307" y="6404671"/>
-            <a:ext cx="854301" cy="236248"/>
-          </a:xfrm>
-          <a:prstGeom prst="rect">
-            <a:avLst/>
-          </a:prstGeom>
-          <a:solidFill>
-            <a:srgbClr val="FFFFFF"/>
-          </a:solidFill>
-          <a:ln>
-            <a:noFill/>
-          </a:ln>
-          <a:extLst>
-            <a:ext uri="{91240B29-F687-4F45-9708-019B960494DF}">
-              <a14:hiddenLine xmlns:a14="http://schemas.microsoft.com/office/drawing/2010/main" w="6350">
-                <a:solidFill>
-                  <a:srgbClr val="000000"/>
-                </a:solidFill>
-                <a:miter lim="800000"/>
-                <a:headEnd/>
-                <a:tailEnd/>
-              </a14:hiddenLine>
-            </a:ext>
-          </a:extLst>
-        </p:spPr>
-        <p:txBody>
-          <a:bodyPr vert="horz" wrap="square" lIns="91440" tIns="45720" rIns="91440" bIns="45720" numCol="1" anchor="t" anchorCtr="0" compatLnSpc="1">
-            <a:prstTxWarp prst="textNoShape">
-              <a:avLst/>
-            </a:prstTxWarp>
-          </a:bodyPr>
-          <a:lstStyle/>
-          <a:p>
-            <a:pPr marL="0" marR="0" lvl="0" indent="0" algn="ctr" defTabSz="914400" rtl="0" eaLnBrk="0" fontAlgn="base" latinLnBrk="0" hangingPunct="0">
-              <a:lnSpc>
-                <a:spcPct val="100000"/>
-              </a:lnSpc>
-              <a:spcBef>
-                <a:spcPct val="0"/>
-              </a:spcBef>
-              <a:spcAft>
-                <a:spcPct val="0"/>
-              </a:spcAft>
-              <a:buClrTx/>
-              <a:buSzTx/>
-              <a:buFontTx/>
-              <a:buNone/>
-              <a:tabLst/>
-            </a:pPr>
-            <a:r>
-              <a:rPr kumimoji="0" lang="en-US" altLang="en-US" sz="1100" b="0" i="1" u="none" strike="noStrike" cap="none" normalizeH="0" baseline="0" dirty="0">
-                <a:ln>
-                  <a:noFill/>
-                </a:ln>
-                <a:solidFill>
-                  <a:schemeClr val="tx1"/>
-                </a:solidFill>
-                <a:effectLst/>
-                <a:latin typeface="Sylfaen" panose="010A0502050306030303" pitchFamily="18" charset="0"/>
-                <a:ea typeface="Calibri" panose="020F0502020204030204" pitchFamily="34" charset="0"/>
-                <a:cs typeface="Times New Roman" panose="02020603050405020304" pitchFamily="18" charset="0"/>
-              </a:rPr>
-              <a:t>Left</a:t>
-            </a:r>
-            <a:endParaRPr kumimoji="0" lang="en-US" altLang="en-US" sz="2400" b="0" i="0" u="none" strike="noStrike" cap="none" normalizeH="0" baseline="0" dirty="0">
-              <a:ln>
-                <a:noFill/>
-              </a:ln>
-              <a:solidFill>
-                <a:schemeClr val="tx1"/>
-              </a:solidFill>
-              <a:effectLst/>
-              <a:latin typeface="Arial" panose="020B0604020202020204" pitchFamily="34" charset="0"/>
-            </a:endParaRPr>
-          </a:p>
-        </p:txBody>
-      </p:sp>
-      <p:pic>
-        <p:nvPicPr>
-          <p:cNvPr id="59" name="Graphic 58" descr="School boy outline">
-            <a:extLst>
-              <a:ext uri="{FF2B5EF4-FFF2-40B4-BE49-F238E27FC236}">
-                <a16:creationId xmlns:a16="http://schemas.microsoft.com/office/drawing/2014/main" id="{7BD83BEB-6C5C-68C8-F6B5-75F52376ADCC}"/>
-              </a:ext>
-            </a:extLst>
-          </p:cNvPr>
-          <p:cNvPicPr>
-            <a:picLocks noChangeAspect="1"/>
-          </p:cNvPicPr>
-          <p:nvPr/>
-        </p:nvPicPr>
-        <p:blipFill>
-          <a:blip r:embed="rId6">
-            <a:extLst>
-              <a:ext uri="{28A0092B-C50C-407E-A947-70E740481C1C}">
-                <a14:useLocalDpi xmlns:a14="http://schemas.microsoft.com/office/drawing/2010/main" val="0"/>
-              </a:ext>
-              <a:ext uri="{96DAC541-7B7A-43D3-8B79-37D633B846F1}">
-                <asvg:svgBlip xmlns:asvg="http://schemas.microsoft.com/office/drawing/2016/SVG/main" r:embed="rId7"/>
-              </a:ext>
-            </a:extLst>
-          </a:blip>
-          <a:stretch>
-            <a:fillRect/>
-          </a:stretch>
-        </p:blipFill>
-        <p:spPr>
-          <a:xfrm>
-            <a:off x="3407841" y="5703054"/>
-            <a:ext cx="643653" cy="728254"/>
-          </a:xfrm>
-          <a:prstGeom prst="rect">
-            <a:avLst/>
-          </a:prstGeom>
-        </p:spPr>
-      </p:pic>
-      <p:pic>
-        <p:nvPicPr>
-          <p:cNvPr id="62" name="Graphic 61" descr="Male outline">
-            <a:extLst>
-              <a:ext uri="{FF2B5EF4-FFF2-40B4-BE49-F238E27FC236}">
-                <a16:creationId xmlns:a16="http://schemas.microsoft.com/office/drawing/2014/main" id="{9C79FC73-C965-9480-4D47-9779BEA98F7E}"/>
-              </a:ext>
-            </a:extLst>
-          </p:cNvPr>
-          <p:cNvPicPr>
-            <a:picLocks noChangeAspect="1"/>
-          </p:cNvPicPr>
-          <p:nvPr/>
-        </p:nvPicPr>
-        <p:blipFill>
-          <a:blip r:embed="rId8">
-            <a:extLst>
-              <a:ext uri="{28A0092B-C50C-407E-A947-70E740481C1C}">
-                <a14:useLocalDpi xmlns:a14="http://schemas.microsoft.com/office/drawing/2010/main" val="0"/>
-              </a:ext>
-              <a:ext uri="{96DAC541-7B7A-43D3-8B79-37D633B846F1}">
-                <asvg:svgBlip xmlns:asvg="http://schemas.microsoft.com/office/drawing/2016/SVG/main" r:embed="rId9"/>
-              </a:ext>
-            </a:extLst>
-          </a:blip>
-          <a:stretch>
-            <a:fillRect/>
-          </a:stretch>
-        </p:blipFill>
-        <p:spPr>
-          <a:xfrm>
-            <a:off x="3967248" y="5304826"/>
-            <a:ext cx="341901" cy="386841"/>
-          </a:xfrm>
-          <a:prstGeom prst="rect">
-            <a:avLst/>
-          </a:prstGeom>
-        </p:spPr>
-      </p:pic>
-      <p:sp>
-        <p:nvSpPr>
-          <p:cNvPr id="135" name="TextBox 134">
-            <a:extLst>
-              <a:ext uri="{FF2B5EF4-FFF2-40B4-BE49-F238E27FC236}">
-                <a16:creationId xmlns:a16="http://schemas.microsoft.com/office/drawing/2014/main" id="{9B57281C-8EDB-E493-0F45-D45652E8E98D}"/>
-              </a:ext>
-            </a:extLst>
-          </p:cNvPr>
-          <p:cNvSpPr txBox="1"/>
-          <p:nvPr/>
-        </p:nvSpPr>
-        <p:spPr>
-          <a:xfrm>
-            <a:off x="3903867" y="4540401"/>
-            <a:ext cx="417980" cy="369332"/>
-          </a:xfrm>
-          <a:prstGeom prst="rect">
-            <a:avLst/>
-          </a:prstGeom>
-          <a:noFill/>
-        </p:spPr>
-        <p:txBody>
-          <a:bodyPr wrap="square" rtlCol="0">
-            <a:spAutoFit/>
-          </a:bodyPr>
-          <a:lstStyle/>
-          <a:p>
-            <a:r>
-              <a:rPr lang="en-US" dirty="0" err="1"/>
-              <a:t>Sh</a:t>
-            </a:r>
-            <a:endParaRPr lang="en-US" dirty="0"/>
-          </a:p>
-        </p:txBody>
-      </p:sp>
-      <p:sp>
-        <p:nvSpPr>
-          <p:cNvPr id="138" name="TextBox 137">
-            <a:extLst>
-              <a:ext uri="{FF2B5EF4-FFF2-40B4-BE49-F238E27FC236}">
-                <a16:creationId xmlns:a16="http://schemas.microsoft.com/office/drawing/2014/main" id="{804FE0EB-FDDE-AD93-A3EE-4E96A4E226F5}"/>
-              </a:ext>
-            </a:extLst>
-          </p:cNvPr>
-          <p:cNvSpPr txBox="1"/>
-          <p:nvPr/>
-        </p:nvSpPr>
-        <p:spPr>
-          <a:xfrm>
-            <a:off x="3931504" y="5987392"/>
-            <a:ext cx="417980" cy="369332"/>
-          </a:xfrm>
-          <a:prstGeom prst="rect">
-            <a:avLst/>
-          </a:prstGeom>
-          <a:noFill/>
-        </p:spPr>
-        <p:txBody>
-          <a:bodyPr wrap="square" rtlCol="0">
-            <a:spAutoFit/>
-          </a:bodyPr>
-          <a:lstStyle/>
-          <a:p>
-            <a:r>
-              <a:rPr lang="en-US" dirty="0" err="1"/>
-              <a:t>Sh</a:t>
-            </a:r>
-            <a:endParaRPr lang="en-US" dirty="0"/>
-          </a:p>
-        </p:txBody>
-      </p:sp>
       <p:sp>
         <p:nvSpPr>
           <p:cNvPr id="31" name="Text Box 10">
@@ -7665,328 +7135,6 @@
               <a:effectLst/>
               <a:latin typeface="Arial" panose="020B0604020202020204" pitchFamily="34" charset="0"/>
             </a:endParaRPr>
-          </a:p>
-        </p:txBody>
-      </p:sp>
-      <p:pic>
-        <p:nvPicPr>
-          <p:cNvPr id="27" name="Graphic 26" descr="School girl outline">
-            <a:extLst>
-              <a:ext uri="{FF2B5EF4-FFF2-40B4-BE49-F238E27FC236}">
-                <a16:creationId xmlns:a16="http://schemas.microsoft.com/office/drawing/2014/main" id="{82CAC99A-B2F1-FB36-B3A3-03062D33FFC9}"/>
-              </a:ext>
-            </a:extLst>
-          </p:cNvPr>
-          <p:cNvPicPr>
-            <a:picLocks noChangeAspect="1"/>
-          </p:cNvPicPr>
-          <p:nvPr/>
-        </p:nvPicPr>
-        <p:blipFill>
-          <a:blip r:embed="rId2">
-            <a:extLst>
-              <a:ext uri="{28A0092B-C50C-407E-A947-70E740481C1C}">
-                <a14:useLocalDpi xmlns:a14="http://schemas.microsoft.com/office/drawing/2010/main" val="0"/>
-              </a:ext>
-              <a:ext uri="{96DAC541-7B7A-43D3-8B79-37D633B846F1}">
-                <asvg:svgBlip xmlns:asvg="http://schemas.microsoft.com/office/drawing/2016/SVG/main" r:embed="rId3"/>
-              </a:ext>
-            </a:extLst>
-          </a:blip>
-          <a:stretch>
-            <a:fillRect/>
-          </a:stretch>
-        </p:blipFill>
-        <p:spPr>
-          <a:xfrm>
-            <a:off x="6104087" y="1040629"/>
-            <a:ext cx="643655" cy="728255"/>
-          </a:xfrm>
-          <a:prstGeom prst="rect">
-            <a:avLst/>
-          </a:prstGeom>
-        </p:spPr>
-      </p:pic>
-      <p:sp>
-        <p:nvSpPr>
-          <p:cNvPr id="28" name="Rectangle: Rounded Corners 27">
-            <a:extLst>
-              <a:ext uri="{FF2B5EF4-FFF2-40B4-BE49-F238E27FC236}">
-                <a16:creationId xmlns:a16="http://schemas.microsoft.com/office/drawing/2014/main" id="{4EE775F9-26BB-4BB1-2DA0-8F31CA5E2C88}"/>
-              </a:ext>
-            </a:extLst>
-          </p:cNvPr>
-          <p:cNvSpPr/>
-          <p:nvPr/>
-        </p:nvSpPr>
-        <p:spPr>
-          <a:xfrm>
-            <a:off x="6161498" y="585159"/>
-            <a:ext cx="870528" cy="1101078"/>
-          </a:xfrm>
-          <a:prstGeom prst="roundRect">
-            <a:avLst/>
-          </a:prstGeom>
-          <a:noFill/>
-          <a:ln w="57150">
-            <a:solidFill>
-              <a:srgbClr val="77CEF9"/>
-            </a:solidFill>
-          </a:ln>
-        </p:spPr>
-        <p:style>
-          <a:lnRef idx="2">
-            <a:schemeClr val="accent1">
-              <a:shade val="50000"/>
-            </a:schemeClr>
-          </a:lnRef>
-          <a:fillRef idx="1">
-            <a:schemeClr val="accent1"/>
-          </a:fillRef>
-          <a:effectRef idx="0">
-            <a:schemeClr val="accent1"/>
-          </a:effectRef>
-          <a:fontRef idx="minor">
-            <a:schemeClr val="lt1"/>
-          </a:fontRef>
-        </p:style>
-        <p:txBody>
-          <a:bodyPr rot="0" spcFirstLastPara="0" vert="horz" wrap="square" lIns="91440" tIns="45720" rIns="91440" bIns="45720" numCol="1" spcCol="0" rtlCol="0" fromWordArt="0" anchor="ctr" anchorCtr="0" forceAA="0" compatLnSpc="1">
-            <a:prstTxWarp prst="textNoShape">
-              <a:avLst/>
-            </a:prstTxWarp>
-            <a:noAutofit/>
-          </a:bodyPr>
-          <a:lstStyle/>
-          <a:p>
-            <a:endParaRPr lang="en-US"/>
-          </a:p>
-        </p:txBody>
-      </p:sp>
-      <p:sp>
-        <p:nvSpPr>
-          <p:cNvPr id="30" name="Text Box 11">
-            <a:extLst>
-              <a:ext uri="{FF2B5EF4-FFF2-40B4-BE49-F238E27FC236}">
-                <a16:creationId xmlns:a16="http://schemas.microsoft.com/office/drawing/2014/main" id="{75828B6E-9426-E84C-5CAB-419704E0E75F}"/>
-              </a:ext>
-            </a:extLst>
-          </p:cNvPr>
-          <p:cNvSpPr txBox="1">
-            <a:spLocks noChangeArrowheads="1"/>
-          </p:cNvSpPr>
-          <p:nvPr/>
-        </p:nvSpPr>
-        <p:spPr bwMode="auto">
-          <a:xfrm>
-            <a:off x="6172668" y="1732438"/>
-            <a:ext cx="854301" cy="236248"/>
-          </a:xfrm>
-          <a:prstGeom prst="rect">
-            <a:avLst/>
-          </a:prstGeom>
-          <a:solidFill>
-            <a:srgbClr val="FFFFFF"/>
-          </a:solidFill>
-          <a:ln>
-            <a:noFill/>
-          </a:ln>
-          <a:extLst>
-            <a:ext uri="{91240B29-F687-4F45-9708-019B960494DF}">
-              <a14:hiddenLine xmlns:a14="http://schemas.microsoft.com/office/drawing/2010/main" w="6350">
-                <a:solidFill>
-                  <a:srgbClr val="000000"/>
-                </a:solidFill>
-                <a:miter lim="800000"/>
-                <a:headEnd/>
-                <a:tailEnd/>
-              </a14:hiddenLine>
-            </a:ext>
-          </a:extLst>
-        </p:spPr>
-        <p:txBody>
-          <a:bodyPr vert="horz" wrap="square" lIns="91440" tIns="45720" rIns="91440" bIns="45720" numCol="1" anchor="t" anchorCtr="0" compatLnSpc="1">
-            <a:prstTxWarp prst="textNoShape">
-              <a:avLst/>
-            </a:prstTxWarp>
-          </a:bodyPr>
-          <a:lstStyle/>
-          <a:p>
-            <a:pPr marL="0" marR="0" lvl="0" indent="0" algn="ctr" defTabSz="914400" rtl="0" eaLnBrk="0" fontAlgn="base" latinLnBrk="0" hangingPunct="0">
-              <a:lnSpc>
-                <a:spcPct val="100000"/>
-              </a:lnSpc>
-              <a:spcBef>
-                <a:spcPct val="0"/>
-              </a:spcBef>
-              <a:spcAft>
-                <a:spcPct val="0"/>
-              </a:spcAft>
-              <a:buClrTx/>
-              <a:buSzTx/>
-              <a:buFontTx/>
-              <a:buNone/>
-              <a:tabLst/>
-            </a:pPr>
-            <a:r>
-              <a:rPr kumimoji="0" lang="en-US" altLang="en-US" sz="1100" b="0" i="1" u="none" strike="noStrike" cap="none" normalizeH="0" baseline="0" dirty="0">
-                <a:ln>
-                  <a:noFill/>
-                </a:ln>
-                <a:solidFill>
-                  <a:schemeClr val="tx1"/>
-                </a:solidFill>
-                <a:effectLst/>
-                <a:latin typeface="Sylfaen" panose="010A0502050306030303" pitchFamily="18" charset="0"/>
-                <a:ea typeface="Calibri" panose="020F0502020204030204" pitchFamily="34" charset="0"/>
-                <a:cs typeface="Times New Roman" panose="02020603050405020304" pitchFamily="18" charset="0"/>
-              </a:rPr>
-              <a:t>Left</a:t>
-            </a:r>
-            <a:endParaRPr kumimoji="0" lang="en-US" altLang="en-US" sz="2400" b="0" i="0" u="none" strike="noStrike" cap="none" normalizeH="0" baseline="0" dirty="0">
-              <a:ln>
-                <a:noFill/>
-              </a:ln>
-              <a:solidFill>
-                <a:schemeClr val="tx1"/>
-              </a:solidFill>
-              <a:effectLst/>
-              <a:latin typeface="Arial" panose="020B0604020202020204" pitchFamily="34" charset="0"/>
-            </a:endParaRPr>
-          </a:p>
-        </p:txBody>
-      </p:sp>
-      <p:pic>
-        <p:nvPicPr>
-          <p:cNvPr id="25" name="Graphic 24" descr="Female outline">
-            <a:extLst>
-              <a:ext uri="{FF2B5EF4-FFF2-40B4-BE49-F238E27FC236}">
-                <a16:creationId xmlns:a16="http://schemas.microsoft.com/office/drawing/2014/main" id="{FE5BD8DF-3660-7AE1-0083-D312771FB1DC}"/>
-              </a:ext>
-            </a:extLst>
-          </p:cNvPr>
-          <p:cNvPicPr>
-            <a:picLocks noChangeAspect="1"/>
-          </p:cNvPicPr>
-          <p:nvPr/>
-        </p:nvPicPr>
-        <p:blipFill>
-          <a:blip r:embed="rId4">
-            <a:extLst>
-              <a:ext uri="{28A0092B-C50C-407E-A947-70E740481C1C}">
-                <a14:useLocalDpi xmlns:a14="http://schemas.microsoft.com/office/drawing/2010/main" val="0"/>
-              </a:ext>
-              <a:ext uri="{96DAC541-7B7A-43D3-8B79-37D633B846F1}">
-                <asvg:svgBlip xmlns:asvg="http://schemas.microsoft.com/office/drawing/2016/SVG/main" r:embed="rId5"/>
-              </a:ext>
-            </a:extLst>
-          </a:blip>
-          <a:stretch>
-            <a:fillRect/>
-          </a:stretch>
-        </p:blipFill>
-        <p:spPr>
-          <a:xfrm>
-            <a:off x="6706226" y="625728"/>
-            <a:ext cx="312079" cy="353098"/>
-          </a:xfrm>
-          <a:prstGeom prst="rect">
-            <a:avLst/>
-          </a:prstGeom>
-        </p:spPr>
-      </p:pic>
-      <p:pic>
-        <p:nvPicPr>
-          <p:cNvPr id="26" name="Graphic 25" descr="Ear outline">
-            <a:extLst>
-              <a:ext uri="{FF2B5EF4-FFF2-40B4-BE49-F238E27FC236}">
-                <a16:creationId xmlns:a16="http://schemas.microsoft.com/office/drawing/2014/main" id="{772A603C-E5BD-E151-BFE9-C46BBB1F1752}"/>
-              </a:ext>
-            </a:extLst>
-          </p:cNvPr>
-          <p:cNvPicPr>
-            <a:picLocks noChangeAspect="1"/>
-          </p:cNvPicPr>
-          <p:nvPr/>
-        </p:nvPicPr>
-        <p:blipFill>
-          <a:blip r:embed="rId10">
-            <a:extLst>
-              <a:ext uri="{28A0092B-C50C-407E-A947-70E740481C1C}">
-                <a14:useLocalDpi xmlns:a14="http://schemas.microsoft.com/office/drawing/2010/main" val="0"/>
-              </a:ext>
-              <a:ext uri="{96DAC541-7B7A-43D3-8B79-37D633B846F1}">
-                <asvg:svgBlip xmlns:asvg="http://schemas.microsoft.com/office/drawing/2016/SVG/main" r:embed="rId11"/>
-              </a:ext>
-            </a:extLst>
-          </a:blip>
-          <a:stretch>
-            <a:fillRect/>
-          </a:stretch>
-        </p:blipFill>
-        <p:spPr>
-          <a:xfrm>
-            <a:off x="7363375" y="2458317"/>
-            <a:ext cx="269217" cy="386613"/>
-          </a:xfrm>
-          <a:prstGeom prst="rect">
-            <a:avLst/>
-          </a:prstGeom>
-        </p:spPr>
-      </p:pic>
-      <p:sp>
-        <p:nvSpPr>
-          <p:cNvPr id="38" name="Rectangle: Rounded Corners 37">
-            <a:extLst>
-              <a:ext uri="{FF2B5EF4-FFF2-40B4-BE49-F238E27FC236}">
-                <a16:creationId xmlns:a16="http://schemas.microsoft.com/office/drawing/2014/main" id="{0BDB09A6-521B-418E-45BD-223711D7895B}"/>
-              </a:ext>
-            </a:extLst>
-          </p:cNvPr>
-          <p:cNvSpPr/>
-          <p:nvPr/>
-        </p:nvSpPr>
-        <p:spPr>
-          <a:xfrm>
-            <a:off x="6133809" y="2040731"/>
-            <a:ext cx="870528" cy="1101078"/>
-          </a:xfrm>
-          <a:prstGeom prst="roundRect">
-            <a:avLst/>
-          </a:prstGeom>
-          <a:noFill/>
-          <a:ln w="57150">
-            <a:solidFill>
-              <a:srgbClr val="77CEF9"/>
-            </a:solidFill>
-          </a:ln>
-        </p:spPr>
-        <p:style>
-          <a:lnRef idx="2">
-            <a:schemeClr val="accent1">
-              <a:shade val="50000"/>
-            </a:schemeClr>
-          </a:lnRef>
-          <a:fillRef idx="1">
-            <a:schemeClr val="accent1"/>
-          </a:fillRef>
-          <a:effectRef idx="0">
-            <a:schemeClr val="accent1"/>
-          </a:effectRef>
-          <a:fontRef idx="minor">
-            <a:schemeClr val="lt1"/>
-          </a:fontRef>
-        </p:style>
-        <p:txBody>
-          <a:bodyPr rot="0" spcFirstLastPara="0" vert="horz" wrap="square" lIns="91440" tIns="45720" rIns="91440" bIns="45720" numCol="1" spcCol="0" rtlCol="0" fromWordArt="0" anchor="ctr" anchorCtr="0" forceAA="0" compatLnSpc="1">
-            <a:prstTxWarp prst="textNoShape">
-              <a:avLst/>
-            </a:prstTxWarp>
-            <a:noAutofit/>
-          </a:bodyPr>
-          <a:lstStyle/>
-          <a:p>
-            <a:endParaRPr lang="en-US"/>
           </a:p>
         </p:txBody>
       </p:sp>
@@ -8080,193 +7228,6 @@
               <a:effectLst/>
               <a:latin typeface="Arial" panose="020B0604020202020204" pitchFamily="34" charset="0"/>
             </a:endParaRPr>
-          </a:p>
-        </p:txBody>
-      </p:sp>
-      <p:pic>
-        <p:nvPicPr>
-          <p:cNvPr id="41" name="Graphic 40" descr="Ear outline">
-            <a:extLst>
-              <a:ext uri="{FF2B5EF4-FFF2-40B4-BE49-F238E27FC236}">
-                <a16:creationId xmlns:a16="http://schemas.microsoft.com/office/drawing/2014/main" id="{FA108A50-0C6F-603B-F8E1-E72C2662BDB1}"/>
-              </a:ext>
-            </a:extLst>
-          </p:cNvPr>
-          <p:cNvPicPr>
-            <a:picLocks noChangeAspect="1"/>
-          </p:cNvPicPr>
-          <p:nvPr/>
-        </p:nvPicPr>
-        <p:blipFill>
-          <a:blip r:embed="rId10">
-            <a:extLst>
-              <a:ext uri="{28A0092B-C50C-407E-A947-70E740481C1C}">
-                <a14:useLocalDpi xmlns:a14="http://schemas.microsoft.com/office/drawing/2010/main" val="0"/>
-              </a:ext>
-              <a:ext uri="{96DAC541-7B7A-43D3-8B79-37D633B846F1}">
-                <asvg:svgBlip xmlns:asvg="http://schemas.microsoft.com/office/drawing/2016/SVG/main" r:embed="rId11"/>
-              </a:ext>
-            </a:extLst>
-          </a:blip>
-          <a:stretch>
-            <a:fillRect/>
-          </a:stretch>
-        </p:blipFill>
-        <p:spPr>
-          <a:xfrm>
-            <a:off x="7397474" y="972718"/>
-            <a:ext cx="269217" cy="386613"/>
-          </a:xfrm>
-          <a:prstGeom prst="rect">
-            <a:avLst/>
-          </a:prstGeom>
-        </p:spPr>
-      </p:pic>
-      <p:pic>
-        <p:nvPicPr>
-          <p:cNvPr id="43" name="Graphic 42" descr="School boy outline">
-            <a:extLst>
-              <a:ext uri="{FF2B5EF4-FFF2-40B4-BE49-F238E27FC236}">
-                <a16:creationId xmlns:a16="http://schemas.microsoft.com/office/drawing/2014/main" id="{A57DA5AF-D29A-1B89-80D3-1948A4DD1705}"/>
-              </a:ext>
-            </a:extLst>
-          </p:cNvPr>
-          <p:cNvPicPr>
-            <a:picLocks noChangeAspect="1"/>
-          </p:cNvPicPr>
-          <p:nvPr/>
-        </p:nvPicPr>
-        <p:blipFill>
-          <a:blip r:embed="rId6">
-            <a:extLst>
-              <a:ext uri="{28A0092B-C50C-407E-A947-70E740481C1C}">
-                <a14:useLocalDpi xmlns:a14="http://schemas.microsoft.com/office/drawing/2010/main" val="0"/>
-              </a:ext>
-              <a:ext uri="{96DAC541-7B7A-43D3-8B79-37D633B846F1}">
-                <asvg:svgBlip xmlns:asvg="http://schemas.microsoft.com/office/drawing/2016/SVG/main" r:embed="rId7"/>
-              </a:ext>
-            </a:extLst>
-          </a:blip>
-          <a:stretch>
-            <a:fillRect/>
-          </a:stretch>
-        </p:blipFill>
-        <p:spPr>
-          <a:xfrm>
-            <a:off x="6076135" y="2485747"/>
-            <a:ext cx="643653" cy="728254"/>
-          </a:xfrm>
-          <a:prstGeom prst="rect">
-            <a:avLst/>
-          </a:prstGeom>
-        </p:spPr>
-      </p:pic>
-      <p:pic>
-        <p:nvPicPr>
-          <p:cNvPr id="46" name="Graphic 45" descr="Male outline">
-            <a:extLst>
-              <a:ext uri="{FF2B5EF4-FFF2-40B4-BE49-F238E27FC236}">
-                <a16:creationId xmlns:a16="http://schemas.microsoft.com/office/drawing/2014/main" id="{82BB2EA1-7E94-E8E8-43D3-FF6FC1D98631}"/>
-              </a:ext>
-            </a:extLst>
-          </p:cNvPr>
-          <p:cNvPicPr>
-            <a:picLocks noChangeAspect="1"/>
-          </p:cNvPicPr>
-          <p:nvPr/>
-        </p:nvPicPr>
-        <p:blipFill>
-          <a:blip r:embed="rId8">
-            <a:extLst>
-              <a:ext uri="{28A0092B-C50C-407E-A947-70E740481C1C}">
-                <a14:useLocalDpi xmlns:a14="http://schemas.microsoft.com/office/drawing/2010/main" val="0"/>
-              </a:ext>
-              <a:ext uri="{96DAC541-7B7A-43D3-8B79-37D633B846F1}">
-                <asvg:svgBlip xmlns:asvg="http://schemas.microsoft.com/office/drawing/2016/SVG/main" r:embed="rId9"/>
-              </a:ext>
-            </a:extLst>
-          </a:blip>
-          <a:stretch>
-            <a:fillRect/>
-          </a:stretch>
-        </p:blipFill>
-        <p:spPr>
-          <a:xfrm>
-            <a:off x="6634920" y="2088165"/>
-            <a:ext cx="341901" cy="386841"/>
-          </a:xfrm>
-          <a:prstGeom prst="rect">
-            <a:avLst/>
-          </a:prstGeom>
-        </p:spPr>
-      </p:pic>
-      <p:sp>
-        <p:nvSpPr>
-          <p:cNvPr id="147" name="TextBox 146">
-            <a:extLst>
-              <a:ext uri="{FF2B5EF4-FFF2-40B4-BE49-F238E27FC236}">
-                <a16:creationId xmlns:a16="http://schemas.microsoft.com/office/drawing/2014/main" id="{8D123442-2CED-F4A0-6055-43799CBFD57F}"/>
-              </a:ext>
-            </a:extLst>
-          </p:cNvPr>
-          <p:cNvSpPr txBox="1"/>
-          <p:nvPr/>
-        </p:nvSpPr>
-        <p:spPr>
-          <a:xfrm>
-            <a:off x="6705647" y="1314787"/>
-            <a:ext cx="417980" cy="369332"/>
-          </a:xfrm>
-          <a:prstGeom prst="rect">
-            <a:avLst/>
-          </a:prstGeom>
-          <a:noFill/>
-        </p:spPr>
-        <p:txBody>
-          <a:bodyPr wrap="square" rtlCol="0">
-            <a:spAutoFit/>
-          </a:bodyPr>
-          <a:lstStyle/>
-          <a:p>
-            <a:r>
-              <a:rPr lang="en-US" dirty="0"/>
-              <a:t>S</a:t>
-            </a:r>
-          </a:p>
-        </p:txBody>
-      </p:sp>
-      <p:sp>
-        <p:nvSpPr>
-          <p:cNvPr id="151" name="TextBox 150">
-            <a:extLst>
-              <a:ext uri="{FF2B5EF4-FFF2-40B4-BE49-F238E27FC236}">
-                <a16:creationId xmlns:a16="http://schemas.microsoft.com/office/drawing/2014/main" id="{B382C1D2-E424-8B68-AB86-8074818326D0}"/>
-              </a:ext>
-            </a:extLst>
-          </p:cNvPr>
-          <p:cNvSpPr txBox="1"/>
-          <p:nvPr/>
-        </p:nvSpPr>
-        <p:spPr>
-          <a:xfrm>
-            <a:off x="6661357" y="2772263"/>
-            <a:ext cx="417980" cy="369332"/>
-          </a:xfrm>
-          <a:prstGeom prst="rect">
-            <a:avLst/>
-          </a:prstGeom>
-          <a:noFill/>
-        </p:spPr>
-        <p:txBody>
-          <a:bodyPr wrap="square" rtlCol="0">
-            <a:spAutoFit/>
-          </a:bodyPr>
-          <a:lstStyle/>
-          <a:p>
-            <a:r>
-              <a:rPr lang="en-US" dirty="0"/>
-              <a:t>S</a:t>
-            </a:r>
           </a:p>
         </p:txBody>
       </p:sp>
@@ -8473,12 +7434,91 @@
           </a:p>
         </p:txBody>
       </p:sp>
+      <p:sp>
+        <p:nvSpPr>
+          <p:cNvPr id="50" name="Text Box 10">
+            <a:extLst>
+              <a:ext uri="{FF2B5EF4-FFF2-40B4-BE49-F238E27FC236}">
+                <a16:creationId xmlns:a16="http://schemas.microsoft.com/office/drawing/2014/main" id="{25385EE8-0738-E6AD-5E74-C64195104560}"/>
+              </a:ext>
+            </a:extLst>
+          </p:cNvPr>
+          <p:cNvSpPr txBox="1">
+            <a:spLocks noChangeArrowheads="1"/>
+          </p:cNvSpPr>
+          <p:nvPr/>
+        </p:nvSpPr>
+        <p:spPr bwMode="auto">
+          <a:xfrm>
+            <a:off x="3203873" y="183841"/>
+            <a:ext cx="1182249" cy="350686"/>
+          </a:xfrm>
+          <a:prstGeom prst="rect">
+            <a:avLst/>
+          </a:prstGeom>
+          <a:noFill/>
+          <a:ln>
+            <a:noFill/>
+          </a:ln>
+        </p:spPr>
+        <p:txBody>
+          <a:bodyPr vert="horz" wrap="square" lIns="91440" tIns="45720" rIns="91440" bIns="45720" numCol="1" anchor="t" anchorCtr="0" compatLnSpc="1">
+            <a:prstTxWarp prst="textNoShape">
+              <a:avLst/>
+            </a:prstTxWarp>
+          </a:bodyPr>
+          <a:lstStyle/>
+          <a:p>
+            <a:pPr marL="0" marR="0" lvl="0" indent="0" algn="ctr" defTabSz="914400" rtl="0" eaLnBrk="0" fontAlgn="base" latinLnBrk="0" hangingPunct="0">
+              <a:lnSpc>
+                <a:spcPct val="100000"/>
+              </a:lnSpc>
+              <a:spcBef>
+                <a:spcPct val="0"/>
+              </a:spcBef>
+              <a:spcAft>
+                <a:spcPct val="0"/>
+              </a:spcAft>
+              <a:buClrTx/>
+              <a:buSzTx/>
+              <a:buFontTx/>
+              <a:buNone/>
+              <a:tabLst/>
+            </a:pPr>
+            <a:r>
+              <a:rPr kumimoji="0" lang="en-US" altLang="en-US" sz="1600" b="1" u="none" strike="noStrike" cap="none" normalizeH="0" baseline="0" dirty="0">
+                <a:ln>
+                  <a:noFill/>
+                </a:ln>
+                <a:solidFill>
+                  <a:srgbClr val="FE9700"/>
+                </a:solidFill>
+                <a:effectLst/>
+                <a:latin typeface="Sylfaen" panose="010A0502050306030303" pitchFamily="18" charset="0"/>
+                <a:ea typeface="Calibri" panose="020F0502020204030204" pitchFamily="34" charset="0"/>
+                <a:cs typeface="Times New Roman" panose="02020603050405020304" pitchFamily="18" charset="0"/>
+              </a:rPr>
+              <a:t>Talker A </a:t>
+            </a:r>
+            <a:endParaRPr kumimoji="0" lang="en-US" altLang="en-US" sz="3600" b="1" u="none" strike="noStrike" cap="none" normalizeH="0" baseline="0" dirty="0">
+              <a:ln>
+                <a:noFill/>
+              </a:ln>
+              <a:solidFill>
+                <a:srgbClr val="FE9700"/>
+              </a:solidFill>
+              <a:effectLst/>
+              <a:latin typeface="Arial" panose="020B0604020202020204" pitchFamily="34" charset="0"/>
+            </a:endParaRPr>
+          </a:p>
+        </p:txBody>
+      </p:sp>
       <p:grpSp>
         <p:nvGrpSpPr>
-          <p:cNvPr id="3" name="Group 2">
+          <p:cNvPr id="7" name="Group 6">
             <a:extLst>
               <a:ext uri="{FF2B5EF4-FFF2-40B4-BE49-F238E27FC236}">
-                <a16:creationId xmlns:a16="http://schemas.microsoft.com/office/drawing/2014/main" id="{93CFE9CF-564E-D3C7-02B2-072AD42AFD22}"/>
+                <a16:creationId xmlns:a16="http://schemas.microsoft.com/office/drawing/2014/main" id="{3C633CEE-28FF-8651-F319-0ACD19A7F5CF}"/>
               </a:ext>
             </a:extLst>
           </p:cNvPr>
@@ -8487,91 +7527,12 @@
         </p:nvGrpSpPr>
         <p:grpSpPr>
           <a:xfrm>
-            <a:off x="3203873" y="183841"/>
-            <a:ext cx="2274921" cy="3233973"/>
-            <a:chOff x="6064148" y="3408012"/>
-            <a:chExt cx="2274921" cy="3233973"/>
+            <a:off x="3390358" y="5301521"/>
+            <a:ext cx="2199538" cy="1383527"/>
+            <a:chOff x="3279256" y="567255"/>
+            <a:chExt cx="2199538" cy="1383527"/>
           </a:xfrm>
         </p:grpSpPr>
-        <p:sp>
-          <p:nvSpPr>
-            <p:cNvPr id="50" name="Text Box 10">
-              <a:extLst>
-                <a:ext uri="{FF2B5EF4-FFF2-40B4-BE49-F238E27FC236}">
-                  <a16:creationId xmlns:a16="http://schemas.microsoft.com/office/drawing/2014/main" id="{25385EE8-0738-E6AD-5E74-C64195104560}"/>
-                </a:ext>
-              </a:extLst>
-            </p:cNvPr>
-            <p:cNvSpPr txBox="1">
-              <a:spLocks noChangeArrowheads="1"/>
-            </p:cNvSpPr>
-            <p:nvPr/>
-          </p:nvSpPr>
-          <p:spPr bwMode="auto">
-            <a:xfrm>
-              <a:off x="6064148" y="3408012"/>
-              <a:ext cx="1182249" cy="350686"/>
-            </a:xfrm>
-            <a:prstGeom prst="rect">
-              <a:avLst/>
-            </a:prstGeom>
-            <a:noFill/>
-            <a:ln>
-              <a:noFill/>
-            </a:ln>
-          </p:spPr>
-          <p:txBody>
-            <a:bodyPr vert="horz" wrap="square" lIns="91440" tIns="45720" rIns="91440" bIns="45720" numCol="1" anchor="t" anchorCtr="0" compatLnSpc="1">
-              <a:prstTxWarp prst="textNoShape">
-                <a:avLst/>
-              </a:prstTxWarp>
-            </a:bodyPr>
-            <a:lstStyle/>
-            <a:p>
-              <a:pPr marL="0" marR="0" lvl="0" indent="0" algn="ctr" defTabSz="914400" rtl="0" eaLnBrk="0" fontAlgn="base" latinLnBrk="0" hangingPunct="0">
-                <a:lnSpc>
-                  <a:spcPct val="100000"/>
-                </a:lnSpc>
-                <a:spcBef>
-                  <a:spcPct val="0"/>
-                </a:spcBef>
-                <a:spcAft>
-                  <a:spcPct val="0"/>
-                </a:spcAft>
-                <a:buClrTx/>
-                <a:buSzTx/>
-                <a:buFontTx/>
-                <a:buNone/>
-                <a:tabLst/>
-              </a:pPr>
-              <a:r>
-                <a:rPr kumimoji="0" lang="en-US" altLang="en-US" sz="1600" b="1" u="none" strike="noStrike" cap="none" normalizeH="0" baseline="0" dirty="0">
-                  <a:ln>
-                    <a:noFill/>
-                  </a:ln>
-                  <a:solidFill>
-                    <a:srgbClr val="FE9700"/>
-                  </a:solidFill>
-                  <a:effectLst/>
-                  <a:latin typeface="Sylfaen" panose="010A0502050306030303" pitchFamily="18" charset="0"/>
-                  <a:ea typeface="Calibri" panose="020F0502020204030204" pitchFamily="34" charset="0"/>
-                  <a:cs typeface="Times New Roman" panose="02020603050405020304" pitchFamily="18" charset="0"/>
-                </a:rPr>
-                <a:t>Talker A </a:t>
-              </a:r>
-              <a:endParaRPr kumimoji="0" lang="en-US" altLang="en-US" sz="3600" b="1" u="none" strike="noStrike" cap="none" normalizeH="0" baseline="0" dirty="0">
-                <a:ln>
-                  <a:noFill/>
-                </a:ln>
-                <a:solidFill>
-                  <a:srgbClr val="FE9700"/>
-                </a:solidFill>
-                <a:effectLst/>
-                <a:latin typeface="Arial" panose="020B0604020202020204" pitchFamily="34" charset="0"/>
-              </a:endParaRPr>
-            </a:p>
-          </p:txBody>
-        </p:sp>
         <p:pic>
           <p:nvPicPr>
             <p:cNvPr id="108" name="Graphic 107" descr="School girl outline">
@@ -8603,7 +7564,7 @@
           </p:blipFill>
           <p:spPr>
             <a:xfrm>
-              <a:off x="6139531" y="4246896"/>
+              <a:off x="3279256" y="1022725"/>
               <a:ext cx="643655" cy="728255"/>
             </a:xfrm>
             <a:prstGeom prst="rect">
@@ -8625,7 +7586,7 @@
           </p:nvSpPr>
           <p:spPr>
             <a:xfrm>
-              <a:off x="6196942" y="3791426"/>
+              <a:off x="3336667" y="567255"/>
               <a:ext cx="870528" cy="1101078"/>
             </a:xfrm>
             <a:prstGeom prst="roundRect">
@@ -8683,7 +7644,7 @@
           </p:nvSpPr>
           <p:spPr bwMode="auto">
             <a:xfrm>
-              <a:off x="6208112" y="4938705"/>
+              <a:off x="3347837" y="1714534"/>
               <a:ext cx="854301" cy="236248"/>
             </a:xfrm>
             <a:prstGeom prst="rect">
@@ -8791,7 +7752,7 @@
           </p:blipFill>
           <p:spPr>
             <a:xfrm>
-              <a:off x="6741670" y="3831995"/>
+              <a:off x="3881395" y="607824"/>
               <a:ext cx="312079" cy="353098"/>
             </a:xfrm>
             <a:prstGeom prst="rect">
@@ -8814,13 +7775,13 @@
             <p:nvPr/>
           </p:nvPicPr>
           <p:blipFill>
-            <a:blip r:embed="rId10">
+            <a:blip r:embed="rId6">
               <a:extLst>
                 <a:ext uri="{28A0092B-C50C-407E-A947-70E740481C1C}">
                   <a14:useLocalDpi xmlns:a14="http://schemas.microsoft.com/office/drawing/2010/main" val="0"/>
                 </a:ext>
                 <a:ext uri="{96DAC541-7B7A-43D3-8B79-37D633B846F1}">
-                  <asvg:svgBlip xmlns:asvg="http://schemas.microsoft.com/office/drawing/2016/SVG/main" r:embed="rId11"/>
+                  <asvg:svgBlip xmlns:asvg="http://schemas.microsoft.com/office/drawing/2016/SVG/main" r:embed="rId7"/>
                 </a:ext>
               </a:extLst>
             </a:blip>
@@ -8830,7 +7791,7 @@
           </p:blipFill>
           <p:spPr>
             <a:xfrm>
-              <a:off x="7448525" y="4192038"/>
+              <a:off x="4588250" y="967867"/>
               <a:ext cx="269217" cy="386613"/>
             </a:xfrm>
             <a:prstGeom prst="rect">
@@ -8840,280 +7801,10 @@
         </p:pic>
         <p:sp>
           <p:nvSpPr>
-            <p:cNvPr id="114" name="Rectangle: Rounded Corners 113">
+            <p:cNvPr id="149" name="TextBox 148">
               <a:extLst>
                 <a:ext uri="{FF2B5EF4-FFF2-40B4-BE49-F238E27FC236}">
-                  <a16:creationId xmlns:a16="http://schemas.microsoft.com/office/drawing/2014/main" id="{9D465BD3-48EA-C687-F557-C72943322B0A}"/>
-                </a:ext>
-              </a:extLst>
-            </p:cNvPr>
-            <p:cNvSpPr/>
-            <p:nvPr/>
-          </p:nvSpPr>
-          <p:spPr>
-            <a:xfrm>
-              <a:off x="6220009" y="5258458"/>
-              <a:ext cx="870528" cy="1101078"/>
-            </a:xfrm>
-            <a:prstGeom prst="roundRect">
-              <a:avLst/>
-            </a:prstGeom>
-            <a:noFill/>
-            <a:ln w="57150">
-              <a:solidFill>
-                <a:srgbClr val="FFBE5F"/>
-              </a:solidFill>
-            </a:ln>
-          </p:spPr>
-          <p:style>
-            <a:lnRef idx="2">
-              <a:schemeClr val="accent1">
-                <a:shade val="50000"/>
-              </a:schemeClr>
-            </a:lnRef>
-            <a:fillRef idx="1">
-              <a:schemeClr val="accent1"/>
-            </a:fillRef>
-            <a:effectRef idx="0">
-              <a:schemeClr val="accent1"/>
-            </a:effectRef>
-            <a:fontRef idx="minor">
-              <a:schemeClr val="lt1"/>
-            </a:fontRef>
-          </p:style>
-          <p:txBody>
-            <a:bodyPr rot="0" spcFirstLastPara="0" vert="horz" wrap="square" lIns="91440" tIns="45720" rIns="91440" bIns="45720" numCol="1" spcCol="0" rtlCol="0" fromWordArt="0" anchor="ctr" anchorCtr="0" forceAA="0" compatLnSpc="1">
-              <a:prstTxWarp prst="textNoShape">
-                <a:avLst/>
-              </a:prstTxWarp>
-              <a:noAutofit/>
-            </a:bodyPr>
-            <a:lstStyle/>
-            <a:p>
-              <a:endParaRPr lang="en-US">
-                <a:solidFill>
-                  <a:srgbClr val="FFBE5F"/>
-                </a:solidFill>
-              </a:endParaRPr>
-            </a:p>
-          </p:txBody>
-        </p:sp>
-        <p:sp>
-          <p:nvSpPr>
-            <p:cNvPr id="115" name="Text Box 11">
-              <a:extLst>
-                <a:ext uri="{FF2B5EF4-FFF2-40B4-BE49-F238E27FC236}">
-                  <a16:creationId xmlns:a16="http://schemas.microsoft.com/office/drawing/2014/main" id="{D5C25037-C60C-902B-D7B6-2E4AC36B445C}"/>
-                </a:ext>
-              </a:extLst>
-            </p:cNvPr>
-            <p:cNvSpPr txBox="1">
-              <a:spLocks noChangeArrowheads="1"/>
-            </p:cNvSpPr>
-            <p:nvPr/>
-          </p:nvSpPr>
-          <p:spPr bwMode="auto">
-            <a:xfrm>
-              <a:off x="6231179" y="6405737"/>
-              <a:ext cx="854301" cy="236248"/>
-            </a:xfrm>
-            <a:prstGeom prst="rect">
-              <a:avLst/>
-            </a:prstGeom>
-            <a:solidFill>
-              <a:srgbClr val="FFFFFF"/>
-            </a:solidFill>
-            <a:ln>
-              <a:noFill/>
-            </a:ln>
-            <a:extLst>
-              <a:ext uri="{91240B29-F687-4F45-9708-019B960494DF}">
-                <a14:hiddenLine xmlns:a14="http://schemas.microsoft.com/office/drawing/2010/main" w="6350">
-                  <a:solidFill>
-                    <a:srgbClr val="000000"/>
-                  </a:solidFill>
-                  <a:miter lim="800000"/>
-                  <a:headEnd/>
-                  <a:tailEnd/>
-                </a14:hiddenLine>
-              </a:ext>
-            </a:extLst>
-          </p:spPr>
-          <p:txBody>
-            <a:bodyPr vert="horz" wrap="square" lIns="91440" tIns="45720" rIns="91440" bIns="45720" numCol="1" anchor="t" anchorCtr="0" compatLnSpc="1">
-              <a:prstTxWarp prst="textNoShape">
-                <a:avLst/>
-              </a:prstTxWarp>
-            </a:bodyPr>
-            <a:lstStyle/>
-            <a:p>
-              <a:pPr marL="0" marR="0" lvl="0" indent="0" algn="ctr" defTabSz="914400" rtl="0" eaLnBrk="0" fontAlgn="base" latinLnBrk="0" hangingPunct="0">
-                <a:lnSpc>
-                  <a:spcPct val="100000"/>
-                </a:lnSpc>
-                <a:spcBef>
-                  <a:spcPct val="0"/>
-                </a:spcBef>
-                <a:spcAft>
-                  <a:spcPct val="0"/>
-                </a:spcAft>
-                <a:buClrTx/>
-                <a:buSzTx/>
-                <a:buFontTx/>
-                <a:buNone/>
-                <a:tabLst/>
-              </a:pPr>
-              <a:r>
-                <a:rPr kumimoji="0" lang="en-US" altLang="en-US" sz="1100" b="0" i="1" u="none" strike="noStrike" cap="none" normalizeH="0" baseline="0" dirty="0">
-                  <a:ln>
-                    <a:noFill/>
-                  </a:ln>
-                  <a:solidFill>
-                    <a:schemeClr val="tx1"/>
-                  </a:solidFill>
-                  <a:effectLst/>
-                  <a:latin typeface="Sylfaen" panose="010A0502050306030303" pitchFamily="18" charset="0"/>
-                  <a:ea typeface="Calibri" panose="020F0502020204030204" pitchFamily="34" charset="0"/>
-                  <a:cs typeface="Times New Roman" panose="02020603050405020304" pitchFamily="18" charset="0"/>
-                </a:rPr>
-                <a:t>Left</a:t>
-              </a:r>
-              <a:endParaRPr kumimoji="0" lang="en-US" altLang="en-US" sz="2400" b="0" i="0" u="none" strike="noStrike" cap="none" normalizeH="0" baseline="0" dirty="0">
-                <a:ln>
-                  <a:noFill/>
-                </a:ln>
-                <a:solidFill>
-                  <a:schemeClr val="tx1"/>
-                </a:solidFill>
-                <a:effectLst/>
-                <a:latin typeface="Arial" panose="020B0604020202020204" pitchFamily="34" charset="0"/>
-              </a:endParaRPr>
-            </a:p>
-          </p:txBody>
-        </p:sp>
-        <p:pic>
-          <p:nvPicPr>
-            <p:cNvPr id="116" name="Graphic 115" descr="Ear outline">
-              <a:extLst>
-                <a:ext uri="{FF2B5EF4-FFF2-40B4-BE49-F238E27FC236}">
-                  <a16:creationId xmlns:a16="http://schemas.microsoft.com/office/drawing/2014/main" id="{0FCE5436-82A4-8ADF-D737-A285B7FDDEB6}"/>
-                </a:ext>
-              </a:extLst>
-            </p:cNvPr>
-            <p:cNvPicPr>
-              <a:picLocks noChangeAspect="1"/>
-            </p:cNvPicPr>
-            <p:nvPr/>
-          </p:nvPicPr>
-          <p:blipFill>
-            <a:blip r:embed="rId10">
-              <a:extLst>
-                <a:ext uri="{28A0092B-C50C-407E-A947-70E740481C1C}">
-                  <a14:useLocalDpi xmlns:a14="http://schemas.microsoft.com/office/drawing/2010/main" val="0"/>
-                </a:ext>
-                <a:ext uri="{96DAC541-7B7A-43D3-8B79-37D633B846F1}">
-                  <asvg:svgBlip xmlns:asvg="http://schemas.microsoft.com/office/drawing/2016/SVG/main" r:embed="rId11"/>
-                </a:ext>
-              </a:extLst>
-            </a:blip>
-            <a:stretch>
-              <a:fillRect/>
-            </a:stretch>
-          </p:blipFill>
-          <p:spPr>
-            <a:xfrm>
-              <a:off x="7463634" y="5682969"/>
-              <a:ext cx="269217" cy="386613"/>
-            </a:xfrm>
-            <a:prstGeom prst="rect">
-              <a:avLst/>
-            </a:prstGeom>
-          </p:spPr>
-        </p:pic>
-        <p:pic>
-          <p:nvPicPr>
-            <p:cNvPr id="117" name="Graphic 116" descr="School boy outline">
-              <a:extLst>
-                <a:ext uri="{FF2B5EF4-FFF2-40B4-BE49-F238E27FC236}">
-                  <a16:creationId xmlns:a16="http://schemas.microsoft.com/office/drawing/2014/main" id="{9173A514-5413-D50C-02C7-23EA3D6DA191}"/>
-                </a:ext>
-              </a:extLst>
-            </p:cNvPr>
-            <p:cNvPicPr>
-              <a:picLocks noChangeAspect="1"/>
-            </p:cNvPicPr>
-            <p:nvPr/>
-          </p:nvPicPr>
-          <p:blipFill>
-            <a:blip r:embed="rId6">
-              <a:extLst>
-                <a:ext uri="{28A0092B-C50C-407E-A947-70E740481C1C}">
-                  <a14:useLocalDpi xmlns:a14="http://schemas.microsoft.com/office/drawing/2010/main" val="0"/>
-                </a:ext>
-                <a:ext uri="{96DAC541-7B7A-43D3-8B79-37D633B846F1}">
-                  <asvg:svgBlip xmlns:asvg="http://schemas.microsoft.com/office/drawing/2016/SVG/main" r:embed="rId7"/>
-                </a:ext>
-              </a:extLst>
-            </a:blip>
-            <a:stretch>
-              <a:fillRect/>
-            </a:stretch>
-          </p:blipFill>
-          <p:spPr>
-            <a:xfrm>
-              <a:off x="6164312" y="5696778"/>
-              <a:ext cx="643653" cy="728254"/>
-            </a:xfrm>
-            <a:prstGeom prst="rect">
-              <a:avLst/>
-            </a:prstGeom>
-          </p:spPr>
-        </p:pic>
-        <p:pic>
-          <p:nvPicPr>
-            <p:cNvPr id="118" name="Graphic 117" descr="Male outline">
-              <a:extLst>
-                <a:ext uri="{FF2B5EF4-FFF2-40B4-BE49-F238E27FC236}">
-                  <a16:creationId xmlns:a16="http://schemas.microsoft.com/office/drawing/2014/main" id="{3706654B-B7CB-C8AD-0460-FD7D7BA940B8}"/>
-                </a:ext>
-              </a:extLst>
-            </p:cNvPr>
-            <p:cNvPicPr>
-              <a:picLocks noChangeAspect="1"/>
-            </p:cNvPicPr>
-            <p:nvPr/>
-          </p:nvPicPr>
-          <p:blipFill>
-            <a:blip r:embed="rId8">
-              <a:extLst>
-                <a:ext uri="{28A0092B-C50C-407E-A947-70E740481C1C}">
-                  <a14:useLocalDpi xmlns:a14="http://schemas.microsoft.com/office/drawing/2010/main" val="0"/>
-                </a:ext>
-                <a:ext uri="{96DAC541-7B7A-43D3-8B79-37D633B846F1}">
-                  <asvg:svgBlip xmlns:asvg="http://schemas.microsoft.com/office/drawing/2016/SVG/main" r:embed="rId9"/>
-                </a:ext>
-              </a:extLst>
-            </a:blip>
-            <a:stretch>
-              <a:fillRect/>
-            </a:stretch>
-          </p:blipFill>
-          <p:spPr>
-            <a:xfrm>
-              <a:off x="6721120" y="5305892"/>
-              <a:ext cx="341901" cy="386841"/>
-            </a:xfrm>
-            <a:prstGeom prst="rect">
-              <a:avLst/>
-            </a:prstGeom>
-          </p:spPr>
-        </p:pic>
-        <p:sp>
-          <p:nvSpPr>
-            <p:cNvPr id="146" name="TextBox 145">
-              <a:extLst>
-                <a:ext uri="{FF2B5EF4-FFF2-40B4-BE49-F238E27FC236}">
-                  <a16:creationId xmlns:a16="http://schemas.microsoft.com/office/drawing/2014/main" id="{FC2CA765-BD84-DA34-F837-6DE8AC796591}"/>
+                  <a16:creationId xmlns:a16="http://schemas.microsoft.com/office/drawing/2014/main" id="{0E1C2932-A7E1-DF58-63B3-A59941BFE575}"/>
                 </a:ext>
               </a:extLst>
             </p:cNvPr>
@@ -9122,42 +7813,7 @@
           </p:nvSpPr>
           <p:spPr>
             <a:xfrm>
-              <a:off x="6751696" y="5959636"/>
-              <a:ext cx="417980" cy="369332"/>
-            </a:xfrm>
-            <a:prstGeom prst="rect">
-              <a:avLst/>
-            </a:prstGeom>
-            <a:noFill/>
-          </p:spPr>
-          <p:txBody>
-            <a:bodyPr wrap="square" rtlCol="0">
-              <a:spAutoFit/>
-            </a:bodyPr>
-            <a:lstStyle/>
-            <a:p>
-              <a:r>
-                <a:rPr lang="en-US" dirty="0"/>
-                <a:t>S</a:t>
-              </a:r>
-            </a:p>
-          </p:txBody>
-        </p:sp>
-        <p:sp>
-          <p:nvSpPr>
-            <p:cNvPr id="149" name="TextBox 148">
-              <a:extLst>
-                <a:ext uri="{FF2B5EF4-FFF2-40B4-BE49-F238E27FC236}">
-                  <a16:creationId xmlns:a16="http://schemas.microsoft.com/office/drawing/2014/main" id="{0E1C2932-A7E1-DF58-63B3-A59941BFE575}"/>
-                </a:ext>
-              </a:extLst>
-            </p:cNvPr>
-            <p:cNvSpPr txBox="1"/>
-            <p:nvPr/>
-          </p:nvSpPr>
-          <p:spPr>
-            <a:xfrm>
-              <a:off x="6764829" y="4514294"/>
+              <a:off x="3904554" y="1290123"/>
               <a:ext cx="417980" cy="369332"/>
             </a:xfrm>
             <a:prstGeom prst="rect">
@@ -9193,13 +7849,13 @@
             <p:nvPr/>
           </p:nvPicPr>
           <p:blipFill>
-            <a:blip r:embed="rId6">
+            <a:blip r:embed="rId8">
               <a:extLst>
                 <a:ext uri="{28A0092B-C50C-407E-A947-70E740481C1C}">
                   <a14:useLocalDpi xmlns:a14="http://schemas.microsoft.com/office/drawing/2010/main" val="0"/>
                 </a:ext>
                 <a:ext uri="{96DAC541-7B7A-43D3-8B79-37D633B846F1}">
-                  <asvg:svgBlip xmlns:asvg="http://schemas.microsoft.com/office/drawing/2016/SVG/main" r:embed="rId7"/>
+                  <asvg:svgBlip xmlns:asvg="http://schemas.microsoft.com/office/drawing/2016/SVG/main" r:embed="rId9"/>
                 </a:ext>
               </a:extLst>
             </a:blip>
@@ -9209,7 +7865,7 @@
           </p:blipFill>
           <p:spPr>
             <a:xfrm>
-              <a:off x="7695416" y="4249656"/>
+              <a:off x="4835141" y="1025485"/>
               <a:ext cx="643653" cy="728254"/>
             </a:xfrm>
             <a:prstGeom prst="rect">
@@ -9231,7 +7887,7 @@
           </p:nvSpPr>
           <p:spPr>
             <a:xfrm>
-              <a:off x="7383347" y="3798603"/>
+              <a:off x="4523072" y="574432"/>
               <a:ext cx="875776" cy="1101077"/>
             </a:xfrm>
             <a:prstGeom prst="roundRect">
@@ -9293,7 +7949,7 @@
           </p:nvSpPr>
           <p:spPr bwMode="auto">
             <a:xfrm>
-              <a:off x="7402883" y="4935774"/>
+              <a:off x="4542608" y="1711603"/>
               <a:ext cx="854299" cy="236247"/>
             </a:xfrm>
             <a:prstGeom prst="rect">
@@ -9385,13 +8041,13 @@
             <p:nvPr/>
           </p:nvPicPr>
           <p:blipFill>
-            <a:blip r:embed="rId8">
+            <a:blip r:embed="rId10">
               <a:extLst>
                 <a:ext uri="{28A0092B-C50C-407E-A947-70E740481C1C}">
                   <a14:useLocalDpi xmlns:a14="http://schemas.microsoft.com/office/drawing/2010/main" val="0"/>
                 </a:ext>
                 <a:ext uri="{96DAC541-7B7A-43D3-8B79-37D633B846F1}">
-                  <asvg:svgBlip xmlns:asvg="http://schemas.microsoft.com/office/drawing/2016/SVG/main" r:embed="rId9"/>
+                  <asvg:svgBlip xmlns:asvg="http://schemas.microsoft.com/office/drawing/2016/SVG/main" r:embed="rId11"/>
                 </a:ext>
               </a:extLst>
             </a:blip>
@@ -9401,7 +8057,7 @@
           </p:blipFill>
           <p:spPr>
             <a:xfrm>
-              <a:off x="7428378" y="3847238"/>
+              <a:off x="4568103" y="623067"/>
               <a:ext cx="341901" cy="386841"/>
             </a:xfrm>
             <a:prstGeom prst="rect">
@@ -9411,10 +8067,10 @@
         </p:pic>
         <p:pic>
           <p:nvPicPr>
-            <p:cNvPr id="124" name="Graphic 123" descr="Ear outline">
+            <p:cNvPr id="130" name="Graphic 129" descr="Ear outline">
               <a:extLst>
                 <a:ext uri="{FF2B5EF4-FFF2-40B4-BE49-F238E27FC236}">
-                  <a16:creationId xmlns:a16="http://schemas.microsoft.com/office/drawing/2014/main" id="{D8D8250F-CD03-56B2-C00F-5074C63BD0E6}"/>
+                  <a16:creationId xmlns:a16="http://schemas.microsoft.com/office/drawing/2014/main" id="{E947D740-7FA0-2E00-296E-5B43BCBB1098}"/>
                 </a:ext>
               </a:extLst>
             </p:cNvPr>
@@ -9424,13 +8080,13 @@
             <p:nvPr/>
           </p:nvPicPr>
           <p:blipFill>
-            <a:blip r:embed="rId10">
+            <a:blip r:embed="rId6">
               <a:extLst>
                 <a:ext uri="{28A0092B-C50C-407E-A947-70E740481C1C}">
                   <a14:useLocalDpi xmlns:a14="http://schemas.microsoft.com/office/drawing/2010/main" val="0"/>
                 </a:ext>
                 <a:ext uri="{96DAC541-7B7A-43D3-8B79-37D633B846F1}">
-                  <asvg:svgBlip xmlns:asvg="http://schemas.microsoft.com/office/drawing/2016/SVG/main" r:embed="rId11"/>
+                  <asvg:svgBlip xmlns:asvg="http://schemas.microsoft.com/office/drawing/2016/SVG/main" r:embed="rId7"/>
                 </a:ext>
               </a:extLst>
             </a:blip>
@@ -9440,86 +8096,8 @@
           </p:blipFill>
           <p:spPr>
             <a:xfrm flipH="1">
-              <a:off x="6755231" y="5671463"/>
+              <a:off x="3919309" y="1002145"/>
               <a:ext cx="269216" cy="386613"/>
-            </a:xfrm>
-            <a:prstGeom prst="rect">
-              <a:avLst/>
-            </a:prstGeom>
-          </p:spPr>
-        </p:pic>
-        <p:pic>
-          <p:nvPicPr>
-            <p:cNvPr id="126" name="Graphic 125" descr="School girl outline">
-              <a:extLst>
-                <a:ext uri="{FF2B5EF4-FFF2-40B4-BE49-F238E27FC236}">
-                  <a16:creationId xmlns:a16="http://schemas.microsoft.com/office/drawing/2014/main" id="{DCA5DA57-934D-4CE6-8ABE-BD115025B810}"/>
-                </a:ext>
-              </a:extLst>
-            </p:cNvPr>
-            <p:cNvPicPr>
-              <a:picLocks noChangeAspect="1"/>
-            </p:cNvPicPr>
-            <p:nvPr/>
-          </p:nvPicPr>
-          <p:blipFill>
-            <a:blip r:embed="rId2">
-              <a:extLst>
-                <a:ext uri="{28A0092B-C50C-407E-A947-70E740481C1C}">
-                  <a14:useLocalDpi xmlns:a14="http://schemas.microsoft.com/office/drawing/2010/main" val="0"/>
-                </a:ext>
-                <a:ext uri="{96DAC541-7B7A-43D3-8B79-37D633B846F1}">
-                  <asvg:svgBlip xmlns:asvg="http://schemas.microsoft.com/office/drawing/2016/SVG/main" r:embed="rId3"/>
-                </a:ext>
-              </a:extLst>
-            </a:blip>
-            <a:stretch>
-              <a:fillRect/>
-            </a:stretch>
-          </p:blipFill>
-          <p:spPr>
-            <a:xfrm>
-              <a:off x="7674863" y="5727201"/>
-              <a:ext cx="643655" cy="728255"/>
-            </a:xfrm>
-            <a:prstGeom prst="rect">
-              <a:avLst/>
-            </a:prstGeom>
-          </p:spPr>
-        </p:pic>
-        <p:pic>
-          <p:nvPicPr>
-            <p:cNvPr id="127" name="Graphic 126" descr="Female outline">
-              <a:extLst>
-                <a:ext uri="{FF2B5EF4-FFF2-40B4-BE49-F238E27FC236}">
-                  <a16:creationId xmlns:a16="http://schemas.microsoft.com/office/drawing/2014/main" id="{F91F3E51-234F-DE01-0A71-3FB23C3AF3BB}"/>
-                </a:ext>
-              </a:extLst>
-            </p:cNvPr>
-            <p:cNvPicPr>
-              <a:picLocks noChangeAspect="1"/>
-            </p:cNvPicPr>
-            <p:nvPr/>
-          </p:nvPicPr>
-          <p:blipFill>
-            <a:blip r:embed="rId4">
-              <a:extLst>
-                <a:ext uri="{28A0092B-C50C-407E-A947-70E740481C1C}">
-                  <a14:useLocalDpi xmlns:a14="http://schemas.microsoft.com/office/drawing/2010/main" val="0"/>
-                </a:ext>
-                <a:ext uri="{96DAC541-7B7A-43D3-8B79-37D633B846F1}">
-                  <asvg:svgBlip xmlns:asvg="http://schemas.microsoft.com/office/drawing/2016/SVG/main" r:embed="rId5"/>
-                </a:ext>
-              </a:extLst>
-            </a:blip>
-            <a:stretch>
-              <a:fillRect/>
-            </a:stretch>
-          </p:blipFill>
-          <p:spPr>
-            <a:xfrm>
-              <a:off x="7440231" y="5339136"/>
-              <a:ext cx="312079" cy="353098"/>
             </a:xfrm>
             <a:prstGeom prst="rect">
               <a:avLst/>
@@ -9528,64 +8106,61 @@
         </p:pic>
         <p:sp>
           <p:nvSpPr>
-            <p:cNvPr id="128" name="Rectangle: Rounded Corners 127">
+            <p:cNvPr id="136" name="TextBox 135">
               <a:extLst>
                 <a:ext uri="{FF2B5EF4-FFF2-40B4-BE49-F238E27FC236}">
-                  <a16:creationId xmlns:a16="http://schemas.microsoft.com/office/drawing/2014/main" id="{72E19DB9-8CC5-0E55-91BC-86EEA828D34A}"/>
+                  <a16:creationId xmlns:a16="http://schemas.microsoft.com/office/drawing/2014/main" id="{67C2364F-B05D-539C-6020-6743D92C948F}"/>
                 </a:ext>
               </a:extLst>
             </p:cNvPr>
-            <p:cNvSpPr/>
+            <p:cNvSpPr txBox="1"/>
             <p:nvPr/>
           </p:nvSpPr>
           <p:spPr>
             <a:xfrm>
-              <a:off x="7407853" y="5255631"/>
-              <a:ext cx="875776" cy="1101077"/>
+              <a:off x="4555914" y="1315213"/>
+              <a:ext cx="417980" cy="369332"/>
             </a:xfrm>
-            <a:prstGeom prst="roundRect">
+            <a:prstGeom prst="rect">
               <a:avLst/>
             </a:prstGeom>
             <a:noFill/>
-            <a:ln w="57150">
-              <a:solidFill>
-                <a:srgbClr val="77CEF9"/>
-              </a:solidFill>
-            </a:ln>
           </p:spPr>
-          <p:style>
-            <a:lnRef idx="2">
-              <a:schemeClr val="accent1">
-                <a:shade val="50000"/>
-              </a:schemeClr>
-            </a:lnRef>
-            <a:fillRef idx="1">
-              <a:schemeClr val="accent1"/>
-            </a:fillRef>
-            <a:effectRef idx="0">
-              <a:schemeClr val="accent1"/>
-            </a:effectRef>
-            <a:fontRef idx="minor">
-              <a:schemeClr val="lt1"/>
-            </a:fontRef>
-          </p:style>
           <p:txBody>
-            <a:bodyPr rot="0" spcFirstLastPara="0" vert="horz" wrap="square" lIns="91440" tIns="45720" rIns="91440" bIns="45720" numCol="1" spcCol="0" rtlCol="0" fromWordArt="0" anchor="ctr" anchorCtr="0" forceAA="0" compatLnSpc="1">
-              <a:prstTxWarp prst="textNoShape">
-                <a:avLst/>
-              </a:prstTxWarp>
-              <a:noAutofit/>
+            <a:bodyPr wrap="square" rtlCol="0">
+              <a:spAutoFit/>
             </a:bodyPr>
             <a:lstStyle/>
             <a:p>
-              <a:endParaRPr lang="en-US">
-                <a:solidFill>
-                  <a:srgbClr val="0CA7F4"/>
-                </a:solidFill>
-              </a:endParaRPr>
+              <a:r>
+                <a:rPr lang="en-US" dirty="0" err="1"/>
+                <a:t>Sh</a:t>
+              </a:r>
+              <a:endParaRPr lang="en-US" dirty="0"/>
             </a:p>
           </p:txBody>
         </p:sp>
+      </p:grpSp>
+      <p:grpSp>
+        <p:nvGrpSpPr>
+          <p:cNvPr id="6" name="Group 5">
+            <a:extLst>
+              <a:ext uri="{FF2B5EF4-FFF2-40B4-BE49-F238E27FC236}">
+                <a16:creationId xmlns:a16="http://schemas.microsoft.com/office/drawing/2014/main" id="{4089582F-0390-841E-F75A-0F232CC042DE}"/>
+              </a:ext>
+            </a:extLst>
+          </p:cNvPr>
+          <p:cNvGrpSpPr/>
+          <p:nvPr/>
+        </p:nvGrpSpPr>
+        <p:grpSpPr>
+          <a:xfrm>
+            <a:off x="3372178" y="3867141"/>
+            <a:ext cx="2154206" cy="1386354"/>
+            <a:chOff x="3304037" y="2031460"/>
+            <a:chExt cx="2154206" cy="1386354"/>
+          </a:xfrm>
+        </p:grpSpPr>
         <p:sp>
           <p:nvSpPr>
             <p:cNvPr id="129" name="Text Box 10">
@@ -9602,7 +8177,7 @@
           </p:nvSpPr>
           <p:spPr bwMode="auto">
             <a:xfrm>
-              <a:off x="7427389" y="6392802"/>
+              <a:off x="4567114" y="3168631"/>
               <a:ext cx="854299" cy="236247"/>
             </a:xfrm>
             <a:prstGeom prst="rect">
@@ -9679,12 +8254,243 @@
             </a:p>
           </p:txBody>
         </p:sp>
+        <p:sp>
+          <p:nvSpPr>
+            <p:cNvPr id="115" name="Text Box 11">
+              <a:extLst>
+                <a:ext uri="{FF2B5EF4-FFF2-40B4-BE49-F238E27FC236}">
+                  <a16:creationId xmlns:a16="http://schemas.microsoft.com/office/drawing/2014/main" id="{D5C25037-C60C-902B-D7B6-2E4AC36B445C}"/>
+                </a:ext>
+              </a:extLst>
+            </p:cNvPr>
+            <p:cNvSpPr txBox="1">
+              <a:spLocks noChangeArrowheads="1"/>
+            </p:cNvSpPr>
+            <p:nvPr/>
+          </p:nvSpPr>
+          <p:spPr bwMode="auto">
+            <a:xfrm>
+              <a:off x="3370904" y="3181566"/>
+              <a:ext cx="854301" cy="236248"/>
+            </a:xfrm>
+            <a:prstGeom prst="rect">
+              <a:avLst/>
+            </a:prstGeom>
+            <a:solidFill>
+              <a:srgbClr val="FFFFFF"/>
+            </a:solidFill>
+            <a:ln>
+              <a:noFill/>
+            </a:ln>
+            <a:extLst>
+              <a:ext uri="{91240B29-F687-4F45-9708-019B960494DF}">
+                <a14:hiddenLine xmlns:a14="http://schemas.microsoft.com/office/drawing/2010/main" w="6350">
+                  <a:solidFill>
+                    <a:srgbClr val="000000"/>
+                  </a:solidFill>
+                  <a:miter lim="800000"/>
+                  <a:headEnd/>
+                  <a:tailEnd/>
+                </a14:hiddenLine>
+              </a:ext>
+            </a:extLst>
+          </p:spPr>
+          <p:txBody>
+            <a:bodyPr vert="horz" wrap="square" lIns="91440" tIns="45720" rIns="91440" bIns="45720" numCol="1" anchor="t" anchorCtr="0" compatLnSpc="1">
+              <a:prstTxWarp prst="textNoShape">
+                <a:avLst/>
+              </a:prstTxWarp>
+            </a:bodyPr>
+            <a:lstStyle/>
+            <a:p>
+              <a:pPr marL="0" marR="0" lvl="0" indent="0" algn="ctr" defTabSz="914400" rtl="0" eaLnBrk="0" fontAlgn="base" latinLnBrk="0" hangingPunct="0">
+                <a:lnSpc>
+                  <a:spcPct val="100000"/>
+                </a:lnSpc>
+                <a:spcBef>
+                  <a:spcPct val="0"/>
+                </a:spcBef>
+                <a:spcAft>
+                  <a:spcPct val="0"/>
+                </a:spcAft>
+                <a:buClrTx/>
+                <a:buSzTx/>
+                <a:buFontTx/>
+                <a:buNone/>
+                <a:tabLst/>
+              </a:pPr>
+              <a:r>
+                <a:rPr kumimoji="0" lang="en-US" altLang="en-US" sz="1100" b="0" i="1" u="none" strike="noStrike" cap="none" normalizeH="0" baseline="0" dirty="0">
+                  <a:ln>
+                    <a:noFill/>
+                  </a:ln>
+                  <a:solidFill>
+                    <a:schemeClr val="tx1"/>
+                  </a:solidFill>
+                  <a:effectLst/>
+                  <a:latin typeface="Sylfaen" panose="010A0502050306030303" pitchFamily="18" charset="0"/>
+                  <a:ea typeface="Calibri" panose="020F0502020204030204" pitchFamily="34" charset="0"/>
+                  <a:cs typeface="Times New Roman" panose="02020603050405020304" pitchFamily="18" charset="0"/>
+                </a:rPr>
+                <a:t>Left</a:t>
+              </a:r>
+              <a:endParaRPr kumimoji="0" lang="en-US" altLang="en-US" sz="2400" b="0" i="0" u="none" strike="noStrike" cap="none" normalizeH="0" baseline="0" dirty="0">
+                <a:ln>
+                  <a:noFill/>
+                </a:ln>
+                <a:solidFill>
+                  <a:schemeClr val="tx1"/>
+                </a:solidFill>
+                <a:effectLst/>
+                <a:latin typeface="Arial" panose="020B0604020202020204" pitchFamily="34" charset="0"/>
+              </a:endParaRPr>
+            </a:p>
+          </p:txBody>
+        </p:sp>
+        <p:sp>
+          <p:nvSpPr>
+            <p:cNvPr id="114" name="Rectangle: Rounded Corners 113">
+              <a:extLst>
+                <a:ext uri="{FF2B5EF4-FFF2-40B4-BE49-F238E27FC236}">
+                  <a16:creationId xmlns:a16="http://schemas.microsoft.com/office/drawing/2014/main" id="{9D465BD3-48EA-C687-F557-C72943322B0A}"/>
+                </a:ext>
+              </a:extLst>
+            </p:cNvPr>
+            <p:cNvSpPr/>
+            <p:nvPr/>
+          </p:nvSpPr>
+          <p:spPr>
+            <a:xfrm>
+              <a:off x="3359734" y="2034287"/>
+              <a:ext cx="870528" cy="1101078"/>
+            </a:xfrm>
+            <a:prstGeom prst="roundRect">
+              <a:avLst/>
+            </a:prstGeom>
+            <a:noFill/>
+            <a:ln w="57150">
+              <a:solidFill>
+                <a:srgbClr val="FFBE5F"/>
+              </a:solidFill>
+            </a:ln>
+          </p:spPr>
+          <p:style>
+            <a:lnRef idx="2">
+              <a:schemeClr val="accent1">
+                <a:shade val="50000"/>
+              </a:schemeClr>
+            </a:lnRef>
+            <a:fillRef idx="1">
+              <a:schemeClr val="accent1"/>
+            </a:fillRef>
+            <a:effectRef idx="0">
+              <a:schemeClr val="accent1"/>
+            </a:effectRef>
+            <a:fontRef idx="minor">
+              <a:schemeClr val="lt1"/>
+            </a:fontRef>
+          </p:style>
+          <p:txBody>
+            <a:bodyPr rot="0" spcFirstLastPara="0" vert="horz" wrap="square" lIns="91440" tIns="45720" rIns="91440" bIns="45720" numCol="1" spcCol="0" rtlCol="0" fromWordArt="0" anchor="ctr" anchorCtr="0" forceAA="0" compatLnSpc="1">
+              <a:prstTxWarp prst="textNoShape">
+                <a:avLst/>
+              </a:prstTxWarp>
+              <a:noAutofit/>
+            </a:bodyPr>
+            <a:lstStyle/>
+            <a:p>
+              <a:endParaRPr lang="en-US">
+                <a:solidFill>
+                  <a:srgbClr val="FFBE5F"/>
+                </a:solidFill>
+              </a:endParaRPr>
+            </a:p>
+          </p:txBody>
+        </p:sp>
         <p:pic>
           <p:nvPicPr>
-            <p:cNvPr id="130" name="Graphic 129" descr="Ear outline">
+            <p:cNvPr id="116" name="Graphic 115" descr="Ear outline">
               <a:extLst>
                 <a:ext uri="{FF2B5EF4-FFF2-40B4-BE49-F238E27FC236}">
-                  <a16:creationId xmlns:a16="http://schemas.microsoft.com/office/drawing/2014/main" id="{E947D740-7FA0-2E00-296E-5B43BCBB1098}"/>
+                  <a16:creationId xmlns:a16="http://schemas.microsoft.com/office/drawing/2014/main" id="{0FCE5436-82A4-8ADF-D737-A285B7FDDEB6}"/>
+                </a:ext>
+              </a:extLst>
+            </p:cNvPr>
+            <p:cNvPicPr>
+              <a:picLocks noChangeAspect="1"/>
+            </p:cNvPicPr>
+            <p:nvPr/>
+          </p:nvPicPr>
+          <p:blipFill>
+            <a:blip r:embed="rId6">
+              <a:extLst>
+                <a:ext uri="{28A0092B-C50C-407E-A947-70E740481C1C}">
+                  <a14:useLocalDpi xmlns:a14="http://schemas.microsoft.com/office/drawing/2010/main" val="0"/>
+                </a:ext>
+                <a:ext uri="{96DAC541-7B7A-43D3-8B79-37D633B846F1}">
+                  <asvg:svgBlip xmlns:asvg="http://schemas.microsoft.com/office/drawing/2016/SVG/main" r:embed="rId7"/>
+                </a:ext>
+              </a:extLst>
+            </a:blip>
+            <a:stretch>
+              <a:fillRect/>
+            </a:stretch>
+          </p:blipFill>
+          <p:spPr>
+            <a:xfrm>
+              <a:off x="4603359" y="2458798"/>
+              <a:ext cx="269217" cy="386613"/>
+            </a:xfrm>
+            <a:prstGeom prst="rect">
+              <a:avLst/>
+            </a:prstGeom>
+          </p:spPr>
+        </p:pic>
+        <p:pic>
+          <p:nvPicPr>
+            <p:cNvPr id="117" name="Graphic 116" descr="School boy outline">
+              <a:extLst>
+                <a:ext uri="{FF2B5EF4-FFF2-40B4-BE49-F238E27FC236}">
+                  <a16:creationId xmlns:a16="http://schemas.microsoft.com/office/drawing/2014/main" id="{9173A514-5413-D50C-02C7-23EA3D6DA191}"/>
+                </a:ext>
+              </a:extLst>
+            </p:cNvPr>
+            <p:cNvPicPr>
+              <a:picLocks noChangeAspect="1"/>
+            </p:cNvPicPr>
+            <p:nvPr/>
+          </p:nvPicPr>
+          <p:blipFill>
+            <a:blip r:embed="rId8">
+              <a:extLst>
+                <a:ext uri="{28A0092B-C50C-407E-A947-70E740481C1C}">
+                  <a14:useLocalDpi xmlns:a14="http://schemas.microsoft.com/office/drawing/2010/main" val="0"/>
+                </a:ext>
+                <a:ext uri="{96DAC541-7B7A-43D3-8B79-37D633B846F1}">
+                  <asvg:svgBlip xmlns:asvg="http://schemas.microsoft.com/office/drawing/2016/SVG/main" r:embed="rId9"/>
+                </a:ext>
+              </a:extLst>
+            </a:blip>
+            <a:stretch>
+              <a:fillRect/>
+            </a:stretch>
+          </p:blipFill>
+          <p:spPr>
+            <a:xfrm>
+              <a:off x="3304037" y="2472607"/>
+              <a:ext cx="643653" cy="728254"/>
+            </a:xfrm>
+            <a:prstGeom prst="rect">
+              <a:avLst/>
+            </a:prstGeom>
+          </p:spPr>
+        </p:pic>
+        <p:pic>
+          <p:nvPicPr>
+            <p:cNvPr id="118" name="Graphic 117" descr="Male outline">
+              <a:extLst>
+                <a:ext uri="{FF2B5EF4-FFF2-40B4-BE49-F238E27FC236}">
+                  <a16:creationId xmlns:a16="http://schemas.microsoft.com/office/drawing/2014/main" id="{3706654B-B7CB-C8AD-0460-FD7D7BA940B8}"/>
                 </a:ext>
               </a:extLst>
             </p:cNvPr>
@@ -9709,9 +8515,9 @@
             </a:stretch>
           </p:blipFill>
           <p:spPr>
-            <a:xfrm flipH="1">
-              <a:off x="6779584" y="4226316"/>
-              <a:ext cx="269216" cy="386613"/>
+            <a:xfrm>
+              <a:off x="3860845" y="2081721"/>
+              <a:ext cx="341901" cy="386841"/>
             </a:xfrm>
             <a:prstGeom prst="rect">
               <a:avLst/>
@@ -9720,10 +8526,10 @@
         </p:pic>
         <p:sp>
           <p:nvSpPr>
-            <p:cNvPr id="136" name="TextBox 135">
+            <p:cNvPr id="146" name="TextBox 145">
               <a:extLst>
                 <a:ext uri="{FF2B5EF4-FFF2-40B4-BE49-F238E27FC236}">
-                  <a16:creationId xmlns:a16="http://schemas.microsoft.com/office/drawing/2014/main" id="{67C2364F-B05D-539C-6020-6743D92C948F}"/>
+                  <a16:creationId xmlns:a16="http://schemas.microsoft.com/office/drawing/2014/main" id="{FC2CA765-BD84-DA34-F837-6DE8AC796591}"/>
                 </a:ext>
               </a:extLst>
             </p:cNvPr>
@@ -9732,7 +8538,7 @@
           </p:nvSpPr>
           <p:spPr>
             <a:xfrm>
-              <a:off x="7416189" y="4539384"/>
+              <a:off x="3891421" y="2735465"/>
               <a:ext cx="417980" cy="369332"/>
             </a:xfrm>
             <a:prstGeom prst="rect">
@@ -9747,10 +8553,186 @@
             <a:lstStyle/>
             <a:p>
               <a:r>
-                <a:rPr lang="en-US" dirty="0" err="1"/>
-                <a:t>Sh</a:t>
+                <a:rPr lang="en-US" dirty="0"/>
+                <a:t>S</a:t>
               </a:r>
-              <a:endParaRPr lang="en-US" dirty="0"/>
+            </a:p>
+          </p:txBody>
+        </p:sp>
+        <p:pic>
+          <p:nvPicPr>
+            <p:cNvPr id="124" name="Graphic 123" descr="Ear outline">
+              <a:extLst>
+                <a:ext uri="{FF2B5EF4-FFF2-40B4-BE49-F238E27FC236}">
+                  <a16:creationId xmlns:a16="http://schemas.microsoft.com/office/drawing/2014/main" id="{D8D8250F-CD03-56B2-C00F-5074C63BD0E6}"/>
+                </a:ext>
+              </a:extLst>
+            </p:cNvPr>
+            <p:cNvPicPr>
+              <a:picLocks noChangeAspect="1"/>
+            </p:cNvPicPr>
+            <p:nvPr/>
+          </p:nvPicPr>
+          <p:blipFill>
+            <a:blip r:embed="rId6">
+              <a:extLst>
+                <a:ext uri="{28A0092B-C50C-407E-A947-70E740481C1C}">
+                  <a14:useLocalDpi xmlns:a14="http://schemas.microsoft.com/office/drawing/2010/main" val="0"/>
+                </a:ext>
+                <a:ext uri="{96DAC541-7B7A-43D3-8B79-37D633B846F1}">
+                  <asvg:svgBlip xmlns:asvg="http://schemas.microsoft.com/office/drawing/2016/SVG/main" r:embed="rId7"/>
+                </a:ext>
+              </a:extLst>
+            </a:blip>
+            <a:stretch>
+              <a:fillRect/>
+            </a:stretch>
+          </p:blipFill>
+          <p:spPr>
+            <a:xfrm flipH="1">
+              <a:off x="3894956" y="2447292"/>
+              <a:ext cx="269216" cy="386613"/>
+            </a:xfrm>
+            <a:prstGeom prst="rect">
+              <a:avLst/>
+            </a:prstGeom>
+          </p:spPr>
+        </p:pic>
+        <p:pic>
+          <p:nvPicPr>
+            <p:cNvPr id="126" name="Graphic 125" descr="School girl outline">
+              <a:extLst>
+                <a:ext uri="{FF2B5EF4-FFF2-40B4-BE49-F238E27FC236}">
+                  <a16:creationId xmlns:a16="http://schemas.microsoft.com/office/drawing/2014/main" id="{DCA5DA57-934D-4CE6-8ABE-BD115025B810}"/>
+                </a:ext>
+              </a:extLst>
+            </p:cNvPr>
+            <p:cNvPicPr>
+              <a:picLocks noChangeAspect="1"/>
+            </p:cNvPicPr>
+            <p:nvPr/>
+          </p:nvPicPr>
+          <p:blipFill>
+            <a:blip r:embed="rId2">
+              <a:extLst>
+                <a:ext uri="{28A0092B-C50C-407E-A947-70E740481C1C}">
+                  <a14:useLocalDpi xmlns:a14="http://schemas.microsoft.com/office/drawing/2010/main" val="0"/>
+                </a:ext>
+                <a:ext uri="{96DAC541-7B7A-43D3-8B79-37D633B846F1}">
+                  <asvg:svgBlip xmlns:asvg="http://schemas.microsoft.com/office/drawing/2016/SVG/main" r:embed="rId3"/>
+                </a:ext>
+              </a:extLst>
+            </a:blip>
+            <a:stretch>
+              <a:fillRect/>
+            </a:stretch>
+          </p:blipFill>
+          <p:spPr>
+            <a:xfrm>
+              <a:off x="4814588" y="2503030"/>
+              <a:ext cx="643655" cy="728255"/>
+            </a:xfrm>
+            <a:prstGeom prst="rect">
+              <a:avLst/>
+            </a:prstGeom>
+          </p:spPr>
+        </p:pic>
+        <p:pic>
+          <p:nvPicPr>
+            <p:cNvPr id="127" name="Graphic 126" descr="Female outline">
+              <a:extLst>
+                <a:ext uri="{FF2B5EF4-FFF2-40B4-BE49-F238E27FC236}">
+                  <a16:creationId xmlns:a16="http://schemas.microsoft.com/office/drawing/2014/main" id="{F91F3E51-234F-DE01-0A71-3FB23C3AF3BB}"/>
+                </a:ext>
+              </a:extLst>
+            </p:cNvPr>
+            <p:cNvPicPr>
+              <a:picLocks noChangeAspect="1"/>
+            </p:cNvPicPr>
+            <p:nvPr/>
+          </p:nvPicPr>
+          <p:blipFill>
+            <a:blip r:embed="rId4">
+              <a:extLst>
+                <a:ext uri="{28A0092B-C50C-407E-A947-70E740481C1C}">
+                  <a14:useLocalDpi xmlns:a14="http://schemas.microsoft.com/office/drawing/2010/main" val="0"/>
+                </a:ext>
+                <a:ext uri="{96DAC541-7B7A-43D3-8B79-37D633B846F1}">
+                  <asvg:svgBlip xmlns:asvg="http://schemas.microsoft.com/office/drawing/2016/SVG/main" r:embed="rId5"/>
+                </a:ext>
+              </a:extLst>
+            </a:blip>
+            <a:stretch>
+              <a:fillRect/>
+            </a:stretch>
+          </p:blipFill>
+          <p:spPr>
+            <a:xfrm>
+              <a:off x="4579956" y="2114965"/>
+              <a:ext cx="312079" cy="353098"/>
+            </a:xfrm>
+            <a:prstGeom prst="rect">
+              <a:avLst/>
+            </a:prstGeom>
+          </p:spPr>
+        </p:pic>
+        <p:sp>
+          <p:nvSpPr>
+            <p:cNvPr id="128" name="Rectangle: Rounded Corners 127">
+              <a:extLst>
+                <a:ext uri="{FF2B5EF4-FFF2-40B4-BE49-F238E27FC236}">
+                  <a16:creationId xmlns:a16="http://schemas.microsoft.com/office/drawing/2014/main" id="{72E19DB9-8CC5-0E55-91BC-86EEA828D34A}"/>
+                </a:ext>
+              </a:extLst>
+            </p:cNvPr>
+            <p:cNvSpPr/>
+            <p:nvPr/>
+          </p:nvSpPr>
+          <p:spPr>
+            <a:xfrm>
+              <a:off x="4547578" y="2031460"/>
+              <a:ext cx="875776" cy="1101077"/>
+            </a:xfrm>
+            <a:prstGeom prst="roundRect">
+              <a:avLst/>
+            </a:prstGeom>
+            <a:noFill/>
+            <a:ln w="57150">
+              <a:solidFill>
+                <a:srgbClr val="77CEF9"/>
+              </a:solidFill>
+            </a:ln>
+          </p:spPr>
+          <p:style>
+            <a:lnRef idx="2">
+              <a:schemeClr val="accent1">
+                <a:shade val="50000"/>
+              </a:schemeClr>
+            </a:lnRef>
+            <a:fillRef idx="1">
+              <a:schemeClr val="accent1"/>
+            </a:fillRef>
+            <a:effectRef idx="0">
+              <a:schemeClr val="accent1"/>
+            </a:effectRef>
+            <a:fontRef idx="minor">
+              <a:schemeClr val="lt1"/>
+            </a:fontRef>
+          </p:style>
+          <p:txBody>
+            <a:bodyPr rot="0" spcFirstLastPara="0" vert="horz" wrap="square" lIns="91440" tIns="45720" rIns="91440" bIns="45720" numCol="1" spcCol="0" rtlCol="0" fromWordArt="0" anchor="ctr" anchorCtr="0" forceAA="0" compatLnSpc="1">
+              <a:prstTxWarp prst="textNoShape">
+                <a:avLst/>
+              </a:prstTxWarp>
+              <a:noAutofit/>
+            </a:bodyPr>
+            <a:lstStyle/>
+            <a:p>
+              <a:endParaRPr lang="en-US">
+                <a:solidFill>
+                  <a:srgbClr val="0CA7F4"/>
+                </a:solidFill>
+              </a:endParaRPr>
             </a:p>
           </p:txBody>
         </p:sp>
@@ -9768,7 +8750,7 @@
           </p:nvSpPr>
           <p:spPr>
             <a:xfrm>
-              <a:off x="7416189" y="5951765"/>
+              <a:off x="4555914" y="2727594"/>
               <a:ext cx="417980" cy="369332"/>
             </a:xfrm>
             <a:prstGeom prst="rect">
@@ -9791,406 +8773,6 @@
           </p:txBody>
         </p:sp>
       </p:grpSp>
-      <p:pic>
-        <p:nvPicPr>
-          <p:cNvPr id="19" name="Graphic 18" descr="School boy outline">
-            <a:extLst>
-              <a:ext uri="{FF2B5EF4-FFF2-40B4-BE49-F238E27FC236}">
-                <a16:creationId xmlns:a16="http://schemas.microsoft.com/office/drawing/2014/main" id="{BDCA181E-C06F-5211-B03D-EF5074EC4F44}"/>
-              </a:ext>
-            </a:extLst>
-          </p:cNvPr>
-          <p:cNvPicPr>
-            <a:picLocks noChangeAspect="1"/>
-          </p:cNvPicPr>
-          <p:nvPr/>
-        </p:nvPicPr>
-        <p:blipFill>
-          <a:blip r:embed="rId6">
-            <a:extLst>
-              <a:ext uri="{28A0092B-C50C-407E-A947-70E740481C1C}">
-                <a14:useLocalDpi xmlns:a14="http://schemas.microsoft.com/office/drawing/2010/main" val="0"/>
-              </a:ext>
-              <a:ext uri="{96DAC541-7B7A-43D3-8B79-37D633B846F1}">
-                <asvg:svgBlip xmlns:asvg="http://schemas.microsoft.com/office/drawing/2016/SVG/main" r:embed="rId7"/>
-              </a:ext>
-            </a:extLst>
-          </a:blip>
-          <a:stretch>
-            <a:fillRect/>
-          </a:stretch>
-        </p:blipFill>
-        <p:spPr>
-          <a:xfrm>
-            <a:off x="7653142" y="1028140"/>
-            <a:ext cx="643653" cy="728254"/>
-          </a:xfrm>
-          <a:prstGeom prst="rect">
-            <a:avLst/>
-          </a:prstGeom>
-        </p:spPr>
-      </p:pic>
-      <p:sp>
-        <p:nvSpPr>
-          <p:cNvPr id="20" name="Rectangle: Rounded Corners 19">
-            <a:extLst>
-              <a:ext uri="{FF2B5EF4-FFF2-40B4-BE49-F238E27FC236}">
-                <a16:creationId xmlns:a16="http://schemas.microsoft.com/office/drawing/2014/main" id="{59E83632-2674-F8F5-0E9D-612FC595F27B}"/>
-              </a:ext>
-            </a:extLst>
-          </p:cNvPr>
-          <p:cNvSpPr/>
-          <p:nvPr/>
-        </p:nvSpPr>
-        <p:spPr>
-          <a:xfrm>
-            <a:off x="7341073" y="577087"/>
-            <a:ext cx="875776" cy="1101077"/>
-          </a:xfrm>
-          <a:prstGeom prst="roundRect">
-            <a:avLst/>
-          </a:prstGeom>
-          <a:noFill/>
-          <a:ln w="57150">
-            <a:solidFill>
-              <a:srgbClr val="FFBE5F"/>
-            </a:solidFill>
-          </a:ln>
-        </p:spPr>
-        <p:style>
-          <a:lnRef idx="2">
-            <a:schemeClr val="accent1">
-              <a:shade val="50000"/>
-            </a:schemeClr>
-          </a:lnRef>
-          <a:fillRef idx="1">
-            <a:schemeClr val="accent1"/>
-          </a:fillRef>
-          <a:effectRef idx="0">
-            <a:schemeClr val="accent1"/>
-          </a:effectRef>
-          <a:fontRef idx="minor">
-            <a:schemeClr val="lt1"/>
-          </a:fontRef>
-        </p:style>
-        <p:txBody>
-          <a:bodyPr rot="0" spcFirstLastPara="0" vert="horz" wrap="square" lIns="91440" tIns="45720" rIns="91440" bIns="45720" numCol="1" spcCol="0" rtlCol="0" fromWordArt="0" anchor="ctr" anchorCtr="0" forceAA="0" compatLnSpc="1">
-            <a:prstTxWarp prst="textNoShape">
-              <a:avLst/>
-            </a:prstTxWarp>
-            <a:noAutofit/>
-          </a:bodyPr>
-          <a:lstStyle/>
-          <a:p>
-            <a:endParaRPr lang="en-US"/>
-          </a:p>
-        </p:txBody>
-      </p:sp>
-      <p:sp>
-        <p:nvSpPr>
-          <p:cNvPr id="22" name="Text Box 10">
-            <a:extLst>
-              <a:ext uri="{FF2B5EF4-FFF2-40B4-BE49-F238E27FC236}">
-                <a16:creationId xmlns:a16="http://schemas.microsoft.com/office/drawing/2014/main" id="{FF450F20-096B-0758-058A-46E515CA08B5}"/>
-              </a:ext>
-            </a:extLst>
-          </p:cNvPr>
-          <p:cNvSpPr txBox="1">
-            <a:spLocks noChangeArrowheads="1"/>
-          </p:cNvSpPr>
-          <p:nvPr/>
-        </p:nvSpPr>
-        <p:spPr bwMode="auto">
-          <a:xfrm>
-            <a:off x="7360609" y="1714258"/>
-            <a:ext cx="854299" cy="236247"/>
-          </a:xfrm>
-          <a:prstGeom prst="rect">
-            <a:avLst/>
-          </a:prstGeom>
-          <a:solidFill>
-            <a:srgbClr val="FFFFFF"/>
-          </a:solidFill>
-          <a:ln>
-            <a:noFill/>
-          </a:ln>
-          <a:extLst>
-            <a:ext uri="{91240B29-F687-4F45-9708-019B960494DF}">
-              <a14:hiddenLine xmlns:a14="http://schemas.microsoft.com/office/drawing/2010/main" w="6350">
-                <a:solidFill>
-                  <a:srgbClr val="000000"/>
-                </a:solidFill>
-                <a:miter lim="800000"/>
-                <a:headEnd/>
-                <a:tailEnd/>
-              </a14:hiddenLine>
-            </a:ext>
-          </a:extLst>
-        </p:spPr>
-        <p:txBody>
-          <a:bodyPr vert="horz" wrap="square" lIns="91440" tIns="45720" rIns="91440" bIns="45720" numCol="1" anchor="t" anchorCtr="0" compatLnSpc="1">
-            <a:prstTxWarp prst="textNoShape">
-              <a:avLst/>
-            </a:prstTxWarp>
-          </a:bodyPr>
-          <a:lstStyle/>
-          <a:p>
-            <a:pPr marL="0" marR="0" lvl="0" indent="0" algn="ctr" defTabSz="914400" rtl="0" eaLnBrk="0" fontAlgn="base" latinLnBrk="0" hangingPunct="0">
-              <a:lnSpc>
-                <a:spcPct val="100000"/>
-              </a:lnSpc>
-              <a:spcBef>
-                <a:spcPct val="0"/>
-              </a:spcBef>
-              <a:spcAft>
-                <a:spcPct val="0"/>
-              </a:spcAft>
-              <a:buClrTx/>
-              <a:buSzTx/>
-              <a:buFontTx/>
-              <a:buNone/>
-              <a:tabLst/>
-            </a:pPr>
-            <a:r>
-              <a:rPr kumimoji="0" lang="en-US" altLang="en-US" sz="1100" b="0" i="1" u="none" strike="noStrike" cap="none" normalizeH="0" baseline="0" dirty="0">
-                <a:ln>
-                  <a:noFill/>
-                </a:ln>
-                <a:solidFill>
-                  <a:schemeClr val="tx1"/>
-                </a:solidFill>
-                <a:effectLst/>
-                <a:latin typeface="Sylfaen" panose="010A0502050306030303" pitchFamily="18" charset="0"/>
-                <a:ea typeface="Calibri" panose="020F0502020204030204" pitchFamily="34" charset="0"/>
-                <a:cs typeface="Times New Roman" panose="02020603050405020304" pitchFamily="18" charset="0"/>
-              </a:rPr>
-              <a:t>Right</a:t>
-            </a:r>
-            <a:endParaRPr kumimoji="0" lang="en-US" altLang="en-US" sz="2400" b="0" i="0" u="none" strike="noStrike" cap="none" normalizeH="0" baseline="0" dirty="0">
-              <a:ln>
-                <a:noFill/>
-              </a:ln>
-              <a:solidFill>
-                <a:schemeClr val="tx1"/>
-              </a:solidFill>
-              <a:effectLst/>
-              <a:latin typeface="Arial" panose="020B0604020202020204" pitchFamily="34" charset="0"/>
-            </a:endParaRPr>
-          </a:p>
-        </p:txBody>
-      </p:sp>
-      <p:pic>
-        <p:nvPicPr>
-          <p:cNvPr id="17" name="Graphic 16" descr="Male outline">
-            <a:extLst>
-              <a:ext uri="{FF2B5EF4-FFF2-40B4-BE49-F238E27FC236}">
-                <a16:creationId xmlns:a16="http://schemas.microsoft.com/office/drawing/2014/main" id="{0474BA4F-5AD5-1215-2D75-03DC8E25B833}"/>
-              </a:ext>
-            </a:extLst>
-          </p:cNvPr>
-          <p:cNvPicPr>
-            <a:picLocks noChangeAspect="1"/>
-          </p:cNvPicPr>
-          <p:nvPr/>
-        </p:nvPicPr>
-        <p:blipFill>
-          <a:blip r:embed="rId8">
-            <a:extLst>
-              <a:ext uri="{28A0092B-C50C-407E-A947-70E740481C1C}">
-                <a14:useLocalDpi xmlns:a14="http://schemas.microsoft.com/office/drawing/2010/main" val="0"/>
-              </a:ext>
-              <a:ext uri="{96DAC541-7B7A-43D3-8B79-37D633B846F1}">
-                <asvg:svgBlip xmlns:asvg="http://schemas.microsoft.com/office/drawing/2016/SVG/main" r:embed="rId9"/>
-              </a:ext>
-            </a:extLst>
-          </a:blip>
-          <a:stretch>
-            <a:fillRect/>
-          </a:stretch>
-        </p:blipFill>
-        <p:spPr>
-          <a:xfrm>
-            <a:off x="7386104" y="625722"/>
-            <a:ext cx="341901" cy="386841"/>
-          </a:xfrm>
-          <a:prstGeom prst="rect">
-            <a:avLst/>
-          </a:prstGeom>
-        </p:spPr>
-      </p:pic>
-      <p:pic>
-        <p:nvPicPr>
-          <p:cNvPr id="18" name="Graphic 17" descr="Ear outline">
-            <a:extLst>
-              <a:ext uri="{FF2B5EF4-FFF2-40B4-BE49-F238E27FC236}">
-                <a16:creationId xmlns:a16="http://schemas.microsoft.com/office/drawing/2014/main" id="{F8960465-CA9B-E2C8-DB62-CF2D270A44FB}"/>
-              </a:ext>
-            </a:extLst>
-          </p:cNvPr>
-          <p:cNvPicPr>
-            <a:picLocks noChangeAspect="1"/>
-          </p:cNvPicPr>
-          <p:nvPr/>
-        </p:nvPicPr>
-        <p:blipFill>
-          <a:blip r:embed="rId10">
-            <a:extLst>
-              <a:ext uri="{28A0092B-C50C-407E-A947-70E740481C1C}">
-                <a14:useLocalDpi xmlns:a14="http://schemas.microsoft.com/office/drawing/2010/main" val="0"/>
-              </a:ext>
-              <a:ext uri="{96DAC541-7B7A-43D3-8B79-37D633B846F1}">
-                <asvg:svgBlip xmlns:asvg="http://schemas.microsoft.com/office/drawing/2016/SVG/main" r:embed="rId11"/>
-              </a:ext>
-            </a:extLst>
-          </a:blip>
-          <a:stretch>
-            <a:fillRect/>
-          </a:stretch>
-        </p:blipFill>
-        <p:spPr>
-          <a:xfrm flipH="1">
-            <a:off x="6730064" y="980059"/>
-            <a:ext cx="269216" cy="386613"/>
-          </a:xfrm>
-          <a:prstGeom prst="rect">
-            <a:avLst/>
-          </a:prstGeom>
-        </p:spPr>
-      </p:pic>
-      <p:pic>
-        <p:nvPicPr>
-          <p:cNvPr id="37" name="Graphic 36" descr="School girl outline">
-            <a:extLst>
-              <a:ext uri="{FF2B5EF4-FFF2-40B4-BE49-F238E27FC236}">
-                <a16:creationId xmlns:a16="http://schemas.microsoft.com/office/drawing/2014/main" id="{A64395DD-90CC-B0F2-F97F-3DABD99BFE83}"/>
-              </a:ext>
-            </a:extLst>
-          </p:cNvPr>
-          <p:cNvPicPr>
-            <a:picLocks noChangeAspect="1"/>
-          </p:cNvPicPr>
-          <p:nvPr/>
-        </p:nvPicPr>
-        <p:blipFill>
-          <a:blip r:embed="rId2">
-            <a:extLst>
-              <a:ext uri="{28A0092B-C50C-407E-A947-70E740481C1C}">
-                <a14:useLocalDpi xmlns:a14="http://schemas.microsoft.com/office/drawing/2010/main" val="0"/>
-              </a:ext>
-              <a:ext uri="{96DAC541-7B7A-43D3-8B79-37D633B846F1}">
-                <asvg:svgBlip xmlns:asvg="http://schemas.microsoft.com/office/drawing/2016/SVG/main" r:embed="rId3"/>
-              </a:ext>
-            </a:extLst>
-          </a:blip>
-          <a:stretch>
-            <a:fillRect/>
-          </a:stretch>
-        </p:blipFill>
-        <p:spPr>
-          <a:xfrm>
-            <a:off x="7589244" y="2482086"/>
-            <a:ext cx="643655" cy="728255"/>
-          </a:xfrm>
-          <a:prstGeom prst="rect">
-            <a:avLst/>
-          </a:prstGeom>
-        </p:spPr>
-      </p:pic>
-      <p:pic>
-        <p:nvPicPr>
-          <p:cNvPr id="40" name="Graphic 39" descr="Female outline">
-            <a:extLst>
-              <a:ext uri="{FF2B5EF4-FFF2-40B4-BE49-F238E27FC236}">
-                <a16:creationId xmlns:a16="http://schemas.microsoft.com/office/drawing/2014/main" id="{AD2AB4DD-E3A4-63F3-3C5A-98DEF1F92473}"/>
-              </a:ext>
-            </a:extLst>
-          </p:cNvPr>
-          <p:cNvPicPr>
-            <a:picLocks noChangeAspect="1"/>
-          </p:cNvPicPr>
-          <p:nvPr/>
-        </p:nvPicPr>
-        <p:blipFill>
-          <a:blip r:embed="rId4">
-            <a:extLst>
-              <a:ext uri="{28A0092B-C50C-407E-A947-70E740481C1C}">
-                <a14:useLocalDpi xmlns:a14="http://schemas.microsoft.com/office/drawing/2010/main" val="0"/>
-              </a:ext>
-              <a:ext uri="{96DAC541-7B7A-43D3-8B79-37D633B846F1}">
-                <asvg:svgBlip xmlns:asvg="http://schemas.microsoft.com/office/drawing/2016/SVG/main" r:embed="rId5"/>
-              </a:ext>
-            </a:extLst>
-          </a:blip>
-          <a:stretch>
-            <a:fillRect/>
-          </a:stretch>
-        </p:blipFill>
-        <p:spPr>
-          <a:xfrm>
-            <a:off x="7354612" y="2128988"/>
-            <a:ext cx="312079" cy="353098"/>
-          </a:xfrm>
-          <a:prstGeom prst="rect">
-            <a:avLst/>
-          </a:prstGeom>
-        </p:spPr>
-      </p:pic>
-      <p:sp>
-        <p:nvSpPr>
-          <p:cNvPr id="44" name="Rectangle: Rounded Corners 43">
-            <a:extLst>
-              <a:ext uri="{FF2B5EF4-FFF2-40B4-BE49-F238E27FC236}">
-                <a16:creationId xmlns:a16="http://schemas.microsoft.com/office/drawing/2014/main" id="{B762DA8C-CA3E-3F6C-679E-B9AED7A9E2B5}"/>
-              </a:ext>
-            </a:extLst>
-          </p:cNvPr>
-          <p:cNvSpPr/>
-          <p:nvPr/>
-        </p:nvSpPr>
-        <p:spPr>
-          <a:xfrm>
-            <a:off x="7322234" y="2045483"/>
-            <a:ext cx="875776" cy="1101077"/>
-          </a:xfrm>
-          <a:prstGeom prst="roundRect">
-            <a:avLst/>
-          </a:prstGeom>
-          <a:noFill/>
-          <a:ln w="57150">
-            <a:solidFill>
-              <a:srgbClr val="FFBE5F"/>
-            </a:solidFill>
-          </a:ln>
-        </p:spPr>
-        <p:style>
-          <a:lnRef idx="2">
-            <a:schemeClr val="accent1">
-              <a:shade val="50000"/>
-            </a:schemeClr>
-          </a:lnRef>
-          <a:fillRef idx="1">
-            <a:schemeClr val="accent1"/>
-          </a:fillRef>
-          <a:effectRef idx="0">
-            <a:schemeClr val="accent1"/>
-          </a:effectRef>
-          <a:fontRef idx="minor">
-            <a:schemeClr val="lt1"/>
-          </a:fontRef>
-        </p:style>
-        <p:txBody>
-          <a:bodyPr rot="0" spcFirstLastPara="0" vert="horz" wrap="square" lIns="91440" tIns="45720" rIns="91440" bIns="45720" numCol="1" spcCol="0" rtlCol="0" fromWordArt="0" anchor="ctr" anchorCtr="0" forceAA="0" compatLnSpc="1">
-            <a:prstTxWarp prst="textNoShape">
-              <a:avLst/>
-            </a:prstTxWarp>
-            <a:noAutofit/>
-          </a:bodyPr>
-          <a:lstStyle/>
-          <a:p>
-            <a:endParaRPr lang="en-US"/>
-          </a:p>
-        </p:txBody>
-      </p:sp>
       <p:sp>
         <p:nvSpPr>
           <p:cNvPr id="45" name="Text Box 10">
@@ -10284,117 +8866,1068 @@
           </a:p>
         </p:txBody>
       </p:sp>
-      <p:pic>
-        <p:nvPicPr>
-          <p:cNvPr id="47" name="Graphic 46" descr="Ear outline">
+      <p:grpSp>
+        <p:nvGrpSpPr>
+          <p:cNvPr id="10" name="Group 9">
             <a:extLst>
               <a:ext uri="{FF2B5EF4-FFF2-40B4-BE49-F238E27FC236}">
-                <a16:creationId xmlns:a16="http://schemas.microsoft.com/office/drawing/2014/main" id="{260942C0-61E5-0775-F0CA-45EF67C8EF65}"/>
+                <a16:creationId xmlns:a16="http://schemas.microsoft.com/office/drawing/2014/main" id="{55B8D87A-9E4E-F9FB-C200-92A82AD479C8}"/>
               </a:ext>
             </a:extLst>
           </p:cNvPr>
-          <p:cNvPicPr>
-            <a:picLocks noChangeAspect="1"/>
-          </p:cNvPicPr>
+          <p:cNvGrpSpPr/>
           <p:nvPr/>
-        </p:nvPicPr>
-        <p:blipFill>
-          <a:blip r:embed="rId10">
-            <a:extLst>
-              <a:ext uri="{28A0092B-C50C-407E-A947-70E740481C1C}">
-                <a14:useLocalDpi xmlns:a14="http://schemas.microsoft.com/office/drawing/2010/main" val="0"/>
-              </a:ext>
-              <a:ext uri="{96DAC541-7B7A-43D3-8B79-37D633B846F1}">
-                <asvg:svgBlip xmlns:asvg="http://schemas.microsoft.com/office/drawing/2016/SVG/main" r:embed="rId11"/>
-              </a:ext>
-            </a:extLst>
-          </a:blip>
-          <a:stretch>
-            <a:fillRect/>
-          </a:stretch>
-        </p:blipFill>
-        <p:spPr>
-          <a:xfrm flipH="1">
-            <a:off x="6685574" y="2423523"/>
-            <a:ext cx="269216" cy="386613"/>
+        </p:nvGrpSpPr>
+        <p:grpSpPr>
+          <a:xfrm>
+            <a:off x="6119411" y="3908511"/>
+            <a:ext cx="2156764" cy="1173270"/>
+            <a:chOff x="6076135" y="2040731"/>
+            <a:chExt cx="2156764" cy="1173270"/>
           </a:xfrm>
-          <a:prstGeom prst="rect">
-            <a:avLst/>
-          </a:prstGeom>
-        </p:spPr>
-      </p:pic>
-      <p:sp>
-        <p:nvSpPr>
-          <p:cNvPr id="141" name="TextBox 140">
+        </p:grpSpPr>
+        <p:pic>
+          <p:nvPicPr>
+            <p:cNvPr id="26" name="Graphic 25" descr="Ear outline">
+              <a:extLst>
+                <a:ext uri="{FF2B5EF4-FFF2-40B4-BE49-F238E27FC236}">
+                  <a16:creationId xmlns:a16="http://schemas.microsoft.com/office/drawing/2014/main" id="{772A603C-E5BD-E151-BFE9-C46BBB1F1752}"/>
+                </a:ext>
+              </a:extLst>
+            </p:cNvPr>
+            <p:cNvPicPr>
+              <a:picLocks noChangeAspect="1"/>
+            </p:cNvPicPr>
+            <p:nvPr/>
+          </p:nvPicPr>
+          <p:blipFill>
+            <a:blip r:embed="rId6">
+              <a:extLst>
+                <a:ext uri="{28A0092B-C50C-407E-A947-70E740481C1C}">
+                  <a14:useLocalDpi xmlns:a14="http://schemas.microsoft.com/office/drawing/2010/main" val="0"/>
+                </a:ext>
+                <a:ext uri="{96DAC541-7B7A-43D3-8B79-37D633B846F1}">
+                  <asvg:svgBlip xmlns:asvg="http://schemas.microsoft.com/office/drawing/2016/SVG/main" r:embed="rId7"/>
+                </a:ext>
+              </a:extLst>
+            </a:blip>
+            <a:stretch>
+              <a:fillRect/>
+            </a:stretch>
+          </p:blipFill>
+          <p:spPr>
+            <a:xfrm>
+              <a:off x="7363375" y="2458317"/>
+              <a:ext cx="269217" cy="386613"/>
+            </a:xfrm>
+            <a:prstGeom prst="rect">
+              <a:avLst/>
+            </a:prstGeom>
+          </p:spPr>
+        </p:pic>
+        <p:sp>
+          <p:nvSpPr>
+            <p:cNvPr id="38" name="Rectangle: Rounded Corners 37">
+              <a:extLst>
+                <a:ext uri="{FF2B5EF4-FFF2-40B4-BE49-F238E27FC236}">
+                  <a16:creationId xmlns:a16="http://schemas.microsoft.com/office/drawing/2014/main" id="{0BDB09A6-521B-418E-45BD-223711D7895B}"/>
+                </a:ext>
+              </a:extLst>
+            </p:cNvPr>
+            <p:cNvSpPr/>
+            <p:nvPr/>
+          </p:nvSpPr>
+          <p:spPr>
+            <a:xfrm>
+              <a:off x="6133809" y="2040731"/>
+              <a:ext cx="870528" cy="1101078"/>
+            </a:xfrm>
+            <a:prstGeom prst="roundRect">
+              <a:avLst/>
+            </a:prstGeom>
+            <a:noFill/>
+            <a:ln w="57150">
+              <a:solidFill>
+                <a:srgbClr val="77CEF9"/>
+              </a:solidFill>
+            </a:ln>
+          </p:spPr>
+          <p:style>
+            <a:lnRef idx="2">
+              <a:schemeClr val="accent1">
+                <a:shade val="50000"/>
+              </a:schemeClr>
+            </a:lnRef>
+            <a:fillRef idx="1">
+              <a:schemeClr val="accent1"/>
+            </a:fillRef>
+            <a:effectRef idx="0">
+              <a:schemeClr val="accent1"/>
+            </a:effectRef>
+            <a:fontRef idx="minor">
+              <a:schemeClr val="lt1"/>
+            </a:fontRef>
+          </p:style>
+          <p:txBody>
+            <a:bodyPr rot="0" spcFirstLastPara="0" vert="horz" wrap="square" lIns="91440" tIns="45720" rIns="91440" bIns="45720" numCol="1" spcCol="0" rtlCol="0" fromWordArt="0" anchor="ctr" anchorCtr="0" forceAA="0" compatLnSpc="1">
+              <a:prstTxWarp prst="textNoShape">
+                <a:avLst/>
+              </a:prstTxWarp>
+              <a:noAutofit/>
+            </a:bodyPr>
+            <a:lstStyle/>
+            <a:p>
+              <a:endParaRPr lang="en-US"/>
+            </a:p>
+          </p:txBody>
+        </p:sp>
+        <p:pic>
+          <p:nvPicPr>
+            <p:cNvPr id="43" name="Graphic 42" descr="School boy outline">
+              <a:extLst>
+                <a:ext uri="{FF2B5EF4-FFF2-40B4-BE49-F238E27FC236}">
+                  <a16:creationId xmlns:a16="http://schemas.microsoft.com/office/drawing/2014/main" id="{A57DA5AF-D29A-1B89-80D3-1948A4DD1705}"/>
+                </a:ext>
+              </a:extLst>
+            </p:cNvPr>
+            <p:cNvPicPr>
+              <a:picLocks noChangeAspect="1"/>
+            </p:cNvPicPr>
+            <p:nvPr/>
+          </p:nvPicPr>
+          <p:blipFill>
+            <a:blip r:embed="rId8">
+              <a:extLst>
+                <a:ext uri="{28A0092B-C50C-407E-A947-70E740481C1C}">
+                  <a14:useLocalDpi xmlns:a14="http://schemas.microsoft.com/office/drawing/2010/main" val="0"/>
+                </a:ext>
+                <a:ext uri="{96DAC541-7B7A-43D3-8B79-37D633B846F1}">
+                  <asvg:svgBlip xmlns:asvg="http://schemas.microsoft.com/office/drawing/2016/SVG/main" r:embed="rId9"/>
+                </a:ext>
+              </a:extLst>
+            </a:blip>
+            <a:stretch>
+              <a:fillRect/>
+            </a:stretch>
+          </p:blipFill>
+          <p:spPr>
+            <a:xfrm>
+              <a:off x="6076135" y="2485747"/>
+              <a:ext cx="643653" cy="728254"/>
+            </a:xfrm>
+            <a:prstGeom prst="rect">
+              <a:avLst/>
+            </a:prstGeom>
+          </p:spPr>
+        </p:pic>
+        <p:pic>
+          <p:nvPicPr>
+            <p:cNvPr id="46" name="Graphic 45" descr="Male outline">
+              <a:extLst>
+                <a:ext uri="{FF2B5EF4-FFF2-40B4-BE49-F238E27FC236}">
+                  <a16:creationId xmlns:a16="http://schemas.microsoft.com/office/drawing/2014/main" id="{82BB2EA1-7E94-E8E8-43D3-FF6FC1D98631}"/>
+                </a:ext>
+              </a:extLst>
+            </p:cNvPr>
+            <p:cNvPicPr>
+              <a:picLocks noChangeAspect="1"/>
+            </p:cNvPicPr>
+            <p:nvPr/>
+          </p:nvPicPr>
+          <p:blipFill>
+            <a:blip r:embed="rId10">
+              <a:extLst>
+                <a:ext uri="{28A0092B-C50C-407E-A947-70E740481C1C}">
+                  <a14:useLocalDpi xmlns:a14="http://schemas.microsoft.com/office/drawing/2010/main" val="0"/>
+                </a:ext>
+                <a:ext uri="{96DAC541-7B7A-43D3-8B79-37D633B846F1}">
+                  <asvg:svgBlip xmlns:asvg="http://schemas.microsoft.com/office/drawing/2016/SVG/main" r:embed="rId11"/>
+                </a:ext>
+              </a:extLst>
+            </a:blip>
+            <a:stretch>
+              <a:fillRect/>
+            </a:stretch>
+          </p:blipFill>
+          <p:spPr>
+            <a:xfrm>
+              <a:off x="6634920" y="2088165"/>
+              <a:ext cx="341901" cy="386841"/>
+            </a:xfrm>
+            <a:prstGeom prst="rect">
+              <a:avLst/>
+            </a:prstGeom>
+          </p:spPr>
+        </p:pic>
+        <p:sp>
+          <p:nvSpPr>
+            <p:cNvPr id="151" name="TextBox 150">
+              <a:extLst>
+                <a:ext uri="{FF2B5EF4-FFF2-40B4-BE49-F238E27FC236}">
+                  <a16:creationId xmlns:a16="http://schemas.microsoft.com/office/drawing/2014/main" id="{B382C1D2-E424-8B68-AB86-8074818326D0}"/>
+                </a:ext>
+              </a:extLst>
+            </p:cNvPr>
+            <p:cNvSpPr txBox="1"/>
+            <p:nvPr/>
+          </p:nvSpPr>
+          <p:spPr>
+            <a:xfrm>
+              <a:off x="6661357" y="2772263"/>
+              <a:ext cx="417980" cy="369332"/>
+            </a:xfrm>
+            <a:prstGeom prst="rect">
+              <a:avLst/>
+            </a:prstGeom>
+            <a:noFill/>
+          </p:spPr>
+          <p:txBody>
+            <a:bodyPr wrap="square" rtlCol="0">
+              <a:spAutoFit/>
+            </a:bodyPr>
+            <a:lstStyle/>
+            <a:p>
+              <a:r>
+                <a:rPr lang="en-US" dirty="0"/>
+                <a:t>S</a:t>
+              </a:r>
+            </a:p>
+          </p:txBody>
+        </p:sp>
+        <p:pic>
+          <p:nvPicPr>
+            <p:cNvPr id="37" name="Graphic 36" descr="School girl outline">
+              <a:extLst>
+                <a:ext uri="{FF2B5EF4-FFF2-40B4-BE49-F238E27FC236}">
+                  <a16:creationId xmlns:a16="http://schemas.microsoft.com/office/drawing/2014/main" id="{A64395DD-90CC-B0F2-F97F-3DABD99BFE83}"/>
+                </a:ext>
+              </a:extLst>
+            </p:cNvPr>
+            <p:cNvPicPr>
+              <a:picLocks noChangeAspect="1"/>
+            </p:cNvPicPr>
+            <p:nvPr/>
+          </p:nvPicPr>
+          <p:blipFill>
+            <a:blip r:embed="rId2">
+              <a:extLst>
+                <a:ext uri="{28A0092B-C50C-407E-A947-70E740481C1C}">
+                  <a14:useLocalDpi xmlns:a14="http://schemas.microsoft.com/office/drawing/2010/main" val="0"/>
+                </a:ext>
+                <a:ext uri="{96DAC541-7B7A-43D3-8B79-37D633B846F1}">
+                  <asvg:svgBlip xmlns:asvg="http://schemas.microsoft.com/office/drawing/2016/SVG/main" r:embed="rId3"/>
+                </a:ext>
+              </a:extLst>
+            </a:blip>
+            <a:stretch>
+              <a:fillRect/>
+            </a:stretch>
+          </p:blipFill>
+          <p:spPr>
+            <a:xfrm>
+              <a:off x="7589244" y="2482086"/>
+              <a:ext cx="643655" cy="728255"/>
+            </a:xfrm>
+            <a:prstGeom prst="rect">
+              <a:avLst/>
+            </a:prstGeom>
+          </p:spPr>
+        </p:pic>
+        <p:pic>
+          <p:nvPicPr>
+            <p:cNvPr id="40" name="Graphic 39" descr="Female outline">
+              <a:extLst>
+                <a:ext uri="{FF2B5EF4-FFF2-40B4-BE49-F238E27FC236}">
+                  <a16:creationId xmlns:a16="http://schemas.microsoft.com/office/drawing/2014/main" id="{AD2AB4DD-E3A4-63F3-3C5A-98DEF1F92473}"/>
+                </a:ext>
+              </a:extLst>
+            </p:cNvPr>
+            <p:cNvPicPr>
+              <a:picLocks noChangeAspect="1"/>
+            </p:cNvPicPr>
+            <p:nvPr/>
+          </p:nvPicPr>
+          <p:blipFill>
+            <a:blip r:embed="rId4">
+              <a:extLst>
+                <a:ext uri="{28A0092B-C50C-407E-A947-70E740481C1C}">
+                  <a14:useLocalDpi xmlns:a14="http://schemas.microsoft.com/office/drawing/2010/main" val="0"/>
+                </a:ext>
+                <a:ext uri="{96DAC541-7B7A-43D3-8B79-37D633B846F1}">
+                  <asvg:svgBlip xmlns:asvg="http://schemas.microsoft.com/office/drawing/2016/SVG/main" r:embed="rId5"/>
+                </a:ext>
+              </a:extLst>
+            </a:blip>
+            <a:stretch>
+              <a:fillRect/>
+            </a:stretch>
+          </p:blipFill>
+          <p:spPr>
+            <a:xfrm>
+              <a:off x="7354612" y="2128988"/>
+              <a:ext cx="312079" cy="353098"/>
+            </a:xfrm>
+            <a:prstGeom prst="rect">
+              <a:avLst/>
+            </a:prstGeom>
+          </p:spPr>
+        </p:pic>
+        <p:sp>
+          <p:nvSpPr>
+            <p:cNvPr id="44" name="Rectangle: Rounded Corners 43">
+              <a:extLst>
+                <a:ext uri="{FF2B5EF4-FFF2-40B4-BE49-F238E27FC236}">
+                  <a16:creationId xmlns:a16="http://schemas.microsoft.com/office/drawing/2014/main" id="{B762DA8C-CA3E-3F6C-679E-B9AED7A9E2B5}"/>
+                </a:ext>
+              </a:extLst>
+            </p:cNvPr>
+            <p:cNvSpPr/>
+            <p:nvPr/>
+          </p:nvSpPr>
+          <p:spPr>
+            <a:xfrm>
+              <a:off x="7322234" y="2045483"/>
+              <a:ext cx="875776" cy="1101077"/>
+            </a:xfrm>
+            <a:prstGeom prst="roundRect">
+              <a:avLst/>
+            </a:prstGeom>
+            <a:noFill/>
+            <a:ln w="57150">
+              <a:solidFill>
+                <a:srgbClr val="FFBE5F"/>
+              </a:solidFill>
+            </a:ln>
+          </p:spPr>
+          <p:style>
+            <a:lnRef idx="2">
+              <a:schemeClr val="accent1">
+                <a:shade val="50000"/>
+              </a:schemeClr>
+            </a:lnRef>
+            <a:fillRef idx="1">
+              <a:schemeClr val="accent1"/>
+            </a:fillRef>
+            <a:effectRef idx="0">
+              <a:schemeClr val="accent1"/>
+            </a:effectRef>
+            <a:fontRef idx="minor">
+              <a:schemeClr val="lt1"/>
+            </a:fontRef>
+          </p:style>
+          <p:txBody>
+            <a:bodyPr rot="0" spcFirstLastPara="0" vert="horz" wrap="square" lIns="91440" tIns="45720" rIns="91440" bIns="45720" numCol="1" spcCol="0" rtlCol="0" fromWordArt="0" anchor="ctr" anchorCtr="0" forceAA="0" compatLnSpc="1">
+              <a:prstTxWarp prst="textNoShape">
+                <a:avLst/>
+              </a:prstTxWarp>
+              <a:noAutofit/>
+            </a:bodyPr>
+            <a:lstStyle/>
+            <a:p>
+              <a:endParaRPr lang="en-US"/>
+            </a:p>
+          </p:txBody>
+        </p:sp>
+        <p:pic>
+          <p:nvPicPr>
+            <p:cNvPr id="47" name="Graphic 46" descr="Ear outline">
+              <a:extLst>
+                <a:ext uri="{FF2B5EF4-FFF2-40B4-BE49-F238E27FC236}">
+                  <a16:creationId xmlns:a16="http://schemas.microsoft.com/office/drawing/2014/main" id="{260942C0-61E5-0775-F0CA-45EF67C8EF65}"/>
+                </a:ext>
+              </a:extLst>
+            </p:cNvPr>
+            <p:cNvPicPr>
+              <a:picLocks noChangeAspect="1"/>
+            </p:cNvPicPr>
+            <p:nvPr/>
+          </p:nvPicPr>
+          <p:blipFill>
+            <a:blip r:embed="rId6">
+              <a:extLst>
+                <a:ext uri="{28A0092B-C50C-407E-A947-70E740481C1C}">
+                  <a14:useLocalDpi xmlns:a14="http://schemas.microsoft.com/office/drawing/2010/main" val="0"/>
+                </a:ext>
+                <a:ext uri="{96DAC541-7B7A-43D3-8B79-37D633B846F1}">
+                  <asvg:svgBlip xmlns:asvg="http://schemas.microsoft.com/office/drawing/2016/SVG/main" r:embed="rId7"/>
+                </a:ext>
+              </a:extLst>
+            </a:blip>
+            <a:stretch>
+              <a:fillRect/>
+            </a:stretch>
+          </p:blipFill>
+          <p:spPr>
+            <a:xfrm flipH="1">
+              <a:off x="6685574" y="2423523"/>
+              <a:ext cx="269216" cy="386613"/>
+            </a:xfrm>
+            <a:prstGeom prst="rect">
+              <a:avLst/>
+            </a:prstGeom>
+          </p:spPr>
+        </p:pic>
+        <p:sp>
+          <p:nvSpPr>
+            <p:cNvPr id="141" name="TextBox 140">
+              <a:extLst>
+                <a:ext uri="{FF2B5EF4-FFF2-40B4-BE49-F238E27FC236}">
+                  <a16:creationId xmlns:a16="http://schemas.microsoft.com/office/drawing/2014/main" id="{8F2523D3-4F2C-712C-E99D-8A03D973780E}"/>
+                </a:ext>
+              </a:extLst>
+            </p:cNvPr>
+            <p:cNvSpPr txBox="1"/>
+            <p:nvPr/>
+          </p:nvSpPr>
+          <p:spPr>
+            <a:xfrm>
+              <a:off x="7310025" y="2769095"/>
+              <a:ext cx="417980" cy="369332"/>
+            </a:xfrm>
+            <a:prstGeom prst="rect">
+              <a:avLst/>
+            </a:prstGeom>
+            <a:noFill/>
+          </p:spPr>
+          <p:txBody>
+            <a:bodyPr wrap="square" rtlCol="0">
+              <a:spAutoFit/>
+            </a:bodyPr>
+            <a:lstStyle/>
+            <a:p>
+              <a:r>
+                <a:rPr lang="en-US" dirty="0" err="1"/>
+                <a:t>Sh</a:t>
+              </a:r>
+              <a:endParaRPr lang="en-US" dirty="0"/>
+            </a:p>
+          </p:txBody>
+        </p:sp>
+      </p:grpSp>
+      <p:grpSp>
+        <p:nvGrpSpPr>
+          <p:cNvPr id="11" name="Group 10">
             <a:extLst>
               <a:ext uri="{FF2B5EF4-FFF2-40B4-BE49-F238E27FC236}">
-                <a16:creationId xmlns:a16="http://schemas.microsoft.com/office/drawing/2014/main" id="{8F2523D3-4F2C-712C-E99D-8A03D973780E}"/>
+                <a16:creationId xmlns:a16="http://schemas.microsoft.com/office/drawing/2014/main" id="{4FD52BB6-1875-0713-58EB-48FC1727E213}"/>
               </a:ext>
             </a:extLst>
           </p:cNvPr>
-          <p:cNvSpPr txBox="1"/>
+          <p:cNvGrpSpPr/>
           <p:nvPr/>
-        </p:nvSpPr>
-        <p:spPr>
+        </p:nvGrpSpPr>
+        <p:grpSpPr>
           <a:xfrm>
-            <a:off x="7310025" y="2769095"/>
-            <a:ext cx="417980" cy="369332"/>
+            <a:off x="6119411" y="5322205"/>
+            <a:ext cx="2192708" cy="1391599"/>
+            <a:chOff x="6104087" y="577087"/>
+            <a:chExt cx="2192708" cy="1391599"/>
           </a:xfrm>
-          <a:prstGeom prst="rect">
-            <a:avLst/>
-          </a:prstGeom>
-          <a:noFill/>
-        </p:spPr>
-        <p:txBody>
-          <a:bodyPr wrap="square" rtlCol="0">
-            <a:spAutoFit/>
-          </a:bodyPr>
-          <a:lstStyle/>
-          <a:p>
-            <a:r>
-              <a:rPr lang="en-US" dirty="0" err="1"/>
-              <a:t>Sh</a:t>
-            </a:r>
-            <a:endParaRPr lang="en-US" dirty="0"/>
-          </a:p>
-        </p:txBody>
-      </p:sp>
-      <p:sp>
-        <p:nvSpPr>
-          <p:cNvPr id="142" name="TextBox 141">
+        </p:grpSpPr>
+        <p:pic>
+          <p:nvPicPr>
+            <p:cNvPr id="27" name="Graphic 26" descr="School girl outline">
+              <a:extLst>
+                <a:ext uri="{FF2B5EF4-FFF2-40B4-BE49-F238E27FC236}">
+                  <a16:creationId xmlns:a16="http://schemas.microsoft.com/office/drawing/2014/main" id="{82CAC99A-B2F1-FB36-B3A3-03062D33FFC9}"/>
+                </a:ext>
+              </a:extLst>
+            </p:cNvPr>
+            <p:cNvPicPr>
+              <a:picLocks noChangeAspect="1"/>
+            </p:cNvPicPr>
+            <p:nvPr/>
+          </p:nvPicPr>
+          <p:blipFill>
+            <a:blip r:embed="rId2">
+              <a:extLst>
+                <a:ext uri="{28A0092B-C50C-407E-A947-70E740481C1C}">
+                  <a14:useLocalDpi xmlns:a14="http://schemas.microsoft.com/office/drawing/2010/main" val="0"/>
+                </a:ext>
+                <a:ext uri="{96DAC541-7B7A-43D3-8B79-37D633B846F1}">
+                  <asvg:svgBlip xmlns:asvg="http://schemas.microsoft.com/office/drawing/2016/SVG/main" r:embed="rId3"/>
+                </a:ext>
+              </a:extLst>
+            </a:blip>
+            <a:stretch>
+              <a:fillRect/>
+            </a:stretch>
+          </p:blipFill>
+          <p:spPr>
+            <a:xfrm>
+              <a:off x="6104087" y="1040629"/>
+              <a:ext cx="643655" cy="728255"/>
+            </a:xfrm>
+            <a:prstGeom prst="rect">
+              <a:avLst/>
+            </a:prstGeom>
+          </p:spPr>
+        </p:pic>
+        <p:sp>
+          <p:nvSpPr>
+            <p:cNvPr id="28" name="Rectangle: Rounded Corners 27">
+              <a:extLst>
+                <a:ext uri="{FF2B5EF4-FFF2-40B4-BE49-F238E27FC236}">
+                  <a16:creationId xmlns:a16="http://schemas.microsoft.com/office/drawing/2014/main" id="{4EE775F9-26BB-4BB1-2DA0-8F31CA5E2C88}"/>
+                </a:ext>
+              </a:extLst>
+            </p:cNvPr>
+            <p:cNvSpPr/>
+            <p:nvPr/>
+          </p:nvSpPr>
+          <p:spPr>
+            <a:xfrm>
+              <a:off x="6161498" y="585159"/>
+              <a:ext cx="870528" cy="1101078"/>
+            </a:xfrm>
+            <a:prstGeom prst="roundRect">
+              <a:avLst/>
+            </a:prstGeom>
+            <a:noFill/>
+            <a:ln w="57150">
+              <a:solidFill>
+                <a:srgbClr val="77CEF9"/>
+              </a:solidFill>
+            </a:ln>
+          </p:spPr>
+          <p:style>
+            <a:lnRef idx="2">
+              <a:schemeClr val="accent1">
+                <a:shade val="50000"/>
+              </a:schemeClr>
+            </a:lnRef>
+            <a:fillRef idx="1">
+              <a:schemeClr val="accent1"/>
+            </a:fillRef>
+            <a:effectRef idx="0">
+              <a:schemeClr val="accent1"/>
+            </a:effectRef>
+            <a:fontRef idx="minor">
+              <a:schemeClr val="lt1"/>
+            </a:fontRef>
+          </p:style>
+          <p:txBody>
+            <a:bodyPr rot="0" spcFirstLastPara="0" vert="horz" wrap="square" lIns="91440" tIns="45720" rIns="91440" bIns="45720" numCol="1" spcCol="0" rtlCol="0" fromWordArt="0" anchor="ctr" anchorCtr="0" forceAA="0" compatLnSpc="1">
+              <a:prstTxWarp prst="textNoShape">
+                <a:avLst/>
+              </a:prstTxWarp>
+              <a:noAutofit/>
+            </a:bodyPr>
+            <a:lstStyle/>
+            <a:p>
+              <a:endParaRPr lang="en-US"/>
+            </a:p>
+          </p:txBody>
+        </p:sp>
+        <p:sp>
+          <p:nvSpPr>
+            <p:cNvPr id="30" name="Text Box 11">
+              <a:extLst>
+                <a:ext uri="{FF2B5EF4-FFF2-40B4-BE49-F238E27FC236}">
+                  <a16:creationId xmlns:a16="http://schemas.microsoft.com/office/drawing/2014/main" id="{75828B6E-9426-E84C-5CAB-419704E0E75F}"/>
+                </a:ext>
+              </a:extLst>
+            </p:cNvPr>
+            <p:cNvSpPr txBox="1">
+              <a:spLocks noChangeArrowheads="1"/>
+            </p:cNvSpPr>
+            <p:nvPr/>
+          </p:nvSpPr>
+          <p:spPr bwMode="auto">
+            <a:xfrm>
+              <a:off x="6172668" y="1732438"/>
+              <a:ext cx="854301" cy="236248"/>
+            </a:xfrm>
+            <a:prstGeom prst="rect">
+              <a:avLst/>
+            </a:prstGeom>
+            <a:solidFill>
+              <a:srgbClr val="FFFFFF"/>
+            </a:solidFill>
+            <a:ln>
+              <a:noFill/>
+            </a:ln>
             <a:extLst>
-              <a:ext uri="{FF2B5EF4-FFF2-40B4-BE49-F238E27FC236}">
-                <a16:creationId xmlns:a16="http://schemas.microsoft.com/office/drawing/2014/main" id="{EEB53B44-BDFD-ED42-B7B4-FBA3F053D865}"/>
+              <a:ext uri="{91240B29-F687-4F45-9708-019B960494DF}">
+                <a14:hiddenLine xmlns:a14="http://schemas.microsoft.com/office/drawing/2010/main" w="6350">
+                  <a:solidFill>
+                    <a:srgbClr val="000000"/>
+                  </a:solidFill>
+                  <a:miter lim="800000"/>
+                  <a:headEnd/>
+                  <a:tailEnd/>
+                </a14:hiddenLine>
               </a:ext>
             </a:extLst>
-          </p:cNvPr>
-          <p:cNvSpPr txBox="1"/>
-          <p:nvPr/>
-        </p:nvSpPr>
-        <p:spPr>
-          <a:xfrm>
-            <a:off x="7332583" y="1293475"/>
-            <a:ext cx="417980" cy="369332"/>
-          </a:xfrm>
-          <a:prstGeom prst="rect">
-            <a:avLst/>
-          </a:prstGeom>
-          <a:noFill/>
-        </p:spPr>
-        <p:txBody>
-          <a:bodyPr wrap="square" rtlCol="0">
-            <a:spAutoFit/>
-          </a:bodyPr>
-          <a:lstStyle/>
-          <a:p>
-            <a:r>
-              <a:rPr lang="en-US" dirty="0" err="1"/>
-              <a:t>Sh</a:t>
-            </a:r>
-            <a:endParaRPr lang="en-US" dirty="0"/>
-          </a:p>
-        </p:txBody>
-      </p:sp>
+          </p:spPr>
+          <p:txBody>
+            <a:bodyPr vert="horz" wrap="square" lIns="91440" tIns="45720" rIns="91440" bIns="45720" numCol="1" anchor="t" anchorCtr="0" compatLnSpc="1">
+              <a:prstTxWarp prst="textNoShape">
+                <a:avLst/>
+              </a:prstTxWarp>
+            </a:bodyPr>
+            <a:lstStyle/>
+            <a:p>
+              <a:pPr marL="0" marR="0" lvl="0" indent="0" algn="ctr" defTabSz="914400" rtl="0" eaLnBrk="0" fontAlgn="base" latinLnBrk="0" hangingPunct="0">
+                <a:lnSpc>
+                  <a:spcPct val="100000"/>
+                </a:lnSpc>
+                <a:spcBef>
+                  <a:spcPct val="0"/>
+                </a:spcBef>
+                <a:spcAft>
+                  <a:spcPct val="0"/>
+                </a:spcAft>
+                <a:buClrTx/>
+                <a:buSzTx/>
+                <a:buFontTx/>
+                <a:buNone/>
+                <a:tabLst/>
+              </a:pPr>
+              <a:r>
+                <a:rPr kumimoji="0" lang="en-US" altLang="en-US" sz="1100" b="0" i="1" u="none" strike="noStrike" cap="none" normalizeH="0" baseline="0" dirty="0">
+                  <a:ln>
+                    <a:noFill/>
+                  </a:ln>
+                  <a:solidFill>
+                    <a:schemeClr val="tx1"/>
+                  </a:solidFill>
+                  <a:effectLst/>
+                  <a:latin typeface="Sylfaen" panose="010A0502050306030303" pitchFamily="18" charset="0"/>
+                  <a:ea typeface="Calibri" panose="020F0502020204030204" pitchFamily="34" charset="0"/>
+                  <a:cs typeface="Times New Roman" panose="02020603050405020304" pitchFamily="18" charset="0"/>
+                </a:rPr>
+                <a:t>Left</a:t>
+              </a:r>
+              <a:endParaRPr kumimoji="0" lang="en-US" altLang="en-US" sz="2400" b="0" i="0" u="none" strike="noStrike" cap="none" normalizeH="0" baseline="0" dirty="0">
+                <a:ln>
+                  <a:noFill/>
+                </a:ln>
+                <a:solidFill>
+                  <a:schemeClr val="tx1"/>
+                </a:solidFill>
+                <a:effectLst/>
+                <a:latin typeface="Arial" panose="020B0604020202020204" pitchFamily="34" charset="0"/>
+              </a:endParaRPr>
+            </a:p>
+          </p:txBody>
+        </p:sp>
+        <p:pic>
+          <p:nvPicPr>
+            <p:cNvPr id="25" name="Graphic 24" descr="Female outline">
+              <a:extLst>
+                <a:ext uri="{FF2B5EF4-FFF2-40B4-BE49-F238E27FC236}">
+                  <a16:creationId xmlns:a16="http://schemas.microsoft.com/office/drawing/2014/main" id="{FE5BD8DF-3660-7AE1-0083-D312771FB1DC}"/>
+                </a:ext>
+              </a:extLst>
+            </p:cNvPr>
+            <p:cNvPicPr>
+              <a:picLocks noChangeAspect="1"/>
+            </p:cNvPicPr>
+            <p:nvPr/>
+          </p:nvPicPr>
+          <p:blipFill>
+            <a:blip r:embed="rId4">
+              <a:extLst>
+                <a:ext uri="{28A0092B-C50C-407E-A947-70E740481C1C}">
+                  <a14:useLocalDpi xmlns:a14="http://schemas.microsoft.com/office/drawing/2010/main" val="0"/>
+                </a:ext>
+                <a:ext uri="{96DAC541-7B7A-43D3-8B79-37D633B846F1}">
+                  <asvg:svgBlip xmlns:asvg="http://schemas.microsoft.com/office/drawing/2016/SVG/main" r:embed="rId5"/>
+                </a:ext>
+              </a:extLst>
+            </a:blip>
+            <a:stretch>
+              <a:fillRect/>
+            </a:stretch>
+          </p:blipFill>
+          <p:spPr>
+            <a:xfrm>
+              <a:off x="6706226" y="625728"/>
+              <a:ext cx="312079" cy="353098"/>
+            </a:xfrm>
+            <a:prstGeom prst="rect">
+              <a:avLst/>
+            </a:prstGeom>
+          </p:spPr>
+        </p:pic>
+        <p:pic>
+          <p:nvPicPr>
+            <p:cNvPr id="41" name="Graphic 40" descr="Ear outline">
+              <a:extLst>
+                <a:ext uri="{FF2B5EF4-FFF2-40B4-BE49-F238E27FC236}">
+                  <a16:creationId xmlns:a16="http://schemas.microsoft.com/office/drawing/2014/main" id="{FA108A50-0C6F-603B-F8E1-E72C2662BDB1}"/>
+                </a:ext>
+              </a:extLst>
+            </p:cNvPr>
+            <p:cNvPicPr>
+              <a:picLocks noChangeAspect="1"/>
+            </p:cNvPicPr>
+            <p:nvPr/>
+          </p:nvPicPr>
+          <p:blipFill>
+            <a:blip r:embed="rId6">
+              <a:extLst>
+                <a:ext uri="{28A0092B-C50C-407E-A947-70E740481C1C}">
+                  <a14:useLocalDpi xmlns:a14="http://schemas.microsoft.com/office/drawing/2010/main" val="0"/>
+                </a:ext>
+                <a:ext uri="{96DAC541-7B7A-43D3-8B79-37D633B846F1}">
+                  <asvg:svgBlip xmlns:asvg="http://schemas.microsoft.com/office/drawing/2016/SVG/main" r:embed="rId7"/>
+                </a:ext>
+              </a:extLst>
+            </a:blip>
+            <a:stretch>
+              <a:fillRect/>
+            </a:stretch>
+          </p:blipFill>
+          <p:spPr>
+            <a:xfrm>
+              <a:off x="7397474" y="972718"/>
+              <a:ext cx="269217" cy="386613"/>
+            </a:xfrm>
+            <a:prstGeom prst="rect">
+              <a:avLst/>
+            </a:prstGeom>
+          </p:spPr>
+        </p:pic>
+        <p:sp>
+          <p:nvSpPr>
+            <p:cNvPr id="147" name="TextBox 146">
+              <a:extLst>
+                <a:ext uri="{FF2B5EF4-FFF2-40B4-BE49-F238E27FC236}">
+                  <a16:creationId xmlns:a16="http://schemas.microsoft.com/office/drawing/2014/main" id="{8D123442-2CED-F4A0-6055-43799CBFD57F}"/>
+                </a:ext>
+              </a:extLst>
+            </p:cNvPr>
+            <p:cNvSpPr txBox="1"/>
+            <p:nvPr/>
+          </p:nvSpPr>
+          <p:spPr>
+            <a:xfrm>
+              <a:off x="6705647" y="1314787"/>
+              <a:ext cx="417980" cy="369332"/>
+            </a:xfrm>
+            <a:prstGeom prst="rect">
+              <a:avLst/>
+            </a:prstGeom>
+            <a:noFill/>
+          </p:spPr>
+          <p:txBody>
+            <a:bodyPr wrap="square" rtlCol="0">
+              <a:spAutoFit/>
+            </a:bodyPr>
+            <a:lstStyle/>
+            <a:p>
+              <a:r>
+                <a:rPr lang="en-US" dirty="0"/>
+                <a:t>S</a:t>
+              </a:r>
+            </a:p>
+          </p:txBody>
+        </p:sp>
+        <p:pic>
+          <p:nvPicPr>
+            <p:cNvPr id="19" name="Graphic 18" descr="School boy outline">
+              <a:extLst>
+                <a:ext uri="{FF2B5EF4-FFF2-40B4-BE49-F238E27FC236}">
+                  <a16:creationId xmlns:a16="http://schemas.microsoft.com/office/drawing/2014/main" id="{BDCA181E-C06F-5211-B03D-EF5074EC4F44}"/>
+                </a:ext>
+              </a:extLst>
+            </p:cNvPr>
+            <p:cNvPicPr>
+              <a:picLocks noChangeAspect="1"/>
+            </p:cNvPicPr>
+            <p:nvPr/>
+          </p:nvPicPr>
+          <p:blipFill>
+            <a:blip r:embed="rId8">
+              <a:extLst>
+                <a:ext uri="{28A0092B-C50C-407E-A947-70E740481C1C}">
+                  <a14:useLocalDpi xmlns:a14="http://schemas.microsoft.com/office/drawing/2010/main" val="0"/>
+                </a:ext>
+                <a:ext uri="{96DAC541-7B7A-43D3-8B79-37D633B846F1}">
+                  <asvg:svgBlip xmlns:asvg="http://schemas.microsoft.com/office/drawing/2016/SVG/main" r:embed="rId9"/>
+                </a:ext>
+              </a:extLst>
+            </a:blip>
+            <a:stretch>
+              <a:fillRect/>
+            </a:stretch>
+          </p:blipFill>
+          <p:spPr>
+            <a:xfrm>
+              <a:off x="7653142" y="1028140"/>
+              <a:ext cx="643653" cy="728254"/>
+            </a:xfrm>
+            <a:prstGeom prst="rect">
+              <a:avLst/>
+            </a:prstGeom>
+          </p:spPr>
+        </p:pic>
+        <p:sp>
+          <p:nvSpPr>
+            <p:cNvPr id="20" name="Rectangle: Rounded Corners 19">
+              <a:extLst>
+                <a:ext uri="{FF2B5EF4-FFF2-40B4-BE49-F238E27FC236}">
+                  <a16:creationId xmlns:a16="http://schemas.microsoft.com/office/drawing/2014/main" id="{59E83632-2674-F8F5-0E9D-612FC595F27B}"/>
+                </a:ext>
+              </a:extLst>
+            </p:cNvPr>
+            <p:cNvSpPr/>
+            <p:nvPr/>
+          </p:nvSpPr>
+          <p:spPr>
+            <a:xfrm>
+              <a:off x="7341073" y="577087"/>
+              <a:ext cx="875776" cy="1101077"/>
+            </a:xfrm>
+            <a:prstGeom prst="roundRect">
+              <a:avLst/>
+            </a:prstGeom>
+            <a:noFill/>
+            <a:ln w="57150">
+              <a:solidFill>
+                <a:srgbClr val="FFBE5F"/>
+              </a:solidFill>
+            </a:ln>
+          </p:spPr>
+          <p:style>
+            <a:lnRef idx="2">
+              <a:schemeClr val="accent1">
+                <a:shade val="50000"/>
+              </a:schemeClr>
+            </a:lnRef>
+            <a:fillRef idx="1">
+              <a:schemeClr val="accent1"/>
+            </a:fillRef>
+            <a:effectRef idx="0">
+              <a:schemeClr val="accent1"/>
+            </a:effectRef>
+            <a:fontRef idx="minor">
+              <a:schemeClr val="lt1"/>
+            </a:fontRef>
+          </p:style>
+          <p:txBody>
+            <a:bodyPr rot="0" spcFirstLastPara="0" vert="horz" wrap="square" lIns="91440" tIns="45720" rIns="91440" bIns="45720" numCol="1" spcCol="0" rtlCol="0" fromWordArt="0" anchor="ctr" anchorCtr="0" forceAA="0" compatLnSpc="1">
+              <a:prstTxWarp prst="textNoShape">
+                <a:avLst/>
+              </a:prstTxWarp>
+              <a:noAutofit/>
+            </a:bodyPr>
+            <a:lstStyle/>
+            <a:p>
+              <a:endParaRPr lang="en-US"/>
+            </a:p>
+          </p:txBody>
+        </p:sp>
+        <p:sp>
+          <p:nvSpPr>
+            <p:cNvPr id="22" name="Text Box 10">
+              <a:extLst>
+                <a:ext uri="{FF2B5EF4-FFF2-40B4-BE49-F238E27FC236}">
+                  <a16:creationId xmlns:a16="http://schemas.microsoft.com/office/drawing/2014/main" id="{FF450F20-096B-0758-058A-46E515CA08B5}"/>
+                </a:ext>
+              </a:extLst>
+            </p:cNvPr>
+            <p:cNvSpPr txBox="1">
+              <a:spLocks noChangeArrowheads="1"/>
+            </p:cNvSpPr>
+            <p:nvPr/>
+          </p:nvSpPr>
+          <p:spPr bwMode="auto">
+            <a:xfrm>
+              <a:off x="7360609" y="1714258"/>
+              <a:ext cx="854299" cy="236247"/>
+            </a:xfrm>
+            <a:prstGeom prst="rect">
+              <a:avLst/>
+            </a:prstGeom>
+            <a:solidFill>
+              <a:srgbClr val="FFFFFF"/>
+            </a:solidFill>
+            <a:ln>
+              <a:noFill/>
+            </a:ln>
+            <a:extLst>
+              <a:ext uri="{91240B29-F687-4F45-9708-019B960494DF}">
+                <a14:hiddenLine xmlns:a14="http://schemas.microsoft.com/office/drawing/2010/main" w="6350">
+                  <a:solidFill>
+                    <a:srgbClr val="000000"/>
+                  </a:solidFill>
+                  <a:miter lim="800000"/>
+                  <a:headEnd/>
+                  <a:tailEnd/>
+                </a14:hiddenLine>
+              </a:ext>
+            </a:extLst>
+          </p:spPr>
+          <p:txBody>
+            <a:bodyPr vert="horz" wrap="square" lIns="91440" tIns="45720" rIns="91440" bIns="45720" numCol="1" anchor="t" anchorCtr="0" compatLnSpc="1">
+              <a:prstTxWarp prst="textNoShape">
+                <a:avLst/>
+              </a:prstTxWarp>
+            </a:bodyPr>
+            <a:lstStyle/>
+            <a:p>
+              <a:pPr marL="0" marR="0" lvl="0" indent="0" algn="ctr" defTabSz="914400" rtl="0" eaLnBrk="0" fontAlgn="base" latinLnBrk="0" hangingPunct="0">
+                <a:lnSpc>
+                  <a:spcPct val="100000"/>
+                </a:lnSpc>
+                <a:spcBef>
+                  <a:spcPct val="0"/>
+                </a:spcBef>
+                <a:spcAft>
+                  <a:spcPct val="0"/>
+                </a:spcAft>
+                <a:buClrTx/>
+                <a:buSzTx/>
+                <a:buFontTx/>
+                <a:buNone/>
+                <a:tabLst/>
+              </a:pPr>
+              <a:r>
+                <a:rPr kumimoji="0" lang="en-US" altLang="en-US" sz="1100" b="0" i="1" u="none" strike="noStrike" cap="none" normalizeH="0" baseline="0" dirty="0">
+                  <a:ln>
+                    <a:noFill/>
+                  </a:ln>
+                  <a:solidFill>
+                    <a:schemeClr val="tx1"/>
+                  </a:solidFill>
+                  <a:effectLst/>
+                  <a:latin typeface="Sylfaen" panose="010A0502050306030303" pitchFamily="18" charset="0"/>
+                  <a:ea typeface="Calibri" panose="020F0502020204030204" pitchFamily="34" charset="0"/>
+                  <a:cs typeface="Times New Roman" panose="02020603050405020304" pitchFamily="18" charset="0"/>
+                </a:rPr>
+                <a:t>Right</a:t>
+              </a:r>
+              <a:endParaRPr kumimoji="0" lang="en-US" altLang="en-US" sz="2400" b="0" i="0" u="none" strike="noStrike" cap="none" normalizeH="0" baseline="0" dirty="0">
+                <a:ln>
+                  <a:noFill/>
+                </a:ln>
+                <a:solidFill>
+                  <a:schemeClr val="tx1"/>
+                </a:solidFill>
+                <a:effectLst/>
+                <a:latin typeface="Arial" panose="020B0604020202020204" pitchFamily="34" charset="0"/>
+              </a:endParaRPr>
+            </a:p>
+          </p:txBody>
+        </p:sp>
+        <p:pic>
+          <p:nvPicPr>
+            <p:cNvPr id="17" name="Graphic 16" descr="Male outline">
+              <a:extLst>
+                <a:ext uri="{FF2B5EF4-FFF2-40B4-BE49-F238E27FC236}">
+                  <a16:creationId xmlns:a16="http://schemas.microsoft.com/office/drawing/2014/main" id="{0474BA4F-5AD5-1215-2D75-03DC8E25B833}"/>
+                </a:ext>
+              </a:extLst>
+            </p:cNvPr>
+            <p:cNvPicPr>
+              <a:picLocks noChangeAspect="1"/>
+            </p:cNvPicPr>
+            <p:nvPr/>
+          </p:nvPicPr>
+          <p:blipFill>
+            <a:blip r:embed="rId10">
+              <a:extLst>
+                <a:ext uri="{28A0092B-C50C-407E-A947-70E740481C1C}">
+                  <a14:useLocalDpi xmlns:a14="http://schemas.microsoft.com/office/drawing/2010/main" val="0"/>
+                </a:ext>
+                <a:ext uri="{96DAC541-7B7A-43D3-8B79-37D633B846F1}">
+                  <asvg:svgBlip xmlns:asvg="http://schemas.microsoft.com/office/drawing/2016/SVG/main" r:embed="rId11"/>
+                </a:ext>
+              </a:extLst>
+            </a:blip>
+            <a:stretch>
+              <a:fillRect/>
+            </a:stretch>
+          </p:blipFill>
+          <p:spPr>
+            <a:xfrm>
+              <a:off x="7386104" y="625722"/>
+              <a:ext cx="341901" cy="386841"/>
+            </a:xfrm>
+            <a:prstGeom prst="rect">
+              <a:avLst/>
+            </a:prstGeom>
+          </p:spPr>
+        </p:pic>
+        <p:pic>
+          <p:nvPicPr>
+            <p:cNvPr id="18" name="Graphic 17" descr="Ear outline">
+              <a:extLst>
+                <a:ext uri="{FF2B5EF4-FFF2-40B4-BE49-F238E27FC236}">
+                  <a16:creationId xmlns:a16="http://schemas.microsoft.com/office/drawing/2014/main" id="{F8960465-CA9B-E2C8-DB62-CF2D270A44FB}"/>
+                </a:ext>
+              </a:extLst>
+            </p:cNvPr>
+            <p:cNvPicPr>
+              <a:picLocks noChangeAspect="1"/>
+            </p:cNvPicPr>
+            <p:nvPr/>
+          </p:nvPicPr>
+          <p:blipFill>
+            <a:blip r:embed="rId6">
+              <a:extLst>
+                <a:ext uri="{28A0092B-C50C-407E-A947-70E740481C1C}">
+                  <a14:useLocalDpi xmlns:a14="http://schemas.microsoft.com/office/drawing/2010/main" val="0"/>
+                </a:ext>
+                <a:ext uri="{96DAC541-7B7A-43D3-8B79-37D633B846F1}">
+                  <asvg:svgBlip xmlns:asvg="http://schemas.microsoft.com/office/drawing/2016/SVG/main" r:embed="rId7"/>
+                </a:ext>
+              </a:extLst>
+            </a:blip>
+            <a:stretch>
+              <a:fillRect/>
+            </a:stretch>
+          </p:blipFill>
+          <p:spPr>
+            <a:xfrm flipH="1">
+              <a:off x="6730064" y="980059"/>
+              <a:ext cx="269216" cy="386613"/>
+            </a:xfrm>
+            <a:prstGeom prst="rect">
+              <a:avLst/>
+            </a:prstGeom>
+          </p:spPr>
+        </p:pic>
+        <p:sp>
+          <p:nvSpPr>
+            <p:cNvPr id="142" name="TextBox 141">
+              <a:extLst>
+                <a:ext uri="{FF2B5EF4-FFF2-40B4-BE49-F238E27FC236}">
+                  <a16:creationId xmlns:a16="http://schemas.microsoft.com/office/drawing/2014/main" id="{EEB53B44-BDFD-ED42-B7B4-FBA3F053D865}"/>
+                </a:ext>
+              </a:extLst>
+            </p:cNvPr>
+            <p:cNvSpPr txBox="1"/>
+            <p:nvPr/>
+          </p:nvSpPr>
+          <p:spPr>
+            <a:xfrm>
+              <a:off x="7332583" y="1293475"/>
+              <a:ext cx="417980" cy="369332"/>
+            </a:xfrm>
+            <a:prstGeom prst="rect">
+              <a:avLst/>
+            </a:prstGeom>
+            <a:noFill/>
+          </p:spPr>
+          <p:txBody>
+            <a:bodyPr wrap="square" rtlCol="0">
+              <a:spAutoFit/>
+            </a:bodyPr>
+            <a:lstStyle/>
+            <a:p>
+              <a:r>
+                <a:rPr lang="en-US" dirty="0" err="1"/>
+                <a:t>Sh</a:t>
+              </a:r>
+              <a:endParaRPr lang="en-US" dirty="0"/>
+            </a:p>
+          </p:txBody>
+        </p:sp>
+      </p:grpSp>
       <p:cxnSp>
         <p:nvCxnSpPr>
           <p:cNvPr id="156" name="Straight Connector 155">
@@ -10440,99 +9973,6 @@
           </a:fontRef>
         </p:style>
       </p:cxnSp>
-      <p:sp>
-        <p:nvSpPr>
-          <p:cNvPr id="91" name="Text Box 11">
-            <a:extLst>
-              <a:ext uri="{FF2B5EF4-FFF2-40B4-BE49-F238E27FC236}">
-                <a16:creationId xmlns:a16="http://schemas.microsoft.com/office/drawing/2014/main" id="{6ABD6580-77ED-4342-766B-3442DA2AD050}"/>
-              </a:ext>
-            </a:extLst>
-          </p:cNvPr>
-          <p:cNvSpPr txBox="1">
-            <a:spLocks noChangeArrowheads="1"/>
-          </p:cNvSpPr>
-          <p:nvPr/>
-        </p:nvSpPr>
-        <p:spPr bwMode="auto">
-          <a:xfrm>
-            <a:off x="6189460" y="6493466"/>
-            <a:ext cx="854301" cy="236248"/>
-          </a:xfrm>
-          <a:prstGeom prst="rect">
-            <a:avLst/>
-          </a:prstGeom>
-          <a:solidFill>
-            <a:srgbClr val="FFFFFF"/>
-          </a:solidFill>
-          <a:ln>
-            <a:noFill/>
-          </a:ln>
-          <a:extLst>
-            <a:ext uri="{91240B29-F687-4F45-9708-019B960494DF}">
-              <a14:hiddenLine xmlns:a14="http://schemas.microsoft.com/office/drawing/2010/main" w="6350">
-                <a:solidFill>
-                  <a:srgbClr val="000000"/>
-                </a:solidFill>
-                <a:miter lim="800000"/>
-                <a:headEnd/>
-                <a:tailEnd/>
-              </a14:hiddenLine>
-            </a:ext>
-          </a:extLst>
-        </p:spPr>
-        <p:txBody>
-          <a:bodyPr vert="horz" wrap="square" lIns="91440" tIns="45720" rIns="91440" bIns="45720" numCol="1" anchor="t" anchorCtr="0" compatLnSpc="1">
-            <a:prstTxWarp prst="textNoShape">
-              <a:avLst/>
-            </a:prstTxWarp>
-          </a:bodyPr>
-          <a:lstStyle/>
-          <a:p>
-            <a:pPr marL="0" marR="0" lvl="0" indent="0" algn="ctr" defTabSz="914400" rtl="0" eaLnBrk="0" fontAlgn="base" latinLnBrk="0" hangingPunct="0">
-              <a:lnSpc>
-                <a:spcPct val="100000"/>
-              </a:lnSpc>
-              <a:spcBef>
-                <a:spcPct val="0"/>
-              </a:spcBef>
-              <a:spcAft>
-                <a:spcPct val="0"/>
-              </a:spcAft>
-              <a:buClrTx/>
-              <a:buSzTx/>
-              <a:buFontTx/>
-              <a:buNone/>
-              <a:tabLst/>
-            </a:pPr>
-            <a:r>
-              <a:rPr kumimoji="0" lang="en-US" altLang="en-US" sz="1100" b="0" i="1" u="none" strike="noStrike" cap="none" normalizeH="0" baseline="0" dirty="0">
-                <a:ln>
-                  <a:noFill/>
-                </a:ln>
-                <a:solidFill>
-                  <a:schemeClr val="tx1"/>
-                </a:solidFill>
-                <a:effectLst/>
-                <a:latin typeface="Sylfaen" panose="010A0502050306030303" pitchFamily="18" charset="0"/>
-                <a:ea typeface="Calibri" panose="020F0502020204030204" pitchFamily="34" charset="0"/>
-                <a:cs typeface="Times New Roman" panose="02020603050405020304" pitchFamily="18" charset="0"/>
-              </a:rPr>
-              <a:t>Left</a:t>
-            </a:r>
-            <a:endParaRPr kumimoji="0" lang="en-US" altLang="en-US" sz="2400" b="0" i="0" u="none" strike="noStrike" cap="none" normalizeH="0" baseline="0" dirty="0">
-              <a:ln>
-                <a:noFill/>
-              </a:ln>
-              <a:solidFill>
-                <a:schemeClr val="tx1"/>
-              </a:solidFill>
-              <a:effectLst/>
-              <a:latin typeface="Arial" panose="020B0604020202020204" pitchFamily="34" charset="0"/>
-            </a:endParaRPr>
-          </a:p>
-        </p:txBody>
-      </p:sp>
       <p:sp>
         <p:nvSpPr>
           <p:cNvPr id="133" name="Text Box 10">
@@ -10612,90 +10052,12 @@
           </a:p>
         </p:txBody>
       </p:sp>
-      <p:pic>
-        <p:nvPicPr>
-          <p:cNvPr id="68" name="Graphic 67" descr="Ear outline">
+      <p:grpSp>
+        <p:nvGrpSpPr>
+          <p:cNvPr id="9" name="Group 8">
             <a:extLst>
               <a:ext uri="{FF2B5EF4-FFF2-40B4-BE49-F238E27FC236}">
-                <a16:creationId xmlns:a16="http://schemas.microsoft.com/office/drawing/2014/main" id="{175051AB-D9E9-5909-7DA9-AC9D45F177E6}"/>
-              </a:ext>
-            </a:extLst>
-          </p:cNvPr>
-          <p:cNvPicPr>
-            <a:picLocks noChangeAspect="1"/>
-          </p:cNvPicPr>
-          <p:nvPr/>
-        </p:nvPicPr>
-        <p:blipFill>
-          <a:blip r:embed="rId10">
-            <a:extLst>
-              <a:ext uri="{28A0092B-C50C-407E-A947-70E740481C1C}">
-                <a14:useLocalDpi xmlns:a14="http://schemas.microsoft.com/office/drawing/2010/main" val="0"/>
-              </a:ext>
-              <a:ext uri="{96DAC541-7B7A-43D3-8B79-37D633B846F1}">
-                <asvg:svgBlip xmlns:asvg="http://schemas.microsoft.com/office/drawing/2016/SVG/main" r:embed="rId11"/>
-              </a:ext>
-            </a:extLst>
-          </a:blip>
-          <a:stretch>
-            <a:fillRect/>
-          </a:stretch>
-        </p:blipFill>
-        <p:spPr>
-          <a:xfrm flipH="1">
-            <a:off x="3973173" y="5688118"/>
-            <a:ext cx="269216" cy="386613"/>
-          </a:xfrm>
-          <a:prstGeom prst="rect">
-            <a:avLst/>
-          </a:prstGeom>
-        </p:spPr>
-      </p:pic>
-      <p:pic>
-        <p:nvPicPr>
-          <p:cNvPr id="63" name="Graphic 62" descr="Ear outline">
-            <a:extLst>
-              <a:ext uri="{FF2B5EF4-FFF2-40B4-BE49-F238E27FC236}">
-                <a16:creationId xmlns:a16="http://schemas.microsoft.com/office/drawing/2014/main" id="{DFD820C5-8FFD-CE19-0EAE-8C4B130ABBD9}"/>
-              </a:ext>
-            </a:extLst>
-          </p:cNvPr>
-          <p:cNvPicPr>
-            <a:picLocks noChangeAspect="1"/>
-          </p:cNvPicPr>
-          <p:nvPr/>
-        </p:nvPicPr>
-        <p:blipFill>
-          <a:blip r:embed="rId10">
-            <a:extLst>
-              <a:ext uri="{28A0092B-C50C-407E-A947-70E740481C1C}">
-                <a14:useLocalDpi xmlns:a14="http://schemas.microsoft.com/office/drawing/2010/main" val="0"/>
-              </a:ext>
-              <a:ext uri="{96DAC541-7B7A-43D3-8B79-37D633B846F1}">
-                <asvg:svgBlip xmlns:asvg="http://schemas.microsoft.com/office/drawing/2016/SVG/main" r:embed="rId11"/>
-              </a:ext>
-            </a:extLst>
-          </a:blip>
-          <a:stretch>
-            <a:fillRect/>
-          </a:stretch>
-        </p:blipFill>
-        <p:spPr>
-          <a:xfrm flipH="1">
-            <a:off x="3978506" y="4218657"/>
-            <a:ext cx="269216" cy="386613"/>
-          </a:xfrm>
-          <a:prstGeom prst="rect">
-            <a:avLst/>
-          </a:prstGeom>
-        </p:spPr>
-      </p:pic>
-      <p:grpSp>
-        <p:nvGrpSpPr>
-          <p:cNvPr id="177" name="Group 176">
-            <a:extLst>
-              <a:ext uri="{FF2B5EF4-FFF2-40B4-BE49-F238E27FC236}">
-                <a16:creationId xmlns:a16="http://schemas.microsoft.com/office/drawing/2014/main" id="{9E6C8043-1F45-E6D9-5CB2-13E38C687D9C}"/>
+                <a16:creationId xmlns:a16="http://schemas.microsoft.com/office/drawing/2014/main" id="{7BE980D1-A70D-DF3A-391F-B3B0629F9D37}"/>
               </a:ext>
             </a:extLst>
           </p:cNvPr>
@@ -10704,18 +10066,18 @@
         </p:nvGrpSpPr>
         <p:grpSpPr>
           <a:xfrm>
-            <a:off x="4582958" y="3826619"/>
-            <a:ext cx="955722" cy="2830446"/>
-            <a:chOff x="4583002" y="3859947"/>
-            <a:chExt cx="955722" cy="2830446"/>
+            <a:off x="3393221" y="2039569"/>
+            <a:ext cx="2154047" cy="1393855"/>
+            <a:chOff x="3384633" y="3806182"/>
+            <a:chExt cx="2154047" cy="1393855"/>
           </a:xfrm>
         </p:grpSpPr>
         <p:pic>
           <p:nvPicPr>
-            <p:cNvPr id="73" name="Graphic 72" descr="Ear outline">
+            <p:cNvPr id="69" name="Graphic 68" descr="School girl outline">
               <a:extLst>
                 <a:ext uri="{FF2B5EF4-FFF2-40B4-BE49-F238E27FC236}">
-                  <a16:creationId xmlns:a16="http://schemas.microsoft.com/office/drawing/2014/main" id="{AB455F97-C03D-E46D-23DF-69902486AAC2}"/>
+                  <a16:creationId xmlns:a16="http://schemas.microsoft.com/office/drawing/2014/main" id="{E7D62FCF-DFA3-DB0E-36B0-E6F3ECC8CFB2}"/>
                 </a:ext>
               </a:extLst>
             </p:cNvPr>
@@ -10725,13 +10087,13 @@
             <p:nvPr/>
           </p:nvPicPr>
           <p:blipFill>
-            <a:blip r:embed="rId10">
+            <a:blip r:embed="rId2">
               <a:extLst>
                 <a:ext uri="{28A0092B-C50C-407E-A947-70E740481C1C}">
                   <a14:useLocalDpi xmlns:a14="http://schemas.microsoft.com/office/drawing/2010/main" val="0"/>
                 </a:ext>
                 <a:ext uri="{96DAC541-7B7A-43D3-8B79-37D633B846F1}">
-                  <asvg:svgBlip xmlns:asvg="http://schemas.microsoft.com/office/drawing/2016/SVG/main" r:embed="rId11"/>
+                  <asvg:svgBlip xmlns:asvg="http://schemas.microsoft.com/office/drawing/2016/SVG/main" r:embed="rId3"/>
                 </a:ext>
               </a:extLst>
             </a:blip>
@@ -10741,8 +10103,271 @@
           </p:blipFill>
           <p:spPr>
             <a:xfrm>
-              <a:off x="4659329" y="4265971"/>
-              <a:ext cx="269217" cy="386613"/>
+              <a:off x="3384633" y="4261652"/>
+              <a:ext cx="643655" cy="728255"/>
+            </a:xfrm>
+            <a:prstGeom prst="rect">
+              <a:avLst/>
+            </a:prstGeom>
+          </p:spPr>
+        </p:pic>
+        <p:sp>
+          <p:nvSpPr>
+            <p:cNvPr id="70" name="Rectangle: Rounded Corners 69">
+              <a:extLst>
+                <a:ext uri="{FF2B5EF4-FFF2-40B4-BE49-F238E27FC236}">
+                  <a16:creationId xmlns:a16="http://schemas.microsoft.com/office/drawing/2014/main" id="{E9B7D53F-7A2B-DBD5-A90A-BC6D406C8CD9}"/>
+                </a:ext>
+              </a:extLst>
+            </p:cNvPr>
+            <p:cNvSpPr/>
+            <p:nvPr/>
+          </p:nvSpPr>
+          <p:spPr>
+            <a:xfrm>
+              <a:off x="3442044" y="3806182"/>
+              <a:ext cx="870528" cy="1101078"/>
+            </a:xfrm>
+            <a:prstGeom prst="roundRect">
+              <a:avLst/>
+            </a:prstGeom>
+            <a:noFill/>
+            <a:ln w="57150">
+              <a:solidFill>
+                <a:srgbClr val="FFBE5F"/>
+              </a:solidFill>
+            </a:ln>
+          </p:spPr>
+          <p:style>
+            <a:lnRef idx="2">
+              <a:schemeClr val="accent1">
+                <a:shade val="50000"/>
+              </a:schemeClr>
+            </a:lnRef>
+            <a:fillRef idx="1">
+              <a:schemeClr val="accent1"/>
+            </a:fillRef>
+            <a:effectRef idx="0">
+              <a:schemeClr val="accent1"/>
+            </a:effectRef>
+            <a:fontRef idx="minor">
+              <a:schemeClr val="lt1"/>
+            </a:fontRef>
+          </p:style>
+          <p:txBody>
+            <a:bodyPr rot="0" spcFirstLastPara="0" vert="horz" wrap="square" lIns="91440" tIns="45720" rIns="91440" bIns="45720" numCol="1" spcCol="0" rtlCol="0" fromWordArt="0" anchor="ctr" anchorCtr="0" forceAA="0" compatLnSpc="1">
+              <a:prstTxWarp prst="textNoShape">
+                <a:avLst/>
+              </a:prstTxWarp>
+              <a:noAutofit/>
+            </a:bodyPr>
+            <a:lstStyle/>
+            <a:p>
+              <a:endParaRPr lang="en-US"/>
+            </a:p>
+          </p:txBody>
+        </p:sp>
+        <p:sp>
+          <p:nvSpPr>
+            <p:cNvPr id="71" name="Text Box 11">
+              <a:extLst>
+                <a:ext uri="{FF2B5EF4-FFF2-40B4-BE49-F238E27FC236}">
+                  <a16:creationId xmlns:a16="http://schemas.microsoft.com/office/drawing/2014/main" id="{74F6E23D-639D-881E-E82F-4112E28448D2}"/>
+                </a:ext>
+              </a:extLst>
+            </p:cNvPr>
+            <p:cNvSpPr txBox="1">
+              <a:spLocks noChangeArrowheads="1"/>
+            </p:cNvSpPr>
+            <p:nvPr/>
+          </p:nvSpPr>
+          <p:spPr bwMode="auto">
+            <a:xfrm>
+              <a:off x="3453214" y="4953461"/>
+              <a:ext cx="854301" cy="236248"/>
+            </a:xfrm>
+            <a:prstGeom prst="rect">
+              <a:avLst/>
+            </a:prstGeom>
+            <a:solidFill>
+              <a:srgbClr val="FFFFFF"/>
+            </a:solidFill>
+            <a:ln>
+              <a:noFill/>
+            </a:ln>
+            <a:extLst>
+              <a:ext uri="{91240B29-F687-4F45-9708-019B960494DF}">
+                <a14:hiddenLine xmlns:a14="http://schemas.microsoft.com/office/drawing/2010/main" w="6350">
+                  <a:solidFill>
+                    <a:srgbClr val="000000"/>
+                  </a:solidFill>
+                  <a:miter lim="800000"/>
+                  <a:headEnd/>
+                  <a:tailEnd/>
+                </a14:hiddenLine>
+              </a:ext>
+            </a:extLst>
+          </p:spPr>
+          <p:txBody>
+            <a:bodyPr vert="horz" wrap="square" lIns="91440" tIns="45720" rIns="91440" bIns="45720" numCol="1" anchor="t" anchorCtr="0" compatLnSpc="1">
+              <a:prstTxWarp prst="textNoShape">
+                <a:avLst/>
+              </a:prstTxWarp>
+            </a:bodyPr>
+            <a:lstStyle/>
+            <a:p>
+              <a:pPr marL="0" marR="0" lvl="0" indent="0" algn="ctr" defTabSz="914400" rtl="0" eaLnBrk="0" fontAlgn="base" latinLnBrk="0" hangingPunct="0">
+                <a:lnSpc>
+                  <a:spcPct val="100000"/>
+                </a:lnSpc>
+                <a:spcBef>
+                  <a:spcPct val="0"/>
+                </a:spcBef>
+                <a:spcAft>
+                  <a:spcPct val="0"/>
+                </a:spcAft>
+                <a:buClrTx/>
+                <a:buSzTx/>
+                <a:buFontTx/>
+                <a:buNone/>
+                <a:tabLst/>
+              </a:pPr>
+              <a:r>
+                <a:rPr kumimoji="0" lang="en-US" altLang="en-US" sz="1100" b="0" i="1" u="none" strike="noStrike" cap="none" normalizeH="0" baseline="0" dirty="0">
+                  <a:ln>
+                    <a:noFill/>
+                  </a:ln>
+                  <a:solidFill>
+                    <a:schemeClr val="tx1"/>
+                  </a:solidFill>
+                  <a:effectLst/>
+                  <a:latin typeface="Sylfaen" panose="010A0502050306030303" pitchFamily="18" charset="0"/>
+                  <a:ea typeface="Calibri" panose="020F0502020204030204" pitchFamily="34" charset="0"/>
+                  <a:cs typeface="Times New Roman" panose="02020603050405020304" pitchFamily="18" charset="0"/>
+                </a:rPr>
+                <a:t>Left</a:t>
+              </a:r>
+              <a:endParaRPr kumimoji="0" lang="en-US" altLang="en-US" sz="2400" b="0" i="0" u="none" strike="noStrike" cap="none" normalizeH="0" baseline="0" dirty="0">
+                <a:ln>
+                  <a:noFill/>
+                </a:ln>
+                <a:solidFill>
+                  <a:schemeClr val="tx1"/>
+                </a:solidFill>
+                <a:effectLst/>
+                <a:latin typeface="Arial" panose="020B0604020202020204" pitchFamily="34" charset="0"/>
+              </a:endParaRPr>
+            </a:p>
+          </p:txBody>
+        </p:sp>
+        <p:pic>
+          <p:nvPicPr>
+            <p:cNvPr id="72" name="Graphic 71" descr="Female outline">
+              <a:extLst>
+                <a:ext uri="{FF2B5EF4-FFF2-40B4-BE49-F238E27FC236}">
+                  <a16:creationId xmlns:a16="http://schemas.microsoft.com/office/drawing/2014/main" id="{FC2CBA89-06DD-2B40-71D4-C923F0C6F2B1}"/>
+                </a:ext>
+              </a:extLst>
+            </p:cNvPr>
+            <p:cNvPicPr>
+              <a:picLocks noChangeAspect="1"/>
+            </p:cNvPicPr>
+            <p:nvPr/>
+          </p:nvPicPr>
+          <p:blipFill>
+            <a:blip r:embed="rId4">
+              <a:extLst>
+                <a:ext uri="{28A0092B-C50C-407E-A947-70E740481C1C}">
+                  <a14:useLocalDpi xmlns:a14="http://schemas.microsoft.com/office/drawing/2010/main" val="0"/>
+                </a:ext>
+                <a:ext uri="{96DAC541-7B7A-43D3-8B79-37D633B846F1}">
+                  <asvg:svgBlip xmlns:asvg="http://schemas.microsoft.com/office/drawing/2016/SVG/main" r:embed="rId5"/>
+                </a:ext>
+              </a:extLst>
+            </a:blip>
+            <a:stretch>
+              <a:fillRect/>
+            </a:stretch>
+          </p:blipFill>
+          <p:spPr>
+            <a:xfrm>
+              <a:off x="3986772" y="3846751"/>
+              <a:ext cx="312079" cy="353098"/>
+            </a:xfrm>
+            <a:prstGeom prst="rect">
+              <a:avLst/>
+            </a:prstGeom>
+          </p:spPr>
+        </p:pic>
+        <p:sp>
+          <p:nvSpPr>
+            <p:cNvPr id="135" name="TextBox 134">
+              <a:extLst>
+                <a:ext uri="{FF2B5EF4-FFF2-40B4-BE49-F238E27FC236}">
+                  <a16:creationId xmlns:a16="http://schemas.microsoft.com/office/drawing/2014/main" id="{9B57281C-8EDB-E493-0F45-D45652E8E98D}"/>
+                </a:ext>
+              </a:extLst>
+            </p:cNvPr>
+            <p:cNvSpPr txBox="1"/>
+            <p:nvPr/>
+          </p:nvSpPr>
+          <p:spPr>
+            <a:xfrm>
+              <a:off x="3903867" y="4540401"/>
+              <a:ext cx="417980" cy="369332"/>
+            </a:xfrm>
+            <a:prstGeom prst="rect">
+              <a:avLst/>
+            </a:prstGeom>
+            <a:noFill/>
+          </p:spPr>
+          <p:txBody>
+            <a:bodyPr wrap="square" rtlCol="0">
+              <a:spAutoFit/>
+            </a:bodyPr>
+            <a:lstStyle/>
+            <a:p>
+              <a:r>
+                <a:rPr lang="en-US" dirty="0" err="1"/>
+                <a:t>Sh</a:t>
+              </a:r>
+              <a:endParaRPr lang="en-US" dirty="0"/>
+            </a:p>
+          </p:txBody>
+        </p:sp>
+        <p:pic>
+          <p:nvPicPr>
+            <p:cNvPr id="63" name="Graphic 62" descr="Ear outline">
+              <a:extLst>
+                <a:ext uri="{FF2B5EF4-FFF2-40B4-BE49-F238E27FC236}">
+                  <a16:creationId xmlns:a16="http://schemas.microsoft.com/office/drawing/2014/main" id="{DFD820C5-8FFD-CE19-0EAE-8C4B130ABBD9}"/>
+                </a:ext>
+              </a:extLst>
+            </p:cNvPr>
+            <p:cNvPicPr>
+              <a:picLocks noChangeAspect="1"/>
+            </p:cNvPicPr>
+            <p:nvPr/>
+          </p:nvPicPr>
+          <p:blipFill>
+            <a:blip r:embed="rId6">
+              <a:extLst>
+                <a:ext uri="{28A0092B-C50C-407E-A947-70E740481C1C}">
+                  <a14:useLocalDpi xmlns:a14="http://schemas.microsoft.com/office/drawing/2010/main" val="0"/>
+                </a:ext>
+                <a:ext uri="{96DAC541-7B7A-43D3-8B79-37D633B846F1}">
+                  <asvg:svgBlip xmlns:asvg="http://schemas.microsoft.com/office/drawing/2016/SVG/main" r:embed="rId7"/>
+                </a:ext>
+              </a:extLst>
+            </a:blip>
+            <a:stretch>
+              <a:fillRect/>
+            </a:stretch>
+          </p:blipFill>
+          <p:spPr>
+            <a:xfrm flipH="1">
+              <a:off x="3978506" y="4218657"/>
+              <a:ext cx="269216" cy="386613"/>
             </a:xfrm>
             <a:prstGeom prst="rect">
               <a:avLst/>
@@ -10751,10 +10376,10 @@
         </p:pic>
         <p:pic>
           <p:nvPicPr>
-            <p:cNvPr id="58" name="Graphic 57" descr="Ear outline">
+            <p:cNvPr id="73" name="Graphic 72" descr="Ear outline">
               <a:extLst>
                 <a:ext uri="{FF2B5EF4-FFF2-40B4-BE49-F238E27FC236}">
-                  <a16:creationId xmlns:a16="http://schemas.microsoft.com/office/drawing/2014/main" id="{4E6EE9F5-7BAD-4425-BC63-6888E7BEAB95}"/>
+                  <a16:creationId xmlns:a16="http://schemas.microsoft.com/office/drawing/2014/main" id="{AB455F97-C03D-E46D-23DF-69902486AAC2}"/>
                 </a:ext>
               </a:extLst>
             </p:cNvPr>
@@ -10764,13 +10389,13 @@
             <p:nvPr/>
           </p:nvPicPr>
           <p:blipFill>
-            <a:blip r:embed="rId10">
+            <a:blip r:embed="rId6">
               <a:extLst>
                 <a:ext uri="{28A0092B-C50C-407E-A947-70E740481C1C}">
                   <a14:useLocalDpi xmlns:a14="http://schemas.microsoft.com/office/drawing/2010/main" val="0"/>
                 </a:ext>
                 <a:ext uri="{96DAC541-7B7A-43D3-8B79-37D633B846F1}">
-                  <asvg:svgBlip xmlns:asvg="http://schemas.microsoft.com/office/drawing/2016/SVG/main" r:embed="rId11"/>
+                  <asvg:svgBlip xmlns:asvg="http://schemas.microsoft.com/office/drawing/2016/SVG/main" r:embed="rId7"/>
                 </a:ext>
               </a:extLst>
             </a:blip>
@@ -10780,7 +10405,7 @@
           </p:blipFill>
           <p:spPr>
             <a:xfrm>
-              <a:off x="4685090" y="5757689"/>
+              <a:off x="4659285" y="4232643"/>
               <a:ext cx="269217" cy="386613"/>
             </a:xfrm>
             <a:prstGeom prst="rect">
@@ -10803,13 +10428,13 @@
             <p:nvPr/>
           </p:nvPicPr>
           <p:blipFill>
-            <a:blip r:embed="rId6">
+            <a:blip r:embed="rId8">
               <a:extLst>
                 <a:ext uri="{28A0092B-C50C-407E-A947-70E740481C1C}">
                   <a14:useLocalDpi xmlns:a14="http://schemas.microsoft.com/office/drawing/2010/main" val="0"/>
                 </a:ext>
                 <a:ext uri="{96DAC541-7B7A-43D3-8B79-37D633B846F1}">
-                  <asvg:svgBlip xmlns:asvg="http://schemas.microsoft.com/office/drawing/2016/SVG/main" r:embed="rId7"/>
+                  <asvg:svgBlip xmlns:asvg="http://schemas.microsoft.com/office/drawing/2016/SVG/main" r:embed="rId9"/>
                 </a:ext>
               </a:extLst>
             </a:blip>
@@ -10819,7 +10444,7 @@
           </p:blipFill>
           <p:spPr>
             <a:xfrm>
-              <a:off x="4895071" y="4311000"/>
+              <a:off x="4895027" y="4277672"/>
               <a:ext cx="643653" cy="728254"/>
             </a:xfrm>
             <a:prstGeom prst="rect">
@@ -10841,7 +10466,7 @@
           </p:nvSpPr>
           <p:spPr>
             <a:xfrm>
-              <a:off x="4583002" y="3859947"/>
+              <a:off x="4582958" y="3826619"/>
               <a:ext cx="875776" cy="1101077"/>
             </a:xfrm>
             <a:prstGeom prst="roundRect">
@@ -10903,7 +10528,7 @@
           </p:nvSpPr>
           <p:spPr bwMode="auto">
             <a:xfrm>
-              <a:off x="4602538" y="4997118"/>
+              <a:off x="4602494" y="4963790"/>
               <a:ext cx="854299" cy="236247"/>
             </a:xfrm>
             <a:prstGeom prst="rect">
@@ -10995,13 +10620,13 @@
             <p:nvPr/>
           </p:nvPicPr>
           <p:blipFill>
-            <a:blip r:embed="rId8">
+            <a:blip r:embed="rId10">
               <a:extLst>
                 <a:ext uri="{28A0092B-C50C-407E-A947-70E740481C1C}">
                   <a14:useLocalDpi xmlns:a14="http://schemas.microsoft.com/office/drawing/2010/main" val="0"/>
                 </a:ext>
                 <a:ext uri="{96DAC541-7B7A-43D3-8B79-37D633B846F1}">
-                  <asvg:svgBlip xmlns:asvg="http://schemas.microsoft.com/office/drawing/2016/SVG/main" r:embed="rId9"/>
+                  <asvg:svgBlip xmlns:asvg="http://schemas.microsoft.com/office/drawing/2016/SVG/main" r:embed="rId11"/>
                 </a:ext>
               </a:extLst>
             </a:blip>
@@ -11011,8 +10636,409 @@
           </p:blipFill>
           <p:spPr>
             <a:xfrm>
-              <a:off x="4628033" y="3908582"/>
+              <a:off x="4627989" y="3875254"/>
               <a:ext cx="341901" cy="386841"/>
+            </a:xfrm>
+            <a:prstGeom prst="rect">
+              <a:avLst/>
+            </a:prstGeom>
+          </p:spPr>
+        </p:pic>
+        <p:sp>
+          <p:nvSpPr>
+            <p:cNvPr id="148" name="TextBox 147">
+              <a:extLst>
+                <a:ext uri="{FF2B5EF4-FFF2-40B4-BE49-F238E27FC236}">
+                  <a16:creationId xmlns:a16="http://schemas.microsoft.com/office/drawing/2014/main" id="{92A4853F-3B25-6373-F1E3-F38706829508}"/>
+                </a:ext>
+              </a:extLst>
+            </p:cNvPr>
+            <p:cNvSpPr txBox="1"/>
+            <p:nvPr/>
+          </p:nvSpPr>
+          <p:spPr>
+            <a:xfrm>
+              <a:off x="4644869" y="4552755"/>
+              <a:ext cx="417980" cy="369332"/>
+            </a:xfrm>
+            <a:prstGeom prst="rect">
+              <a:avLst/>
+            </a:prstGeom>
+            <a:noFill/>
+          </p:spPr>
+          <p:txBody>
+            <a:bodyPr wrap="square" rtlCol="0">
+              <a:spAutoFit/>
+            </a:bodyPr>
+            <a:lstStyle/>
+            <a:p>
+              <a:r>
+                <a:rPr lang="en-US" dirty="0"/>
+                <a:t>S</a:t>
+              </a:r>
+            </a:p>
+          </p:txBody>
+        </p:sp>
+      </p:grpSp>
+      <p:grpSp>
+        <p:nvGrpSpPr>
+          <p:cNvPr id="8" name="Group 7">
+            <a:extLst>
+              <a:ext uri="{FF2B5EF4-FFF2-40B4-BE49-F238E27FC236}">
+                <a16:creationId xmlns:a16="http://schemas.microsoft.com/office/drawing/2014/main" id="{10FD7EBC-00AC-ED62-F689-2F590D9E6172}"/>
+              </a:ext>
+            </a:extLst>
+          </p:cNvPr>
+          <p:cNvGrpSpPr/>
+          <p:nvPr/>
+        </p:nvGrpSpPr>
+        <p:grpSpPr>
+          <a:xfrm>
+            <a:off x="3383832" y="597818"/>
+            <a:ext cx="2110288" cy="1399673"/>
+            <a:chOff x="3407841" y="5257392"/>
+            <a:chExt cx="2110288" cy="1399673"/>
+          </a:xfrm>
+        </p:grpSpPr>
+        <p:sp>
+          <p:nvSpPr>
+            <p:cNvPr id="55" name="Rectangle: Rounded Corners 54">
+              <a:extLst>
+                <a:ext uri="{FF2B5EF4-FFF2-40B4-BE49-F238E27FC236}">
+                  <a16:creationId xmlns:a16="http://schemas.microsoft.com/office/drawing/2014/main" id="{338AACAA-DD07-CF48-B0B6-3499AD1E6F81}"/>
+                </a:ext>
+              </a:extLst>
+            </p:cNvPr>
+            <p:cNvSpPr/>
+            <p:nvPr/>
+          </p:nvSpPr>
+          <p:spPr>
+            <a:xfrm>
+              <a:off x="3466137" y="5257392"/>
+              <a:ext cx="870528" cy="1101078"/>
+            </a:xfrm>
+            <a:prstGeom prst="roundRect">
+              <a:avLst/>
+            </a:prstGeom>
+            <a:noFill/>
+            <a:ln w="57150">
+              <a:solidFill>
+                <a:srgbClr val="FFBE5F"/>
+              </a:solidFill>
+            </a:ln>
+          </p:spPr>
+          <p:style>
+            <a:lnRef idx="2">
+              <a:schemeClr val="accent1">
+                <a:shade val="50000"/>
+              </a:schemeClr>
+            </a:lnRef>
+            <a:fillRef idx="1">
+              <a:schemeClr val="accent1"/>
+            </a:fillRef>
+            <a:effectRef idx="0">
+              <a:schemeClr val="accent1"/>
+            </a:effectRef>
+            <a:fontRef idx="minor">
+              <a:schemeClr val="lt1"/>
+            </a:fontRef>
+          </p:style>
+          <p:txBody>
+            <a:bodyPr rot="0" spcFirstLastPara="0" vert="horz" wrap="square" lIns="91440" tIns="45720" rIns="91440" bIns="45720" numCol="1" spcCol="0" rtlCol="0" fromWordArt="0" anchor="ctr" anchorCtr="0" forceAA="0" compatLnSpc="1">
+              <a:prstTxWarp prst="textNoShape">
+                <a:avLst/>
+              </a:prstTxWarp>
+              <a:noAutofit/>
+            </a:bodyPr>
+            <a:lstStyle/>
+            <a:p>
+              <a:endParaRPr lang="en-US">
+                <a:solidFill>
+                  <a:srgbClr val="FFBE5F"/>
+                </a:solidFill>
+              </a:endParaRPr>
+            </a:p>
+          </p:txBody>
+        </p:sp>
+        <p:sp>
+          <p:nvSpPr>
+            <p:cNvPr id="56" name="Text Box 11">
+              <a:extLst>
+                <a:ext uri="{FF2B5EF4-FFF2-40B4-BE49-F238E27FC236}">
+                  <a16:creationId xmlns:a16="http://schemas.microsoft.com/office/drawing/2014/main" id="{57E2CD8F-34AE-7E85-C07E-DEECB9F68E98}"/>
+                </a:ext>
+              </a:extLst>
+            </p:cNvPr>
+            <p:cNvSpPr txBox="1">
+              <a:spLocks noChangeArrowheads="1"/>
+            </p:cNvSpPr>
+            <p:nvPr/>
+          </p:nvSpPr>
+          <p:spPr bwMode="auto">
+            <a:xfrm>
+              <a:off x="3477307" y="6404671"/>
+              <a:ext cx="854301" cy="236248"/>
+            </a:xfrm>
+            <a:prstGeom prst="rect">
+              <a:avLst/>
+            </a:prstGeom>
+            <a:solidFill>
+              <a:srgbClr val="FFFFFF"/>
+            </a:solidFill>
+            <a:ln>
+              <a:noFill/>
+            </a:ln>
+            <a:extLst>
+              <a:ext uri="{91240B29-F687-4F45-9708-019B960494DF}">
+                <a14:hiddenLine xmlns:a14="http://schemas.microsoft.com/office/drawing/2010/main" w="6350">
+                  <a:solidFill>
+                    <a:srgbClr val="000000"/>
+                  </a:solidFill>
+                  <a:miter lim="800000"/>
+                  <a:headEnd/>
+                  <a:tailEnd/>
+                </a14:hiddenLine>
+              </a:ext>
+            </a:extLst>
+          </p:spPr>
+          <p:txBody>
+            <a:bodyPr vert="horz" wrap="square" lIns="91440" tIns="45720" rIns="91440" bIns="45720" numCol="1" anchor="t" anchorCtr="0" compatLnSpc="1">
+              <a:prstTxWarp prst="textNoShape">
+                <a:avLst/>
+              </a:prstTxWarp>
+            </a:bodyPr>
+            <a:lstStyle/>
+            <a:p>
+              <a:pPr marL="0" marR="0" lvl="0" indent="0" algn="ctr" defTabSz="914400" rtl="0" eaLnBrk="0" fontAlgn="base" latinLnBrk="0" hangingPunct="0">
+                <a:lnSpc>
+                  <a:spcPct val="100000"/>
+                </a:lnSpc>
+                <a:spcBef>
+                  <a:spcPct val="0"/>
+                </a:spcBef>
+                <a:spcAft>
+                  <a:spcPct val="0"/>
+                </a:spcAft>
+                <a:buClrTx/>
+                <a:buSzTx/>
+                <a:buFontTx/>
+                <a:buNone/>
+                <a:tabLst/>
+              </a:pPr>
+              <a:r>
+                <a:rPr kumimoji="0" lang="en-US" altLang="en-US" sz="1100" b="0" i="1" u="none" strike="noStrike" cap="none" normalizeH="0" baseline="0" dirty="0">
+                  <a:ln>
+                    <a:noFill/>
+                  </a:ln>
+                  <a:solidFill>
+                    <a:schemeClr val="tx1"/>
+                  </a:solidFill>
+                  <a:effectLst/>
+                  <a:latin typeface="Sylfaen" panose="010A0502050306030303" pitchFamily="18" charset="0"/>
+                  <a:ea typeface="Calibri" panose="020F0502020204030204" pitchFamily="34" charset="0"/>
+                  <a:cs typeface="Times New Roman" panose="02020603050405020304" pitchFamily="18" charset="0"/>
+                </a:rPr>
+                <a:t>Left</a:t>
+              </a:r>
+              <a:endParaRPr kumimoji="0" lang="en-US" altLang="en-US" sz="2400" b="0" i="0" u="none" strike="noStrike" cap="none" normalizeH="0" baseline="0" dirty="0">
+                <a:ln>
+                  <a:noFill/>
+                </a:ln>
+                <a:solidFill>
+                  <a:schemeClr val="tx1"/>
+                </a:solidFill>
+                <a:effectLst/>
+                <a:latin typeface="Arial" panose="020B0604020202020204" pitchFamily="34" charset="0"/>
+              </a:endParaRPr>
+            </a:p>
+          </p:txBody>
+        </p:sp>
+        <p:pic>
+          <p:nvPicPr>
+            <p:cNvPr id="59" name="Graphic 58" descr="School boy outline">
+              <a:extLst>
+                <a:ext uri="{FF2B5EF4-FFF2-40B4-BE49-F238E27FC236}">
+                  <a16:creationId xmlns:a16="http://schemas.microsoft.com/office/drawing/2014/main" id="{7BD83BEB-6C5C-68C8-F6B5-75F52376ADCC}"/>
+                </a:ext>
+              </a:extLst>
+            </p:cNvPr>
+            <p:cNvPicPr>
+              <a:picLocks noChangeAspect="1"/>
+            </p:cNvPicPr>
+            <p:nvPr/>
+          </p:nvPicPr>
+          <p:blipFill>
+            <a:blip r:embed="rId8">
+              <a:extLst>
+                <a:ext uri="{28A0092B-C50C-407E-A947-70E740481C1C}">
+                  <a14:useLocalDpi xmlns:a14="http://schemas.microsoft.com/office/drawing/2010/main" val="0"/>
+                </a:ext>
+                <a:ext uri="{96DAC541-7B7A-43D3-8B79-37D633B846F1}">
+                  <asvg:svgBlip xmlns:asvg="http://schemas.microsoft.com/office/drawing/2016/SVG/main" r:embed="rId9"/>
+                </a:ext>
+              </a:extLst>
+            </a:blip>
+            <a:stretch>
+              <a:fillRect/>
+            </a:stretch>
+          </p:blipFill>
+          <p:spPr>
+            <a:xfrm>
+              <a:off x="3407841" y="5703054"/>
+              <a:ext cx="643653" cy="728254"/>
+            </a:xfrm>
+            <a:prstGeom prst="rect">
+              <a:avLst/>
+            </a:prstGeom>
+          </p:spPr>
+        </p:pic>
+        <p:pic>
+          <p:nvPicPr>
+            <p:cNvPr id="62" name="Graphic 61" descr="Male outline">
+              <a:extLst>
+                <a:ext uri="{FF2B5EF4-FFF2-40B4-BE49-F238E27FC236}">
+                  <a16:creationId xmlns:a16="http://schemas.microsoft.com/office/drawing/2014/main" id="{9C79FC73-C965-9480-4D47-9779BEA98F7E}"/>
+                </a:ext>
+              </a:extLst>
+            </p:cNvPr>
+            <p:cNvPicPr>
+              <a:picLocks noChangeAspect="1"/>
+            </p:cNvPicPr>
+            <p:nvPr/>
+          </p:nvPicPr>
+          <p:blipFill>
+            <a:blip r:embed="rId10">
+              <a:extLst>
+                <a:ext uri="{28A0092B-C50C-407E-A947-70E740481C1C}">
+                  <a14:useLocalDpi xmlns:a14="http://schemas.microsoft.com/office/drawing/2010/main" val="0"/>
+                </a:ext>
+                <a:ext uri="{96DAC541-7B7A-43D3-8B79-37D633B846F1}">
+                  <asvg:svgBlip xmlns:asvg="http://schemas.microsoft.com/office/drawing/2016/SVG/main" r:embed="rId11"/>
+                </a:ext>
+              </a:extLst>
+            </a:blip>
+            <a:stretch>
+              <a:fillRect/>
+            </a:stretch>
+          </p:blipFill>
+          <p:spPr>
+            <a:xfrm>
+              <a:off x="3967248" y="5304826"/>
+              <a:ext cx="341901" cy="386841"/>
+            </a:xfrm>
+            <a:prstGeom prst="rect">
+              <a:avLst/>
+            </a:prstGeom>
+          </p:spPr>
+        </p:pic>
+        <p:sp>
+          <p:nvSpPr>
+            <p:cNvPr id="138" name="TextBox 137">
+              <a:extLst>
+                <a:ext uri="{FF2B5EF4-FFF2-40B4-BE49-F238E27FC236}">
+                  <a16:creationId xmlns:a16="http://schemas.microsoft.com/office/drawing/2014/main" id="{804FE0EB-FDDE-AD93-A3EE-4E96A4E226F5}"/>
+                </a:ext>
+              </a:extLst>
+            </p:cNvPr>
+            <p:cNvSpPr txBox="1"/>
+            <p:nvPr/>
+          </p:nvSpPr>
+          <p:spPr>
+            <a:xfrm>
+              <a:off x="3931504" y="5987392"/>
+              <a:ext cx="417980" cy="369332"/>
+            </a:xfrm>
+            <a:prstGeom prst="rect">
+              <a:avLst/>
+            </a:prstGeom>
+            <a:noFill/>
+          </p:spPr>
+          <p:txBody>
+            <a:bodyPr wrap="square" rtlCol="0">
+              <a:spAutoFit/>
+            </a:bodyPr>
+            <a:lstStyle/>
+            <a:p>
+              <a:r>
+                <a:rPr lang="en-US" dirty="0" err="1"/>
+                <a:t>Sh</a:t>
+              </a:r>
+              <a:endParaRPr lang="en-US" dirty="0"/>
+            </a:p>
+          </p:txBody>
+        </p:sp>
+        <p:pic>
+          <p:nvPicPr>
+            <p:cNvPr id="68" name="Graphic 67" descr="Ear outline">
+              <a:extLst>
+                <a:ext uri="{FF2B5EF4-FFF2-40B4-BE49-F238E27FC236}">
+                  <a16:creationId xmlns:a16="http://schemas.microsoft.com/office/drawing/2014/main" id="{175051AB-D9E9-5909-7DA9-AC9D45F177E6}"/>
+                </a:ext>
+              </a:extLst>
+            </p:cNvPr>
+            <p:cNvPicPr>
+              <a:picLocks noChangeAspect="1"/>
+            </p:cNvPicPr>
+            <p:nvPr/>
+          </p:nvPicPr>
+          <p:blipFill>
+            <a:blip r:embed="rId6">
+              <a:extLst>
+                <a:ext uri="{28A0092B-C50C-407E-A947-70E740481C1C}">
+                  <a14:useLocalDpi xmlns:a14="http://schemas.microsoft.com/office/drawing/2010/main" val="0"/>
+                </a:ext>
+                <a:ext uri="{96DAC541-7B7A-43D3-8B79-37D633B846F1}">
+                  <asvg:svgBlip xmlns:asvg="http://schemas.microsoft.com/office/drawing/2016/SVG/main" r:embed="rId7"/>
+                </a:ext>
+              </a:extLst>
+            </a:blip>
+            <a:stretch>
+              <a:fillRect/>
+            </a:stretch>
+          </p:blipFill>
+          <p:spPr>
+            <a:xfrm flipH="1">
+              <a:off x="3973173" y="5688118"/>
+              <a:ext cx="269216" cy="386613"/>
+            </a:xfrm>
+            <a:prstGeom prst="rect">
+              <a:avLst/>
+            </a:prstGeom>
+          </p:spPr>
+        </p:pic>
+        <p:pic>
+          <p:nvPicPr>
+            <p:cNvPr id="58" name="Graphic 57" descr="Ear outline">
+              <a:extLst>
+                <a:ext uri="{FF2B5EF4-FFF2-40B4-BE49-F238E27FC236}">
+                  <a16:creationId xmlns:a16="http://schemas.microsoft.com/office/drawing/2014/main" id="{4E6EE9F5-7BAD-4425-BC63-6888E7BEAB95}"/>
+                </a:ext>
+              </a:extLst>
+            </p:cNvPr>
+            <p:cNvPicPr>
+              <a:picLocks noChangeAspect="1"/>
+            </p:cNvPicPr>
+            <p:nvPr/>
+          </p:nvPicPr>
+          <p:blipFill>
+            <a:blip r:embed="rId6">
+              <a:extLst>
+                <a:ext uri="{28A0092B-C50C-407E-A947-70E740481C1C}">
+                  <a14:useLocalDpi xmlns:a14="http://schemas.microsoft.com/office/drawing/2010/main" val="0"/>
+                </a:ext>
+                <a:ext uri="{96DAC541-7B7A-43D3-8B79-37D633B846F1}">
+                  <asvg:svgBlip xmlns:asvg="http://schemas.microsoft.com/office/drawing/2016/SVG/main" r:embed="rId7"/>
+                </a:ext>
+              </a:extLst>
+            </a:blip>
+            <a:stretch>
+              <a:fillRect/>
+            </a:stretch>
+          </p:blipFill>
+          <p:spPr>
+            <a:xfrm>
+              <a:off x="4685046" y="5724361"/>
+              <a:ext cx="269217" cy="386613"/>
             </a:xfrm>
             <a:prstGeom prst="rect">
               <a:avLst/>
@@ -11050,7 +11076,7 @@
           </p:blipFill>
           <p:spPr>
             <a:xfrm>
-              <a:off x="4874518" y="5753578"/>
+              <a:off x="4874474" y="5720250"/>
               <a:ext cx="643655" cy="728255"/>
             </a:xfrm>
             <a:prstGeom prst="rect">
@@ -11089,7 +11115,7 @@
           </p:blipFill>
           <p:spPr>
             <a:xfrm>
-              <a:off x="4639886" y="5400480"/>
+              <a:off x="4639842" y="5367152"/>
               <a:ext cx="312079" cy="353098"/>
             </a:xfrm>
             <a:prstGeom prst="rect">
@@ -11111,7 +11137,7 @@
           </p:nvSpPr>
           <p:spPr>
             <a:xfrm>
-              <a:off x="4607508" y="5316975"/>
+              <a:off x="4607464" y="5283647"/>
               <a:ext cx="875776" cy="1101077"/>
             </a:xfrm>
             <a:prstGeom prst="roundRect">
@@ -11173,7 +11199,7 @@
           </p:nvSpPr>
           <p:spPr bwMode="auto">
             <a:xfrm>
-              <a:off x="4627044" y="6454146"/>
+              <a:off x="4627000" y="6420818"/>
               <a:ext cx="854299" cy="236247"/>
             </a:xfrm>
             <a:prstGeom prst="rect">
@@ -11252,10 +11278,10 @@
         </p:sp>
         <p:sp>
           <p:nvSpPr>
-            <p:cNvPr id="148" name="TextBox 147">
+            <p:cNvPr id="150" name="TextBox 149">
               <a:extLst>
                 <a:ext uri="{FF2B5EF4-FFF2-40B4-BE49-F238E27FC236}">
-                  <a16:creationId xmlns:a16="http://schemas.microsoft.com/office/drawing/2014/main" id="{92A4853F-3B25-6373-F1E3-F38706829508}"/>
+                  <a16:creationId xmlns:a16="http://schemas.microsoft.com/office/drawing/2014/main" id="{D4C5301C-72E7-E493-55C9-45013B4A270E}"/>
                 </a:ext>
               </a:extLst>
             </p:cNvPr>
@@ -11264,42 +11290,7 @@
           </p:nvSpPr>
           <p:spPr>
             <a:xfrm>
-              <a:off x="4644913" y="4586083"/>
-              <a:ext cx="417980" cy="369332"/>
-            </a:xfrm>
-            <a:prstGeom prst="rect">
-              <a:avLst/>
-            </a:prstGeom>
-            <a:noFill/>
-          </p:spPr>
-          <p:txBody>
-            <a:bodyPr wrap="square" rtlCol="0">
-              <a:spAutoFit/>
-            </a:bodyPr>
-            <a:lstStyle/>
-            <a:p>
-              <a:r>
-                <a:rPr lang="en-US" dirty="0"/>
-                <a:t>S</a:t>
-              </a:r>
-            </a:p>
-          </p:txBody>
-        </p:sp>
-        <p:sp>
-          <p:nvSpPr>
-            <p:cNvPr id="150" name="TextBox 149">
-              <a:extLst>
-                <a:ext uri="{FF2B5EF4-FFF2-40B4-BE49-F238E27FC236}">
-                  <a16:creationId xmlns:a16="http://schemas.microsoft.com/office/drawing/2014/main" id="{D4C5301C-72E7-E493-55C9-45013B4A270E}"/>
-                </a:ext>
-              </a:extLst>
-            </p:cNvPr>
-            <p:cNvSpPr txBox="1"/>
-            <p:nvPr/>
-          </p:nvSpPr>
-          <p:spPr>
-            <a:xfrm>
-              <a:off x="4652709" y="6053678"/>
+              <a:off x="4652665" y="6020350"/>
               <a:ext cx="417980" cy="369332"/>
             </a:xfrm>
             <a:prstGeom prst="rect">
@@ -11321,12 +11312,170 @@
           </p:txBody>
         </p:sp>
       </p:grpSp>
+      <p:sp>
+        <p:nvSpPr>
+          <p:cNvPr id="131" name="Text Box 10">
+            <a:extLst>
+              <a:ext uri="{FF2B5EF4-FFF2-40B4-BE49-F238E27FC236}">
+                <a16:creationId xmlns:a16="http://schemas.microsoft.com/office/drawing/2014/main" id="{CE1D6EEA-DC20-55DA-B22E-385AC0827570}"/>
+              </a:ext>
+            </a:extLst>
+          </p:cNvPr>
+          <p:cNvSpPr txBox="1">
+            <a:spLocks noChangeArrowheads="1"/>
+          </p:cNvSpPr>
+          <p:nvPr/>
+        </p:nvSpPr>
+        <p:spPr bwMode="auto">
+          <a:xfrm>
+            <a:off x="5924083" y="3496857"/>
+            <a:ext cx="1467665" cy="419705"/>
+          </a:xfrm>
+          <a:prstGeom prst="rect">
+            <a:avLst/>
+          </a:prstGeom>
+          <a:noFill/>
+          <a:ln>
+            <a:noFill/>
+          </a:ln>
+        </p:spPr>
+        <p:txBody>
+          <a:bodyPr vert="horz" wrap="square" lIns="91440" tIns="45720" rIns="91440" bIns="45720" numCol="1" anchor="t" anchorCtr="0" compatLnSpc="1">
+            <a:prstTxWarp prst="textNoShape">
+              <a:avLst/>
+            </a:prstTxWarp>
+          </a:bodyPr>
+          <a:lstStyle/>
+          <a:p>
+            <a:pPr marL="0" marR="0" lvl="0" indent="0" algn="ctr" defTabSz="914400" rtl="0" eaLnBrk="0" fontAlgn="base" latinLnBrk="0" hangingPunct="0">
+              <a:lnSpc>
+                <a:spcPct val="100000"/>
+              </a:lnSpc>
+              <a:spcBef>
+                <a:spcPct val="0"/>
+              </a:spcBef>
+              <a:spcAft>
+                <a:spcPct val="0"/>
+              </a:spcAft>
+              <a:buClrTx/>
+              <a:buSzTx/>
+              <a:buFontTx/>
+              <a:buNone/>
+              <a:tabLst/>
+            </a:pPr>
+            <a:r>
+              <a:rPr kumimoji="0" lang="en-US" altLang="en-US" sz="1600" b="1" u="none" strike="noStrike" cap="none" normalizeH="0" baseline="0" dirty="0">
+                <a:ln>
+                  <a:noFill/>
+                </a:ln>
+                <a:solidFill>
+                  <a:srgbClr val="0CA7F4"/>
+                </a:solidFill>
+                <a:effectLst/>
+                <a:latin typeface="Sylfaen" panose="010A0502050306030303" pitchFamily="18" charset="0"/>
+                <a:ea typeface="Calibri" panose="020F0502020204030204" pitchFamily="34" charset="0"/>
+                <a:cs typeface="Times New Roman" panose="02020603050405020304" pitchFamily="18" charset="0"/>
+              </a:rPr>
+              <a:t>Talker B</a:t>
+            </a:r>
+            <a:endParaRPr kumimoji="0" lang="en-US" altLang="en-US" sz="3600" b="1" u="none" strike="noStrike" cap="none" normalizeH="0" baseline="0" dirty="0">
+              <a:ln>
+                <a:noFill/>
+              </a:ln>
+              <a:solidFill>
+                <a:srgbClr val="0CA7F4"/>
+              </a:solidFill>
+              <a:effectLst/>
+              <a:latin typeface="Arial" panose="020B0604020202020204" pitchFamily="34" charset="0"/>
+            </a:endParaRPr>
+          </a:p>
+        </p:txBody>
+      </p:sp>
+      <p:sp>
+        <p:nvSpPr>
+          <p:cNvPr id="134" name="Text Box 10">
+            <a:extLst>
+              <a:ext uri="{FF2B5EF4-FFF2-40B4-BE49-F238E27FC236}">
+                <a16:creationId xmlns:a16="http://schemas.microsoft.com/office/drawing/2014/main" id="{5DE3E955-2C73-2067-B562-4DF7B75A5845}"/>
+              </a:ext>
+            </a:extLst>
+          </p:cNvPr>
+          <p:cNvSpPr txBox="1">
+            <a:spLocks noChangeArrowheads="1"/>
+          </p:cNvSpPr>
+          <p:nvPr/>
+        </p:nvSpPr>
+        <p:spPr bwMode="auto">
+          <a:xfrm>
+            <a:off x="7029834" y="3508350"/>
+            <a:ext cx="1467665" cy="419705"/>
+          </a:xfrm>
+          <a:prstGeom prst="rect">
+            <a:avLst/>
+          </a:prstGeom>
+          <a:noFill/>
+          <a:ln>
+            <a:noFill/>
+          </a:ln>
+        </p:spPr>
+        <p:txBody>
+          <a:bodyPr vert="horz" wrap="square" lIns="91440" tIns="45720" rIns="91440" bIns="45720" numCol="1" anchor="t" anchorCtr="0" compatLnSpc="1">
+            <a:prstTxWarp prst="textNoShape">
+              <a:avLst/>
+            </a:prstTxWarp>
+          </a:bodyPr>
+          <a:lstStyle/>
+          <a:p>
+            <a:pPr marL="0" marR="0" lvl="0" indent="0" algn="ctr" defTabSz="914400" rtl="0" eaLnBrk="0" fontAlgn="base" latinLnBrk="0" hangingPunct="0">
+              <a:lnSpc>
+                <a:spcPct val="100000"/>
+              </a:lnSpc>
+              <a:spcBef>
+                <a:spcPct val="0"/>
+              </a:spcBef>
+              <a:spcAft>
+                <a:spcPct val="0"/>
+              </a:spcAft>
+              <a:buClrTx/>
+              <a:buSzTx/>
+              <a:buFontTx/>
+              <a:buNone/>
+              <a:tabLst/>
+            </a:pPr>
+            <a:r>
+              <a:rPr kumimoji="0" lang="en-US" altLang="en-US" sz="1600" b="1" u="none" strike="noStrike" cap="none" normalizeH="0" baseline="0" dirty="0">
+                <a:ln>
+                  <a:noFill/>
+                </a:ln>
+                <a:solidFill>
+                  <a:srgbClr val="FE9700"/>
+                </a:solidFill>
+                <a:effectLst/>
+                <a:latin typeface="Sylfaen" panose="010A0502050306030303" pitchFamily="18" charset="0"/>
+                <a:ea typeface="Calibri" panose="020F0502020204030204" pitchFamily="34" charset="0"/>
+                <a:cs typeface="Times New Roman" panose="02020603050405020304" pitchFamily="18" charset="0"/>
+              </a:rPr>
+              <a:t>Talker A</a:t>
+            </a:r>
+            <a:endParaRPr kumimoji="0" lang="en-US" altLang="en-US" sz="3600" b="1" u="none" strike="noStrike" cap="none" normalizeH="0" baseline="0" dirty="0">
+              <a:ln>
+                <a:noFill/>
+              </a:ln>
+              <a:solidFill>
+                <a:srgbClr val="FE9700"/>
+              </a:solidFill>
+              <a:effectLst/>
+              <a:latin typeface="Arial" panose="020B0604020202020204" pitchFamily="34" charset="0"/>
+            </a:endParaRPr>
+          </a:p>
+        </p:txBody>
+      </p:sp>
       <p:grpSp>
         <p:nvGrpSpPr>
-          <p:cNvPr id="2" name="Group 1">
+          <p:cNvPr id="13" name="Group 12">
             <a:extLst>
               <a:ext uri="{FF2B5EF4-FFF2-40B4-BE49-F238E27FC236}">
-                <a16:creationId xmlns:a16="http://schemas.microsoft.com/office/drawing/2014/main" id="{8D5C9780-4658-557D-D8C4-656235EB9015}"/>
+                <a16:creationId xmlns:a16="http://schemas.microsoft.com/office/drawing/2014/main" id="{D87ECD52-63A7-73FA-52FC-33F793B14677}"/>
               </a:ext>
             </a:extLst>
           </p:cNvPr>
@@ -11335,12 +11484,105 @@
         </p:nvGrpSpPr>
         <p:grpSpPr>
           <a:xfrm>
-            <a:off x="5924083" y="3496857"/>
-            <a:ext cx="2573416" cy="3242855"/>
-            <a:chOff x="3156215" y="185826"/>
-            <a:chExt cx="2573416" cy="3242855"/>
+            <a:off x="6168384" y="2013332"/>
+            <a:ext cx="2163017" cy="1393762"/>
+            <a:chOff x="6137613" y="3877554"/>
+            <a:chExt cx="2163017" cy="1393762"/>
           </a:xfrm>
         </p:grpSpPr>
+        <p:sp>
+          <p:nvSpPr>
+            <p:cNvPr id="98" name="Text Box 10">
+              <a:extLst>
+                <a:ext uri="{FF2B5EF4-FFF2-40B4-BE49-F238E27FC236}">
+                  <a16:creationId xmlns:a16="http://schemas.microsoft.com/office/drawing/2014/main" id="{F1981079-9AC3-39EC-E2F4-6BCF80F9A51D}"/>
+                </a:ext>
+              </a:extLst>
+            </p:cNvPr>
+            <p:cNvSpPr txBox="1">
+              <a:spLocks noChangeArrowheads="1"/>
+            </p:cNvSpPr>
+            <p:nvPr/>
+          </p:nvSpPr>
+          <p:spPr bwMode="auto">
+            <a:xfrm>
+              <a:off x="7364444" y="5035069"/>
+              <a:ext cx="854299" cy="236247"/>
+            </a:xfrm>
+            <a:prstGeom prst="rect">
+              <a:avLst/>
+            </a:prstGeom>
+            <a:solidFill>
+              <a:srgbClr val="FFFFFF"/>
+            </a:solidFill>
+            <a:ln>
+              <a:noFill/>
+            </a:ln>
+            <a:extLst>
+              <a:ext uri="{91240B29-F687-4F45-9708-019B960494DF}">
+                <a14:hiddenLine xmlns:a14="http://schemas.microsoft.com/office/drawing/2010/main" w="6350">
+                  <a:solidFill>
+                    <a:srgbClr val="000000"/>
+                  </a:solidFill>
+                  <a:miter lim="800000"/>
+                  <a:headEnd/>
+                  <a:tailEnd/>
+                </a14:hiddenLine>
+              </a:ext>
+            </a:extLst>
+          </p:spPr>
+          <p:txBody>
+            <a:bodyPr vert="horz" wrap="square" lIns="91440" tIns="45720" rIns="91440" bIns="45720" numCol="1" anchor="t" anchorCtr="0" compatLnSpc="1">
+              <a:prstTxWarp prst="textNoShape">
+                <a:avLst/>
+              </a:prstTxWarp>
+            </a:bodyPr>
+            <a:lstStyle/>
+            <a:p>
+              <a:pPr marL="0" marR="0" lvl="0" indent="0" algn="ctr" defTabSz="914400" rtl="0" eaLnBrk="0" fontAlgn="base" latinLnBrk="0" hangingPunct="0">
+                <a:lnSpc>
+                  <a:spcPct val="100000"/>
+                </a:lnSpc>
+                <a:spcBef>
+                  <a:spcPct val="0"/>
+                </a:spcBef>
+                <a:spcAft>
+                  <a:spcPct val="0"/>
+                </a:spcAft>
+                <a:buClrTx/>
+                <a:buSzTx/>
+                <a:buFontTx/>
+                <a:buNone/>
+                <a:tabLst/>
+              </a:pPr>
+              <a:r>
+                <a:rPr kumimoji="0" lang="en-US" altLang="en-US" sz="1100" b="0" i="1" u="none" strike="noStrike" cap="none" normalizeH="0" baseline="0" dirty="0">
+                  <a:ln>
+                    <a:noFill/>
+                  </a:ln>
+                  <a:solidFill>
+                    <a:schemeClr val="tx1"/>
+                  </a:solidFill>
+                  <a:effectLst/>
+                  <a:latin typeface="Sylfaen" panose="010A0502050306030303" pitchFamily="18" charset="0"/>
+                  <a:ea typeface="Calibri" panose="020F0502020204030204" pitchFamily="34" charset="0"/>
+                  <a:cs typeface="Times New Roman" panose="02020603050405020304" pitchFamily="18" charset="0"/>
+                </a:rPr>
+                <a:t>Right</a:t>
+              </a:r>
+              <a:endParaRPr kumimoji="0" lang="en-US" altLang="en-US" sz="2400" b="0" i="0" u="none" strike="noStrike" cap="none" normalizeH="0" baseline="0" dirty="0">
+                <a:ln>
+                  <a:noFill/>
+                </a:ln>
+                <a:solidFill>
+                  <a:schemeClr val="tx1"/>
+                </a:solidFill>
+                <a:effectLst/>
+                <a:latin typeface="Arial" panose="020B0604020202020204" pitchFamily="34" charset="0"/>
+              </a:endParaRPr>
+            </a:p>
+          </p:txBody>
+        </p:sp>
         <p:pic>
           <p:nvPicPr>
             <p:cNvPr id="84" name="Graphic 83" descr="School girl outline">
@@ -11372,7 +11614,7 @@
           </p:blipFill>
           <p:spPr>
             <a:xfrm>
-              <a:off x="3369745" y="1021993"/>
+              <a:off x="6137613" y="4333024"/>
               <a:ext cx="643655" cy="728255"/>
             </a:xfrm>
             <a:prstGeom prst="rect">
@@ -11394,7 +11636,7 @@
           </p:nvSpPr>
           <p:spPr>
             <a:xfrm>
-              <a:off x="3427156" y="566523"/>
+              <a:off x="6195024" y="3877554"/>
               <a:ext cx="870528" cy="1101078"/>
             </a:xfrm>
             <a:prstGeom prst="roundRect">
@@ -11452,7 +11694,7 @@
           </p:nvSpPr>
           <p:spPr bwMode="auto">
             <a:xfrm>
-              <a:off x="3438326" y="1713802"/>
+              <a:off x="6206194" y="5024833"/>
               <a:ext cx="854301" cy="236248"/>
             </a:xfrm>
             <a:prstGeom prst="rect">
@@ -11560,7 +11802,7 @@
           </p:blipFill>
           <p:spPr>
             <a:xfrm>
-              <a:off x="3971884" y="607092"/>
+              <a:off x="6739752" y="3918123"/>
               <a:ext cx="312079" cy="353098"/>
             </a:xfrm>
             <a:prstGeom prst="rect">
@@ -11570,10 +11812,10 @@
         </p:pic>
         <p:pic>
           <p:nvPicPr>
-            <p:cNvPr id="88" name="Graphic 87" descr="Ear outline">
+            <p:cNvPr id="92" name="Graphic 91" descr="Ear outline">
               <a:extLst>
                 <a:ext uri="{FF2B5EF4-FFF2-40B4-BE49-F238E27FC236}">
-                  <a16:creationId xmlns:a16="http://schemas.microsoft.com/office/drawing/2014/main" id="{E3F0D192-33FD-E78C-2E0F-E117D8CD228F}"/>
+                  <a16:creationId xmlns:a16="http://schemas.microsoft.com/office/drawing/2014/main" id="{EE1832BE-1678-09B0-A92D-64ACDF569FA0}"/>
                 </a:ext>
               </a:extLst>
             </p:cNvPr>
@@ -11583,13 +11825,13 @@
             <p:nvPr/>
           </p:nvPicPr>
           <p:blipFill>
-            <a:blip r:embed="rId10">
+            <a:blip r:embed="rId6">
               <a:extLst>
                 <a:ext uri="{28A0092B-C50C-407E-A947-70E740481C1C}">
                   <a14:useLocalDpi xmlns:a14="http://schemas.microsoft.com/office/drawing/2010/main" val="0"/>
                 </a:ext>
                 <a:ext uri="{96DAC541-7B7A-43D3-8B79-37D633B846F1}">
-                  <asvg:svgBlip xmlns:asvg="http://schemas.microsoft.com/office/drawing/2016/SVG/main" r:embed="rId11"/>
+                  <asvg:svgBlip xmlns:asvg="http://schemas.microsoft.com/office/drawing/2016/SVG/main" r:embed="rId7"/>
                 </a:ext>
               </a:extLst>
             </a:blip>
@@ -11599,7 +11841,7 @@
           </p:blipFill>
           <p:spPr>
             <a:xfrm>
-              <a:off x="4602494" y="2485255"/>
+              <a:off x="7411163" y="4326201"/>
               <a:ext cx="269217" cy="386613"/>
             </a:xfrm>
             <a:prstGeom prst="rect">
@@ -11609,258 +11851,6 @@
         </p:pic>
         <p:sp>
           <p:nvSpPr>
-            <p:cNvPr id="90" name="Rectangle: Rounded Corners 89">
-              <a:extLst>
-                <a:ext uri="{FF2B5EF4-FFF2-40B4-BE49-F238E27FC236}">
-                  <a16:creationId xmlns:a16="http://schemas.microsoft.com/office/drawing/2014/main" id="{0494CA85-3224-8B39-404E-E9458617340E}"/>
-                </a:ext>
-              </a:extLst>
-            </p:cNvPr>
-            <p:cNvSpPr/>
-            <p:nvPr/>
-          </p:nvSpPr>
-          <p:spPr>
-            <a:xfrm>
-              <a:off x="3406753" y="2054803"/>
-              <a:ext cx="870528" cy="1101078"/>
-            </a:xfrm>
-            <a:prstGeom prst="roundRect">
-              <a:avLst/>
-            </a:prstGeom>
-            <a:noFill/>
-            <a:ln w="57150">
-              <a:solidFill>
-                <a:srgbClr val="77CEF9"/>
-              </a:solidFill>
-            </a:ln>
-          </p:spPr>
-          <p:style>
-            <a:lnRef idx="2">
-              <a:schemeClr val="accent1">
-                <a:shade val="50000"/>
-              </a:schemeClr>
-            </a:lnRef>
-            <a:fillRef idx="1">
-              <a:schemeClr val="accent1"/>
-            </a:fillRef>
-            <a:effectRef idx="0">
-              <a:schemeClr val="accent1"/>
-            </a:effectRef>
-            <a:fontRef idx="minor">
-              <a:schemeClr val="lt1"/>
-            </a:fontRef>
-          </p:style>
-          <p:txBody>
-            <a:bodyPr rot="0" spcFirstLastPara="0" vert="horz" wrap="square" lIns="91440" tIns="45720" rIns="91440" bIns="45720" numCol="1" spcCol="0" rtlCol="0" fromWordArt="0" anchor="ctr" anchorCtr="0" forceAA="0" compatLnSpc="1">
-              <a:prstTxWarp prst="textNoShape">
-                <a:avLst/>
-              </a:prstTxWarp>
-              <a:noAutofit/>
-            </a:bodyPr>
-            <a:lstStyle/>
-            <a:p>
-              <a:endParaRPr lang="en-US"/>
-            </a:p>
-          </p:txBody>
-        </p:sp>
-        <p:pic>
-          <p:nvPicPr>
-            <p:cNvPr id="92" name="Graphic 91" descr="Ear outline">
-              <a:extLst>
-                <a:ext uri="{FF2B5EF4-FFF2-40B4-BE49-F238E27FC236}">
-                  <a16:creationId xmlns:a16="http://schemas.microsoft.com/office/drawing/2014/main" id="{EE1832BE-1678-09B0-A92D-64ACDF569FA0}"/>
-                </a:ext>
-              </a:extLst>
-            </p:cNvPr>
-            <p:cNvPicPr>
-              <a:picLocks noChangeAspect="1"/>
-            </p:cNvPicPr>
-            <p:nvPr/>
-          </p:nvPicPr>
-          <p:blipFill>
-            <a:blip r:embed="rId10">
-              <a:extLst>
-                <a:ext uri="{28A0092B-C50C-407E-A947-70E740481C1C}">
-                  <a14:useLocalDpi xmlns:a14="http://schemas.microsoft.com/office/drawing/2010/main" val="0"/>
-                </a:ext>
-                <a:ext uri="{96DAC541-7B7A-43D3-8B79-37D633B846F1}">
-                  <asvg:svgBlip xmlns:asvg="http://schemas.microsoft.com/office/drawing/2016/SVG/main" r:embed="rId11"/>
-                </a:ext>
-              </a:extLst>
-            </a:blip>
-            <a:stretch>
-              <a:fillRect/>
-            </a:stretch>
-          </p:blipFill>
-          <p:spPr>
-            <a:xfrm>
-              <a:off x="4643295" y="1015170"/>
-              <a:ext cx="269217" cy="386613"/>
-            </a:xfrm>
-            <a:prstGeom prst="rect">
-              <a:avLst/>
-            </a:prstGeom>
-          </p:spPr>
-        </p:pic>
-        <p:pic>
-          <p:nvPicPr>
-            <p:cNvPr id="93" name="Graphic 92" descr="School boy outline">
-              <a:extLst>
-                <a:ext uri="{FF2B5EF4-FFF2-40B4-BE49-F238E27FC236}">
-                  <a16:creationId xmlns:a16="http://schemas.microsoft.com/office/drawing/2014/main" id="{A212EC77-0016-C905-8FAF-6EE7F893D275}"/>
-                </a:ext>
-              </a:extLst>
-            </p:cNvPr>
-            <p:cNvPicPr>
-              <a:picLocks noChangeAspect="1"/>
-            </p:cNvPicPr>
-            <p:nvPr/>
-          </p:nvPicPr>
-          <p:blipFill>
-            <a:blip r:embed="rId6">
-              <a:extLst>
-                <a:ext uri="{28A0092B-C50C-407E-A947-70E740481C1C}">
-                  <a14:useLocalDpi xmlns:a14="http://schemas.microsoft.com/office/drawing/2010/main" val="0"/>
-                </a:ext>
-                <a:ext uri="{96DAC541-7B7A-43D3-8B79-37D633B846F1}">
-                  <asvg:svgBlip xmlns:asvg="http://schemas.microsoft.com/office/drawing/2016/SVG/main" r:embed="rId7"/>
-                </a:ext>
-              </a:extLst>
-            </a:blip>
-            <a:stretch>
-              <a:fillRect/>
-            </a:stretch>
-          </p:blipFill>
-          <p:spPr>
-            <a:xfrm>
-              <a:off x="3349933" y="2494449"/>
-              <a:ext cx="643653" cy="728254"/>
-            </a:xfrm>
-            <a:prstGeom prst="rect">
-              <a:avLst/>
-            </a:prstGeom>
-          </p:spPr>
-        </p:pic>
-        <p:pic>
-          <p:nvPicPr>
-            <p:cNvPr id="94" name="Graphic 93" descr="Male outline">
-              <a:extLst>
-                <a:ext uri="{FF2B5EF4-FFF2-40B4-BE49-F238E27FC236}">
-                  <a16:creationId xmlns:a16="http://schemas.microsoft.com/office/drawing/2014/main" id="{494EF8F1-4B91-1410-849C-965FF2224B1E}"/>
-                </a:ext>
-              </a:extLst>
-            </p:cNvPr>
-            <p:cNvPicPr>
-              <a:picLocks noChangeAspect="1"/>
-            </p:cNvPicPr>
-            <p:nvPr/>
-          </p:nvPicPr>
-          <p:blipFill>
-            <a:blip r:embed="rId8">
-              <a:extLst>
-                <a:ext uri="{28A0092B-C50C-407E-A947-70E740481C1C}">
-                  <a14:useLocalDpi xmlns:a14="http://schemas.microsoft.com/office/drawing/2010/main" val="0"/>
-                </a:ext>
-                <a:ext uri="{96DAC541-7B7A-43D3-8B79-37D633B846F1}">
-                  <asvg:svgBlip xmlns:asvg="http://schemas.microsoft.com/office/drawing/2016/SVG/main" r:embed="rId9"/>
-                </a:ext>
-              </a:extLst>
-            </a:blip>
-            <a:stretch>
-              <a:fillRect/>
-            </a:stretch>
-          </p:blipFill>
-          <p:spPr>
-            <a:xfrm>
-              <a:off x="3907864" y="2102237"/>
-              <a:ext cx="341901" cy="386841"/>
-            </a:xfrm>
-            <a:prstGeom prst="rect">
-              <a:avLst/>
-            </a:prstGeom>
-          </p:spPr>
-        </p:pic>
-        <p:sp>
-          <p:nvSpPr>
-            <p:cNvPr id="131" name="Text Box 10">
-              <a:extLst>
-                <a:ext uri="{FF2B5EF4-FFF2-40B4-BE49-F238E27FC236}">
-                  <a16:creationId xmlns:a16="http://schemas.microsoft.com/office/drawing/2014/main" id="{CE1D6EEA-DC20-55DA-B22E-385AC0827570}"/>
-                </a:ext>
-              </a:extLst>
-            </p:cNvPr>
-            <p:cNvSpPr txBox="1">
-              <a:spLocks noChangeArrowheads="1"/>
-            </p:cNvSpPr>
-            <p:nvPr/>
-          </p:nvSpPr>
-          <p:spPr bwMode="auto">
-            <a:xfrm>
-              <a:off x="3156215" y="185826"/>
-              <a:ext cx="1467665" cy="419705"/>
-            </a:xfrm>
-            <a:prstGeom prst="rect">
-              <a:avLst/>
-            </a:prstGeom>
-            <a:noFill/>
-            <a:ln>
-              <a:noFill/>
-            </a:ln>
-          </p:spPr>
-          <p:txBody>
-            <a:bodyPr vert="horz" wrap="square" lIns="91440" tIns="45720" rIns="91440" bIns="45720" numCol="1" anchor="t" anchorCtr="0" compatLnSpc="1">
-              <a:prstTxWarp prst="textNoShape">
-                <a:avLst/>
-              </a:prstTxWarp>
-            </a:bodyPr>
-            <a:lstStyle/>
-            <a:p>
-              <a:pPr marL="0" marR="0" lvl="0" indent="0" algn="ctr" defTabSz="914400" rtl="0" eaLnBrk="0" fontAlgn="base" latinLnBrk="0" hangingPunct="0">
-                <a:lnSpc>
-                  <a:spcPct val="100000"/>
-                </a:lnSpc>
-                <a:spcBef>
-                  <a:spcPct val="0"/>
-                </a:spcBef>
-                <a:spcAft>
-                  <a:spcPct val="0"/>
-                </a:spcAft>
-                <a:buClrTx/>
-                <a:buSzTx/>
-                <a:buFontTx/>
-                <a:buNone/>
-                <a:tabLst/>
-              </a:pPr>
-              <a:r>
-                <a:rPr kumimoji="0" lang="en-US" altLang="en-US" sz="1600" b="1" u="none" strike="noStrike" cap="none" normalizeH="0" baseline="0" dirty="0">
-                  <a:ln>
-                    <a:noFill/>
-                  </a:ln>
-                  <a:solidFill>
-                    <a:srgbClr val="0CA7F4"/>
-                  </a:solidFill>
-                  <a:effectLst/>
-                  <a:latin typeface="Sylfaen" panose="010A0502050306030303" pitchFamily="18" charset="0"/>
-                  <a:ea typeface="Calibri" panose="020F0502020204030204" pitchFamily="34" charset="0"/>
-                  <a:cs typeface="Times New Roman" panose="02020603050405020304" pitchFamily="18" charset="0"/>
-                </a:rPr>
-                <a:t>Talker B</a:t>
-              </a:r>
-              <a:endParaRPr kumimoji="0" lang="en-US" altLang="en-US" sz="3600" b="1" u="none" strike="noStrike" cap="none" normalizeH="0" baseline="0" dirty="0">
-                <a:ln>
-                  <a:noFill/>
-                </a:ln>
-                <a:solidFill>
-                  <a:srgbClr val="0CA7F4"/>
-                </a:solidFill>
-                <a:effectLst/>
-                <a:latin typeface="Arial" panose="020B0604020202020204" pitchFamily="34" charset="0"/>
-              </a:endParaRPr>
-            </a:p>
-          </p:txBody>
-        </p:sp>
-        <p:sp>
-          <p:nvSpPr>
             <p:cNvPr id="139" name="TextBox 138">
               <a:extLst>
                 <a:ext uri="{FF2B5EF4-FFF2-40B4-BE49-F238E27FC236}">
@@ -11873,7 +11863,7 @@
           </p:nvSpPr>
           <p:spPr>
             <a:xfrm>
-              <a:off x="3906413" y="1293407"/>
+              <a:off x="6674281" y="4604438"/>
               <a:ext cx="417980" cy="369332"/>
             </a:xfrm>
             <a:prstGeom prst="rect">
@@ -11895,121 +11885,6 @@
             </a:p>
           </p:txBody>
         </p:sp>
-        <p:sp>
-          <p:nvSpPr>
-            <p:cNvPr id="140" name="TextBox 139">
-              <a:extLst>
-                <a:ext uri="{FF2B5EF4-FFF2-40B4-BE49-F238E27FC236}">
-                  <a16:creationId xmlns:a16="http://schemas.microsoft.com/office/drawing/2014/main" id="{0B70D157-ADF4-6BF7-C0B7-139BC7868600}"/>
-                </a:ext>
-              </a:extLst>
-            </p:cNvPr>
-            <p:cNvSpPr txBox="1"/>
-            <p:nvPr/>
-          </p:nvSpPr>
-          <p:spPr>
-            <a:xfrm>
-              <a:off x="3859301" y="2782074"/>
-              <a:ext cx="417980" cy="369332"/>
-            </a:xfrm>
-            <a:prstGeom prst="rect">
-              <a:avLst/>
-            </a:prstGeom>
-            <a:noFill/>
-          </p:spPr>
-          <p:txBody>
-            <a:bodyPr wrap="square" rtlCol="0">
-              <a:spAutoFit/>
-            </a:bodyPr>
-            <a:lstStyle/>
-            <a:p>
-              <a:r>
-                <a:rPr lang="en-US" dirty="0" err="1"/>
-                <a:t>Sh</a:t>
-              </a:r>
-              <a:endParaRPr lang="en-US" dirty="0"/>
-            </a:p>
-          </p:txBody>
-        </p:sp>
-        <p:sp>
-          <p:nvSpPr>
-            <p:cNvPr id="134" name="Text Box 10">
-              <a:extLst>
-                <a:ext uri="{FF2B5EF4-FFF2-40B4-BE49-F238E27FC236}">
-                  <a16:creationId xmlns:a16="http://schemas.microsoft.com/office/drawing/2014/main" id="{5DE3E955-2C73-2067-B562-4DF7B75A5845}"/>
-                </a:ext>
-              </a:extLst>
-            </p:cNvPr>
-            <p:cNvSpPr txBox="1">
-              <a:spLocks noChangeArrowheads="1"/>
-            </p:cNvSpPr>
-            <p:nvPr/>
-          </p:nvSpPr>
-          <p:spPr bwMode="auto">
-            <a:xfrm>
-              <a:off x="4261966" y="197319"/>
-              <a:ext cx="1467665" cy="419705"/>
-            </a:xfrm>
-            <a:prstGeom prst="rect">
-              <a:avLst/>
-            </a:prstGeom>
-            <a:noFill/>
-            <a:ln>
-              <a:noFill/>
-            </a:ln>
-          </p:spPr>
-          <p:txBody>
-            <a:bodyPr vert="horz" wrap="square" lIns="91440" tIns="45720" rIns="91440" bIns="45720" numCol="1" anchor="t" anchorCtr="0" compatLnSpc="1">
-              <a:prstTxWarp prst="textNoShape">
-                <a:avLst/>
-              </a:prstTxWarp>
-            </a:bodyPr>
-            <a:lstStyle/>
-            <a:p>
-              <a:pPr marL="0" marR="0" lvl="0" indent="0" algn="ctr" defTabSz="914400" rtl="0" eaLnBrk="0" fontAlgn="base" latinLnBrk="0" hangingPunct="0">
-                <a:lnSpc>
-                  <a:spcPct val="100000"/>
-                </a:lnSpc>
-                <a:spcBef>
-                  <a:spcPct val="0"/>
-                </a:spcBef>
-                <a:spcAft>
-                  <a:spcPct val="0"/>
-                </a:spcAft>
-                <a:buClrTx/>
-                <a:buSzTx/>
-                <a:buFontTx/>
-                <a:buNone/>
-                <a:tabLst/>
-              </a:pPr>
-              <a:r>
-                <a:rPr kumimoji="0" lang="en-US" altLang="en-US" sz="1600" b="1" u="none" strike="noStrike" cap="none" normalizeH="0" baseline="0" dirty="0">
-                  <a:ln>
-                    <a:noFill/>
-                  </a:ln>
-                  <a:solidFill>
-                    <a:srgbClr val="FE9700"/>
-                  </a:solidFill>
-                  <a:effectLst/>
-                  <a:latin typeface="Sylfaen" panose="010A0502050306030303" pitchFamily="18" charset="0"/>
-                  <a:ea typeface="Calibri" panose="020F0502020204030204" pitchFamily="34" charset="0"/>
-                  <a:cs typeface="Times New Roman" panose="02020603050405020304" pitchFamily="18" charset="0"/>
-                </a:rPr>
-                <a:t>Talker A</a:t>
-              </a:r>
-              <a:endParaRPr kumimoji="0" lang="en-US" altLang="en-US" sz="3600" b="1" u="none" strike="noStrike" cap="none" normalizeH="0" baseline="0" dirty="0">
-                <a:ln>
-                  <a:noFill/>
-                </a:ln>
-                <a:solidFill>
-                  <a:srgbClr val="FE9700"/>
-                </a:solidFill>
-                <a:effectLst/>
-                <a:latin typeface="Arial" panose="020B0604020202020204" pitchFamily="34" charset="0"/>
-              </a:endParaRPr>
-            </a:p>
-          </p:txBody>
-        </p:sp>
         <p:pic>
           <p:nvPicPr>
             <p:cNvPr id="96" name="Graphic 95" descr="School boy outline">
@@ -12025,13 +11900,13 @@
             <p:nvPr/>
           </p:nvPicPr>
           <p:blipFill>
-            <a:blip r:embed="rId6">
+            <a:blip r:embed="rId8">
               <a:extLst>
                 <a:ext uri="{28A0092B-C50C-407E-A947-70E740481C1C}">
                   <a14:useLocalDpi xmlns:a14="http://schemas.microsoft.com/office/drawing/2010/main" val="0"/>
                 </a:ext>
                 <a:ext uri="{96DAC541-7B7A-43D3-8B79-37D633B846F1}">
-                  <asvg:svgBlip xmlns:asvg="http://schemas.microsoft.com/office/drawing/2016/SVG/main" r:embed="rId7"/>
+                  <asvg:svgBlip xmlns:asvg="http://schemas.microsoft.com/office/drawing/2016/SVG/main" r:embed="rId9"/>
                 </a:ext>
               </a:extLst>
             </a:blip>
@@ -12041,7 +11916,7 @@
           </p:blipFill>
           <p:spPr>
             <a:xfrm>
-              <a:off x="4889109" y="1037920"/>
+              <a:off x="7656977" y="4348951"/>
               <a:ext cx="643653" cy="728254"/>
             </a:xfrm>
             <a:prstGeom prst="rect">
@@ -12063,7 +11938,7 @@
           </p:nvSpPr>
           <p:spPr>
             <a:xfrm>
-              <a:off x="4577040" y="586867"/>
+              <a:off x="7344908" y="3897898"/>
               <a:ext cx="875776" cy="1101077"/>
             </a:xfrm>
             <a:prstGeom prst="roundRect">
@@ -12105,12 +11980,146 @@
             </a:p>
           </p:txBody>
         </p:sp>
+        <p:pic>
+          <p:nvPicPr>
+            <p:cNvPr id="99" name="Graphic 98" descr="Male outline">
+              <a:extLst>
+                <a:ext uri="{FF2B5EF4-FFF2-40B4-BE49-F238E27FC236}">
+                  <a16:creationId xmlns:a16="http://schemas.microsoft.com/office/drawing/2014/main" id="{B246DFCE-F2D1-2D2F-59DE-CED25C2CED3A}"/>
+                </a:ext>
+              </a:extLst>
+            </p:cNvPr>
+            <p:cNvPicPr>
+              <a:picLocks noChangeAspect="1"/>
+            </p:cNvPicPr>
+            <p:nvPr/>
+          </p:nvPicPr>
+          <p:blipFill>
+            <a:blip r:embed="rId10">
+              <a:extLst>
+                <a:ext uri="{28A0092B-C50C-407E-A947-70E740481C1C}">
+                  <a14:useLocalDpi xmlns:a14="http://schemas.microsoft.com/office/drawing/2010/main" val="0"/>
+                </a:ext>
+                <a:ext uri="{96DAC541-7B7A-43D3-8B79-37D633B846F1}">
+                  <asvg:svgBlip xmlns:asvg="http://schemas.microsoft.com/office/drawing/2016/SVG/main" r:embed="rId11"/>
+                </a:ext>
+              </a:extLst>
+            </a:blip>
+            <a:stretch>
+              <a:fillRect/>
+            </a:stretch>
+          </p:blipFill>
+          <p:spPr>
+            <a:xfrm>
+              <a:off x="7389939" y="3946533"/>
+              <a:ext cx="341901" cy="386841"/>
+            </a:xfrm>
+            <a:prstGeom prst="rect">
+              <a:avLst/>
+            </a:prstGeom>
+          </p:spPr>
+        </p:pic>
+        <p:pic>
+          <p:nvPicPr>
+            <p:cNvPr id="100" name="Graphic 99" descr="Ear outline">
+              <a:extLst>
+                <a:ext uri="{FF2B5EF4-FFF2-40B4-BE49-F238E27FC236}">
+                  <a16:creationId xmlns:a16="http://schemas.microsoft.com/office/drawing/2014/main" id="{6D6A5DCB-B563-509D-9D35-A999C2263C17}"/>
+                </a:ext>
+              </a:extLst>
+            </p:cNvPr>
+            <p:cNvPicPr>
+              <a:picLocks noChangeAspect="1"/>
+            </p:cNvPicPr>
+            <p:nvPr/>
+          </p:nvPicPr>
+          <p:blipFill>
+            <a:blip r:embed="rId6">
+              <a:extLst>
+                <a:ext uri="{28A0092B-C50C-407E-A947-70E740481C1C}">
+                  <a14:useLocalDpi xmlns:a14="http://schemas.microsoft.com/office/drawing/2010/main" val="0"/>
+                </a:ext>
+                <a:ext uri="{96DAC541-7B7A-43D3-8B79-37D633B846F1}">
+                  <asvg:svgBlip xmlns:asvg="http://schemas.microsoft.com/office/drawing/2016/SVG/main" r:embed="rId7"/>
+                </a:ext>
+              </a:extLst>
+            </a:blip>
+            <a:stretch>
+              <a:fillRect/>
+            </a:stretch>
+          </p:blipFill>
+          <p:spPr>
+            <a:xfrm flipH="1">
+              <a:off x="6752949" y="4300535"/>
+              <a:ext cx="269216" cy="386613"/>
+            </a:xfrm>
+            <a:prstGeom prst="rect">
+              <a:avLst/>
+            </a:prstGeom>
+          </p:spPr>
+        </p:pic>
         <p:sp>
           <p:nvSpPr>
-            <p:cNvPr id="98" name="Text Box 10">
+            <p:cNvPr id="143" name="TextBox 142">
               <a:extLst>
                 <a:ext uri="{FF2B5EF4-FFF2-40B4-BE49-F238E27FC236}">
-                  <a16:creationId xmlns:a16="http://schemas.microsoft.com/office/drawing/2014/main" id="{F1981079-9AC3-39EC-E2F4-6BCF80F9A51D}"/>
+                  <a16:creationId xmlns:a16="http://schemas.microsoft.com/office/drawing/2014/main" id="{F02D5D21-C2A2-C896-BEC8-8D6E3AD4AD24}"/>
+                </a:ext>
+              </a:extLst>
+            </p:cNvPr>
+            <p:cNvSpPr txBox="1"/>
+            <p:nvPr/>
+          </p:nvSpPr>
+          <p:spPr>
+            <a:xfrm>
+              <a:off x="7394164" y="4658605"/>
+              <a:ext cx="417980" cy="369332"/>
+            </a:xfrm>
+            <a:prstGeom prst="rect">
+              <a:avLst/>
+            </a:prstGeom>
+            <a:noFill/>
+          </p:spPr>
+          <p:txBody>
+            <a:bodyPr wrap="square" rtlCol="0">
+              <a:spAutoFit/>
+            </a:bodyPr>
+            <a:lstStyle/>
+            <a:p>
+              <a:r>
+                <a:rPr lang="en-US" dirty="0"/>
+                <a:t>S</a:t>
+              </a:r>
+            </a:p>
+          </p:txBody>
+        </p:sp>
+      </p:grpSp>
+      <p:grpSp>
+        <p:nvGrpSpPr>
+          <p:cNvPr id="12" name="Group 11">
+            <a:extLst>
+              <a:ext uri="{FF2B5EF4-FFF2-40B4-BE49-F238E27FC236}">
+                <a16:creationId xmlns:a16="http://schemas.microsoft.com/office/drawing/2014/main" id="{9FD38F05-D89F-6118-88F2-AE742103198C}"/>
+              </a:ext>
+            </a:extLst>
+          </p:cNvPr>
+          <p:cNvGrpSpPr/>
+          <p:nvPr/>
+        </p:nvGrpSpPr>
+        <p:grpSpPr>
+          <a:xfrm>
+            <a:off x="6157096" y="638261"/>
+            <a:ext cx="2118933" cy="1373878"/>
+            <a:chOff x="6117801" y="5365834"/>
+            <a:chExt cx="2118933" cy="1373878"/>
+          </a:xfrm>
+        </p:grpSpPr>
+        <p:sp>
+          <p:nvSpPr>
+            <p:cNvPr id="91" name="Text Box 11">
+              <a:extLst>
+                <a:ext uri="{FF2B5EF4-FFF2-40B4-BE49-F238E27FC236}">
+                  <a16:creationId xmlns:a16="http://schemas.microsoft.com/office/drawing/2014/main" id="{6ABD6580-77ED-4342-766B-3442DA2AD050}"/>
                 </a:ext>
               </a:extLst>
             </p:cNvPr>
@@ -12121,8 +12130,8 @@
           </p:nvSpPr>
           <p:spPr bwMode="auto">
             <a:xfrm>
-              <a:off x="4596576" y="1724038"/>
-              <a:ext cx="854299" cy="236247"/>
+              <a:off x="6189460" y="6493466"/>
+              <a:ext cx="854301" cy="236248"/>
             </a:xfrm>
             <a:prstGeom prst="rect">
               <a:avLst/>
@@ -12183,7 +12192,7 @@
                   <a:ea typeface="Calibri" panose="020F0502020204030204" pitchFamily="34" charset="0"/>
                   <a:cs typeface="Times New Roman" panose="02020603050405020304" pitchFamily="18" charset="0"/>
                 </a:rPr>
-                <a:t>Right</a:t>
+                <a:t>Left</a:t>
               </a:r>
               <a:endParaRPr kumimoji="0" lang="en-US" altLang="en-US" sz="2400" b="0" i="0" u="none" strike="noStrike" cap="none" normalizeH="0" baseline="0" dirty="0">
                 <a:ln>
@@ -12200,10 +12209,105 @@
         </p:sp>
         <p:pic>
           <p:nvPicPr>
-            <p:cNvPr id="99" name="Graphic 98" descr="Male outline">
+            <p:cNvPr id="88" name="Graphic 87" descr="Ear outline">
               <a:extLst>
                 <a:ext uri="{FF2B5EF4-FFF2-40B4-BE49-F238E27FC236}">
-                  <a16:creationId xmlns:a16="http://schemas.microsoft.com/office/drawing/2014/main" id="{B246DFCE-F2D1-2D2F-59DE-CED25C2CED3A}"/>
+                  <a16:creationId xmlns:a16="http://schemas.microsoft.com/office/drawing/2014/main" id="{E3F0D192-33FD-E78C-2E0F-E117D8CD228F}"/>
+                </a:ext>
+              </a:extLst>
+            </p:cNvPr>
+            <p:cNvPicPr>
+              <a:picLocks noChangeAspect="1"/>
+            </p:cNvPicPr>
+            <p:nvPr/>
+          </p:nvPicPr>
+          <p:blipFill>
+            <a:blip r:embed="rId6">
+              <a:extLst>
+                <a:ext uri="{28A0092B-C50C-407E-A947-70E740481C1C}">
+                  <a14:useLocalDpi xmlns:a14="http://schemas.microsoft.com/office/drawing/2010/main" val="0"/>
+                </a:ext>
+                <a:ext uri="{96DAC541-7B7A-43D3-8B79-37D633B846F1}">
+                  <asvg:svgBlip xmlns:asvg="http://schemas.microsoft.com/office/drawing/2016/SVG/main" r:embed="rId7"/>
+                </a:ext>
+              </a:extLst>
+            </a:blip>
+            <a:stretch>
+              <a:fillRect/>
+            </a:stretch>
+          </p:blipFill>
+          <p:spPr>
+            <a:xfrm>
+              <a:off x="7370362" y="5796286"/>
+              <a:ext cx="269217" cy="386613"/>
+            </a:xfrm>
+            <a:prstGeom prst="rect">
+              <a:avLst/>
+            </a:prstGeom>
+          </p:spPr>
+        </p:pic>
+        <p:sp>
+          <p:nvSpPr>
+            <p:cNvPr id="90" name="Rectangle: Rounded Corners 89">
+              <a:extLst>
+                <a:ext uri="{FF2B5EF4-FFF2-40B4-BE49-F238E27FC236}">
+                  <a16:creationId xmlns:a16="http://schemas.microsoft.com/office/drawing/2014/main" id="{0494CA85-3224-8B39-404E-E9458617340E}"/>
+                </a:ext>
+              </a:extLst>
+            </p:cNvPr>
+            <p:cNvSpPr/>
+            <p:nvPr/>
+          </p:nvSpPr>
+          <p:spPr>
+            <a:xfrm>
+              <a:off x="6174621" y="5365834"/>
+              <a:ext cx="870528" cy="1101078"/>
+            </a:xfrm>
+            <a:prstGeom prst="roundRect">
+              <a:avLst/>
+            </a:prstGeom>
+            <a:noFill/>
+            <a:ln w="57150">
+              <a:solidFill>
+                <a:srgbClr val="77CEF9"/>
+              </a:solidFill>
+            </a:ln>
+          </p:spPr>
+          <p:style>
+            <a:lnRef idx="2">
+              <a:schemeClr val="accent1">
+                <a:shade val="50000"/>
+              </a:schemeClr>
+            </a:lnRef>
+            <a:fillRef idx="1">
+              <a:schemeClr val="accent1"/>
+            </a:fillRef>
+            <a:effectRef idx="0">
+              <a:schemeClr val="accent1"/>
+            </a:effectRef>
+            <a:fontRef idx="minor">
+              <a:schemeClr val="lt1"/>
+            </a:fontRef>
+          </p:style>
+          <p:txBody>
+            <a:bodyPr rot="0" spcFirstLastPara="0" vert="horz" wrap="square" lIns="91440" tIns="45720" rIns="91440" bIns="45720" numCol="1" spcCol="0" rtlCol="0" fromWordArt="0" anchor="ctr" anchorCtr="0" forceAA="0" compatLnSpc="1">
+              <a:prstTxWarp prst="textNoShape">
+                <a:avLst/>
+              </a:prstTxWarp>
+              <a:noAutofit/>
+            </a:bodyPr>
+            <a:lstStyle/>
+            <a:p>
+              <a:endParaRPr lang="en-US"/>
+            </a:p>
+          </p:txBody>
+        </p:sp>
+        <p:pic>
+          <p:nvPicPr>
+            <p:cNvPr id="93" name="Graphic 92" descr="School boy outline">
+              <a:extLst>
+                <a:ext uri="{FF2B5EF4-FFF2-40B4-BE49-F238E27FC236}">
+                  <a16:creationId xmlns:a16="http://schemas.microsoft.com/office/drawing/2014/main" id="{A212EC77-0016-C905-8FAF-6EE7F893D275}"/>
                 </a:ext>
               </a:extLst>
             </p:cNvPr>
@@ -12229,8 +12333,8 @@
           </p:blipFill>
           <p:spPr>
             <a:xfrm>
-              <a:off x="4622071" y="635502"/>
-              <a:ext cx="341901" cy="386841"/>
+              <a:off x="6117801" y="5805480"/>
+              <a:ext cx="643653" cy="728254"/>
             </a:xfrm>
             <a:prstGeom prst="rect">
               <a:avLst/>
@@ -12239,10 +12343,10 @@
         </p:pic>
         <p:pic>
           <p:nvPicPr>
-            <p:cNvPr id="100" name="Graphic 99" descr="Ear outline">
+            <p:cNvPr id="94" name="Graphic 93" descr="Male outline">
               <a:extLst>
                 <a:ext uri="{FF2B5EF4-FFF2-40B4-BE49-F238E27FC236}">
-                  <a16:creationId xmlns:a16="http://schemas.microsoft.com/office/drawing/2014/main" id="{6D6A5DCB-B563-509D-9D35-A999C2263C17}"/>
+                  <a16:creationId xmlns:a16="http://schemas.microsoft.com/office/drawing/2014/main" id="{494EF8F1-4B91-1410-849C-965FF2224B1E}"/>
                 </a:ext>
               </a:extLst>
             </p:cNvPr>
@@ -12267,15 +12371,51 @@
             </a:stretch>
           </p:blipFill>
           <p:spPr>
-            <a:xfrm flipH="1">
-              <a:off x="3985081" y="989504"/>
-              <a:ext cx="269216" cy="386613"/>
+            <a:xfrm>
+              <a:off x="6675732" y="5413268"/>
+              <a:ext cx="341901" cy="386841"/>
             </a:xfrm>
             <a:prstGeom prst="rect">
               <a:avLst/>
             </a:prstGeom>
           </p:spPr>
         </p:pic>
+        <p:sp>
+          <p:nvSpPr>
+            <p:cNvPr id="140" name="TextBox 139">
+              <a:extLst>
+                <a:ext uri="{FF2B5EF4-FFF2-40B4-BE49-F238E27FC236}">
+                  <a16:creationId xmlns:a16="http://schemas.microsoft.com/office/drawing/2014/main" id="{0B70D157-ADF4-6BF7-C0B7-139BC7868600}"/>
+                </a:ext>
+              </a:extLst>
+            </p:cNvPr>
+            <p:cNvSpPr txBox="1"/>
+            <p:nvPr/>
+          </p:nvSpPr>
+          <p:spPr>
+            <a:xfrm>
+              <a:off x="6627169" y="6093105"/>
+              <a:ext cx="417980" cy="369332"/>
+            </a:xfrm>
+            <a:prstGeom prst="rect">
+              <a:avLst/>
+            </a:prstGeom>
+            <a:noFill/>
+          </p:spPr>
+          <p:txBody>
+            <a:bodyPr wrap="square" rtlCol="0">
+              <a:spAutoFit/>
+            </a:bodyPr>
+            <a:lstStyle/>
+            <a:p>
+              <a:r>
+                <a:rPr lang="en-US" dirty="0" err="1"/>
+                <a:t>Sh</a:t>
+              </a:r>
+              <a:endParaRPr lang="en-US" dirty="0"/>
+            </a:p>
+          </p:txBody>
+        </p:sp>
         <p:pic>
           <p:nvPicPr>
             <p:cNvPr id="102" name="Graphic 101" descr="School girl outline">
@@ -12307,7 +12447,7 @@
           </p:blipFill>
           <p:spPr>
             <a:xfrm>
-              <a:off x="4825211" y="2491866"/>
+              <a:off x="7593079" y="5802897"/>
               <a:ext cx="643655" cy="728255"/>
             </a:xfrm>
             <a:prstGeom prst="rect">
@@ -12346,7 +12486,7 @@
           </p:blipFill>
           <p:spPr>
             <a:xfrm>
-              <a:off x="4590579" y="2138768"/>
+              <a:off x="7358447" y="5449799"/>
               <a:ext cx="312079" cy="353098"/>
             </a:xfrm>
             <a:prstGeom prst="rect">
@@ -12368,7 +12508,7 @@
           </p:nvSpPr>
           <p:spPr>
             <a:xfrm>
-              <a:off x="4558201" y="2055263"/>
+              <a:off x="7326069" y="5366294"/>
               <a:ext cx="875776" cy="1101077"/>
             </a:xfrm>
             <a:prstGeom prst="roundRect">
@@ -12426,7 +12566,7 @@
           </p:nvSpPr>
           <p:spPr bwMode="auto">
             <a:xfrm>
-              <a:off x="4577737" y="3192434"/>
+              <a:off x="7345605" y="6503465"/>
               <a:ext cx="854299" cy="236247"/>
             </a:xfrm>
             <a:prstGeom prst="rect">
@@ -12518,13 +12658,13 @@
             <p:nvPr/>
           </p:nvPicPr>
           <p:blipFill>
-            <a:blip r:embed="rId10">
+            <a:blip r:embed="rId6">
               <a:extLst>
                 <a:ext uri="{28A0092B-C50C-407E-A947-70E740481C1C}">
                   <a14:useLocalDpi xmlns:a14="http://schemas.microsoft.com/office/drawing/2010/main" val="0"/>
                 </a:ext>
                 <a:ext uri="{96DAC541-7B7A-43D3-8B79-37D633B846F1}">
-                  <asvg:svgBlip xmlns:asvg="http://schemas.microsoft.com/office/drawing/2016/SVG/main" r:embed="rId11"/>
+                  <asvg:svgBlip xmlns:asvg="http://schemas.microsoft.com/office/drawing/2016/SVG/main" r:embed="rId7"/>
                 </a:ext>
               </a:extLst>
             </a:blip>
@@ -12534,7 +12674,7 @@
           </p:blipFill>
           <p:spPr>
             <a:xfrm flipH="1">
-              <a:off x="3957898" y="2474300"/>
+              <a:off x="6725766" y="5785331"/>
               <a:ext cx="269216" cy="386613"/>
             </a:xfrm>
             <a:prstGeom prst="rect">
@@ -12544,10 +12684,10 @@
         </p:pic>
         <p:sp>
           <p:nvSpPr>
-            <p:cNvPr id="143" name="TextBox 142">
+            <p:cNvPr id="144" name="TextBox 143">
               <a:extLst>
                 <a:ext uri="{FF2B5EF4-FFF2-40B4-BE49-F238E27FC236}">
-                  <a16:creationId xmlns:a16="http://schemas.microsoft.com/office/drawing/2014/main" id="{F02D5D21-C2A2-C896-BEC8-8D6E3AD4AD24}"/>
+                  <a16:creationId xmlns:a16="http://schemas.microsoft.com/office/drawing/2014/main" id="{6D5B9524-150D-55DC-2E07-E15ACD2A3255}"/>
                 </a:ext>
               </a:extLst>
             </p:cNvPr>
@@ -12556,42 +12696,7 @@
           </p:nvSpPr>
           <p:spPr>
             <a:xfrm>
-              <a:off x="4626296" y="1347574"/>
-              <a:ext cx="417980" cy="369332"/>
-            </a:xfrm>
-            <a:prstGeom prst="rect">
-              <a:avLst/>
-            </a:prstGeom>
-            <a:noFill/>
-          </p:spPr>
-          <p:txBody>
-            <a:bodyPr wrap="square" rtlCol="0">
-              <a:spAutoFit/>
-            </a:bodyPr>
-            <a:lstStyle/>
-            <a:p>
-              <a:r>
-                <a:rPr lang="en-US" dirty="0"/>
-                <a:t>S</a:t>
-              </a:r>
-            </a:p>
-          </p:txBody>
-        </p:sp>
-        <p:sp>
-          <p:nvSpPr>
-            <p:cNvPr id="144" name="TextBox 143">
-              <a:extLst>
-                <a:ext uri="{FF2B5EF4-FFF2-40B4-BE49-F238E27FC236}">
-                  <a16:creationId xmlns:a16="http://schemas.microsoft.com/office/drawing/2014/main" id="{6D5B9524-150D-55DC-2E07-E15ACD2A3255}"/>
-                </a:ext>
-              </a:extLst>
-            </p:cNvPr>
-            <p:cNvSpPr txBox="1"/>
-            <p:nvPr/>
-          </p:nvSpPr>
-          <p:spPr>
-            <a:xfrm>
-              <a:off x="4616221" y="2770716"/>
+              <a:off x="7384089" y="6081747"/>
               <a:ext cx="417980" cy="369332"/>
             </a:xfrm>
             <a:prstGeom prst="rect">
@@ -12627,7 +12732,7 @@
         </p:nvSpPr>
         <p:spPr>
           <a:xfrm>
-            <a:off x="5943388" y="528946"/>
+            <a:off x="3248627" y="500757"/>
             <a:ext cx="2386755" cy="1458515"/>
           </a:xfrm>
           <a:prstGeom prst="roundRect">
@@ -12664,6 +12769,192 @@
           <a:p>
             <a:pPr algn="ctr"/>
             <a:endParaRPr lang="en-US"/>
+          </a:p>
+        </p:txBody>
+      </p:sp>
+      <p:sp>
+        <p:nvSpPr>
+          <p:cNvPr id="14" name="Text Box 11">
+            <a:extLst>
+              <a:ext uri="{FF2B5EF4-FFF2-40B4-BE49-F238E27FC236}">
+                <a16:creationId xmlns:a16="http://schemas.microsoft.com/office/drawing/2014/main" id="{F74B9834-C8AC-F32A-AC48-81A323F17765}"/>
+              </a:ext>
+            </a:extLst>
+          </p:cNvPr>
+          <p:cNvSpPr txBox="1">
+            <a:spLocks noChangeArrowheads="1"/>
+          </p:cNvSpPr>
+          <p:nvPr/>
+        </p:nvSpPr>
+        <p:spPr bwMode="auto">
+          <a:xfrm>
+            <a:off x="6174791" y="5040280"/>
+            <a:ext cx="854301" cy="236248"/>
+          </a:xfrm>
+          <a:prstGeom prst="rect">
+            <a:avLst/>
+          </a:prstGeom>
+          <a:solidFill>
+            <a:srgbClr val="FFFFFF"/>
+          </a:solidFill>
+          <a:ln>
+            <a:noFill/>
+          </a:ln>
+          <a:extLst>
+            <a:ext uri="{91240B29-F687-4F45-9708-019B960494DF}">
+              <a14:hiddenLine xmlns:a14="http://schemas.microsoft.com/office/drawing/2010/main" w="6350">
+                <a:solidFill>
+                  <a:srgbClr val="000000"/>
+                </a:solidFill>
+                <a:miter lim="800000"/>
+                <a:headEnd/>
+                <a:tailEnd/>
+              </a14:hiddenLine>
+            </a:ext>
+          </a:extLst>
+        </p:spPr>
+        <p:txBody>
+          <a:bodyPr vert="horz" wrap="square" lIns="91440" tIns="45720" rIns="91440" bIns="45720" numCol="1" anchor="t" anchorCtr="0" compatLnSpc="1">
+            <a:prstTxWarp prst="textNoShape">
+              <a:avLst/>
+            </a:prstTxWarp>
+          </a:bodyPr>
+          <a:lstStyle/>
+          <a:p>
+            <a:pPr marL="0" marR="0" lvl="0" indent="0" algn="ctr" defTabSz="914400" rtl="0" eaLnBrk="0" fontAlgn="base" latinLnBrk="0" hangingPunct="0">
+              <a:lnSpc>
+                <a:spcPct val="100000"/>
+              </a:lnSpc>
+              <a:spcBef>
+                <a:spcPct val="0"/>
+              </a:spcBef>
+              <a:spcAft>
+                <a:spcPct val="0"/>
+              </a:spcAft>
+              <a:buClrTx/>
+              <a:buSzTx/>
+              <a:buFontTx/>
+              <a:buNone/>
+              <a:tabLst/>
+            </a:pPr>
+            <a:r>
+              <a:rPr kumimoji="0" lang="en-US" altLang="en-US" sz="1100" b="0" i="1" u="none" strike="noStrike" cap="none" normalizeH="0" baseline="0" dirty="0">
+                <a:ln>
+                  <a:noFill/>
+                </a:ln>
+                <a:solidFill>
+                  <a:schemeClr val="tx1"/>
+                </a:solidFill>
+                <a:effectLst/>
+                <a:latin typeface="Sylfaen" panose="010A0502050306030303" pitchFamily="18" charset="0"/>
+                <a:ea typeface="Calibri" panose="020F0502020204030204" pitchFamily="34" charset="0"/>
+                <a:cs typeface="Times New Roman" panose="02020603050405020304" pitchFamily="18" charset="0"/>
+              </a:rPr>
+              <a:t>Left</a:t>
+            </a:r>
+            <a:endParaRPr kumimoji="0" lang="en-US" altLang="en-US" sz="2400" b="0" i="0" u="none" strike="noStrike" cap="none" normalizeH="0" baseline="0" dirty="0">
+              <a:ln>
+                <a:noFill/>
+              </a:ln>
+              <a:solidFill>
+                <a:schemeClr val="tx1"/>
+              </a:solidFill>
+              <a:effectLst/>
+              <a:latin typeface="Arial" panose="020B0604020202020204" pitchFamily="34" charset="0"/>
+            </a:endParaRPr>
+          </a:p>
+        </p:txBody>
+      </p:sp>
+      <p:sp>
+        <p:nvSpPr>
+          <p:cNvPr id="16" name="Text Box 10">
+            <a:extLst>
+              <a:ext uri="{FF2B5EF4-FFF2-40B4-BE49-F238E27FC236}">
+                <a16:creationId xmlns:a16="http://schemas.microsoft.com/office/drawing/2014/main" id="{4E4DDE8B-90E4-F9F3-BC28-84C462A0B8D7}"/>
+              </a:ext>
+            </a:extLst>
+          </p:cNvPr>
+          <p:cNvSpPr txBox="1">
+            <a:spLocks noChangeArrowheads="1"/>
+          </p:cNvSpPr>
+          <p:nvPr/>
+        </p:nvSpPr>
+        <p:spPr bwMode="auto">
+          <a:xfrm>
+            <a:off x="7408592" y="5042965"/>
+            <a:ext cx="854299" cy="236247"/>
+          </a:xfrm>
+          <a:prstGeom prst="rect">
+            <a:avLst/>
+          </a:prstGeom>
+          <a:solidFill>
+            <a:srgbClr val="FFFFFF"/>
+          </a:solidFill>
+          <a:ln>
+            <a:noFill/>
+          </a:ln>
+          <a:extLst>
+            <a:ext uri="{91240B29-F687-4F45-9708-019B960494DF}">
+              <a14:hiddenLine xmlns:a14="http://schemas.microsoft.com/office/drawing/2010/main" w="6350">
+                <a:solidFill>
+                  <a:srgbClr val="000000"/>
+                </a:solidFill>
+                <a:miter lim="800000"/>
+                <a:headEnd/>
+                <a:tailEnd/>
+              </a14:hiddenLine>
+            </a:ext>
+          </a:extLst>
+        </p:spPr>
+        <p:txBody>
+          <a:bodyPr vert="horz" wrap="square" lIns="91440" tIns="45720" rIns="91440" bIns="45720" numCol="1" anchor="t" anchorCtr="0" compatLnSpc="1">
+            <a:prstTxWarp prst="textNoShape">
+              <a:avLst/>
+            </a:prstTxWarp>
+          </a:bodyPr>
+          <a:lstStyle/>
+          <a:p>
+            <a:pPr marL="0" marR="0" lvl="0" indent="0" algn="ctr" defTabSz="914400" rtl="0" eaLnBrk="0" fontAlgn="base" latinLnBrk="0" hangingPunct="0">
+              <a:lnSpc>
+                <a:spcPct val="100000"/>
+              </a:lnSpc>
+              <a:spcBef>
+                <a:spcPct val="0"/>
+              </a:spcBef>
+              <a:spcAft>
+                <a:spcPct val="0"/>
+              </a:spcAft>
+              <a:buClrTx/>
+              <a:buSzTx/>
+              <a:buFontTx/>
+              <a:buNone/>
+              <a:tabLst/>
+            </a:pPr>
+            <a:r>
+              <a:rPr kumimoji="0" lang="en-US" altLang="en-US" sz="1100" b="0" i="1" u="none" strike="noStrike" cap="none" normalizeH="0" baseline="0" dirty="0">
+                <a:ln>
+                  <a:noFill/>
+                </a:ln>
+                <a:solidFill>
+                  <a:schemeClr val="tx1"/>
+                </a:solidFill>
+                <a:effectLst/>
+                <a:latin typeface="Sylfaen" panose="010A0502050306030303" pitchFamily="18" charset="0"/>
+                <a:ea typeface="Calibri" panose="020F0502020204030204" pitchFamily="34" charset="0"/>
+                <a:cs typeface="Times New Roman" panose="02020603050405020304" pitchFamily="18" charset="0"/>
+              </a:rPr>
+              <a:t>Right</a:t>
+            </a:r>
+            <a:endParaRPr kumimoji="0" lang="en-US" altLang="en-US" sz="2400" b="0" i="0" u="none" strike="noStrike" cap="none" normalizeH="0" baseline="0" dirty="0">
+              <a:ln>
+                <a:noFill/>
+              </a:ln>
+              <a:solidFill>
+                <a:schemeClr val="tx1"/>
+              </a:solidFill>
+              <a:effectLst/>
+              <a:latin typeface="Arial" panose="020B0604020202020204" pitchFamily="34" charset="0"/>
+            </a:endParaRPr>
           </a:p>
         </p:txBody>
       </p:sp>

--- a/Writeups/Design Figures.pptx
+++ b/Writeups/Design Figures.pptx
@@ -6,7 +6,8 @@
   </p:sldMasterIdLst>
   <p:sldIdLst>
     <p:sldId id="256" r:id="rId2"/>
-    <p:sldId id="257" r:id="rId3"/>
+    <p:sldId id="258" r:id="rId3"/>
+    <p:sldId id="257" r:id="rId4"/>
   </p:sldIdLst>
   <p:sldSz cx="12192000" cy="6858000"/>
   <p:notesSz cx="6858000" cy="9144000"/>
@@ -260,7 +261,7 @@
           <a:p>
             <a:fld id="{914BB29B-1D65-452B-8FC4-46EDB4DF1FB8}" type="datetimeFigureOut">
               <a:rPr lang="en-US" smtClean="0"/>
-              <a:t>12/1/2022</a:t>
+              <a:t>12/11/2022</a:t>
             </a:fld>
             <a:endParaRPr lang="en-US"/>
           </a:p>
@@ -458,7 +459,7 @@
           <a:p>
             <a:fld id="{914BB29B-1D65-452B-8FC4-46EDB4DF1FB8}" type="datetimeFigureOut">
               <a:rPr lang="en-US" smtClean="0"/>
-              <a:t>12/1/2022</a:t>
+              <a:t>12/11/2022</a:t>
             </a:fld>
             <a:endParaRPr lang="en-US"/>
           </a:p>
@@ -666,7 +667,7 @@
           <a:p>
             <a:fld id="{914BB29B-1D65-452B-8FC4-46EDB4DF1FB8}" type="datetimeFigureOut">
               <a:rPr lang="en-US" smtClean="0"/>
-              <a:t>12/1/2022</a:t>
+              <a:t>12/11/2022</a:t>
             </a:fld>
             <a:endParaRPr lang="en-US"/>
           </a:p>
@@ -864,7 +865,7 @@
           <a:p>
             <a:fld id="{914BB29B-1D65-452B-8FC4-46EDB4DF1FB8}" type="datetimeFigureOut">
               <a:rPr lang="en-US" smtClean="0"/>
-              <a:t>12/1/2022</a:t>
+              <a:t>12/11/2022</a:t>
             </a:fld>
             <a:endParaRPr lang="en-US"/>
           </a:p>
@@ -1139,7 +1140,7 @@
           <a:p>
             <a:fld id="{914BB29B-1D65-452B-8FC4-46EDB4DF1FB8}" type="datetimeFigureOut">
               <a:rPr lang="en-US" smtClean="0"/>
-              <a:t>12/1/2022</a:t>
+              <a:t>12/11/2022</a:t>
             </a:fld>
             <a:endParaRPr lang="en-US"/>
           </a:p>
@@ -1404,7 +1405,7 @@
           <a:p>
             <a:fld id="{914BB29B-1D65-452B-8FC4-46EDB4DF1FB8}" type="datetimeFigureOut">
               <a:rPr lang="en-US" smtClean="0"/>
-              <a:t>12/1/2022</a:t>
+              <a:t>12/11/2022</a:t>
             </a:fld>
             <a:endParaRPr lang="en-US"/>
           </a:p>
@@ -1816,7 +1817,7 @@
           <a:p>
             <a:fld id="{914BB29B-1D65-452B-8FC4-46EDB4DF1FB8}" type="datetimeFigureOut">
               <a:rPr lang="en-US" smtClean="0"/>
-              <a:t>12/1/2022</a:t>
+              <a:t>12/11/2022</a:t>
             </a:fld>
             <a:endParaRPr lang="en-US"/>
           </a:p>
@@ -1957,7 +1958,7 @@
           <a:p>
             <a:fld id="{914BB29B-1D65-452B-8FC4-46EDB4DF1FB8}" type="datetimeFigureOut">
               <a:rPr lang="en-US" smtClean="0"/>
-              <a:t>12/1/2022</a:t>
+              <a:t>12/11/2022</a:t>
             </a:fld>
             <a:endParaRPr lang="en-US"/>
           </a:p>
@@ -2070,7 +2071,7 @@
           <a:p>
             <a:fld id="{914BB29B-1D65-452B-8FC4-46EDB4DF1FB8}" type="datetimeFigureOut">
               <a:rPr lang="en-US" smtClean="0"/>
-              <a:t>12/1/2022</a:t>
+              <a:t>12/11/2022</a:t>
             </a:fld>
             <a:endParaRPr lang="en-US"/>
           </a:p>
@@ -2381,7 +2382,7 @@
           <a:p>
             <a:fld id="{914BB29B-1D65-452B-8FC4-46EDB4DF1FB8}" type="datetimeFigureOut">
               <a:rPr lang="en-US" smtClean="0"/>
-              <a:t>12/1/2022</a:t>
+              <a:t>12/11/2022</a:t>
             </a:fld>
             <a:endParaRPr lang="en-US"/>
           </a:p>
@@ -2669,7 +2670,7 @@
           <a:p>
             <a:fld id="{914BB29B-1D65-452B-8FC4-46EDB4DF1FB8}" type="datetimeFigureOut">
               <a:rPr lang="en-US" smtClean="0"/>
-              <a:t>12/1/2022</a:t>
+              <a:t>12/11/2022</a:t>
             </a:fld>
             <a:endParaRPr lang="en-US"/>
           </a:p>
@@ -2910,7 +2911,7 @@
           <a:p>
             <a:fld id="{914BB29B-1D65-452B-8FC4-46EDB4DF1FB8}" type="datetimeFigureOut">
               <a:rPr lang="en-US" smtClean="0"/>
-              <a:t>12/1/2022</a:t>
+              <a:t>12/11/2022</a:t>
             </a:fld>
             <a:endParaRPr lang="en-US"/>
           </a:p>
@@ -4591,7 +4592,7 @@
                         </a:spcAft>
                       </a:pPr>
                       <a:r>
-                        <a:rPr lang="en-US" sz="1200" dirty="0" err="1">
+                        <a:rPr lang="en-US" sz="1200" dirty="0">
                           <a:solidFill>
                             <a:schemeClr val="tx1"/>
                           </a:solidFill>
@@ -5100,7 +5101,7 @@
                         </a:spcAft>
                       </a:pPr>
                       <a:r>
-                        <a:rPr lang="en-US" sz="1200" dirty="0" err="1">
+                        <a:rPr lang="en-US" sz="1200" dirty="0">
                           <a:solidFill>
                             <a:schemeClr val="tx1"/>
                           </a:solidFill>
@@ -5122,7 +5123,7 @@
                         <a:t> </a:t>
                       </a:r>
                       <a:r>
-                        <a:rPr lang="en-US" sz="1400" b="1" dirty="0" err="1">
+                        <a:rPr lang="en-US" sz="1400" b="1" dirty="0">
                           <a:solidFill>
                             <a:schemeClr val="tx1"/>
                           </a:solidFill>
@@ -5541,10 +5542,9 @@
             <a:lstStyle/>
             <a:p>
               <a:r>
-                <a:rPr lang="en-US" dirty="0" err="1"/>
+                <a:rPr lang="en-US" dirty="0"/>
                 <a:t>Sh</a:t>
               </a:r>
-              <a:endParaRPr lang="en-US" dirty="0"/>
             </a:p>
           </p:txBody>
         </p:sp>
@@ -6825,7 +6825,7 @@
                 <a:t> </a:t>
               </a:r>
               <a:r>
-                <a:rPr lang="en-US" sz="1400" dirty="0" err="1">
+                <a:rPr lang="en-US" sz="1400" dirty="0">
                   <a:solidFill>
                     <a:schemeClr val="tx1"/>
                   </a:solidFill>
@@ -6836,7 +6836,7 @@
                 <a:t>l</a:t>
               </a:r>
               <a:r>
-                <a:rPr lang="en-US" sz="1400" dirty="0" err="1">
+                <a:rPr lang="en-US" sz="1400" dirty="0">
                   <a:solidFill>
                     <a:schemeClr val="tx1"/>
                   </a:solidFill>
@@ -6964,6 +6964,3679 @@
 </file>
 
 <file path=ppt/slides/slide2.xml><?xml version="1.0" encoding="utf-8"?>
+<p:sld xmlns:a="http://schemas.openxmlformats.org/drawingml/2006/main" xmlns:r="http://schemas.openxmlformats.org/officeDocument/2006/relationships" xmlns:p="http://schemas.openxmlformats.org/presentationml/2006/main">
+  <p:cSld>
+    <p:spTree>
+      <p:nvGrpSpPr>
+        <p:cNvPr id="1" name=""/>
+        <p:cNvGrpSpPr/>
+        <p:nvPr/>
+      </p:nvGrpSpPr>
+      <p:grpSpPr>
+        <a:xfrm>
+          <a:off x="0" y="0"/>
+          <a:ext cx="0" cy="0"/>
+          <a:chOff x="0" y="0"/>
+          <a:chExt cx="0" cy="0"/>
+        </a:xfrm>
+      </p:grpSpPr>
+      <p:sp>
+        <p:nvSpPr>
+          <p:cNvPr id="15" name="Rectangle 12">
+            <a:extLst>
+              <a:ext uri="{FF2B5EF4-FFF2-40B4-BE49-F238E27FC236}">
+                <a16:creationId xmlns:a16="http://schemas.microsoft.com/office/drawing/2014/main" id="{C4604813-AB11-0F58-2A18-36B8206180FA}"/>
+              </a:ext>
+            </a:extLst>
+          </p:cNvPr>
+          <p:cNvSpPr>
+            <a:spLocks noChangeArrowheads="1"/>
+          </p:cNvSpPr>
+          <p:nvPr/>
+        </p:nvSpPr>
+        <p:spPr bwMode="auto">
+          <a:xfrm>
+            <a:off x="0" y="0"/>
+            <a:ext cx="12192000" cy="457200"/>
+          </a:xfrm>
+          <a:prstGeom prst="rect">
+            <a:avLst/>
+          </a:prstGeom>
+          <a:noFill/>
+          <a:ln>
+            <a:noFill/>
+          </a:ln>
+          <a:effectLst/>
+          <a:extLst>
+            <a:ext uri="{909E8E84-426E-40DD-AFC4-6F175D3DCCD1}">
+              <a14:hiddenFill xmlns:a14="http://schemas.microsoft.com/office/drawing/2010/main">
+                <a:solidFill>
+                  <a:schemeClr val="accent1"/>
+                </a:solidFill>
+              </a14:hiddenFill>
+            </a:ext>
+            <a:ext uri="{91240B29-F687-4F45-9708-019B960494DF}">
+              <a14:hiddenLine xmlns:a14="http://schemas.microsoft.com/office/drawing/2010/main" w="9525">
+                <a:solidFill>
+                  <a:schemeClr val="tx1"/>
+                </a:solidFill>
+                <a:miter lim="800000"/>
+                <a:headEnd/>
+                <a:tailEnd/>
+              </a14:hiddenLine>
+            </a:ext>
+            <a:ext uri="{AF507438-7753-43E0-B8FC-AC1667EBCBE1}">
+              <a14:hiddenEffects xmlns:a14="http://schemas.microsoft.com/office/drawing/2010/main">
+                <a:effectLst>
+                  <a:outerShdw dist="35921" dir="2700000" algn="ctr" rotWithShape="0">
+                    <a:schemeClr val="bg2"/>
+                  </a:outerShdw>
+                </a:effectLst>
+              </a14:hiddenEffects>
+            </a:ext>
+          </a:extLst>
+        </p:spPr>
+        <p:txBody>
+          <a:bodyPr vert="horz" wrap="none" lIns="91440" tIns="45720" rIns="91440" bIns="45720" numCol="1" anchor="ctr" anchorCtr="0" compatLnSpc="1">
+            <a:prstTxWarp prst="textNoShape">
+              <a:avLst/>
+            </a:prstTxWarp>
+            <a:spAutoFit/>
+          </a:bodyPr>
+          <a:lstStyle/>
+          <a:p>
+            <a:endParaRPr lang="en-US"/>
+          </a:p>
+        </p:txBody>
+      </p:sp>
+      <p:sp>
+        <p:nvSpPr>
+          <p:cNvPr id="16" name="Rectangle 13">
+            <a:extLst>
+              <a:ext uri="{FF2B5EF4-FFF2-40B4-BE49-F238E27FC236}">
+                <a16:creationId xmlns:a16="http://schemas.microsoft.com/office/drawing/2014/main" id="{13140095-72FF-EFA4-54C9-99199A220773}"/>
+              </a:ext>
+            </a:extLst>
+          </p:cNvPr>
+          <p:cNvSpPr>
+            <a:spLocks noChangeArrowheads="1"/>
+          </p:cNvSpPr>
+          <p:nvPr/>
+        </p:nvSpPr>
+        <p:spPr bwMode="auto">
+          <a:xfrm>
+            <a:off x="0" y="457200"/>
+            <a:ext cx="12192000" cy="0"/>
+          </a:xfrm>
+          <a:prstGeom prst="rect">
+            <a:avLst/>
+          </a:prstGeom>
+          <a:noFill/>
+          <a:ln>
+            <a:noFill/>
+          </a:ln>
+          <a:effectLst/>
+          <a:extLst>
+            <a:ext uri="{909E8E84-426E-40DD-AFC4-6F175D3DCCD1}">
+              <a14:hiddenFill xmlns:a14="http://schemas.microsoft.com/office/drawing/2010/main">
+                <a:solidFill>
+                  <a:schemeClr val="accent1"/>
+                </a:solidFill>
+              </a14:hiddenFill>
+            </a:ext>
+            <a:ext uri="{91240B29-F687-4F45-9708-019B960494DF}">
+              <a14:hiddenLine xmlns:a14="http://schemas.microsoft.com/office/drawing/2010/main" w="9525">
+                <a:solidFill>
+                  <a:schemeClr val="tx1"/>
+                </a:solidFill>
+                <a:miter lim="800000"/>
+                <a:headEnd/>
+                <a:tailEnd/>
+              </a14:hiddenLine>
+            </a:ext>
+            <a:ext uri="{AF507438-7753-43E0-B8FC-AC1667EBCBE1}">
+              <a14:hiddenEffects xmlns:a14="http://schemas.microsoft.com/office/drawing/2010/main">
+                <a:effectLst>
+                  <a:outerShdw dist="35921" dir="2700000" algn="ctr" rotWithShape="0">
+                    <a:schemeClr val="bg2"/>
+                  </a:outerShdw>
+                </a:effectLst>
+              </a14:hiddenEffects>
+            </a:ext>
+          </a:extLst>
+        </p:spPr>
+        <p:txBody>
+          <a:bodyPr vert="horz" wrap="none" lIns="91440" tIns="45720" rIns="91440" bIns="45720" numCol="1" anchor="ctr" anchorCtr="0" compatLnSpc="1">
+            <a:prstTxWarp prst="textNoShape">
+              <a:avLst/>
+            </a:prstTxWarp>
+            <a:spAutoFit/>
+          </a:bodyPr>
+          <a:lstStyle/>
+          <a:p>
+            <a:pPr marL="0" marR="0" lvl="0" indent="0" algn="l" defTabSz="914400" rtl="0" eaLnBrk="0" fontAlgn="base" latinLnBrk="0" hangingPunct="0">
+              <a:lnSpc>
+                <a:spcPct val="100000"/>
+              </a:lnSpc>
+              <a:spcBef>
+                <a:spcPct val="0"/>
+              </a:spcBef>
+              <a:spcAft>
+                <a:spcPct val="0"/>
+              </a:spcAft>
+              <a:buClrTx/>
+              <a:buSzTx/>
+              <a:buFontTx/>
+              <a:buNone/>
+              <a:tabLst/>
+            </a:pPr>
+            <a:br>
+              <a:rPr kumimoji="0" lang="en-US" altLang="en-US" sz="1100" b="0" i="0" u="none" strike="noStrike" cap="none" normalizeH="0" baseline="0">
+                <a:ln>
+                  <a:noFill/>
+                </a:ln>
+                <a:solidFill>
+                  <a:schemeClr val="tx1"/>
+                </a:solidFill>
+                <a:effectLst/>
+                <a:latin typeface="Calibri" panose="020F0502020204030204" pitchFamily="34" charset="0"/>
+                <a:ea typeface="Calibri" panose="020F0502020204030204" pitchFamily="34" charset="0"/>
+                <a:cs typeface="Times New Roman" panose="02020603050405020304" pitchFamily="18" charset="0"/>
+              </a:rPr>
+            </a:br>
+            <a:endParaRPr kumimoji="0" lang="en-US" altLang="en-US" sz="1800" b="0" i="0" u="none" strike="noStrike" cap="none" normalizeH="0" baseline="0">
+              <a:ln>
+                <a:noFill/>
+              </a:ln>
+              <a:solidFill>
+                <a:schemeClr val="tx1"/>
+              </a:solidFill>
+              <a:effectLst/>
+              <a:latin typeface="Arial" panose="020B0604020202020204" pitchFamily="34" charset="0"/>
+            </a:endParaRPr>
+          </a:p>
+        </p:txBody>
+      </p:sp>
+      <p:sp>
+        <p:nvSpPr>
+          <p:cNvPr id="20" name="Rectangle: Rounded Corners 19">
+            <a:extLst>
+              <a:ext uri="{FF2B5EF4-FFF2-40B4-BE49-F238E27FC236}">
+                <a16:creationId xmlns:a16="http://schemas.microsoft.com/office/drawing/2014/main" id="{D0A2F415-30E6-96A3-3CE7-369E4DC888D9}"/>
+              </a:ext>
+            </a:extLst>
+          </p:cNvPr>
+          <p:cNvSpPr/>
+          <p:nvPr/>
+        </p:nvSpPr>
+        <p:spPr>
+          <a:xfrm>
+            <a:off x="946886" y="2880759"/>
+            <a:ext cx="3308103" cy="1096482"/>
+          </a:xfrm>
+          <a:prstGeom prst="roundRect">
+            <a:avLst/>
+          </a:prstGeom>
+          <a:noFill/>
+          <a:ln w="28575">
+            <a:solidFill>
+              <a:schemeClr val="accent6">
+                <a:lumMod val="60000"/>
+                <a:lumOff val="40000"/>
+              </a:schemeClr>
+            </a:solidFill>
+          </a:ln>
+        </p:spPr>
+        <p:style>
+          <a:lnRef idx="2">
+            <a:schemeClr val="accent1">
+              <a:shade val="50000"/>
+            </a:schemeClr>
+          </a:lnRef>
+          <a:fillRef idx="1">
+            <a:schemeClr val="accent1"/>
+          </a:fillRef>
+          <a:effectRef idx="0">
+            <a:schemeClr val="accent1"/>
+          </a:effectRef>
+          <a:fontRef idx="minor">
+            <a:schemeClr val="lt1"/>
+          </a:fontRef>
+        </p:style>
+        <p:txBody>
+          <a:bodyPr rtlCol="0" anchor="ctr"/>
+          <a:lstStyle/>
+          <a:p>
+            <a:pPr algn="ctr"/>
+            <a:r>
+              <a:rPr lang="en-US" sz="1500" b="1" dirty="0">
+                <a:solidFill>
+                  <a:sysClr val="windowText" lastClr="000000"/>
+                </a:solidFill>
+                <a:latin typeface="Sylfaen" panose="010A0502050306030303" pitchFamily="18" charset="0"/>
+              </a:rPr>
+              <a:t>Instructions:</a:t>
+            </a:r>
+            <a:r>
+              <a:rPr lang="en-US" sz="1500" dirty="0">
+                <a:solidFill>
+                  <a:sysClr val="windowText" lastClr="000000"/>
+                </a:solidFill>
+                <a:latin typeface="Sylfaen" panose="010A0502050306030303" pitchFamily="18" charset="0"/>
+              </a:rPr>
+              <a:t> You will hear a male and a female talker. Please select if the </a:t>
+            </a:r>
+            <a:r>
+              <a:rPr lang="en-US" sz="1500" u="sng" dirty="0">
+                <a:solidFill>
+                  <a:sysClr val="windowText" lastClr="000000"/>
+                </a:solidFill>
+                <a:latin typeface="Sylfaen" panose="010A0502050306030303" pitchFamily="18" charset="0"/>
+              </a:rPr>
+              <a:t>female talker</a:t>
+            </a:r>
+            <a:r>
+              <a:rPr lang="en-US" sz="1500" dirty="0">
+                <a:solidFill>
+                  <a:sysClr val="windowText" lastClr="000000"/>
+                </a:solidFill>
+                <a:latin typeface="Sylfaen" panose="010A0502050306030303" pitchFamily="18" charset="0"/>
+              </a:rPr>
+              <a:t> says a word or a nonword.</a:t>
+            </a:r>
+          </a:p>
+        </p:txBody>
+      </p:sp>
+      <p:cxnSp>
+        <p:nvCxnSpPr>
+          <p:cNvPr id="159" name="Straight Arrow Connector 158">
+            <a:extLst>
+              <a:ext uri="{FF2B5EF4-FFF2-40B4-BE49-F238E27FC236}">
+                <a16:creationId xmlns:a16="http://schemas.microsoft.com/office/drawing/2014/main" id="{B180AB60-DF32-41AC-642E-832F1D99DDEC}"/>
+              </a:ext>
+            </a:extLst>
+          </p:cNvPr>
+          <p:cNvCxnSpPr>
+            <a:cxnSpLocks/>
+          </p:cNvCxnSpPr>
+          <p:nvPr/>
+        </p:nvCxnSpPr>
+        <p:spPr>
+          <a:xfrm>
+            <a:off x="9093078" y="2287980"/>
+            <a:ext cx="455105" cy="417967"/>
+          </a:xfrm>
+          <a:prstGeom prst="straightConnector1">
+            <a:avLst/>
+          </a:prstGeom>
+          <a:ln w="76200">
+            <a:solidFill>
+              <a:schemeClr val="bg2">
+                <a:lumMod val="75000"/>
+              </a:schemeClr>
+            </a:solidFill>
+            <a:tailEnd type="triangle"/>
+          </a:ln>
+        </p:spPr>
+        <p:style>
+          <a:lnRef idx="1">
+            <a:schemeClr val="accent1"/>
+          </a:lnRef>
+          <a:fillRef idx="0">
+            <a:schemeClr val="accent1"/>
+          </a:fillRef>
+          <a:effectRef idx="0">
+            <a:schemeClr val="accent1"/>
+          </a:effectRef>
+          <a:fontRef idx="minor">
+            <a:schemeClr val="tx1"/>
+          </a:fontRef>
+        </p:style>
+      </p:cxnSp>
+      <p:cxnSp>
+        <p:nvCxnSpPr>
+          <p:cNvPr id="167" name="Straight Arrow Connector 166">
+            <a:extLst>
+              <a:ext uri="{FF2B5EF4-FFF2-40B4-BE49-F238E27FC236}">
+                <a16:creationId xmlns:a16="http://schemas.microsoft.com/office/drawing/2014/main" id="{784861A1-C939-C258-B4DF-22ED3C18CEDE}"/>
+              </a:ext>
+            </a:extLst>
+          </p:cNvPr>
+          <p:cNvCxnSpPr>
+            <a:cxnSpLocks/>
+          </p:cNvCxnSpPr>
+          <p:nvPr/>
+        </p:nvCxnSpPr>
+        <p:spPr>
+          <a:xfrm flipV="1">
+            <a:off x="4130850" y="2225203"/>
+            <a:ext cx="455105" cy="417967"/>
+          </a:xfrm>
+          <a:prstGeom prst="straightConnector1">
+            <a:avLst/>
+          </a:prstGeom>
+          <a:ln w="76200">
+            <a:solidFill>
+              <a:schemeClr val="bg2">
+                <a:lumMod val="75000"/>
+              </a:schemeClr>
+            </a:solidFill>
+            <a:tailEnd type="triangle"/>
+          </a:ln>
+        </p:spPr>
+        <p:style>
+          <a:lnRef idx="1">
+            <a:schemeClr val="accent1"/>
+          </a:lnRef>
+          <a:fillRef idx="0">
+            <a:schemeClr val="accent1"/>
+          </a:fillRef>
+          <a:effectRef idx="0">
+            <a:schemeClr val="accent1"/>
+          </a:effectRef>
+          <a:fontRef idx="minor">
+            <a:schemeClr val="tx1"/>
+          </a:fontRef>
+        </p:style>
+      </p:cxnSp>
+      <p:grpSp>
+        <p:nvGrpSpPr>
+          <p:cNvPr id="2" name="Group 1">
+            <a:extLst>
+              <a:ext uri="{FF2B5EF4-FFF2-40B4-BE49-F238E27FC236}">
+                <a16:creationId xmlns:a16="http://schemas.microsoft.com/office/drawing/2014/main" id="{0910AFD3-98D2-3DB5-1EED-3AF13C07C48B}"/>
+              </a:ext>
+            </a:extLst>
+          </p:cNvPr>
+          <p:cNvGrpSpPr/>
+          <p:nvPr/>
+        </p:nvGrpSpPr>
+        <p:grpSpPr>
+          <a:xfrm>
+            <a:off x="9308937" y="2508551"/>
+            <a:ext cx="2042619" cy="1473869"/>
+            <a:chOff x="9746399" y="2188112"/>
+            <a:chExt cx="2434160" cy="1669455"/>
+          </a:xfrm>
+        </p:grpSpPr>
+        <p:grpSp>
+          <p:nvGrpSpPr>
+            <p:cNvPr id="26" name="Group 25">
+              <a:extLst>
+                <a:ext uri="{FF2B5EF4-FFF2-40B4-BE49-F238E27FC236}">
+                  <a16:creationId xmlns:a16="http://schemas.microsoft.com/office/drawing/2014/main" id="{291FD4FA-0FB4-301D-CFEA-6D784F4FE345}"/>
+                </a:ext>
+              </a:extLst>
+            </p:cNvPr>
+            <p:cNvGrpSpPr/>
+            <p:nvPr/>
+          </p:nvGrpSpPr>
+          <p:grpSpPr>
+            <a:xfrm>
+              <a:off x="9746399" y="3549354"/>
+              <a:ext cx="2434160" cy="308213"/>
+              <a:chOff x="3298312" y="5032829"/>
+              <a:chExt cx="2853120" cy="404514"/>
+            </a:xfrm>
+          </p:grpSpPr>
+          <p:sp>
+            <p:nvSpPr>
+              <p:cNvPr id="21" name="TextBox 20">
+                <a:extLst>
+                  <a:ext uri="{FF2B5EF4-FFF2-40B4-BE49-F238E27FC236}">
+                    <a16:creationId xmlns:a16="http://schemas.microsoft.com/office/drawing/2014/main" id="{075CE6D5-F10E-33B8-A8CC-39C982FF08D0}"/>
+                  </a:ext>
+                </a:extLst>
+              </p:cNvPr>
+              <p:cNvSpPr txBox="1"/>
+              <p:nvPr/>
+            </p:nvSpPr>
+            <p:spPr>
+              <a:xfrm>
+                <a:off x="3298312" y="5032829"/>
+                <a:ext cx="867410" cy="403942"/>
+              </a:xfrm>
+              <a:prstGeom prst="rect">
+                <a:avLst/>
+              </a:prstGeom>
+              <a:noFill/>
+            </p:spPr>
+            <p:txBody>
+              <a:bodyPr wrap="square" rtlCol="0">
+                <a:spAutoFit/>
+              </a:bodyPr>
+              <a:lstStyle/>
+              <a:p>
+                <a:r>
+                  <a:rPr lang="en-US" sz="1400" b="1" dirty="0">
+                    <a:latin typeface="Sylfaen" panose="010A0502050306030303" pitchFamily="18" charset="0"/>
+                  </a:rPr>
+                  <a:t>Word</a:t>
+                </a:r>
+                <a:endParaRPr lang="en-US" b="1" dirty="0">
+                  <a:latin typeface="Sylfaen" panose="010A0502050306030303" pitchFamily="18" charset="0"/>
+                </a:endParaRPr>
+              </a:p>
+            </p:txBody>
+          </p:sp>
+          <p:sp>
+            <p:nvSpPr>
+              <p:cNvPr id="22" name="TextBox 21">
+                <a:extLst>
+                  <a:ext uri="{FF2B5EF4-FFF2-40B4-BE49-F238E27FC236}">
+                    <a16:creationId xmlns:a16="http://schemas.microsoft.com/office/drawing/2014/main" id="{4E80D78E-49B7-F9F7-7874-785D8690C151}"/>
+                  </a:ext>
+                </a:extLst>
+              </p:cNvPr>
+              <p:cNvSpPr txBox="1"/>
+              <p:nvPr/>
+            </p:nvSpPr>
+            <p:spPr>
+              <a:xfrm>
+                <a:off x="4879877" y="5033401"/>
+                <a:ext cx="1271555" cy="403942"/>
+              </a:xfrm>
+              <a:prstGeom prst="rect">
+                <a:avLst/>
+              </a:prstGeom>
+              <a:noFill/>
+            </p:spPr>
+            <p:txBody>
+              <a:bodyPr wrap="square" rtlCol="0">
+                <a:spAutoFit/>
+              </a:bodyPr>
+              <a:lstStyle/>
+              <a:p>
+                <a:r>
+                  <a:rPr lang="en-US" sz="1400" b="1" dirty="0">
+                    <a:latin typeface="Sylfaen" panose="010A0502050306030303" pitchFamily="18" charset="0"/>
+                  </a:rPr>
+                  <a:t>Nonword</a:t>
+                </a:r>
+                <a:endParaRPr lang="en-US" sz="1200" b="1" dirty="0">
+                  <a:latin typeface="Sylfaen" panose="010A0502050306030303" pitchFamily="18" charset="0"/>
+                </a:endParaRPr>
+              </a:p>
+            </p:txBody>
+          </p:sp>
+          <p:sp>
+            <p:nvSpPr>
+              <p:cNvPr id="23" name="Oval 22">
+                <a:extLst>
+                  <a:ext uri="{FF2B5EF4-FFF2-40B4-BE49-F238E27FC236}">
+                    <a16:creationId xmlns:a16="http://schemas.microsoft.com/office/drawing/2014/main" id="{0F993D0E-5D5F-09DC-7E7B-5CAB18ED88BD}"/>
+                  </a:ext>
+                </a:extLst>
+              </p:cNvPr>
+              <p:cNvSpPr/>
+              <p:nvPr/>
+            </p:nvSpPr>
+            <p:spPr>
+              <a:xfrm>
+                <a:off x="4312721" y="5043174"/>
+                <a:ext cx="407503" cy="378541"/>
+              </a:xfrm>
+              <a:prstGeom prst="ellipse">
+                <a:avLst/>
+              </a:prstGeom>
+              <a:gradFill flip="none" rotWithShape="1">
+                <a:gsLst>
+                  <a:gs pos="65000">
+                    <a:srgbClr val="92D050">
+                      <a:shade val="67500"/>
+                      <a:satMod val="115000"/>
+                    </a:srgbClr>
+                  </a:gs>
+                  <a:gs pos="100000">
+                    <a:srgbClr val="64952F"/>
+                  </a:gs>
+                  <a:gs pos="34000">
+                    <a:srgbClr val="86C940"/>
+                  </a:gs>
+                  <a:gs pos="3000">
+                    <a:srgbClr val="B0E476"/>
+                  </a:gs>
+                </a:gsLst>
+                <a:path path="circle">
+                  <a:fillToRect l="50000" t="50000" r="50000" b="50000"/>
+                </a:path>
+                <a:tileRect/>
+              </a:gradFill>
+              <a:ln>
+                <a:solidFill>
+                  <a:schemeClr val="bg2">
+                    <a:lumMod val="25000"/>
+                  </a:schemeClr>
+                </a:solidFill>
+              </a:ln>
+            </p:spPr>
+            <p:style>
+              <a:lnRef idx="2">
+                <a:schemeClr val="accent1">
+                  <a:shade val="50000"/>
+                </a:schemeClr>
+              </a:lnRef>
+              <a:fillRef idx="1">
+                <a:schemeClr val="accent1"/>
+              </a:fillRef>
+              <a:effectRef idx="0">
+                <a:schemeClr val="accent1"/>
+              </a:effectRef>
+              <a:fontRef idx="minor">
+                <a:schemeClr val="lt1"/>
+              </a:fontRef>
+            </p:style>
+            <p:txBody>
+              <a:bodyPr rtlCol="0" anchor="ctr"/>
+              <a:lstStyle/>
+              <a:p>
+                <a:pPr algn="ctr"/>
+                <a:endParaRPr lang="en-US" dirty="0"/>
+              </a:p>
+            </p:txBody>
+          </p:sp>
+        </p:grpSp>
+        <p:pic>
+          <p:nvPicPr>
+            <p:cNvPr id="73" name="Graphic 13" descr="User outline">
+              <a:extLst>
+                <a:ext uri="{FF2B5EF4-FFF2-40B4-BE49-F238E27FC236}">
+                  <a16:creationId xmlns:a16="http://schemas.microsoft.com/office/drawing/2014/main" id="{28EE3694-DF94-E66C-5CC3-332230326F8C}"/>
+                </a:ext>
+              </a:extLst>
+            </p:cNvPr>
+            <p:cNvPicPr>
+              <a:picLocks noChangeAspect="1"/>
+            </p:cNvPicPr>
+            <p:nvPr/>
+          </p:nvPicPr>
+          <p:blipFill>
+            <a:blip r:embed="rId2">
+              <a:extLst>
+                <a:ext uri="{28A0092B-C50C-407E-A947-70E740481C1C}">
+                  <a14:useLocalDpi xmlns:a14="http://schemas.microsoft.com/office/drawing/2010/main" val="0"/>
+                </a:ext>
+                <a:ext uri="{96DAC541-7B7A-43D3-8B79-37D633B846F1}">
+                  <asvg:svgBlip xmlns:asvg="http://schemas.microsoft.com/office/drawing/2016/SVG/main" r:embed="rId3"/>
+                </a:ext>
+              </a:extLst>
+            </a:blip>
+            <a:stretch>
+              <a:fillRect/>
+            </a:stretch>
+          </p:blipFill>
+          <p:spPr>
+            <a:xfrm>
+              <a:off x="10187005" y="2188112"/>
+              <a:ext cx="1181976" cy="1175133"/>
+            </a:xfrm>
+            <a:prstGeom prst="rect">
+              <a:avLst/>
+            </a:prstGeom>
+          </p:spPr>
+        </p:pic>
+        <p:sp>
+          <p:nvSpPr>
+            <p:cNvPr id="74" name="Text Box 10">
+              <a:extLst>
+                <a:ext uri="{FF2B5EF4-FFF2-40B4-BE49-F238E27FC236}">
+                  <a16:creationId xmlns:a16="http://schemas.microsoft.com/office/drawing/2014/main" id="{C8B312A7-B14D-5DF0-E898-1F9E0B3311DB}"/>
+                </a:ext>
+              </a:extLst>
+            </p:cNvPr>
+            <p:cNvSpPr txBox="1">
+              <a:spLocks noChangeArrowheads="1"/>
+            </p:cNvSpPr>
+            <p:nvPr/>
+          </p:nvSpPr>
+          <p:spPr bwMode="auto">
+            <a:xfrm>
+              <a:off x="10284296" y="3220399"/>
+              <a:ext cx="916913" cy="252137"/>
+            </a:xfrm>
+            <a:prstGeom prst="rect">
+              <a:avLst/>
+            </a:prstGeom>
+            <a:solidFill>
+              <a:srgbClr val="FFFFFF"/>
+            </a:solidFill>
+            <a:ln>
+              <a:noFill/>
+            </a:ln>
+            <a:extLst>
+              <a:ext uri="{91240B29-F687-4F45-9708-019B960494DF}">
+                <a14:hiddenLine xmlns:a14="http://schemas.microsoft.com/office/drawing/2010/main" w="6350">
+                  <a:solidFill>
+                    <a:srgbClr val="000000"/>
+                  </a:solidFill>
+                  <a:miter lim="800000"/>
+                  <a:headEnd/>
+                  <a:tailEnd/>
+                </a14:hiddenLine>
+              </a:ext>
+            </a:extLst>
+          </p:spPr>
+          <p:txBody>
+            <a:bodyPr vert="horz" wrap="square" lIns="91440" tIns="45720" rIns="91440" bIns="45720" numCol="1" anchor="t" anchorCtr="0" compatLnSpc="1">
+              <a:prstTxWarp prst="textNoShape">
+                <a:avLst/>
+              </a:prstTxWarp>
+            </a:bodyPr>
+            <a:lstStyle/>
+            <a:p>
+              <a:pPr marL="0" marR="0" lvl="0" indent="0" algn="ctr" defTabSz="914400" rtl="0" eaLnBrk="0" fontAlgn="base" latinLnBrk="0" hangingPunct="0">
+                <a:lnSpc>
+                  <a:spcPct val="100000"/>
+                </a:lnSpc>
+                <a:spcBef>
+                  <a:spcPct val="0"/>
+                </a:spcBef>
+                <a:spcAft>
+                  <a:spcPct val="0"/>
+                </a:spcAft>
+                <a:buClrTx/>
+                <a:buSzTx/>
+                <a:buFontTx/>
+                <a:buNone/>
+                <a:tabLst/>
+              </a:pPr>
+              <a:r>
+                <a:rPr kumimoji="0" lang="en-US" altLang="en-US" sz="1000" b="0" i="1" u="none" strike="noStrike" cap="none" normalizeH="0" baseline="0" dirty="0">
+                  <a:ln>
+                    <a:noFill/>
+                  </a:ln>
+                  <a:solidFill>
+                    <a:schemeClr val="tx1"/>
+                  </a:solidFill>
+                  <a:effectLst/>
+                  <a:latin typeface="Sylfaen" panose="010A0502050306030303" pitchFamily="18" charset="0"/>
+                  <a:ea typeface="Calibri" panose="020F0502020204030204" pitchFamily="34" charset="0"/>
+                  <a:cs typeface="Times New Roman" panose="02020603050405020304" pitchFamily="18" charset="0"/>
+                </a:rPr>
+                <a:t>Participant</a:t>
+              </a:r>
+              <a:endParaRPr kumimoji="0" lang="en-US" altLang="en-US" b="0" i="0" u="none" strike="noStrike" cap="none" normalizeH="0" baseline="0" dirty="0">
+                <a:ln>
+                  <a:noFill/>
+                </a:ln>
+                <a:solidFill>
+                  <a:schemeClr val="tx1"/>
+                </a:solidFill>
+                <a:effectLst/>
+                <a:latin typeface="Arial" panose="020B0604020202020204" pitchFamily="34" charset="0"/>
+              </a:endParaRPr>
+            </a:p>
+          </p:txBody>
+        </p:sp>
+      </p:grpSp>
+      <p:cxnSp>
+        <p:nvCxnSpPr>
+          <p:cNvPr id="169" name="Straight Arrow Connector 168">
+            <a:extLst>
+              <a:ext uri="{FF2B5EF4-FFF2-40B4-BE49-F238E27FC236}">
+                <a16:creationId xmlns:a16="http://schemas.microsoft.com/office/drawing/2014/main" id="{7EE285F3-83DD-748F-7C86-A07C770CCF19}"/>
+              </a:ext>
+            </a:extLst>
+          </p:cNvPr>
+          <p:cNvCxnSpPr>
+            <a:cxnSpLocks/>
+          </p:cNvCxnSpPr>
+          <p:nvPr/>
+        </p:nvCxnSpPr>
+        <p:spPr>
+          <a:xfrm>
+            <a:off x="4172004" y="4181591"/>
+            <a:ext cx="455105" cy="417967"/>
+          </a:xfrm>
+          <a:prstGeom prst="straightConnector1">
+            <a:avLst/>
+          </a:prstGeom>
+          <a:ln w="76200">
+            <a:solidFill>
+              <a:schemeClr val="bg2">
+                <a:lumMod val="75000"/>
+              </a:schemeClr>
+            </a:solidFill>
+            <a:tailEnd type="triangle"/>
+          </a:ln>
+        </p:spPr>
+        <p:style>
+          <a:lnRef idx="1">
+            <a:schemeClr val="accent1"/>
+          </a:lnRef>
+          <a:fillRef idx="0">
+            <a:schemeClr val="accent1"/>
+          </a:fillRef>
+          <a:effectRef idx="0">
+            <a:schemeClr val="accent1"/>
+          </a:effectRef>
+          <a:fontRef idx="minor">
+            <a:schemeClr val="tx1"/>
+          </a:fontRef>
+        </p:style>
+      </p:cxnSp>
+      <p:cxnSp>
+        <p:nvCxnSpPr>
+          <p:cNvPr id="170" name="Straight Arrow Connector 169">
+            <a:extLst>
+              <a:ext uri="{FF2B5EF4-FFF2-40B4-BE49-F238E27FC236}">
+                <a16:creationId xmlns:a16="http://schemas.microsoft.com/office/drawing/2014/main" id="{2C99B55E-07EA-0168-8455-1EB0C1A1C0B7}"/>
+              </a:ext>
+            </a:extLst>
+          </p:cNvPr>
+          <p:cNvCxnSpPr>
+            <a:cxnSpLocks/>
+          </p:cNvCxnSpPr>
+          <p:nvPr/>
+        </p:nvCxnSpPr>
+        <p:spPr>
+          <a:xfrm flipV="1">
+            <a:off x="9217193" y="4265866"/>
+            <a:ext cx="455105" cy="417967"/>
+          </a:xfrm>
+          <a:prstGeom prst="straightConnector1">
+            <a:avLst/>
+          </a:prstGeom>
+          <a:ln w="76200">
+            <a:solidFill>
+              <a:schemeClr val="bg2">
+                <a:lumMod val="75000"/>
+              </a:schemeClr>
+            </a:solidFill>
+            <a:tailEnd type="triangle"/>
+          </a:ln>
+        </p:spPr>
+        <p:style>
+          <a:lnRef idx="1">
+            <a:schemeClr val="accent1"/>
+          </a:lnRef>
+          <a:fillRef idx="0">
+            <a:schemeClr val="accent1"/>
+          </a:fillRef>
+          <a:effectRef idx="0">
+            <a:schemeClr val="accent1"/>
+          </a:effectRef>
+          <a:fontRef idx="minor">
+            <a:schemeClr val="tx1"/>
+          </a:fontRef>
+        </p:style>
+      </p:cxnSp>
+      <p:grpSp>
+        <p:nvGrpSpPr>
+          <p:cNvPr id="178" name="Group 177">
+            <a:extLst>
+              <a:ext uri="{FF2B5EF4-FFF2-40B4-BE49-F238E27FC236}">
+                <a16:creationId xmlns:a16="http://schemas.microsoft.com/office/drawing/2014/main" id="{04278B1F-0348-BEA6-80EA-9CFFD4E21729}"/>
+              </a:ext>
+            </a:extLst>
+          </p:cNvPr>
+          <p:cNvGrpSpPr/>
+          <p:nvPr/>
+        </p:nvGrpSpPr>
+        <p:grpSpPr>
+          <a:xfrm>
+            <a:off x="4789974" y="1075298"/>
+            <a:ext cx="4094808" cy="2141268"/>
+            <a:chOff x="5669462" y="1641193"/>
+            <a:chExt cx="4251686" cy="2390916"/>
+          </a:xfrm>
+        </p:grpSpPr>
+        <p:grpSp>
+          <p:nvGrpSpPr>
+            <p:cNvPr id="164" name="Group 163">
+              <a:extLst>
+                <a:ext uri="{FF2B5EF4-FFF2-40B4-BE49-F238E27FC236}">
+                  <a16:creationId xmlns:a16="http://schemas.microsoft.com/office/drawing/2014/main" id="{87B9FC89-B004-B03A-81FF-4D3C04EA949B}"/>
+                </a:ext>
+              </a:extLst>
+            </p:cNvPr>
+            <p:cNvGrpSpPr/>
+            <p:nvPr/>
+          </p:nvGrpSpPr>
+          <p:grpSpPr>
+            <a:xfrm>
+              <a:off x="5669462" y="1641193"/>
+              <a:ext cx="4251686" cy="2390916"/>
+              <a:chOff x="5048545" y="1841368"/>
+              <a:chExt cx="4251686" cy="2551723"/>
+            </a:xfrm>
+          </p:grpSpPr>
+          <p:grpSp>
+            <p:nvGrpSpPr>
+              <p:cNvPr id="79" name="Group 78">
+                <a:extLst>
+                  <a:ext uri="{FF2B5EF4-FFF2-40B4-BE49-F238E27FC236}">
+                    <a16:creationId xmlns:a16="http://schemas.microsoft.com/office/drawing/2014/main" id="{AFEBD584-8904-1472-794A-03197F047CEF}"/>
+                  </a:ext>
+                </a:extLst>
+              </p:cNvPr>
+              <p:cNvGrpSpPr/>
+              <p:nvPr/>
+            </p:nvGrpSpPr>
+            <p:grpSpPr>
+              <a:xfrm>
+                <a:off x="5262069" y="2326831"/>
+                <a:ext cx="3795630" cy="2048498"/>
+                <a:chOff x="6656276" y="2371135"/>
+                <a:chExt cx="4073822" cy="2048498"/>
+              </a:xfrm>
+            </p:grpSpPr>
+            <p:grpSp>
+              <p:nvGrpSpPr>
+                <p:cNvPr id="52" name="Group 51">
+                  <a:extLst>
+                    <a:ext uri="{FF2B5EF4-FFF2-40B4-BE49-F238E27FC236}">
+                      <a16:creationId xmlns:a16="http://schemas.microsoft.com/office/drawing/2014/main" id="{EBEE1948-CBC3-83DB-B8F6-506BAEB86738}"/>
+                    </a:ext>
+                  </a:extLst>
+                </p:cNvPr>
+                <p:cNvGrpSpPr/>
+                <p:nvPr/>
+              </p:nvGrpSpPr>
+              <p:grpSpPr>
+                <a:xfrm>
+                  <a:off x="8193004" y="3199918"/>
+                  <a:ext cx="1044491" cy="1175133"/>
+                  <a:chOff x="3996937" y="3098990"/>
+                  <a:chExt cx="1294802" cy="1294802"/>
+                </a:xfrm>
+              </p:grpSpPr>
+              <p:pic>
+                <p:nvPicPr>
+                  <p:cNvPr id="71" name="Graphic 13" descr="User outline">
+                    <a:extLst>
+                      <a:ext uri="{FF2B5EF4-FFF2-40B4-BE49-F238E27FC236}">
+                        <a16:creationId xmlns:a16="http://schemas.microsoft.com/office/drawing/2014/main" id="{8EB5678D-658A-9C8E-8B7C-D4450DC0362F}"/>
+                      </a:ext>
+                    </a:extLst>
+                  </p:cNvPr>
+                  <p:cNvPicPr>
+                    <a:picLocks noChangeAspect="1"/>
+                  </p:cNvPicPr>
+                  <p:nvPr/>
+                </p:nvPicPr>
+                <p:blipFill>
+                  <a:blip r:embed="rId2">
+                    <a:extLst>
+                      <a:ext uri="{28A0092B-C50C-407E-A947-70E740481C1C}">
+                        <a14:useLocalDpi xmlns:a14="http://schemas.microsoft.com/office/drawing/2010/main" val="0"/>
+                      </a:ext>
+                      <a:ext uri="{96DAC541-7B7A-43D3-8B79-37D633B846F1}">
+                        <asvg:svgBlip xmlns:asvg="http://schemas.microsoft.com/office/drawing/2016/SVG/main" r:embed="rId3"/>
+                      </a:ext>
+                    </a:extLst>
+                  </a:blip>
+                  <a:stretch>
+                    <a:fillRect/>
+                  </a:stretch>
+                </p:blipFill>
+                <p:spPr>
+                  <a:xfrm>
+                    <a:off x="3996937" y="3098990"/>
+                    <a:ext cx="1294802" cy="1294802"/>
+                  </a:xfrm>
+                  <a:prstGeom prst="rect">
+                    <a:avLst/>
+                  </a:prstGeom>
+                </p:spPr>
+              </p:pic>
+              <p:sp>
+                <p:nvSpPr>
+                  <p:cNvPr id="72" name="Text Box 10">
+                    <a:extLst>
+                      <a:ext uri="{FF2B5EF4-FFF2-40B4-BE49-F238E27FC236}">
+                        <a16:creationId xmlns:a16="http://schemas.microsoft.com/office/drawing/2014/main" id="{148BFBC4-9511-EAC9-51E2-40CC04F7063E}"/>
+                      </a:ext>
+                    </a:extLst>
+                  </p:cNvPr>
+                  <p:cNvSpPr txBox="1">
+                    <a:spLocks noChangeArrowheads="1"/>
+                  </p:cNvSpPr>
+                  <p:nvPr/>
+                </p:nvSpPr>
+                <p:spPr bwMode="auto">
+                  <a:xfrm>
+                    <a:off x="4057051" y="4103497"/>
+                    <a:ext cx="1213740" cy="281300"/>
+                  </a:xfrm>
+                  <a:prstGeom prst="rect">
+                    <a:avLst/>
+                  </a:prstGeom>
+                  <a:solidFill>
+                    <a:srgbClr val="FFFFFF"/>
+                  </a:solidFill>
+                  <a:ln>
+                    <a:noFill/>
+                  </a:ln>
+                  <a:extLst>
+                    <a:ext uri="{91240B29-F687-4F45-9708-019B960494DF}">
+                      <a14:hiddenLine xmlns:a14="http://schemas.microsoft.com/office/drawing/2010/main" w="6350">
+                        <a:solidFill>
+                          <a:srgbClr val="000000"/>
+                        </a:solidFill>
+                        <a:miter lim="800000"/>
+                        <a:headEnd/>
+                        <a:tailEnd/>
+                      </a14:hiddenLine>
+                    </a:ext>
+                  </a:extLst>
+                </p:spPr>
+                <p:txBody>
+                  <a:bodyPr vert="horz" wrap="square" lIns="91440" tIns="45720" rIns="91440" bIns="45720" numCol="1" anchor="t" anchorCtr="0" compatLnSpc="1">
+                    <a:prstTxWarp prst="textNoShape">
+                      <a:avLst/>
+                    </a:prstTxWarp>
+                  </a:bodyPr>
+                  <a:lstStyle/>
+                  <a:p>
+                    <a:pPr marL="0" marR="0" lvl="0" indent="0" algn="ctr" defTabSz="914400" rtl="0" eaLnBrk="0" fontAlgn="base" latinLnBrk="0" hangingPunct="0">
+                      <a:lnSpc>
+                        <a:spcPct val="100000"/>
+                      </a:lnSpc>
+                      <a:spcBef>
+                        <a:spcPct val="0"/>
+                      </a:spcBef>
+                      <a:spcAft>
+                        <a:spcPct val="0"/>
+                      </a:spcAft>
+                      <a:buClrTx/>
+                      <a:buSzTx/>
+                      <a:buFontTx/>
+                      <a:buNone/>
+                      <a:tabLst/>
+                    </a:pPr>
+                    <a:r>
+                      <a:rPr kumimoji="0" lang="en-US" altLang="en-US" sz="1100" b="0" i="1" u="none" strike="noStrike" cap="none" normalizeH="0" baseline="0" dirty="0">
+                        <a:ln>
+                          <a:noFill/>
+                        </a:ln>
+                        <a:solidFill>
+                          <a:schemeClr val="tx1"/>
+                        </a:solidFill>
+                        <a:effectLst/>
+                        <a:latin typeface="Sylfaen" panose="010A0502050306030303" pitchFamily="18" charset="0"/>
+                        <a:ea typeface="Calibri" panose="020F0502020204030204" pitchFamily="34" charset="0"/>
+                        <a:cs typeface="Times New Roman" panose="02020603050405020304" pitchFamily="18" charset="0"/>
+                      </a:rPr>
+                      <a:t>Participant</a:t>
+                    </a:r>
+                    <a:endParaRPr kumimoji="0" lang="en-US" altLang="en-US" sz="2400" b="0" i="0" u="none" strike="noStrike" cap="none" normalizeH="0" baseline="0" dirty="0">
+                      <a:ln>
+                        <a:noFill/>
+                      </a:ln>
+                      <a:solidFill>
+                        <a:schemeClr val="tx1"/>
+                      </a:solidFill>
+                      <a:effectLst/>
+                      <a:latin typeface="Arial" panose="020B0604020202020204" pitchFamily="34" charset="0"/>
+                    </a:endParaRPr>
+                  </a:p>
+                </p:txBody>
+              </p:sp>
+            </p:grpSp>
+            <p:cxnSp>
+              <p:nvCxnSpPr>
+                <p:cNvPr id="55" name="Straight Arrow Connector 54">
+                  <a:extLst>
+                    <a:ext uri="{FF2B5EF4-FFF2-40B4-BE49-F238E27FC236}">
+                      <a16:creationId xmlns:a16="http://schemas.microsoft.com/office/drawing/2014/main" id="{76074B5D-0AA4-362F-E4EB-B803009E8877}"/>
+                    </a:ext>
+                  </a:extLst>
+                </p:cNvPr>
+                <p:cNvCxnSpPr>
+                  <a:cxnSpLocks/>
+                </p:cNvCxnSpPr>
+                <p:nvPr/>
+              </p:nvCxnSpPr>
+              <p:spPr>
+                <a:xfrm>
+                  <a:off x="7745298" y="3445823"/>
+                  <a:ext cx="480154" cy="0"/>
+                </a:xfrm>
+                <a:prstGeom prst="straightConnector1">
+                  <a:avLst/>
+                </a:prstGeom>
+                <a:ln w="19050">
+                  <a:solidFill>
+                    <a:srgbClr val="FE9700"/>
+                  </a:solidFill>
+                  <a:tailEnd type="triangle"/>
+                </a:ln>
+              </p:spPr>
+              <p:style>
+                <a:lnRef idx="1">
+                  <a:schemeClr val="accent1"/>
+                </a:lnRef>
+                <a:fillRef idx="0">
+                  <a:schemeClr val="accent1"/>
+                </a:fillRef>
+                <a:effectRef idx="0">
+                  <a:schemeClr val="accent1"/>
+                </a:effectRef>
+                <a:fontRef idx="minor">
+                  <a:schemeClr val="tx1"/>
+                </a:fontRef>
+              </p:style>
+            </p:cxnSp>
+            <p:cxnSp>
+              <p:nvCxnSpPr>
+                <p:cNvPr id="56" name="Straight Arrow Connector 55">
+                  <a:extLst>
+                    <a:ext uri="{FF2B5EF4-FFF2-40B4-BE49-F238E27FC236}">
+                      <a16:creationId xmlns:a16="http://schemas.microsoft.com/office/drawing/2014/main" id="{43E10C93-63AD-1E09-684F-4A4B9047565D}"/>
+                    </a:ext>
+                  </a:extLst>
+                </p:cNvPr>
+                <p:cNvCxnSpPr>
+                  <a:cxnSpLocks/>
+                </p:cNvCxnSpPr>
+                <p:nvPr/>
+              </p:nvCxnSpPr>
+              <p:spPr>
+                <a:xfrm flipH="1">
+                  <a:off x="9086424" y="3449054"/>
+                  <a:ext cx="480154" cy="0"/>
+                </a:xfrm>
+                <a:prstGeom prst="straightConnector1">
+                  <a:avLst/>
+                </a:prstGeom>
+                <a:ln w="19050">
+                  <a:solidFill>
+                    <a:srgbClr val="0CA7F4"/>
+                  </a:solidFill>
+                  <a:tailEnd type="triangle"/>
+                </a:ln>
+              </p:spPr>
+              <p:style>
+                <a:lnRef idx="1">
+                  <a:schemeClr val="accent1"/>
+                </a:lnRef>
+                <a:fillRef idx="0">
+                  <a:schemeClr val="accent1"/>
+                </a:fillRef>
+                <a:effectRef idx="0">
+                  <a:schemeClr val="accent1"/>
+                </a:effectRef>
+                <a:fontRef idx="minor">
+                  <a:schemeClr val="tx1"/>
+                </a:fontRef>
+              </p:style>
+            </p:cxnSp>
+            <p:grpSp>
+              <p:nvGrpSpPr>
+                <p:cNvPr id="78" name="Group 77">
+                  <a:extLst>
+                    <a:ext uri="{FF2B5EF4-FFF2-40B4-BE49-F238E27FC236}">
+                      <a16:creationId xmlns:a16="http://schemas.microsoft.com/office/drawing/2014/main" id="{60A23FB7-4D73-FECF-AF76-1B5CE0A9696F}"/>
+                    </a:ext>
+                  </a:extLst>
+                </p:cNvPr>
+                <p:cNvGrpSpPr/>
+                <p:nvPr/>
+              </p:nvGrpSpPr>
+              <p:grpSpPr>
+                <a:xfrm>
+                  <a:off x="8829077" y="2385017"/>
+                  <a:ext cx="1901021" cy="2034616"/>
+                  <a:chOff x="8839814" y="2499801"/>
+                  <a:chExt cx="1901021" cy="2034616"/>
+                </a:xfrm>
+              </p:grpSpPr>
+              <p:grpSp>
+                <p:nvGrpSpPr>
+                  <p:cNvPr id="54" name="Group 53">
+                    <a:extLst>
+                      <a:ext uri="{FF2B5EF4-FFF2-40B4-BE49-F238E27FC236}">
+                        <a16:creationId xmlns:a16="http://schemas.microsoft.com/office/drawing/2014/main" id="{6B7AE1DB-CC58-5B38-ADF2-40D30456BD23}"/>
+                      </a:ext>
+                    </a:extLst>
+                  </p:cNvPr>
+                  <p:cNvGrpSpPr/>
+                  <p:nvPr/>
+                </p:nvGrpSpPr>
+                <p:grpSpPr>
+                  <a:xfrm>
+                    <a:off x="8839814" y="2499801"/>
+                    <a:ext cx="1901021" cy="2034616"/>
+                    <a:chOff x="4813558" y="2266880"/>
+                    <a:chExt cx="2356598" cy="2241808"/>
+                  </a:xfrm>
+                </p:grpSpPr>
+                <p:pic>
+                  <p:nvPicPr>
+                    <p:cNvPr id="61" name="Graphic 60" descr="School girl outline">
+                      <a:extLst>
+                        <a:ext uri="{FF2B5EF4-FFF2-40B4-BE49-F238E27FC236}">
+                          <a16:creationId xmlns:a16="http://schemas.microsoft.com/office/drawing/2014/main" id="{CD73ED71-A867-3090-9325-848FEAB9A2FB}"/>
+                        </a:ext>
+                      </a:extLst>
+                    </p:cNvPr>
+                    <p:cNvPicPr>
+                      <a:picLocks noChangeAspect="1"/>
+                    </p:cNvPicPr>
+                    <p:nvPr/>
+                  </p:nvPicPr>
+                  <p:blipFill>
+                    <a:blip r:embed="rId4">
+                      <a:extLst>
+                        <a:ext uri="{28A0092B-C50C-407E-A947-70E740481C1C}">
+                          <a14:useLocalDpi xmlns:a14="http://schemas.microsoft.com/office/drawing/2010/main" val="0"/>
+                        </a:ext>
+                        <a:ext uri="{96DAC541-7B7A-43D3-8B79-37D633B846F1}">
+                          <asvg:svgBlip xmlns:asvg="http://schemas.microsoft.com/office/drawing/2016/SVG/main" r:embed="rId5"/>
+                        </a:ext>
+                      </a:extLst>
+                    </a:blip>
+                    <a:stretch>
+                      <a:fillRect/>
+                    </a:stretch>
+                  </p:blipFill>
+                  <p:spPr>
+                    <a:xfrm>
+                      <a:off x="5935532" y="3436920"/>
+                      <a:ext cx="856385" cy="856384"/>
+                    </a:xfrm>
+                    <a:prstGeom prst="rect">
+                      <a:avLst/>
+                    </a:prstGeom>
+                  </p:spPr>
+                </p:pic>
+                <p:sp>
+                  <p:nvSpPr>
+                    <p:cNvPr id="62" name="Rectangle: Rounded Corners 61">
+                      <a:extLst>
+                        <a:ext uri="{FF2B5EF4-FFF2-40B4-BE49-F238E27FC236}">
+                          <a16:creationId xmlns:a16="http://schemas.microsoft.com/office/drawing/2014/main" id="{5954E399-05D4-B9D2-C1A6-7C39EBB9695C}"/>
+                        </a:ext>
+                      </a:extLst>
+                    </p:cNvPr>
+                    <p:cNvSpPr/>
+                    <p:nvPr/>
+                  </p:nvSpPr>
+                  <p:spPr>
+                    <a:xfrm>
+                      <a:off x="6011916" y="2901315"/>
+                      <a:ext cx="1158240" cy="1294801"/>
+                    </a:xfrm>
+                    <a:prstGeom prst="roundRect">
+                      <a:avLst/>
+                    </a:prstGeom>
+                    <a:noFill/>
+                    <a:ln w="57150">
+                      <a:solidFill>
+                        <a:srgbClr val="77CEF9"/>
+                      </a:solidFill>
+                    </a:ln>
+                  </p:spPr>
+                  <p:style>
+                    <a:lnRef idx="2">
+                      <a:schemeClr val="accent1">
+                        <a:shade val="50000"/>
+                      </a:schemeClr>
+                    </a:lnRef>
+                    <a:fillRef idx="1">
+                      <a:schemeClr val="accent1"/>
+                    </a:fillRef>
+                    <a:effectRef idx="0">
+                      <a:schemeClr val="accent1"/>
+                    </a:effectRef>
+                    <a:fontRef idx="minor">
+                      <a:schemeClr val="lt1"/>
+                    </a:fontRef>
+                  </p:style>
+                  <p:txBody>
+                    <a:bodyPr rot="0" spcFirstLastPara="0" vert="horz" wrap="square" lIns="91440" tIns="45720" rIns="91440" bIns="45720" numCol="1" spcCol="0" rtlCol="0" fromWordArt="0" anchor="ctr" anchorCtr="0" forceAA="0" compatLnSpc="1">
+                      <a:prstTxWarp prst="textNoShape">
+                        <a:avLst/>
+                      </a:prstTxWarp>
+                      <a:noAutofit/>
+                    </a:bodyPr>
+                    <a:lstStyle/>
+                    <a:p>
+                      <a:endParaRPr lang="en-US"/>
+                    </a:p>
+                  </p:txBody>
+                </p:sp>
+                <p:sp>
+                  <p:nvSpPr>
+                    <p:cNvPr id="63" name="Speech Bubble: Rectangle with Corners Rounded 62">
+                      <a:extLst>
+                        <a:ext uri="{FF2B5EF4-FFF2-40B4-BE49-F238E27FC236}">
+                          <a16:creationId xmlns:a16="http://schemas.microsoft.com/office/drawing/2014/main" id="{42D406FD-1E14-32E4-B856-3A44EB968B65}"/>
+                        </a:ext>
+                      </a:extLst>
+                    </p:cNvPr>
+                    <p:cNvSpPr/>
+                    <p:nvPr/>
+                  </p:nvSpPr>
+                  <p:spPr>
+                    <a:xfrm flipH="1">
+                      <a:off x="4813558" y="2266880"/>
+                      <a:ext cx="1218030" cy="422956"/>
+                    </a:xfrm>
+                    <a:prstGeom prst="wedgeRoundRectCallout">
+                      <a:avLst>
+                        <a:gd name="adj1" fmla="val -39736"/>
+                        <a:gd name="adj2" fmla="val 100379"/>
+                        <a:gd name="adj3" fmla="val 16667"/>
+                      </a:avLst>
+                    </a:prstGeom>
+                    <a:noFill/>
+                    <a:ln w="28575">
+                      <a:solidFill>
+                        <a:srgbClr val="77CEF9"/>
+                      </a:solidFill>
+                    </a:ln>
+                  </p:spPr>
+                  <p:style>
+                    <a:lnRef idx="2">
+                      <a:schemeClr val="accent1">
+                        <a:shade val="50000"/>
+                      </a:schemeClr>
+                    </a:lnRef>
+                    <a:fillRef idx="1">
+                      <a:schemeClr val="accent1"/>
+                    </a:fillRef>
+                    <a:effectRef idx="0">
+                      <a:schemeClr val="accent1"/>
+                    </a:effectRef>
+                    <a:fontRef idx="minor">
+                      <a:schemeClr val="lt1"/>
+                    </a:fontRef>
+                  </p:style>
+                  <p:txBody>
+                    <a:bodyPr rot="0" spcFirstLastPara="0" vert="horz" wrap="square" lIns="91440" tIns="45720" rIns="91440" bIns="45720" numCol="1" spcCol="0" rtlCol="0" fromWordArt="0" anchor="ctr" anchorCtr="0" forceAA="0" compatLnSpc="1">
+                      <a:prstTxWarp prst="textNoShape">
+                        <a:avLst/>
+                      </a:prstTxWarp>
+                      <a:noAutofit/>
+                    </a:bodyPr>
+                    <a:lstStyle/>
+                    <a:p>
+                      <a:pPr marL="0" marR="0" algn="ctr">
+                        <a:lnSpc>
+                          <a:spcPct val="107000"/>
+                        </a:lnSpc>
+                        <a:spcBef>
+                          <a:spcPts val="0"/>
+                        </a:spcBef>
+                        <a:spcAft>
+                          <a:spcPts val="800"/>
+                        </a:spcAft>
+                      </a:pPr>
+                      <a:r>
+                        <a:rPr lang="en-US" sz="1200" dirty="0">
+                          <a:solidFill>
+                            <a:schemeClr val="tx1"/>
+                          </a:solidFill>
+                          <a:latin typeface="Sylfaen" panose="010A0502050306030303" pitchFamily="18" charset="0"/>
+                          <a:ea typeface="Calibri" panose="020F0502020204030204" pitchFamily="34" charset="0"/>
+                          <a:cs typeface="Times New Roman" panose="02020603050405020304" pitchFamily="18" charset="0"/>
+                        </a:rPr>
+                        <a:t>dino</a:t>
+                      </a:r>
+                      <a:r>
+                        <a:rPr lang="en-US" sz="700" dirty="0">
+                          <a:solidFill>
+                            <a:schemeClr val="tx1"/>
+                          </a:solidFill>
+                          <a:latin typeface="Sylfaen" panose="010A0502050306030303" pitchFamily="18" charset="0"/>
+                          <a:ea typeface="Calibri" panose="020F0502020204030204" pitchFamily="34" charset="0"/>
+                          <a:cs typeface="Times New Roman" panose="02020603050405020304" pitchFamily="18" charset="0"/>
+                        </a:rPr>
+                        <a:t> </a:t>
+                      </a:r>
+                      <a:r>
+                        <a:rPr lang="en-US" sz="1600" b="1" dirty="0">
+                          <a:solidFill>
+                            <a:schemeClr val="tx1"/>
+                          </a:solidFill>
+                          <a:latin typeface="Sylfaen" panose="010A0502050306030303" pitchFamily="18" charset="0"/>
+                          <a:ea typeface="Calibri" panose="020F0502020204030204" pitchFamily="34" charset="0"/>
+                          <a:cs typeface="Times New Roman" panose="02020603050405020304" pitchFamily="18" charset="0"/>
+                        </a:rPr>
+                        <a:t>s</a:t>
+                      </a:r>
+                      <a:r>
+                        <a:rPr lang="en-US" sz="700" b="1" dirty="0">
+                          <a:solidFill>
+                            <a:schemeClr val="tx1"/>
+                          </a:solidFill>
+                          <a:latin typeface="Sylfaen" panose="010A0502050306030303" pitchFamily="18" charset="0"/>
+                          <a:ea typeface="Calibri" panose="020F0502020204030204" pitchFamily="34" charset="0"/>
+                          <a:cs typeface="Times New Roman" panose="02020603050405020304" pitchFamily="18" charset="0"/>
+                        </a:rPr>
+                        <a:t> </a:t>
+                      </a:r>
+                      <a:r>
+                        <a:rPr lang="en-US" sz="1200" dirty="0">
+                          <a:solidFill>
+                            <a:schemeClr val="tx1"/>
+                          </a:solidFill>
+                          <a:latin typeface="Sylfaen" panose="010A0502050306030303" pitchFamily="18" charset="0"/>
+                          <a:ea typeface="Calibri" panose="020F0502020204030204" pitchFamily="34" charset="0"/>
+                          <a:cs typeface="Times New Roman" panose="02020603050405020304" pitchFamily="18" charset="0"/>
+                        </a:rPr>
+                        <a:t>aur</a:t>
+                      </a:r>
+                      <a:r>
+                        <a:rPr lang="en-US" sz="1100" dirty="0">
+                          <a:effectLst/>
+                          <a:ea typeface="Calibri" panose="020F0502020204030204" pitchFamily="34" charset="0"/>
+                          <a:cs typeface="Times New Roman" panose="02020603050405020304" pitchFamily="18" charset="0"/>
+                        </a:rPr>
+                        <a:t> </a:t>
+                      </a:r>
+                    </a:p>
+                  </p:txBody>
+                </p:sp>
+                <p:sp>
+                  <p:nvSpPr>
+                    <p:cNvPr id="64" name="Text Box 11">
+                      <a:extLst>
+                        <a:ext uri="{FF2B5EF4-FFF2-40B4-BE49-F238E27FC236}">
+                          <a16:creationId xmlns:a16="http://schemas.microsoft.com/office/drawing/2014/main" id="{365119F2-1DA1-222E-972D-AC773BB3F3E7}"/>
+                        </a:ext>
+                      </a:extLst>
+                    </p:cNvPr>
+                    <p:cNvSpPr txBox="1">
+                      <a:spLocks noChangeArrowheads="1"/>
+                    </p:cNvSpPr>
+                    <p:nvPr/>
+                  </p:nvSpPr>
+                  <p:spPr bwMode="auto">
+                    <a:xfrm>
+                      <a:off x="6026779" y="4230875"/>
+                      <a:ext cx="1136650" cy="277813"/>
+                    </a:xfrm>
+                    <a:prstGeom prst="rect">
+                      <a:avLst/>
+                    </a:prstGeom>
+                    <a:solidFill>
+                      <a:srgbClr val="FFFFFF"/>
+                    </a:solidFill>
+                    <a:ln>
+                      <a:noFill/>
+                    </a:ln>
+                    <a:extLst>
+                      <a:ext uri="{91240B29-F687-4F45-9708-019B960494DF}">
+                        <a14:hiddenLine xmlns:a14="http://schemas.microsoft.com/office/drawing/2010/main" w="6350">
+                          <a:solidFill>
+                            <a:srgbClr val="000000"/>
+                          </a:solidFill>
+                          <a:miter lim="800000"/>
+                          <a:headEnd/>
+                          <a:tailEnd/>
+                        </a14:hiddenLine>
+                      </a:ext>
+                    </a:extLst>
+                  </p:spPr>
+                  <p:txBody>
+                    <a:bodyPr vert="horz" wrap="square" lIns="91440" tIns="45720" rIns="91440" bIns="45720" numCol="1" anchor="t" anchorCtr="0" compatLnSpc="1">
+                      <a:prstTxWarp prst="textNoShape">
+                        <a:avLst/>
+                      </a:prstTxWarp>
+                    </a:bodyPr>
+                    <a:lstStyle/>
+                    <a:p>
+                      <a:pPr marL="0" marR="0" lvl="0" indent="0" algn="ctr" defTabSz="914400" rtl="0" eaLnBrk="0" fontAlgn="base" latinLnBrk="0" hangingPunct="0">
+                        <a:lnSpc>
+                          <a:spcPct val="100000"/>
+                        </a:lnSpc>
+                        <a:spcBef>
+                          <a:spcPct val="0"/>
+                        </a:spcBef>
+                        <a:spcAft>
+                          <a:spcPct val="0"/>
+                        </a:spcAft>
+                        <a:buClrTx/>
+                        <a:buSzTx/>
+                        <a:buFontTx/>
+                        <a:buNone/>
+                        <a:tabLst/>
+                      </a:pPr>
+                      <a:r>
+                        <a:rPr lang="en-US" altLang="en-US" sz="1100" i="1" dirty="0">
+                          <a:latin typeface="Sylfaen" panose="010A0502050306030303" pitchFamily="18" charset="0"/>
+                          <a:cs typeface="Times New Roman" panose="02020603050405020304" pitchFamily="18" charset="0"/>
+                        </a:rPr>
+                        <a:t>Right</a:t>
+                      </a:r>
+                      <a:endParaRPr kumimoji="0" lang="en-US" altLang="en-US" sz="2400" b="0" i="0" u="none" strike="noStrike" cap="none" normalizeH="0" baseline="0" dirty="0">
+                        <a:ln>
+                          <a:noFill/>
+                        </a:ln>
+                        <a:solidFill>
+                          <a:schemeClr val="tx1"/>
+                        </a:solidFill>
+                        <a:effectLst/>
+                        <a:latin typeface="Arial" panose="020B0604020202020204" pitchFamily="34" charset="0"/>
+                      </a:endParaRPr>
+                    </a:p>
+                  </p:txBody>
+                </p:sp>
+                <p:sp>
+                  <p:nvSpPr>
+                    <p:cNvPr id="65" name="Text Box 10">
+                      <a:extLst>
+                        <a:ext uri="{FF2B5EF4-FFF2-40B4-BE49-F238E27FC236}">
+                          <a16:creationId xmlns:a16="http://schemas.microsoft.com/office/drawing/2014/main" id="{875088BF-BD73-A473-C120-28694C2E0A29}"/>
+                        </a:ext>
+                      </a:extLst>
+                    </p:cNvPr>
+                    <p:cNvSpPr txBox="1">
+                      <a:spLocks noChangeArrowheads="1"/>
+                    </p:cNvSpPr>
+                    <p:nvPr/>
+                  </p:nvSpPr>
+                  <p:spPr bwMode="auto">
+                    <a:xfrm>
+                      <a:off x="6026779" y="2646658"/>
+                      <a:ext cx="1136650" cy="277813"/>
+                    </a:xfrm>
+                    <a:prstGeom prst="rect">
+                      <a:avLst/>
+                    </a:prstGeom>
+                    <a:noFill/>
+                    <a:ln>
+                      <a:noFill/>
+                    </a:ln>
+                  </p:spPr>
+                  <p:txBody>
+                    <a:bodyPr vert="horz" wrap="square" lIns="91440" tIns="45720" rIns="91440" bIns="45720" numCol="1" anchor="t" anchorCtr="0" compatLnSpc="1">
+                      <a:prstTxWarp prst="textNoShape">
+                        <a:avLst/>
+                      </a:prstTxWarp>
+                    </a:bodyPr>
+                    <a:lstStyle/>
+                    <a:p>
+                      <a:pPr marL="0" marR="0" lvl="0" indent="0" algn="ctr" defTabSz="914400" rtl="0" eaLnBrk="0" fontAlgn="base" latinLnBrk="0" hangingPunct="0">
+                        <a:lnSpc>
+                          <a:spcPct val="100000"/>
+                        </a:lnSpc>
+                        <a:spcBef>
+                          <a:spcPct val="0"/>
+                        </a:spcBef>
+                        <a:spcAft>
+                          <a:spcPct val="0"/>
+                        </a:spcAft>
+                        <a:buClrTx/>
+                        <a:buSzTx/>
+                        <a:buFontTx/>
+                        <a:buNone/>
+                        <a:tabLst/>
+                      </a:pPr>
+                      <a:r>
+                        <a:rPr kumimoji="0" lang="en-US" altLang="en-US" sz="1100" b="1" u="none" strike="noStrike" cap="none" normalizeH="0" baseline="0" dirty="0">
+                          <a:ln>
+                            <a:noFill/>
+                          </a:ln>
+                          <a:solidFill>
+                            <a:srgbClr val="0CA7F4"/>
+                          </a:solidFill>
+                          <a:effectLst/>
+                          <a:latin typeface="Sylfaen" panose="010A0502050306030303" pitchFamily="18" charset="0"/>
+                          <a:ea typeface="Calibri" panose="020F0502020204030204" pitchFamily="34" charset="0"/>
+                          <a:cs typeface="Times New Roman" panose="02020603050405020304" pitchFamily="18" charset="0"/>
+                        </a:rPr>
+                        <a:t>Talker B</a:t>
+                      </a:r>
+                      <a:endParaRPr kumimoji="0" lang="en-US" altLang="en-US" sz="2400" b="1" u="none" strike="noStrike" cap="none" normalizeH="0" baseline="0" dirty="0">
+                        <a:ln>
+                          <a:noFill/>
+                        </a:ln>
+                        <a:solidFill>
+                          <a:srgbClr val="0CA7F4"/>
+                        </a:solidFill>
+                        <a:effectLst/>
+                        <a:latin typeface="Arial" panose="020B0604020202020204" pitchFamily="34" charset="0"/>
+                      </a:endParaRPr>
+                    </a:p>
+                  </p:txBody>
+                </p:sp>
+              </p:grpSp>
+              <p:pic>
+                <p:nvPicPr>
+                  <p:cNvPr id="58" name="Graphic 57" descr="Female outline">
+                    <a:extLst>
+                      <a:ext uri="{FF2B5EF4-FFF2-40B4-BE49-F238E27FC236}">
+                        <a16:creationId xmlns:a16="http://schemas.microsoft.com/office/drawing/2014/main" id="{E0611F7A-04C5-A992-51AF-8F39B20181E5}"/>
+                      </a:ext>
+                    </a:extLst>
+                  </p:cNvPr>
+                  <p:cNvPicPr>
+                    <a:picLocks noChangeAspect="1"/>
+                  </p:cNvPicPr>
+                  <p:nvPr/>
+                </p:nvPicPr>
+                <p:blipFill>
+                  <a:blip r:embed="rId6">
+                    <a:extLst>
+                      <a:ext uri="{28A0092B-C50C-407E-A947-70E740481C1C}">
+                        <a14:useLocalDpi xmlns:a14="http://schemas.microsoft.com/office/drawing/2010/main" val="0"/>
+                      </a:ext>
+                      <a:ext uri="{96DAC541-7B7A-43D3-8B79-37D633B846F1}">
+                        <asvg:svgBlip xmlns:asvg="http://schemas.microsoft.com/office/drawing/2016/SVG/main" r:embed="rId7"/>
+                      </a:ext>
+                    </a:extLst>
+                  </a:blip>
+                  <a:stretch>
+                    <a:fillRect/>
+                  </a:stretch>
+                </p:blipFill>
+                <p:spPr>
+                  <a:xfrm>
+                    <a:off x="10391163" y="3118899"/>
+                    <a:ext cx="334952" cy="376847"/>
+                  </a:xfrm>
+                  <a:prstGeom prst="rect">
+                    <a:avLst/>
+                  </a:prstGeom>
+                </p:spPr>
+              </p:pic>
+              <p:pic>
+                <p:nvPicPr>
+                  <p:cNvPr id="59" name="Graphic 58" descr="Ear outline">
+                    <a:extLst>
+                      <a:ext uri="{FF2B5EF4-FFF2-40B4-BE49-F238E27FC236}">
+                        <a16:creationId xmlns:a16="http://schemas.microsoft.com/office/drawing/2014/main" id="{5A1ED9B4-B8A0-C6FD-0F3E-2DCCF04CEF6A}"/>
+                      </a:ext>
+                    </a:extLst>
+                  </p:cNvPr>
+                  <p:cNvPicPr>
+                    <a:picLocks noChangeAspect="1"/>
+                  </p:cNvPicPr>
+                  <p:nvPr/>
+                </p:nvPicPr>
+                <p:blipFill>
+                  <a:blip r:embed="rId8">
+                    <a:extLst>
+                      <a:ext uri="{28A0092B-C50C-407E-A947-70E740481C1C}">
+                        <a14:useLocalDpi xmlns:a14="http://schemas.microsoft.com/office/drawing/2010/main" val="0"/>
+                      </a:ext>
+                      <a:ext uri="{96DAC541-7B7A-43D3-8B79-37D633B846F1}">
+                        <asvg:svgBlip xmlns:asvg="http://schemas.microsoft.com/office/drawing/2016/SVG/main" r:embed="rId9"/>
+                      </a:ext>
+                    </a:extLst>
+                  </a:blip>
+                  <a:stretch>
+                    <a:fillRect/>
+                  </a:stretch>
+                </p:blipFill>
+                <p:spPr>
+                  <a:xfrm>
+                    <a:off x="10400727" y="3502139"/>
+                    <a:ext cx="288948" cy="412616"/>
+                  </a:xfrm>
+                  <a:prstGeom prst="rect">
+                    <a:avLst/>
+                  </a:prstGeom>
+                </p:spPr>
+              </p:pic>
+            </p:grpSp>
+            <p:grpSp>
+              <p:nvGrpSpPr>
+                <p:cNvPr id="77" name="Group 76">
+                  <a:extLst>
+                    <a:ext uri="{FF2B5EF4-FFF2-40B4-BE49-F238E27FC236}">
+                      <a16:creationId xmlns:a16="http://schemas.microsoft.com/office/drawing/2014/main" id="{15C603BD-A54D-C020-3959-D43A6B6534E8}"/>
+                    </a:ext>
+                  </a:extLst>
+                </p:cNvPr>
+                <p:cNvGrpSpPr/>
+                <p:nvPr/>
+              </p:nvGrpSpPr>
+              <p:grpSpPr>
+                <a:xfrm>
+                  <a:off x="6656276" y="2371135"/>
+                  <a:ext cx="1896150" cy="2023128"/>
+                  <a:chOff x="6573471" y="2515805"/>
+                  <a:chExt cx="1896150" cy="2023128"/>
+                </a:xfrm>
+              </p:grpSpPr>
+              <p:grpSp>
+                <p:nvGrpSpPr>
+                  <p:cNvPr id="53" name="Group 52">
+                    <a:extLst>
+                      <a:ext uri="{FF2B5EF4-FFF2-40B4-BE49-F238E27FC236}">
+                        <a16:creationId xmlns:a16="http://schemas.microsoft.com/office/drawing/2014/main" id="{AA4CD459-171D-F5F2-E6A1-86B4812AEFA8}"/>
+                      </a:ext>
+                    </a:extLst>
+                  </p:cNvPr>
+                  <p:cNvGrpSpPr/>
+                  <p:nvPr/>
+                </p:nvGrpSpPr>
+                <p:grpSpPr>
+                  <a:xfrm>
+                    <a:off x="6573471" y="2515805"/>
+                    <a:ext cx="1896150" cy="2023128"/>
+                    <a:chOff x="2011944" y="2352041"/>
+                    <a:chExt cx="2350560" cy="2229152"/>
+                  </a:xfrm>
+                </p:grpSpPr>
+                <p:pic>
+                  <p:nvPicPr>
+                    <p:cNvPr id="66" name="Graphic 65" descr="School boy outline">
+                      <a:extLst>
+                        <a:ext uri="{FF2B5EF4-FFF2-40B4-BE49-F238E27FC236}">
+                          <a16:creationId xmlns:a16="http://schemas.microsoft.com/office/drawing/2014/main" id="{B6835734-4E55-A645-E0E2-D137ABDD33B2}"/>
+                        </a:ext>
+                      </a:extLst>
+                    </p:cNvPr>
+                    <p:cNvPicPr>
+                      <a:picLocks noChangeAspect="1"/>
+                    </p:cNvPicPr>
+                    <p:nvPr/>
+                  </p:nvPicPr>
+                  <p:blipFill>
+                    <a:blip r:embed="rId10">
+                      <a:extLst>
+                        <a:ext uri="{28A0092B-C50C-407E-A947-70E740481C1C}">
+                          <a14:useLocalDpi xmlns:a14="http://schemas.microsoft.com/office/drawing/2010/main" val="0"/>
+                        </a:ext>
+                        <a:ext uri="{96DAC541-7B7A-43D3-8B79-37D633B846F1}">
+                          <asvg:svgBlip xmlns:asvg="http://schemas.microsoft.com/office/drawing/2016/SVG/main" r:embed="rId11"/>
+                        </a:ext>
+                      </a:extLst>
+                    </a:blip>
+                    <a:stretch>
+                      <a:fillRect/>
+                    </a:stretch>
+                  </p:blipFill>
+                  <p:spPr>
+                    <a:xfrm>
+                      <a:off x="2427154" y="3484432"/>
+                      <a:ext cx="856384" cy="856384"/>
+                    </a:xfrm>
+                    <a:prstGeom prst="rect">
+                      <a:avLst/>
+                    </a:prstGeom>
+                  </p:spPr>
+                </p:pic>
+                <p:sp>
+                  <p:nvSpPr>
+                    <p:cNvPr id="67" name="Rectangle: Rounded Corners 66">
+                      <a:extLst>
+                        <a:ext uri="{FF2B5EF4-FFF2-40B4-BE49-F238E27FC236}">
+                          <a16:creationId xmlns:a16="http://schemas.microsoft.com/office/drawing/2014/main" id="{A552B3DB-C459-B3C6-1813-10672C30D888}"/>
+                        </a:ext>
+                      </a:extLst>
+                    </p:cNvPr>
+                    <p:cNvSpPr/>
+                    <p:nvPr/>
+                  </p:nvSpPr>
+                  <p:spPr>
+                    <a:xfrm>
+                      <a:off x="2011944" y="2954020"/>
+                      <a:ext cx="1165225" cy="1294801"/>
+                    </a:xfrm>
+                    <a:prstGeom prst="roundRect">
+                      <a:avLst/>
+                    </a:prstGeom>
+                    <a:noFill/>
+                    <a:ln w="57150">
+                      <a:solidFill>
+                        <a:srgbClr val="FFBE5F"/>
+                      </a:solidFill>
+                    </a:ln>
+                  </p:spPr>
+                  <p:style>
+                    <a:lnRef idx="2">
+                      <a:schemeClr val="accent1">
+                        <a:shade val="50000"/>
+                      </a:schemeClr>
+                    </a:lnRef>
+                    <a:fillRef idx="1">
+                      <a:schemeClr val="accent1"/>
+                    </a:fillRef>
+                    <a:effectRef idx="0">
+                      <a:schemeClr val="accent1"/>
+                    </a:effectRef>
+                    <a:fontRef idx="minor">
+                      <a:schemeClr val="lt1"/>
+                    </a:fontRef>
+                  </p:style>
+                  <p:txBody>
+                    <a:bodyPr rot="0" spcFirstLastPara="0" vert="horz" wrap="square" lIns="91440" tIns="45720" rIns="91440" bIns="45720" numCol="1" spcCol="0" rtlCol="0" fromWordArt="0" anchor="ctr" anchorCtr="0" forceAA="0" compatLnSpc="1">
+                      <a:prstTxWarp prst="textNoShape">
+                        <a:avLst/>
+                      </a:prstTxWarp>
+                      <a:noAutofit/>
+                    </a:bodyPr>
+                    <a:lstStyle/>
+                    <a:p>
+                      <a:endParaRPr lang="en-US"/>
+                    </a:p>
+                  </p:txBody>
+                </p:sp>
+                <p:sp>
+                  <p:nvSpPr>
+                    <p:cNvPr id="68" name="Speech Bubble: Rectangle with Corners Rounded 67">
+                      <a:extLst>
+                        <a:ext uri="{FF2B5EF4-FFF2-40B4-BE49-F238E27FC236}">
+                          <a16:creationId xmlns:a16="http://schemas.microsoft.com/office/drawing/2014/main" id="{BBE0C5D5-9E3C-DF38-220C-61E09B4C8A06}"/>
+                        </a:ext>
+                      </a:extLst>
+                    </p:cNvPr>
+                    <p:cNvSpPr/>
+                    <p:nvPr/>
+                  </p:nvSpPr>
+                  <p:spPr>
+                    <a:xfrm>
+                      <a:off x="3139975" y="2352041"/>
+                      <a:ext cx="1222529" cy="419210"/>
+                    </a:xfrm>
+                    <a:prstGeom prst="wedgeRoundRectCallout">
+                      <a:avLst>
+                        <a:gd name="adj1" fmla="val -39736"/>
+                        <a:gd name="adj2" fmla="val 100379"/>
+                        <a:gd name="adj3" fmla="val 16667"/>
+                      </a:avLst>
+                    </a:prstGeom>
+                    <a:noFill/>
+                    <a:ln w="28575">
+                      <a:solidFill>
+                        <a:srgbClr val="FFBE5F"/>
+                      </a:solidFill>
+                    </a:ln>
+                  </p:spPr>
+                  <p:style>
+                    <a:lnRef idx="2">
+                      <a:schemeClr val="accent1">
+                        <a:shade val="50000"/>
+                      </a:schemeClr>
+                    </a:lnRef>
+                    <a:fillRef idx="1">
+                      <a:schemeClr val="accent1"/>
+                    </a:fillRef>
+                    <a:effectRef idx="0">
+                      <a:schemeClr val="accent1"/>
+                    </a:effectRef>
+                    <a:fontRef idx="minor">
+                      <a:schemeClr val="lt1"/>
+                    </a:fontRef>
+                  </p:style>
+                  <p:txBody>
+                    <a:bodyPr rot="0" spcFirstLastPara="0" vert="horz" wrap="square" lIns="91440" tIns="45720" rIns="91440" bIns="45720" numCol="1" spcCol="0" rtlCol="0" fromWordArt="0" anchor="ctr" anchorCtr="0" forceAA="0" compatLnSpc="1">
+                      <a:prstTxWarp prst="textNoShape">
+                        <a:avLst/>
+                      </a:prstTxWarp>
+                      <a:noAutofit/>
+                    </a:bodyPr>
+                    <a:lstStyle/>
+                    <a:p>
+                      <a:pPr algn="ctr">
+                        <a:lnSpc>
+                          <a:spcPct val="107000"/>
+                        </a:lnSpc>
+                        <a:spcAft>
+                          <a:spcPts val="800"/>
+                        </a:spcAft>
+                      </a:pPr>
+                      <a:r>
+                        <a:rPr lang="en-US" sz="1200" dirty="0">
+                          <a:solidFill>
+                            <a:schemeClr val="tx1"/>
+                          </a:solidFill>
+                          <a:latin typeface="Sylfaen" panose="010A0502050306030303" pitchFamily="18" charset="0"/>
+                          <a:ea typeface="Calibri" panose="020F0502020204030204" pitchFamily="34" charset="0"/>
+                          <a:cs typeface="Times New Roman" panose="02020603050405020304" pitchFamily="18" charset="0"/>
+                        </a:rPr>
+                        <a:t>publi</a:t>
+                      </a:r>
+                      <a:r>
+                        <a:rPr lang="en-US" sz="700" dirty="0">
+                          <a:solidFill>
+                            <a:schemeClr val="tx1"/>
+                          </a:solidFill>
+                          <a:latin typeface="Sylfaen" panose="010A0502050306030303" pitchFamily="18" charset="0"/>
+                          <a:ea typeface="Calibri" panose="020F0502020204030204" pitchFamily="34" charset="0"/>
+                          <a:cs typeface="Times New Roman" panose="02020603050405020304" pitchFamily="18" charset="0"/>
+                        </a:rPr>
+                        <a:t> </a:t>
+                      </a:r>
+                      <a:r>
+                        <a:rPr lang="en-US" sz="1400" b="1" dirty="0">
+                          <a:solidFill>
+                            <a:schemeClr val="tx1"/>
+                          </a:solidFill>
+                          <a:latin typeface="Sylfaen" panose="010A0502050306030303" pitchFamily="18" charset="0"/>
+                          <a:ea typeface="Calibri" panose="020F0502020204030204" pitchFamily="34" charset="0"/>
+                          <a:cs typeface="Times New Roman" panose="02020603050405020304" pitchFamily="18" charset="0"/>
+                        </a:rPr>
+                        <a:t>sh</a:t>
+                      </a:r>
+                      <a:r>
+                        <a:rPr lang="en-US" sz="700" b="1" dirty="0">
+                          <a:solidFill>
+                            <a:schemeClr val="tx1"/>
+                          </a:solidFill>
+                          <a:latin typeface="Sylfaen" panose="010A0502050306030303" pitchFamily="18" charset="0"/>
+                          <a:ea typeface="Calibri" panose="020F0502020204030204" pitchFamily="34" charset="0"/>
+                          <a:cs typeface="Times New Roman" panose="02020603050405020304" pitchFamily="18" charset="0"/>
+                        </a:rPr>
+                        <a:t> </a:t>
+                      </a:r>
+                      <a:r>
+                        <a:rPr lang="en-US" sz="1200" dirty="0">
+                          <a:solidFill>
+                            <a:schemeClr val="tx1"/>
+                          </a:solidFill>
+                          <a:latin typeface="Sylfaen" panose="010A0502050306030303" pitchFamily="18" charset="0"/>
+                          <a:ea typeface="Calibri" panose="020F0502020204030204" pitchFamily="34" charset="0"/>
+                          <a:cs typeface="Times New Roman" panose="02020603050405020304" pitchFamily="18" charset="0"/>
+                        </a:rPr>
+                        <a:t>er</a:t>
+                      </a:r>
+                      <a:endParaRPr lang="en-US" sz="1200" dirty="0">
+                        <a:solidFill>
+                          <a:schemeClr val="tx1"/>
+                        </a:solidFill>
+                        <a:effectLst/>
+                        <a:latin typeface="Sylfaen" panose="010A0502050306030303" pitchFamily="18" charset="0"/>
+                        <a:ea typeface="Calibri" panose="020F0502020204030204" pitchFamily="34" charset="0"/>
+                        <a:cs typeface="Times New Roman" panose="02020603050405020304" pitchFamily="18" charset="0"/>
+                      </a:endParaRPr>
+                    </a:p>
+                  </p:txBody>
+                </p:sp>
+                <p:sp>
+                  <p:nvSpPr>
+                    <p:cNvPr id="69" name="Text Box 10">
+                      <a:extLst>
+                        <a:ext uri="{FF2B5EF4-FFF2-40B4-BE49-F238E27FC236}">
+                          <a16:creationId xmlns:a16="http://schemas.microsoft.com/office/drawing/2014/main" id="{590C7867-BE46-1735-1A76-348A5FDB61C2}"/>
+                        </a:ext>
+                      </a:extLst>
+                    </p:cNvPr>
+                    <p:cNvSpPr txBox="1">
+                      <a:spLocks noChangeArrowheads="1"/>
+                    </p:cNvSpPr>
+                    <p:nvPr/>
+                  </p:nvSpPr>
+                  <p:spPr bwMode="auto">
+                    <a:xfrm>
+                      <a:off x="2037935" y="4303381"/>
+                      <a:ext cx="1136650" cy="277812"/>
+                    </a:xfrm>
+                    <a:prstGeom prst="rect">
+                      <a:avLst/>
+                    </a:prstGeom>
+                    <a:solidFill>
+                      <a:srgbClr val="FFFFFF"/>
+                    </a:solidFill>
+                    <a:ln>
+                      <a:noFill/>
+                    </a:ln>
+                    <a:extLst>
+                      <a:ext uri="{91240B29-F687-4F45-9708-019B960494DF}">
+                        <a14:hiddenLine xmlns:a14="http://schemas.microsoft.com/office/drawing/2010/main" w="6350">
+                          <a:solidFill>
+                            <a:srgbClr val="000000"/>
+                          </a:solidFill>
+                          <a:miter lim="800000"/>
+                          <a:headEnd/>
+                          <a:tailEnd/>
+                        </a14:hiddenLine>
+                      </a:ext>
+                    </a:extLst>
+                  </p:spPr>
+                  <p:txBody>
+                    <a:bodyPr vert="horz" wrap="square" lIns="91440" tIns="45720" rIns="91440" bIns="45720" numCol="1" anchor="t" anchorCtr="0" compatLnSpc="1">
+                      <a:prstTxWarp prst="textNoShape">
+                        <a:avLst/>
+                      </a:prstTxWarp>
+                    </a:bodyPr>
+                    <a:lstStyle/>
+                    <a:p>
+                      <a:pPr marL="0" marR="0" lvl="0" indent="0" algn="ctr" defTabSz="914400" rtl="0" eaLnBrk="0" fontAlgn="base" latinLnBrk="0" hangingPunct="0">
+                        <a:lnSpc>
+                          <a:spcPct val="100000"/>
+                        </a:lnSpc>
+                        <a:spcBef>
+                          <a:spcPct val="0"/>
+                        </a:spcBef>
+                        <a:spcAft>
+                          <a:spcPct val="0"/>
+                        </a:spcAft>
+                        <a:buClrTx/>
+                        <a:buSzTx/>
+                        <a:buFontTx/>
+                        <a:buNone/>
+                        <a:tabLst/>
+                      </a:pPr>
+                      <a:r>
+                        <a:rPr kumimoji="0" lang="en-US" altLang="en-US" sz="1100" b="0" i="1" u="none" strike="noStrike" cap="none" normalizeH="0" baseline="0" dirty="0">
+                          <a:ln>
+                            <a:noFill/>
+                          </a:ln>
+                          <a:solidFill>
+                            <a:schemeClr val="tx1"/>
+                          </a:solidFill>
+                          <a:effectLst/>
+                          <a:latin typeface="Sylfaen" panose="010A0502050306030303" pitchFamily="18" charset="0"/>
+                          <a:ea typeface="Calibri" panose="020F0502020204030204" pitchFamily="34" charset="0"/>
+                          <a:cs typeface="Times New Roman" panose="02020603050405020304" pitchFamily="18" charset="0"/>
+                        </a:rPr>
+                        <a:t>Left</a:t>
+                      </a:r>
+                      <a:endParaRPr kumimoji="0" lang="en-US" altLang="en-US" sz="2400" b="0" i="0" u="none" strike="noStrike" cap="none" normalizeH="0" baseline="0" dirty="0">
+                        <a:ln>
+                          <a:noFill/>
+                        </a:ln>
+                        <a:solidFill>
+                          <a:schemeClr val="tx1"/>
+                        </a:solidFill>
+                        <a:effectLst/>
+                        <a:latin typeface="Arial" panose="020B0604020202020204" pitchFamily="34" charset="0"/>
+                      </a:endParaRPr>
+                    </a:p>
+                  </p:txBody>
+                </p:sp>
+                <p:sp>
+                  <p:nvSpPr>
+                    <p:cNvPr id="70" name="Text Box 10">
+                      <a:extLst>
+                        <a:ext uri="{FF2B5EF4-FFF2-40B4-BE49-F238E27FC236}">
+                          <a16:creationId xmlns:a16="http://schemas.microsoft.com/office/drawing/2014/main" id="{48552BAA-45CE-C60B-FD4C-65E0DF994187}"/>
+                        </a:ext>
+                      </a:extLst>
+                    </p:cNvPr>
+                    <p:cNvSpPr txBox="1">
+                      <a:spLocks noChangeArrowheads="1"/>
+                    </p:cNvSpPr>
+                    <p:nvPr/>
+                  </p:nvSpPr>
+                  <p:spPr bwMode="auto">
+                    <a:xfrm>
+                      <a:off x="2037935" y="2694838"/>
+                      <a:ext cx="1136650" cy="277813"/>
+                    </a:xfrm>
+                    <a:prstGeom prst="rect">
+                      <a:avLst/>
+                    </a:prstGeom>
+                    <a:noFill/>
+                    <a:ln>
+                      <a:noFill/>
+                    </a:ln>
+                  </p:spPr>
+                  <p:txBody>
+                    <a:bodyPr vert="horz" wrap="square" lIns="91440" tIns="45720" rIns="91440" bIns="45720" numCol="1" anchor="t" anchorCtr="0" compatLnSpc="1">
+                      <a:prstTxWarp prst="textNoShape">
+                        <a:avLst/>
+                      </a:prstTxWarp>
+                    </a:bodyPr>
+                    <a:lstStyle/>
+                    <a:p>
+                      <a:pPr marL="0" marR="0" lvl="0" indent="0" algn="ctr" defTabSz="914400" rtl="0" eaLnBrk="0" fontAlgn="base" latinLnBrk="0" hangingPunct="0">
+                        <a:lnSpc>
+                          <a:spcPct val="100000"/>
+                        </a:lnSpc>
+                        <a:spcBef>
+                          <a:spcPct val="0"/>
+                        </a:spcBef>
+                        <a:spcAft>
+                          <a:spcPct val="0"/>
+                        </a:spcAft>
+                        <a:buClrTx/>
+                        <a:buSzTx/>
+                        <a:buFontTx/>
+                        <a:buNone/>
+                        <a:tabLst/>
+                      </a:pPr>
+                      <a:r>
+                        <a:rPr kumimoji="0" lang="en-US" altLang="en-US" sz="1100" b="1" u="none" strike="noStrike" cap="none" normalizeH="0" baseline="0" dirty="0">
+                          <a:ln>
+                            <a:noFill/>
+                          </a:ln>
+                          <a:solidFill>
+                            <a:srgbClr val="FE9700"/>
+                          </a:solidFill>
+                          <a:effectLst/>
+                          <a:latin typeface="Sylfaen" panose="010A0502050306030303" pitchFamily="18" charset="0"/>
+                          <a:ea typeface="Calibri" panose="020F0502020204030204" pitchFamily="34" charset="0"/>
+                          <a:cs typeface="Times New Roman" panose="02020603050405020304" pitchFamily="18" charset="0"/>
+                        </a:rPr>
+                        <a:t>Talker A</a:t>
+                      </a:r>
+                      <a:endParaRPr kumimoji="0" lang="en-US" altLang="en-US" sz="2400" b="1" u="none" strike="noStrike" cap="none" normalizeH="0" baseline="0" dirty="0">
+                        <a:ln>
+                          <a:noFill/>
+                        </a:ln>
+                        <a:solidFill>
+                          <a:srgbClr val="FE9700"/>
+                        </a:solidFill>
+                        <a:effectLst/>
+                        <a:latin typeface="Arial" panose="020B0604020202020204" pitchFamily="34" charset="0"/>
+                      </a:endParaRPr>
+                    </a:p>
+                  </p:txBody>
+                </p:sp>
+              </p:grpSp>
+              <p:pic>
+                <p:nvPicPr>
+                  <p:cNvPr id="57" name="Graphic 56" descr="Male outline">
+                    <a:extLst>
+                      <a:ext uri="{FF2B5EF4-FFF2-40B4-BE49-F238E27FC236}">
+                        <a16:creationId xmlns:a16="http://schemas.microsoft.com/office/drawing/2014/main" id="{207F217F-D2A0-F7A7-D4BA-3D7FB952A331}"/>
+                      </a:ext>
+                    </a:extLst>
+                  </p:cNvPr>
+                  <p:cNvPicPr>
+                    <a:picLocks noChangeAspect="1"/>
+                  </p:cNvPicPr>
+                  <p:nvPr/>
+                </p:nvPicPr>
+                <p:blipFill>
+                  <a:blip r:embed="rId12">
+                    <a:extLst>
+                      <a:ext uri="{28A0092B-C50C-407E-A947-70E740481C1C}">
+                        <a14:useLocalDpi xmlns:a14="http://schemas.microsoft.com/office/drawing/2010/main" val="0"/>
+                      </a:ext>
+                      <a:ext uri="{96DAC541-7B7A-43D3-8B79-37D633B846F1}">
+                        <asvg:svgBlip xmlns:asvg="http://schemas.microsoft.com/office/drawing/2016/SVG/main" r:embed="rId13"/>
+                      </a:ext>
+                    </a:extLst>
+                  </a:blip>
+                  <a:stretch>
+                    <a:fillRect/>
+                  </a:stretch>
+                </p:blipFill>
+                <p:spPr>
+                  <a:xfrm>
+                    <a:off x="6621804" y="3114054"/>
+                    <a:ext cx="366960" cy="412859"/>
+                  </a:xfrm>
+                  <a:prstGeom prst="rect">
+                    <a:avLst/>
+                  </a:prstGeom>
+                </p:spPr>
+              </p:pic>
+              <p:pic>
+                <p:nvPicPr>
+                  <p:cNvPr id="60" name="Graphic 59" descr="Ear outline">
+                    <a:extLst>
+                      <a:ext uri="{FF2B5EF4-FFF2-40B4-BE49-F238E27FC236}">
+                        <a16:creationId xmlns:a16="http://schemas.microsoft.com/office/drawing/2014/main" id="{8C4C501C-AE2D-C4C1-6596-9B8C4FEAB508}"/>
+                      </a:ext>
+                    </a:extLst>
+                  </p:cNvPr>
+                  <p:cNvPicPr>
+                    <a:picLocks noChangeAspect="1"/>
+                  </p:cNvPicPr>
+                  <p:nvPr/>
+                </p:nvPicPr>
+                <p:blipFill>
+                  <a:blip r:embed="rId8">
+                    <a:extLst>
+                      <a:ext uri="{28A0092B-C50C-407E-A947-70E740481C1C}">
+                        <a14:useLocalDpi xmlns:a14="http://schemas.microsoft.com/office/drawing/2010/main" val="0"/>
+                      </a:ext>
+                      <a:ext uri="{96DAC541-7B7A-43D3-8B79-37D633B846F1}">
+                        <asvg:svgBlip xmlns:asvg="http://schemas.microsoft.com/office/drawing/2016/SVG/main" r:embed="rId9"/>
+                      </a:ext>
+                    </a:extLst>
+                  </a:blip>
+                  <a:stretch>
+                    <a:fillRect/>
+                  </a:stretch>
+                </p:blipFill>
+                <p:spPr>
+                  <a:xfrm flipH="1">
+                    <a:off x="6607694" y="3466946"/>
+                    <a:ext cx="288948" cy="412616"/>
+                  </a:xfrm>
+                  <a:prstGeom prst="rect">
+                    <a:avLst/>
+                  </a:prstGeom>
+                </p:spPr>
+              </p:pic>
+            </p:grpSp>
+          </p:grpSp>
+          <p:sp>
+            <p:nvSpPr>
+              <p:cNvPr id="106" name="TextBox 105">
+                <a:extLst>
+                  <a:ext uri="{FF2B5EF4-FFF2-40B4-BE49-F238E27FC236}">
+                    <a16:creationId xmlns:a16="http://schemas.microsoft.com/office/drawing/2014/main" id="{F51CDC63-0551-790B-A202-891478DC3FFF}"/>
+                  </a:ext>
+                </a:extLst>
+              </p:cNvPr>
+              <p:cNvSpPr txBox="1"/>
+              <p:nvPr/>
+            </p:nvSpPr>
+            <p:spPr>
+              <a:xfrm>
+                <a:off x="6442900" y="1841368"/>
+                <a:ext cx="1522981" cy="338554"/>
+              </a:xfrm>
+              <a:prstGeom prst="rect">
+                <a:avLst/>
+              </a:prstGeom>
+              <a:noFill/>
+            </p:spPr>
+            <p:txBody>
+              <a:bodyPr wrap="square" rtlCol="0">
+                <a:spAutoFit/>
+              </a:bodyPr>
+              <a:lstStyle/>
+              <a:p>
+                <a:pPr algn="ctr"/>
+                <a:r>
+                  <a:rPr lang="en-US" sz="1600" i="1" dirty="0">
+                    <a:latin typeface="Sylfaen" panose="010A0502050306030303" pitchFamily="18" charset="0"/>
+                  </a:rPr>
+                  <a:t>Critical Trial</a:t>
+                </a:r>
+              </a:p>
+            </p:txBody>
+          </p:sp>
+          <p:sp>
+            <p:nvSpPr>
+              <p:cNvPr id="163" name="Rectangle: Rounded Corners 162">
+                <a:extLst>
+                  <a:ext uri="{FF2B5EF4-FFF2-40B4-BE49-F238E27FC236}">
+                    <a16:creationId xmlns:a16="http://schemas.microsoft.com/office/drawing/2014/main" id="{38B03A7A-3730-5C02-680F-89839E2E2F00}"/>
+                  </a:ext>
+                </a:extLst>
+              </p:cNvPr>
+              <p:cNvSpPr/>
+              <p:nvPr/>
+            </p:nvSpPr>
+            <p:spPr>
+              <a:xfrm>
+                <a:off x="5048545" y="2179923"/>
+                <a:ext cx="4251686" cy="2213168"/>
+              </a:xfrm>
+              <a:prstGeom prst="roundRect">
+                <a:avLst/>
+              </a:prstGeom>
+              <a:noFill/>
+              <a:ln w="28575">
+                <a:solidFill>
+                  <a:schemeClr val="bg2">
+                    <a:lumMod val="75000"/>
+                  </a:schemeClr>
+                </a:solidFill>
+              </a:ln>
+            </p:spPr>
+            <p:style>
+              <a:lnRef idx="2">
+                <a:schemeClr val="accent1">
+                  <a:shade val="50000"/>
+                </a:schemeClr>
+              </a:lnRef>
+              <a:fillRef idx="1">
+                <a:schemeClr val="accent1"/>
+              </a:fillRef>
+              <a:effectRef idx="0">
+                <a:schemeClr val="accent1"/>
+              </a:effectRef>
+              <a:fontRef idx="minor">
+                <a:schemeClr val="lt1"/>
+              </a:fontRef>
+            </p:style>
+            <p:txBody>
+              <a:bodyPr rtlCol="0" anchor="ctr"/>
+              <a:lstStyle/>
+              <a:p>
+                <a:pPr algn="ctr"/>
+                <a:endParaRPr lang="en-US"/>
+              </a:p>
+            </p:txBody>
+          </p:sp>
+        </p:grpSp>
+        <p:sp>
+          <p:nvSpPr>
+            <p:cNvPr id="171" name="TextBox 170">
+              <a:extLst>
+                <a:ext uri="{FF2B5EF4-FFF2-40B4-BE49-F238E27FC236}">
+                  <a16:creationId xmlns:a16="http://schemas.microsoft.com/office/drawing/2014/main" id="{ABEF0E31-CA85-C835-7FD1-72A8D8CF6B54}"/>
+                </a:ext>
+              </a:extLst>
+            </p:cNvPr>
+            <p:cNvSpPr txBox="1"/>
+            <p:nvPr/>
+          </p:nvSpPr>
+          <p:spPr>
+            <a:xfrm>
+              <a:off x="5894322" y="3315186"/>
+              <a:ext cx="506132" cy="369332"/>
+            </a:xfrm>
+            <a:prstGeom prst="rect">
+              <a:avLst/>
+            </a:prstGeom>
+            <a:noFill/>
+          </p:spPr>
+          <p:txBody>
+            <a:bodyPr wrap="square" rtlCol="0">
+              <a:spAutoFit/>
+            </a:bodyPr>
+            <a:lstStyle/>
+            <a:p>
+              <a:r>
+                <a:rPr lang="en-US" dirty="0"/>
+                <a:t>Sh</a:t>
+              </a:r>
+            </a:p>
+          </p:txBody>
+        </p:sp>
+        <p:sp>
+          <p:nvSpPr>
+            <p:cNvPr id="172" name="TextBox 171">
+              <a:extLst>
+                <a:ext uri="{FF2B5EF4-FFF2-40B4-BE49-F238E27FC236}">
+                  <a16:creationId xmlns:a16="http://schemas.microsoft.com/office/drawing/2014/main" id="{D133495B-B197-34C2-D0EB-35C59E93B106}"/>
+                </a:ext>
+              </a:extLst>
+            </p:cNvPr>
+            <p:cNvSpPr txBox="1"/>
+            <p:nvPr/>
+          </p:nvSpPr>
+          <p:spPr>
+            <a:xfrm>
+              <a:off x="9381902" y="3378211"/>
+              <a:ext cx="417980" cy="369332"/>
+            </a:xfrm>
+            <a:prstGeom prst="rect">
+              <a:avLst/>
+            </a:prstGeom>
+            <a:noFill/>
+          </p:spPr>
+          <p:txBody>
+            <a:bodyPr wrap="square" rtlCol="0">
+              <a:spAutoFit/>
+            </a:bodyPr>
+            <a:lstStyle/>
+            <a:p>
+              <a:r>
+                <a:rPr lang="en-US" dirty="0"/>
+                <a:t>S</a:t>
+              </a:r>
+            </a:p>
+          </p:txBody>
+        </p:sp>
+      </p:grpSp>
+      <p:grpSp>
+        <p:nvGrpSpPr>
+          <p:cNvPr id="177" name="Group 176">
+            <a:extLst>
+              <a:ext uri="{FF2B5EF4-FFF2-40B4-BE49-F238E27FC236}">
+                <a16:creationId xmlns:a16="http://schemas.microsoft.com/office/drawing/2014/main" id="{64AF7BCE-0408-057C-B38D-7BF463193038}"/>
+              </a:ext>
+            </a:extLst>
+          </p:cNvPr>
+          <p:cNvGrpSpPr/>
+          <p:nvPr/>
+        </p:nvGrpSpPr>
+        <p:grpSpPr>
+          <a:xfrm>
+            <a:off x="4866745" y="3393302"/>
+            <a:ext cx="4094808" cy="2141269"/>
+            <a:chOff x="333568" y="1626628"/>
+            <a:chExt cx="4251686" cy="2272510"/>
+          </a:xfrm>
+        </p:grpSpPr>
+        <p:grpSp>
+          <p:nvGrpSpPr>
+            <p:cNvPr id="165" name="Group 164">
+              <a:extLst>
+                <a:ext uri="{FF2B5EF4-FFF2-40B4-BE49-F238E27FC236}">
+                  <a16:creationId xmlns:a16="http://schemas.microsoft.com/office/drawing/2014/main" id="{702D5C78-CC38-6518-B19F-2FD11A1B415F}"/>
+                </a:ext>
+              </a:extLst>
+            </p:cNvPr>
+            <p:cNvGrpSpPr/>
+            <p:nvPr/>
+          </p:nvGrpSpPr>
+          <p:grpSpPr>
+            <a:xfrm>
+              <a:off x="333568" y="1626628"/>
+              <a:ext cx="4251686" cy="2272510"/>
+              <a:chOff x="399166" y="1837098"/>
+              <a:chExt cx="4251686" cy="2627118"/>
+            </a:xfrm>
+          </p:grpSpPr>
+          <p:sp>
+            <p:nvSpPr>
+              <p:cNvPr id="107" name="TextBox 106">
+                <a:extLst>
+                  <a:ext uri="{FF2B5EF4-FFF2-40B4-BE49-F238E27FC236}">
+                    <a16:creationId xmlns:a16="http://schemas.microsoft.com/office/drawing/2014/main" id="{D5038103-1D24-8BEE-372C-B96F84D022D6}"/>
+                  </a:ext>
+                </a:extLst>
+              </p:cNvPr>
+              <p:cNvSpPr txBox="1"/>
+              <p:nvPr/>
+            </p:nvSpPr>
+            <p:spPr>
+              <a:xfrm>
+                <a:off x="1765294" y="1837098"/>
+                <a:ext cx="1522981" cy="338553"/>
+              </a:xfrm>
+              <a:prstGeom prst="rect">
+                <a:avLst/>
+              </a:prstGeom>
+              <a:noFill/>
+            </p:spPr>
+            <p:txBody>
+              <a:bodyPr wrap="square" rtlCol="0">
+                <a:spAutoFit/>
+              </a:bodyPr>
+              <a:lstStyle/>
+              <a:p>
+                <a:pPr algn="ctr"/>
+                <a:r>
+                  <a:rPr lang="en-US" sz="1600" i="1" dirty="0">
+                    <a:latin typeface="Sylfaen" panose="010A0502050306030303" pitchFamily="18" charset="0"/>
+                  </a:rPr>
+                  <a:t>Filler Trial</a:t>
+                </a:r>
+              </a:p>
+            </p:txBody>
+          </p:sp>
+          <p:grpSp>
+            <p:nvGrpSpPr>
+              <p:cNvPr id="134" name="Group 133">
+                <a:extLst>
+                  <a:ext uri="{FF2B5EF4-FFF2-40B4-BE49-F238E27FC236}">
+                    <a16:creationId xmlns:a16="http://schemas.microsoft.com/office/drawing/2014/main" id="{AA804077-66F3-A730-BEEE-032C76F0D4CE}"/>
+                  </a:ext>
+                </a:extLst>
+              </p:cNvPr>
+              <p:cNvGrpSpPr/>
+              <p:nvPr/>
+            </p:nvGrpSpPr>
+            <p:grpSpPr>
+              <a:xfrm>
+                <a:off x="576709" y="2637234"/>
+                <a:ext cx="3815138" cy="1691071"/>
+                <a:chOff x="6656274" y="2674039"/>
+                <a:chExt cx="4094760" cy="1691071"/>
+              </a:xfrm>
+            </p:grpSpPr>
+            <p:grpSp>
+              <p:nvGrpSpPr>
+                <p:cNvPr id="135" name="Group 134">
+                  <a:extLst>
+                    <a:ext uri="{FF2B5EF4-FFF2-40B4-BE49-F238E27FC236}">
+                      <a16:creationId xmlns:a16="http://schemas.microsoft.com/office/drawing/2014/main" id="{962EE586-63FB-886A-7CD9-A6593BF8EE52}"/>
+                    </a:ext>
+                  </a:extLst>
+                </p:cNvPr>
+                <p:cNvGrpSpPr/>
+                <p:nvPr/>
+              </p:nvGrpSpPr>
+              <p:grpSpPr>
+                <a:xfrm>
+                  <a:off x="8104815" y="3189977"/>
+                  <a:ext cx="1076326" cy="1175133"/>
+                  <a:chOff x="3887615" y="3088037"/>
+                  <a:chExt cx="1334267" cy="1294802"/>
+                </a:xfrm>
+              </p:grpSpPr>
+              <p:pic>
+                <p:nvPicPr>
+                  <p:cNvPr id="156" name="Graphic 13" descr="User outline">
+                    <a:extLst>
+                      <a:ext uri="{FF2B5EF4-FFF2-40B4-BE49-F238E27FC236}">
+                        <a16:creationId xmlns:a16="http://schemas.microsoft.com/office/drawing/2014/main" id="{938EF0A1-B4E8-8991-CAAE-19CC75853832}"/>
+                      </a:ext>
+                    </a:extLst>
+                  </p:cNvPr>
+                  <p:cNvPicPr>
+                    <a:picLocks noChangeAspect="1"/>
+                  </p:cNvPicPr>
+                  <p:nvPr/>
+                </p:nvPicPr>
+                <p:blipFill>
+                  <a:blip r:embed="rId2">
+                    <a:extLst>
+                      <a:ext uri="{28A0092B-C50C-407E-A947-70E740481C1C}">
+                        <a14:useLocalDpi xmlns:a14="http://schemas.microsoft.com/office/drawing/2010/main" val="0"/>
+                      </a:ext>
+                      <a:ext uri="{96DAC541-7B7A-43D3-8B79-37D633B846F1}">
+                        <asvg:svgBlip xmlns:asvg="http://schemas.microsoft.com/office/drawing/2016/SVG/main" r:embed="rId3"/>
+                      </a:ext>
+                    </a:extLst>
+                  </a:blip>
+                  <a:stretch>
+                    <a:fillRect/>
+                  </a:stretch>
+                </p:blipFill>
+                <p:spPr>
+                  <a:xfrm>
+                    <a:off x="3927080" y="3088037"/>
+                    <a:ext cx="1294802" cy="1294802"/>
+                  </a:xfrm>
+                  <a:prstGeom prst="rect">
+                    <a:avLst/>
+                  </a:prstGeom>
+                </p:spPr>
+              </p:pic>
+              <p:sp>
+                <p:nvSpPr>
+                  <p:cNvPr id="157" name="Text Box 10">
+                    <a:extLst>
+                      <a:ext uri="{FF2B5EF4-FFF2-40B4-BE49-F238E27FC236}">
+                        <a16:creationId xmlns:a16="http://schemas.microsoft.com/office/drawing/2014/main" id="{65B54DBA-6727-9F75-8031-91E60285C988}"/>
+                      </a:ext>
+                    </a:extLst>
+                  </p:cNvPr>
+                  <p:cNvSpPr txBox="1">
+                    <a:spLocks noChangeArrowheads="1"/>
+                  </p:cNvSpPr>
+                  <p:nvPr/>
+                </p:nvSpPr>
+                <p:spPr bwMode="auto">
+                  <a:xfrm>
+                    <a:off x="3887615" y="4130424"/>
+                    <a:ext cx="1294802" cy="190072"/>
+                  </a:xfrm>
+                  <a:prstGeom prst="rect">
+                    <a:avLst/>
+                  </a:prstGeom>
+                  <a:solidFill>
+                    <a:srgbClr val="FFFFFF"/>
+                  </a:solidFill>
+                  <a:ln>
+                    <a:noFill/>
+                  </a:ln>
+                  <a:extLst>
+                    <a:ext uri="{91240B29-F687-4F45-9708-019B960494DF}">
+                      <a14:hiddenLine xmlns:a14="http://schemas.microsoft.com/office/drawing/2010/main" w="6350">
+                        <a:solidFill>
+                          <a:srgbClr val="000000"/>
+                        </a:solidFill>
+                        <a:miter lim="800000"/>
+                        <a:headEnd/>
+                        <a:tailEnd/>
+                      </a14:hiddenLine>
+                    </a:ext>
+                  </a:extLst>
+                </p:spPr>
+                <p:txBody>
+                  <a:bodyPr vert="horz" wrap="square" lIns="91440" tIns="45720" rIns="91440" bIns="45720" numCol="1" anchor="t" anchorCtr="0" compatLnSpc="1">
+                    <a:prstTxWarp prst="textNoShape">
+                      <a:avLst/>
+                    </a:prstTxWarp>
+                  </a:bodyPr>
+                  <a:lstStyle/>
+                  <a:p>
+                    <a:pPr marL="0" marR="0" lvl="0" indent="0" algn="ctr" defTabSz="914400" rtl="0" eaLnBrk="0" fontAlgn="base" latinLnBrk="0" hangingPunct="0">
+                      <a:lnSpc>
+                        <a:spcPct val="100000"/>
+                      </a:lnSpc>
+                      <a:spcBef>
+                        <a:spcPct val="0"/>
+                      </a:spcBef>
+                      <a:spcAft>
+                        <a:spcPct val="0"/>
+                      </a:spcAft>
+                      <a:buClrTx/>
+                      <a:buSzTx/>
+                      <a:buFontTx/>
+                      <a:buNone/>
+                      <a:tabLst/>
+                    </a:pPr>
+                    <a:r>
+                      <a:rPr kumimoji="0" lang="en-US" altLang="en-US" sz="1100" b="0" i="1" u="none" strike="noStrike" cap="none" normalizeH="0" baseline="0" dirty="0">
+                        <a:ln>
+                          <a:noFill/>
+                        </a:ln>
+                        <a:solidFill>
+                          <a:schemeClr val="tx1"/>
+                        </a:solidFill>
+                        <a:effectLst/>
+                        <a:latin typeface="Sylfaen" panose="010A0502050306030303" pitchFamily="18" charset="0"/>
+                        <a:ea typeface="Calibri" panose="020F0502020204030204" pitchFamily="34" charset="0"/>
+                        <a:cs typeface="Times New Roman" panose="02020603050405020304" pitchFamily="18" charset="0"/>
+                      </a:rPr>
+                      <a:t>Participant</a:t>
+                    </a:r>
+                    <a:endParaRPr kumimoji="0" lang="en-US" altLang="en-US" sz="2400" b="0" i="0" u="none" strike="noStrike" cap="none" normalizeH="0" baseline="0" dirty="0">
+                      <a:ln>
+                        <a:noFill/>
+                      </a:ln>
+                      <a:solidFill>
+                        <a:schemeClr val="tx1"/>
+                      </a:solidFill>
+                      <a:effectLst/>
+                      <a:latin typeface="Arial" panose="020B0604020202020204" pitchFamily="34" charset="0"/>
+                    </a:endParaRPr>
+                  </a:p>
+                </p:txBody>
+              </p:sp>
+            </p:grpSp>
+            <p:cxnSp>
+              <p:nvCxnSpPr>
+                <p:cNvPr id="136" name="Straight Arrow Connector 135">
+                  <a:extLst>
+                    <a:ext uri="{FF2B5EF4-FFF2-40B4-BE49-F238E27FC236}">
+                      <a16:creationId xmlns:a16="http://schemas.microsoft.com/office/drawing/2014/main" id="{6912D945-994D-BFF9-C05B-35BA8FD7B6A6}"/>
+                    </a:ext>
+                  </a:extLst>
+                </p:cNvPr>
+                <p:cNvCxnSpPr>
+                  <a:cxnSpLocks/>
+                </p:cNvCxnSpPr>
+                <p:nvPr/>
+              </p:nvCxnSpPr>
+              <p:spPr>
+                <a:xfrm>
+                  <a:off x="7745298" y="3445823"/>
+                  <a:ext cx="480154" cy="0"/>
+                </a:xfrm>
+                <a:prstGeom prst="straightConnector1">
+                  <a:avLst/>
+                </a:prstGeom>
+                <a:ln w="19050">
+                  <a:solidFill>
+                    <a:srgbClr val="FE9700"/>
+                  </a:solidFill>
+                  <a:tailEnd type="triangle"/>
+                </a:ln>
+              </p:spPr>
+              <p:style>
+                <a:lnRef idx="1">
+                  <a:schemeClr val="accent1"/>
+                </a:lnRef>
+                <a:fillRef idx="0">
+                  <a:schemeClr val="accent1"/>
+                </a:fillRef>
+                <a:effectRef idx="0">
+                  <a:schemeClr val="accent1"/>
+                </a:effectRef>
+                <a:fontRef idx="minor">
+                  <a:schemeClr val="tx1"/>
+                </a:fontRef>
+              </p:style>
+            </p:cxnSp>
+            <p:cxnSp>
+              <p:nvCxnSpPr>
+                <p:cNvPr id="137" name="Straight Arrow Connector 136">
+                  <a:extLst>
+                    <a:ext uri="{FF2B5EF4-FFF2-40B4-BE49-F238E27FC236}">
+                      <a16:creationId xmlns:a16="http://schemas.microsoft.com/office/drawing/2014/main" id="{E9952097-9E4D-8E0C-ED21-1A3317697F1B}"/>
+                    </a:ext>
+                  </a:extLst>
+                </p:cNvPr>
+                <p:cNvCxnSpPr>
+                  <a:cxnSpLocks/>
+                </p:cNvCxnSpPr>
+                <p:nvPr/>
+              </p:nvCxnSpPr>
+              <p:spPr>
+                <a:xfrm flipH="1">
+                  <a:off x="9086424" y="3449054"/>
+                  <a:ext cx="480154" cy="0"/>
+                </a:xfrm>
+                <a:prstGeom prst="straightConnector1">
+                  <a:avLst/>
+                </a:prstGeom>
+                <a:ln w="19050">
+                  <a:solidFill>
+                    <a:srgbClr val="0CA7F4"/>
+                  </a:solidFill>
+                  <a:tailEnd type="triangle"/>
+                </a:ln>
+              </p:spPr>
+              <p:style>
+                <a:lnRef idx="1">
+                  <a:schemeClr val="accent1"/>
+                </a:lnRef>
+                <a:fillRef idx="0">
+                  <a:schemeClr val="accent1"/>
+                </a:fillRef>
+                <a:effectRef idx="0">
+                  <a:schemeClr val="accent1"/>
+                </a:effectRef>
+                <a:fontRef idx="minor">
+                  <a:schemeClr val="tx1"/>
+                </a:fontRef>
+              </p:style>
+            </p:cxnSp>
+            <p:grpSp>
+              <p:nvGrpSpPr>
+                <p:cNvPr id="138" name="Group 137">
+                  <a:extLst>
+                    <a:ext uri="{FF2B5EF4-FFF2-40B4-BE49-F238E27FC236}">
+                      <a16:creationId xmlns:a16="http://schemas.microsoft.com/office/drawing/2014/main" id="{C15BD851-7E4B-235C-C5C0-DFAC1B933967}"/>
+                    </a:ext>
+                  </a:extLst>
+                </p:cNvPr>
+                <p:cNvGrpSpPr/>
+                <p:nvPr/>
+              </p:nvGrpSpPr>
+              <p:grpSpPr>
+                <a:xfrm>
+                  <a:off x="9734711" y="2719608"/>
+                  <a:ext cx="1016323" cy="1359271"/>
+                  <a:chOff x="9745448" y="2834392"/>
+                  <a:chExt cx="1016323" cy="1359271"/>
+                </a:xfrm>
+              </p:grpSpPr>
+              <p:grpSp>
+                <p:nvGrpSpPr>
+                  <p:cNvPr id="148" name="Group 147">
+                    <a:extLst>
+                      <a:ext uri="{FF2B5EF4-FFF2-40B4-BE49-F238E27FC236}">
+                        <a16:creationId xmlns:a16="http://schemas.microsoft.com/office/drawing/2014/main" id="{BC5B07ED-6359-5EFE-801B-B3D2D3360E89}"/>
+                      </a:ext>
+                    </a:extLst>
+                  </p:cNvPr>
+                  <p:cNvGrpSpPr/>
+                  <p:nvPr/>
+                </p:nvGrpSpPr>
+                <p:grpSpPr>
+                  <a:xfrm>
+                    <a:off x="9745448" y="2834392"/>
+                    <a:ext cx="1016323" cy="1359271"/>
+                    <a:chOff x="5936225" y="2635547"/>
+                    <a:chExt cx="1259883" cy="1497692"/>
+                  </a:xfrm>
+                </p:grpSpPr>
+                <p:pic>
+                  <p:nvPicPr>
+                    <p:cNvPr id="151" name="Graphic 150" descr="School girl outline">
+                      <a:extLst>
+                        <a:ext uri="{FF2B5EF4-FFF2-40B4-BE49-F238E27FC236}">
+                          <a16:creationId xmlns:a16="http://schemas.microsoft.com/office/drawing/2014/main" id="{E61AB27B-E561-B4FF-0E65-CFDD864EAD20}"/>
+                        </a:ext>
+                      </a:extLst>
+                    </p:cNvPr>
+                    <p:cNvPicPr>
+                      <a:picLocks noChangeAspect="1"/>
+                    </p:cNvPicPr>
+                    <p:nvPr/>
+                  </p:nvPicPr>
+                  <p:blipFill>
+                    <a:blip r:embed="rId4">
+                      <a:extLst>
+                        <a:ext uri="{28A0092B-C50C-407E-A947-70E740481C1C}">
+                          <a14:useLocalDpi xmlns:a14="http://schemas.microsoft.com/office/drawing/2010/main" val="0"/>
+                        </a:ext>
+                        <a:ext uri="{96DAC541-7B7A-43D3-8B79-37D633B846F1}">
+                          <asvg:svgBlip xmlns:asvg="http://schemas.microsoft.com/office/drawing/2016/SVG/main" r:embed="rId5"/>
+                        </a:ext>
+                      </a:extLst>
+                    </a:blip>
+                    <a:stretch>
+                      <a:fillRect/>
+                    </a:stretch>
+                  </p:blipFill>
+                  <p:spPr>
+                    <a:xfrm>
+                      <a:off x="5936225" y="3064600"/>
+                      <a:ext cx="856384" cy="856384"/>
+                    </a:xfrm>
+                    <a:prstGeom prst="rect">
+                      <a:avLst/>
+                    </a:prstGeom>
+                  </p:spPr>
+                </p:pic>
+                <p:sp>
+                  <p:nvSpPr>
+                    <p:cNvPr id="152" name="Rectangle: Rounded Corners 151">
+                      <a:extLst>
+                        <a:ext uri="{FF2B5EF4-FFF2-40B4-BE49-F238E27FC236}">
+                          <a16:creationId xmlns:a16="http://schemas.microsoft.com/office/drawing/2014/main" id="{8A7D3F2F-3A64-1A01-2121-26EECE3FAFAF}"/>
+                        </a:ext>
+                      </a:extLst>
+                    </p:cNvPr>
+                    <p:cNvSpPr/>
+                    <p:nvPr/>
+                  </p:nvSpPr>
+                  <p:spPr>
+                    <a:xfrm>
+                      <a:off x="6011917" y="2901315"/>
+                      <a:ext cx="1158240" cy="901700"/>
+                    </a:xfrm>
+                    <a:prstGeom prst="roundRect">
+                      <a:avLst/>
+                    </a:prstGeom>
+                    <a:noFill/>
+                    <a:ln w="57150">
+                      <a:solidFill>
+                        <a:srgbClr val="77CEF9"/>
+                      </a:solidFill>
+                    </a:ln>
+                  </p:spPr>
+                  <p:style>
+                    <a:lnRef idx="2">
+                      <a:schemeClr val="accent1">
+                        <a:shade val="50000"/>
+                      </a:schemeClr>
+                    </a:lnRef>
+                    <a:fillRef idx="1">
+                      <a:schemeClr val="accent1"/>
+                    </a:fillRef>
+                    <a:effectRef idx="0">
+                      <a:schemeClr val="accent1"/>
+                    </a:effectRef>
+                    <a:fontRef idx="minor">
+                      <a:schemeClr val="lt1"/>
+                    </a:fontRef>
+                  </p:style>
+                  <p:txBody>
+                    <a:bodyPr rot="0" spcFirstLastPara="0" vert="horz" wrap="square" lIns="91440" tIns="45720" rIns="91440" bIns="45720" numCol="1" spcCol="0" rtlCol="0" fromWordArt="0" anchor="ctr" anchorCtr="0" forceAA="0" compatLnSpc="1">
+                      <a:prstTxWarp prst="textNoShape">
+                        <a:avLst/>
+                      </a:prstTxWarp>
+                      <a:noAutofit/>
+                    </a:bodyPr>
+                    <a:lstStyle/>
+                    <a:p>
+                      <a:endParaRPr lang="en-US"/>
+                    </a:p>
+                  </p:txBody>
+                </p:sp>
+                <p:sp>
+                  <p:nvSpPr>
+                    <p:cNvPr id="154" name="Text Box 11">
+                      <a:extLst>
+                        <a:ext uri="{FF2B5EF4-FFF2-40B4-BE49-F238E27FC236}">
+                          <a16:creationId xmlns:a16="http://schemas.microsoft.com/office/drawing/2014/main" id="{513B371D-A776-D27B-CEDB-4EE77A3C21BB}"/>
+                        </a:ext>
+                      </a:extLst>
+                    </p:cNvPr>
+                    <p:cNvSpPr txBox="1">
+                      <a:spLocks noChangeArrowheads="1"/>
+                    </p:cNvSpPr>
+                    <p:nvPr/>
+                  </p:nvSpPr>
+                  <p:spPr bwMode="auto">
+                    <a:xfrm>
+                      <a:off x="6059458" y="3855426"/>
+                      <a:ext cx="1136650" cy="277813"/>
+                    </a:xfrm>
+                    <a:prstGeom prst="rect">
+                      <a:avLst/>
+                    </a:prstGeom>
+                    <a:solidFill>
+                      <a:srgbClr val="FFFFFF"/>
+                    </a:solidFill>
+                    <a:ln>
+                      <a:noFill/>
+                    </a:ln>
+                    <a:extLst>
+                      <a:ext uri="{91240B29-F687-4F45-9708-019B960494DF}">
+                        <a14:hiddenLine xmlns:a14="http://schemas.microsoft.com/office/drawing/2010/main" w="6350">
+                          <a:solidFill>
+                            <a:srgbClr val="000000"/>
+                          </a:solidFill>
+                          <a:miter lim="800000"/>
+                          <a:headEnd/>
+                          <a:tailEnd/>
+                        </a14:hiddenLine>
+                      </a:ext>
+                    </a:extLst>
+                  </p:spPr>
+                  <p:txBody>
+                    <a:bodyPr vert="horz" wrap="square" lIns="91440" tIns="45720" rIns="91440" bIns="45720" numCol="1" anchor="t" anchorCtr="0" compatLnSpc="1">
+                      <a:prstTxWarp prst="textNoShape">
+                        <a:avLst/>
+                      </a:prstTxWarp>
+                    </a:bodyPr>
+                    <a:lstStyle/>
+                    <a:p>
+                      <a:pPr marL="0" marR="0" lvl="0" indent="0" algn="ctr" defTabSz="914400" rtl="0" eaLnBrk="0" fontAlgn="base" latinLnBrk="0" hangingPunct="0">
+                        <a:lnSpc>
+                          <a:spcPct val="100000"/>
+                        </a:lnSpc>
+                        <a:spcBef>
+                          <a:spcPct val="0"/>
+                        </a:spcBef>
+                        <a:spcAft>
+                          <a:spcPct val="0"/>
+                        </a:spcAft>
+                        <a:buClrTx/>
+                        <a:buSzTx/>
+                        <a:buFontTx/>
+                        <a:buNone/>
+                        <a:tabLst/>
+                      </a:pPr>
+                      <a:r>
+                        <a:rPr kumimoji="0" lang="en-US" altLang="en-US" sz="1100" b="0" i="1" u="none" strike="noStrike" cap="none" normalizeH="0" baseline="0" dirty="0">
+                          <a:ln>
+                            <a:noFill/>
+                          </a:ln>
+                          <a:solidFill>
+                            <a:schemeClr val="tx1"/>
+                          </a:solidFill>
+                          <a:effectLst/>
+                          <a:latin typeface="Sylfaen" panose="010A0502050306030303" pitchFamily="18" charset="0"/>
+                          <a:ea typeface="Calibri" panose="020F0502020204030204" pitchFamily="34" charset="0"/>
+                          <a:cs typeface="Times New Roman" panose="02020603050405020304" pitchFamily="18" charset="0"/>
+                        </a:rPr>
+                        <a:t>Right</a:t>
+                      </a:r>
+                      <a:endParaRPr kumimoji="0" lang="en-US" altLang="en-US" sz="2400" b="0" i="0" u="none" strike="noStrike" cap="none" normalizeH="0" baseline="0" dirty="0">
+                        <a:ln>
+                          <a:noFill/>
+                        </a:ln>
+                        <a:solidFill>
+                          <a:schemeClr val="tx1"/>
+                        </a:solidFill>
+                        <a:effectLst/>
+                        <a:latin typeface="Arial" panose="020B0604020202020204" pitchFamily="34" charset="0"/>
+                      </a:endParaRPr>
+                    </a:p>
+                  </p:txBody>
+                </p:sp>
+                <p:sp>
+                  <p:nvSpPr>
+                    <p:cNvPr id="155" name="Text Box 10">
+                      <a:extLst>
+                        <a:ext uri="{FF2B5EF4-FFF2-40B4-BE49-F238E27FC236}">
+                          <a16:creationId xmlns:a16="http://schemas.microsoft.com/office/drawing/2014/main" id="{BECB5022-2692-FC1F-8D21-6BADB8373F4F}"/>
+                        </a:ext>
+                      </a:extLst>
+                    </p:cNvPr>
+                    <p:cNvSpPr txBox="1">
+                      <a:spLocks noChangeArrowheads="1"/>
+                    </p:cNvSpPr>
+                    <p:nvPr/>
+                  </p:nvSpPr>
+                  <p:spPr bwMode="auto">
+                    <a:xfrm>
+                      <a:off x="6056219" y="2635547"/>
+                      <a:ext cx="1136650" cy="277813"/>
+                    </a:xfrm>
+                    <a:prstGeom prst="rect">
+                      <a:avLst/>
+                    </a:prstGeom>
+                    <a:noFill/>
+                    <a:ln>
+                      <a:noFill/>
+                    </a:ln>
+                  </p:spPr>
+                  <p:txBody>
+                    <a:bodyPr vert="horz" wrap="square" lIns="91440" tIns="45720" rIns="91440" bIns="45720" numCol="1" anchor="t" anchorCtr="0" compatLnSpc="1">
+                      <a:prstTxWarp prst="textNoShape">
+                        <a:avLst/>
+                      </a:prstTxWarp>
+                    </a:bodyPr>
+                    <a:lstStyle/>
+                    <a:p>
+                      <a:pPr marL="0" marR="0" lvl="0" indent="0" algn="ctr" defTabSz="914400" rtl="0" eaLnBrk="0" fontAlgn="base" latinLnBrk="0" hangingPunct="0">
+                        <a:lnSpc>
+                          <a:spcPct val="100000"/>
+                        </a:lnSpc>
+                        <a:spcBef>
+                          <a:spcPct val="0"/>
+                        </a:spcBef>
+                        <a:spcAft>
+                          <a:spcPct val="0"/>
+                        </a:spcAft>
+                        <a:buClrTx/>
+                        <a:buSzTx/>
+                        <a:buFontTx/>
+                        <a:buNone/>
+                        <a:tabLst/>
+                      </a:pPr>
+                      <a:r>
+                        <a:rPr kumimoji="0" lang="en-US" altLang="en-US" sz="1100" b="1" u="none" strike="noStrike" cap="none" normalizeH="0" baseline="0" dirty="0">
+                          <a:ln>
+                            <a:noFill/>
+                          </a:ln>
+                          <a:solidFill>
+                            <a:srgbClr val="0CA7F4"/>
+                          </a:solidFill>
+                          <a:effectLst/>
+                          <a:latin typeface="Sylfaen" panose="010A0502050306030303" pitchFamily="18" charset="0"/>
+                          <a:ea typeface="Calibri" panose="020F0502020204030204" pitchFamily="34" charset="0"/>
+                          <a:cs typeface="Times New Roman" panose="02020603050405020304" pitchFamily="18" charset="0"/>
+                        </a:rPr>
+                        <a:t>Talker B</a:t>
+                      </a:r>
+                      <a:endParaRPr kumimoji="0" lang="en-US" altLang="en-US" sz="2400" b="1" u="none" strike="noStrike" cap="none" normalizeH="0" baseline="0" dirty="0">
+                        <a:ln>
+                          <a:noFill/>
+                        </a:ln>
+                        <a:solidFill>
+                          <a:srgbClr val="0CA7F4"/>
+                        </a:solidFill>
+                        <a:effectLst/>
+                        <a:latin typeface="Arial" panose="020B0604020202020204" pitchFamily="34" charset="0"/>
+                      </a:endParaRPr>
+                    </a:p>
+                  </p:txBody>
+                </p:sp>
+              </p:grpSp>
+              <p:pic>
+                <p:nvPicPr>
+                  <p:cNvPr id="149" name="Graphic 148" descr="Female outline">
+                    <a:extLst>
+                      <a:ext uri="{FF2B5EF4-FFF2-40B4-BE49-F238E27FC236}">
+                        <a16:creationId xmlns:a16="http://schemas.microsoft.com/office/drawing/2014/main" id="{1E3A9258-CA60-7425-3D13-E0B3E86061D3}"/>
+                      </a:ext>
+                    </a:extLst>
+                  </p:cNvPr>
+                  <p:cNvPicPr>
+                    <a:picLocks noChangeAspect="1"/>
+                  </p:cNvPicPr>
+                  <p:nvPr/>
+                </p:nvPicPr>
+                <p:blipFill>
+                  <a:blip r:embed="rId6">
+                    <a:extLst>
+                      <a:ext uri="{28A0092B-C50C-407E-A947-70E740481C1C}">
+                        <a14:useLocalDpi xmlns:a14="http://schemas.microsoft.com/office/drawing/2010/main" val="0"/>
+                      </a:ext>
+                      <a:ext uri="{96DAC541-7B7A-43D3-8B79-37D633B846F1}">
+                        <asvg:svgBlip xmlns:asvg="http://schemas.microsoft.com/office/drawing/2016/SVG/main" r:embed="rId7"/>
+                      </a:ext>
+                    </a:extLst>
+                  </a:blip>
+                  <a:stretch>
+                    <a:fillRect/>
+                  </a:stretch>
+                </p:blipFill>
+                <p:spPr>
+                  <a:xfrm>
+                    <a:off x="10391163" y="3118899"/>
+                    <a:ext cx="334952" cy="376847"/>
+                  </a:xfrm>
+                  <a:prstGeom prst="rect">
+                    <a:avLst/>
+                  </a:prstGeom>
+                </p:spPr>
+              </p:pic>
+              <p:pic>
+                <p:nvPicPr>
+                  <p:cNvPr id="150" name="Graphic 149" descr="Ear outline">
+                    <a:extLst>
+                      <a:ext uri="{FF2B5EF4-FFF2-40B4-BE49-F238E27FC236}">
+                        <a16:creationId xmlns:a16="http://schemas.microsoft.com/office/drawing/2014/main" id="{D6719AE9-74BD-EEEC-5CC1-49D736D2CAE2}"/>
+                      </a:ext>
+                    </a:extLst>
+                  </p:cNvPr>
+                  <p:cNvPicPr>
+                    <a:picLocks noChangeAspect="1"/>
+                  </p:cNvPicPr>
+                  <p:nvPr/>
+                </p:nvPicPr>
+                <p:blipFill>
+                  <a:blip r:embed="rId8">
+                    <a:extLst>
+                      <a:ext uri="{28A0092B-C50C-407E-A947-70E740481C1C}">
+                        <a14:useLocalDpi xmlns:a14="http://schemas.microsoft.com/office/drawing/2010/main" val="0"/>
+                      </a:ext>
+                      <a:ext uri="{96DAC541-7B7A-43D3-8B79-37D633B846F1}">
+                        <asvg:svgBlip xmlns:asvg="http://schemas.microsoft.com/office/drawing/2016/SVG/main" r:embed="rId9"/>
+                      </a:ext>
+                    </a:extLst>
+                  </a:blip>
+                  <a:stretch>
+                    <a:fillRect/>
+                  </a:stretch>
+                </p:blipFill>
+                <p:spPr>
+                  <a:xfrm>
+                    <a:off x="10398711" y="3482889"/>
+                    <a:ext cx="288949" cy="412616"/>
+                  </a:xfrm>
+                  <a:prstGeom prst="rect">
+                    <a:avLst/>
+                  </a:prstGeom>
+                </p:spPr>
+              </p:pic>
+            </p:grpSp>
+            <p:grpSp>
+              <p:nvGrpSpPr>
+                <p:cNvPr id="139" name="Group 138">
+                  <a:extLst>
+                    <a:ext uri="{FF2B5EF4-FFF2-40B4-BE49-F238E27FC236}">
+                      <a16:creationId xmlns:a16="http://schemas.microsoft.com/office/drawing/2014/main" id="{151ECFAA-2514-84D8-1082-55F7D30BAFB7}"/>
+                    </a:ext>
+                  </a:extLst>
+                </p:cNvPr>
+                <p:cNvGrpSpPr/>
+                <p:nvPr/>
+              </p:nvGrpSpPr>
+              <p:grpSpPr>
+                <a:xfrm>
+                  <a:off x="6656274" y="2674039"/>
+                  <a:ext cx="1046377" cy="1341743"/>
+                  <a:chOff x="6573469" y="2818709"/>
+                  <a:chExt cx="1046377" cy="1341743"/>
+                </a:xfrm>
+              </p:grpSpPr>
+              <p:grpSp>
+                <p:nvGrpSpPr>
+                  <p:cNvPr id="140" name="Group 139">
+                    <a:extLst>
+                      <a:ext uri="{FF2B5EF4-FFF2-40B4-BE49-F238E27FC236}">
+                        <a16:creationId xmlns:a16="http://schemas.microsoft.com/office/drawing/2014/main" id="{3D6FA6CC-3F44-60F4-0CBF-F6CDBFD19FAE}"/>
+                      </a:ext>
+                    </a:extLst>
+                  </p:cNvPr>
+                  <p:cNvGrpSpPr/>
+                  <p:nvPr/>
+                </p:nvGrpSpPr>
+                <p:grpSpPr>
+                  <a:xfrm>
+                    <a:off x="6573469" y="2818709"/>
+                    <a:ext cx="1046377" cy="1341743"/>
+                    <a:chOff x="2011943" y="2685791"/>
+                    <a:chExt cx="1297140" cy="1478379"/>
+                  </a:xfrm>
+                </p:grpSpPr>
+                <p:pic>
+                  <p:nvPicPr>
+                    <p:cNvPr id="143" name="Graphic 142" descr="School boy outline">
+                      <a:extLst>
+                        <a:ext uri="{FF2B5EF4-FFF2-40B4-BE49-F238E27FC236}">
+                          <a16:creationId xmlns:a16="http://schemas.microsoft.com/office/drawing/2014/main" id="{9F99F9D3-956A-CE11-9960-EF69871F34B4}"/>
+                        </a:ext>
+                      </a:extLst>
+                    </p:cNvPr>
+                    <p:cNvPicPr>
+                      <a:picLocks noChangeAspect="1"/>
+                    </p:cNvPicPr>
+                    <p:nvPr/>
+                  </p:nvPicPr>
+                  <p:blipFill>
+                    <a:blip r:embed="rId10">
+                      <a:extLst>
+                        <a:ext uri="{28A0092B-C50C-407E-A947-70E740481C1C}">
+                          <a14:useLocalDpi xmlns:a14="http://schemas.microsoft.com/office/drawing/2010/main" val="0"/>
+                        </a:ext>
+                        <a:ext uri="{96DAC541-7B7A-43D3-8B79-37D633B846F1}">
+                          <asvg:svgBlip xmlns:asvg="http://schemas.microsoft.com/office/drawing/2016/SVG/main" r:embed="rId11"/>
+                        </a:ext>
+                      </a:extLst>
+                    </a:blip>
+                    <a:stretch>
+                      <a:fillRect/>
+                    </a:stretch>
+                  </p:blipFill>
+                  <p:spPr>
+                    <a:xfrm>
+                      <a:off x="2452699" y="3111545"/>
+                      <a:ext cx="856384" cy="856384"/>
+                    </a:xfrm>
+                    <a:prstGeom prst="rect">
+                      <a:avLst/>
+                    </a:prstGeom>
+                  </p:spPr>
+                </p:pic>
+                <p:sp>
+                  <p:nvSpPr>
+                    <p:cNvPr id="144" name="Rectangle: Rounded Corners 143">
+                      <a:extLst>
+                        <a:ext uri="{FF2B5EF4-FFF2-40B4-BE49-F238E27FC236}">
+                          <a16:creationId xmlns:a16="http://schemas.microsoft.com/office/drawing/2014/main" id="{54F561B7-D73F-E1F7-12B1-9302E74299BA}"/>
+                        </a:ext>
+                      </a:extLst>
+                    </p:cNvPr>
+                    <p:cNvSpPr/>
+                    <p:nvPr/>
+                  </p:nvSpPr>
+                  <p:spPr>
+                    <a:xfrm>
+                      <a:off x="2011944" y="2954020"/>
+                      <a:ext cx="1165225" cy="901700"/>
+                    </a:xfrm>
+                    <a:prstGeom prst="roundRect">
+                      <a:avLst/>
+                    </a:prstGeom>
+                    <a:noFill/>
+                    <a:ln w="57150">
+                      <a:solidFill>
+                        <a:srgbClr val="FFBE5F"/>
+                      </a:solidFill>
+                    </a:ln>
+                  </p:spPr>
+                  <p:style>
+                    <a:lnRef idx="2">
+                      <a:schemeClr val="accent1">
+                        <a:shade val="50000"/>
+                      </a:schemeClr>
+                    </a:lnRef>
+                    <a:fillRef idx="1">
+                      <a:schemeClr val="accent1"/>
+                    </a:fillRef>
+                    <a:effectRef idx="0">
+                      <a:schemeClr val="accent1"/>
+                    </a:effectRef>
+                    <a:fontRef idx="minor">
+                      <a:schemeClr val="lt1"/>
+                    </a:fontRef>
+                  </p:style>
+                  <p:txBody>
+                    <a:bodyPr rot="0" spcFirstLastPara="0" vert="horz" wrap="square" lIns="91440" tIns="45720" rIns="91440" bIns="45720" numCol="1" spcCol="0" rtlCol="0" fromWordArt="0" anchor="ctr" anchorCtr="0" forceAA="0" compatLnSpc="1">
+                      <a:prstTxWarp prst="textNoShape">
+                        <a:avLst/>
+                      </a:prstTxWarp>
+                      <a:noAutofit/>
+                    </a:bodyPr>
+                    <a:lstStyle/>
+                    <a:p>
+                      <a:endParaRPr lang="en-US"/>
+                    </a:p>
+                  </p:txBody>
+                </p:sp>
+                <p:sp>
+                  <p:nvSpPr>
+                    <p:cNvPr id="146" name="Text Box 10">
+                      <a:extLst>
+                        <a:ext uri="{FF2B5EF4-FFF2-40B4-BE49-F238E27FC236}">
+                          <a16:creationId xmlns:a16="http://schemas.microsoft.com/office/drawing/2014/main" id="{4024E44C-BDA7-EA0B-C6CE-7EAC0023DC66}"/>
+                        </a:ext>
+                      </a:extLst>
+                    </p:cNvPr>
+                    <p:cNvSpPr txBox="1">
+                      <a:spLocks noChangeArrowheads="1"/>
+                    </p:cNvSpPr>
+                    <p:nvPr/>
+                  </p:nvSpPr>
+                  <p:spPr bwMode="auto">
+                    <a:xfrm>
+                      <a:off x="2011944" y="3886357"/>
+                      <a:ext cx="1136650" cy="277813"/>
+                    </a:xfrm>
+                    <a:prstGeom prst="rect">
+                      <a:avLst/>
+                    </a:prstGeom>
+                    <a:solidFill>
+                      <a:srgbClr val="FFFFFF"/>
+                    </a:solidFill>
+                    <a:ln>
+                      <a:noFill/>
+                    </a:ln>
+                    <a:extLst>
+                      <a:ext uri="{91240B29-F687-4F45-9708-019B960494DF}">
+                        <a14:hiddenLine xmlns:a14="http://schemas.microsoft.com/office/drawing/2010/main" w="6350">
+                          <a:solidFill>
+                            <a:srgbClr val="000000"/>
+                          </a:solidFill>
+                          <a:miter lim="800000"/>
+                          <a:headEnd/>
+                          <a:tailEnd/>
+                        </a14:hiddenLine>
+                      </a:ext>
+                    </a:extLst>
+                  </p:spPr>
+                  <p:txBody>
+                    <a:bodyPr vert="horz" wrap="square" lIns="91440" tIns="45720" rIns="91440" bIns="45720" numCol="1" anchor="t" anchorCtr="0" compatLnSpc="1">
+                      <a:prstTxWarp prst="textNoShape">
+                        <a:avLst/>
+                      </a:prstTxWarp>
+                    </a:bodyPr>
+                    <a:lstStyle/>
+                    <a:p>
+                      <a:pPr marL="0" marR="0" lvl="0" indent="0" algn="ctr" defTabSz="914400" rtl="0" eaLnBrk="0" fontAlgn="base" latinLnBrk="0" hangingPunct="0">
+                        <a:lnSpc>
+                          <a:spcPct val="100000"/>
+                        </a:lnSpc>
+                        <a:spcBef>
+                          <a:spcPct val="0"/>
+                        </a:spcBef>
+                        <a:spcAft>
+                          <a:spcPct val="0"/>
+                        </a:spcAft>
+                        <a:buClrTx/>
+                        <a:buSzTx/>
+                        <a:buFontTx/>
+                        <a:buNone/>
+                        <a:tabLst/>
+                      </a:pPr>
+                      <a:r>
+                        <a:rPr lang="en-US" altLang="en-US" sz="1100" i="1" dirty="0">
+                          <a:latin typeface="Sylfaen" panose="010A0502050306030303" pitchFamily="18" charset="0"/>
+                          <a:cs typeface="Times New Roman" panose="02020603050405020304" pitchFamily="18" charset="0"/>
+                        </a:rPr>
+                        <a:t>Left</a:t>
+                      </a:r>
+                      <a:endParaRPr kumimoji="0" lang="en-US" altLang="en-US" sz="2400" b="0" i="0" u="none" strike="noStrike" cap="none" normalizeH="0" baseline="0" dirty="0">
+                        <a:ln>
+                          <a:noFill/>
+                        </a:ln>
+                        <a:solidFill>
+                          <a:schemeClr val="tx1"/>
+                        </a:solidFill>
+                        <a:effectLst/>
+                        <a:latin typeface="Arial" panose="020B0604020202020204" pitchFamily="34" charset="0"/>
+                      </a:endParaRPr>
+                    </a:p>
+                  </p:txBody>
+                </p:sp>
+                <p:sp>
+                  <p:nvSpPr>
+                    <p:cNvPr id="147" name="Text Box 10">
+                      <a:extLst>
+                        <a:ext uri="{FF2B5EF4-FFF2-40B4-BE49-F238E27FC236}">
+                          <a16:creationId xmlns:a16="http://schemas.microsoft.com/office/drawing/2014/main" id="{13FEA016-957E-D2C4-2B51-79455BD9E1B2}"/>
+                        </a:ext>
+                      </a:extLst>
+                    </p:cNvPr>
+                    <p:cNvSpPr txBox="1">
+                      <a:spLocks noChangeArrowheads="1"/>
+                    </p:cNvSpPr>
+                    <p:nvPr/>
+                  </p:nvSpPr>
+                  <p:spPr bwMode="auto">
+                    <a:xfrm>
+                      <a:off x="2011943" y="2685791"/>
+                      <a:ext cx="1136651" cy="277814"/>
+                    </a:xfrm>
+                    <a:prstGeom prst="rect">
+                      <a:avLst/>
+                    </a:prstGeom>
+                    <a:noFill/>
+                    <a:ln>
+                      <a:noFill/>
+                    </a:ln>
+                  </p:spPr>
+                  <p:txBody>
+                    <a:bodyPr vert="horz" wrap="square" lIns="91440" tIns="45720" rIns="91440" bIns="45720" numCol="1" anchor="t" anchorCtr="0" compatLnSpc="1">
+                      <a:prstTxWarp prst="textNoShape">
+                        <a:avLst/>
+                      </a:prstTxWarp>
+                    </a:bodyPr>
+                    <a:lstStyle/>
+                    <a:p>
+                      <a:pPr marL="0" marR="0" lvl="0" indent="0" algn="ctr" defTabSz="914400" rtl="0" eaLnBrk="0" fontAlgn="base" latinLnBrk="0" hangingPunct="0">
+                        <a:lnSpc>
+                          <a:spcPct val="100000"/>
+                        </a:lnSpc>
+                        <a:spcBef>
+                          <a:spcPct val="0"/>
+                        </a:spcBef>
+                        <a:spcAft>
+                          <a:spcPct val="0"/>
+                        </a:spcAft>
+                        <a:buClrTx/>
+                        <a:buSzTx/>
+                        <a:buFontTx/>
+                        <a:buNone/>
+                        <a:tabLst/>
+                      </a:pPr>
+                      <a:r>
+                        <a:rPr kumimoji="0" lang="en-US" altLang="en-US" sz="1100" b="1" u="none" strike="noStrike" cap="none" normalizeH="0" baseline="0" dirty="0">
+                          <a:ln>
+                            <a:noFill/>
+                          </a:ln>
+                          <a:solidFill>
+                            <a:srgbClr val="FE9700"/>
+                          </a:solidFill>
+                          <a:effectLst/>
+                          <a:latin typeface="Sylfaen" panose="010A0502050306030303" pitchFamily="18" charset="0"/>
+                          <a:ea typeface="Calibri" panose="020F0502020204030204" pitchFamily="34" charset="0"/>
+                          <a:cs typeface="Times New Roman" panose="02020603050405020304" pitchFamily="18" charset="0"/>
+                        </a:rPr>
+                        <a:t>Talker A</a:t>
+                      </a:r>
+                      <a:endParaRPr kumimoji="0" lang="en-US" altLang="en-US" sz="2400" b="1" u="none" strike="noStrike" cap="none" normalizeH="0" baseline="0" dirty="0">
+                        <a:ln>
+                          <a:noFill/>
+                        </a:ln>
+                        <a:solidFill>
+                          <a:srgbClr val="FE9700"/>
+                        </a:solidFill>
+                        <a:effectLst/>
+                        <a:latin typeface="Arial" panose="020B0604020202020204" pitchFamily="34" charset="0"/>
+                      </a:endParaRPr>
+                    </a:p>
+                  </p:txBody>
+                </p:sp>
+              </p:grpSp>
+              <p:pic>
+                <p:nvPicPr>
+                  <p:cNvPr id="141" name="Graphic 140" descr="Male outline">
+                    <a:extLst>
+                      <a:ext uri="{FF2B5EF4-FFF2-40B4-BE49-F238E27FC236}">
+                        <a16:creationId xmlns:a16="http://schemas.microsoft.com/office/drawing/2014/main" id="{DE2513E5-AA4C-7B29-38D5-F4A3FD6FC4B9}"/>
+                      </a:ext>
+                    </a:extLst>
+                  </p:cNvPr>
+                  <p:cNvPicPr>
+                    <a:picLocks noChangeAspect="1"/>
+                  </p:cNvPicPr>
+                  <p:nvPr/>
+                </p:nvPicPr>
+                <p:blipFill>
+                  <a:blip r:embed="rId12">
+                    <a:extLst>
+                      <a:ext uri="{28A0092B-C50C-407E-A947-70E740481C1C}">
+                        <a14:useLocalDpi xmlns:a14="http://schemas.microsoft.com/office/drawing/2010/main" val="0"/>
+                      </a:ext>
+                      <a:ext uri="{96DAC541-7B7A-43D3-8B79-37D633B846F1}">
+                        <asvg:svgBlip xmlns:asvg="http://schemas.microsoft.com/office/drawing/2016/SVG/main" r:embed="rId13"/>
+                      </a:ext>
+                    </a:extLst>
+                  </a:blip>
+                  <a:stretch>
+                    <a:fillRect/>
+                  </a:stretch>
+                </p:blipFill>
+                <p:spPr>
+                  <a:xfrm>
+                    <a:off x="6621804" y="3114054"/>
+                    <a:ext cx="366960" cy="412859"/>
+                  </a:xfrm>
+                  <a:prstGeom prst="rect">
+                    <a:avLst/>
+                  </a:prstGeom>
+                </p:spPr>
+              </p:pic>
+              <p:pic>
+                <p:nvPicPr>
+                  <p:cNvPr id="142" name="Graphic 141" descr="Ear outline">
+                    <a:extLst>
+                      <a:ext uri="{FF2B5EF4-FFF2-40B4-BE49-F238E27FC236}">
+                        <a16:creationId xmlns:a16="http://schemas.microsoft.com/office/drawing/2014/main" id="{35426EF7-C081-463E-27BF-E536806A0560}"/>
+                      </a:ext>
+                    </a:extLst>
+                  </p:cNvPr>
+                  <p:cNvPicPr>
+                    <a:picLocks noChangeAspect="1"/>
+                  </p:cNvPicPr>
+                  <p:nvPr/>
+                </p:nvPicPr>
+                <p:blipFill>
+                  <a:blip r:embed="rId8">
+                    <a:extLst>
+                      <a:ext uri="{28A0092B-C50C-407E-A947-70E740481C1C}">
+                        <a14:useLocalDpi xmlns:a14="http://schemas.microsoft.com/office/drawing/2010/main" val="0"/>
+                      </a:ext>
+                      <a:ext uri="{96DAC541-7B7A-43D3-8B79-37D633B846F1}">
+                        <asvg:svgBlip xmlns:asvg="http://schemas.microsoft.com/office/drawing/2016/SVG/main" r:embed="rId9"/>
+                      </a:ext>
+                    </a:extLst>
+                  </a:blip>
+                  <a:stretch>
+                    <a:fillRect/>
+                  </a:stretch>
+                </p:blipFill>
+                <p:spPr>
+                  <a:xfrm flipH="1">
+                    <a:off x="6632759" y="3471328"/>
+                    <a:ext cx="288948" cy="412616"/>
+                  </a:xfrm>
+                  <a:prstGeom prst="rect">
+                    <a:avLst/>
+                  </a:prstGeom>
+                </p:spPr>
+              </p:pic>
+            </p:grpSp>
+          </p:grpSp>
+          <p:sp>
+            <p:nvSpPr>
+              <p:cNvPr id="162" name="Rectangle: Rounded Corners 161">
+                <a:extLst>
+                  <a:ext uri="{FF2B5EF4-FFF2-40B4-BE49-F238E27FC236}">
+                    <a16:creationId xmlns:a16="http://schemas.microsoft.com/office/drawing/2014/main" id="{24B90BC2-18E6-DAB4-CD59-1643A16A6938}"/>
+                  </a:ext>
+                </a:extLst>
+              </p:cNvPr>
+              <p:cNvSpPr/>
+              <p:nvPr/>
+            </p:nvSpPr>
+            <p:spPr>
+              <a:xfrm>
+                <a:off x="399166" y="2175652"/>
+                <a:ext cx="4251686" cy="2288564"/>
+              </a:xfrm>
+              <a:prstGeom prst="roundRect">
+                <a:avLst/>
+              </a:prstGeom>
+              <a:noFill/>
+              <a:ln w="28575">
+                <a:solidFill>
+                  <a:schemeClr val="bg2">
+                    <a:lumMod val="75000"/>
+                  </a:schemeClr>
+                </a:solidFill>
+              </a:ln>
+            </p:spPr>
+            <p:style>
+              <a:lnRef idx="2">
+                <a:schemeClr val="accent1">
+                  <a:shade val="50000"/>
+                </a:schemeClr>
+              </a:lnRef>
+              <a:fillRef idx="1">
+                <a:schemeClr val="accent1"/>
+              </a:fillRef>
+              <a:effectRef idx="0">
+                <a:schemeClr val="accent1"/>
+              </a:effectRef>
+              <a:fontRef idx="minor">
+                <a:schemeClr val="lt1"/>
+              </a:fontRef>
+            </p:style>
+            <p:txBody>
+              <a:bodyPr rtlCol="0" anchor="ctr"/>
+              <a:lstStyle/>
+              <a:p>
+                <a:pPr algn="ctr"/>
+                <a:endParaRPr lang="en-US"/>
+              </a:p>
+            </p:txBody>
+          </p:sp>
+        </p:grpSp>
+        <p:sp>
+          <p:nvSpPr>
+            <p:cNvPr id="174" name="Speech Bubble: Rectangle with Corners Rounded 173">
+              <a:extLst>
+                <a:ext uri="{FF2B5EF4-FFF2-40B4-BE49-F238E27FC236}">
+                  <a16:creationId xmlns:a16="http://schemas.microsoft.com/office/drawing/2014/main" id="{CB71020A-1E48-C742-0AC1-81C9CD2B377B}"/>
+                </a:ext>
+              </a:extLst>
+            </p:cNvPr>
+            <p:cNvSpPr/>
+            <p:nvPr/>
+          </p:nvSpPr>
+          <p:spPr>
+            <a:xfrm>
+              <a:off x="1423818" y="2049731"/>
+              <a:ext cx="854298" cy="356489"/>
+            </a:xfrm>
+            <a:prstGeom prst="wedgeRoundRectCallout">
+              <a:avLst>
+                <a:gd name="adj1" fmla="val -39736"/>
+                <a:gd name="adj2" fmla="val 100379"/>
+                <a:gd name="adj3" fmla="val 16667"/>
+              </a:avLst>
+            </a:prstGeom>
+            <a:noFill/>
+            <a:ln w="28575">
+              <a:solidFill>
+                <a:srgbClr val="FFBE5F"/>
+              </a:solidFill>
+            </a:ln>
+          </p:spPr>
+          <p:style>
+            <a:lnRef idx="2">
+              <a:schemeClr val="accent1">
+                <a:shade val="50000"/>
+              </a:schemeClr>
+            </a:lnRef>
+            <a:fillRef idx="1">
+              <a:schemeClr val="accent1"/>
+            </a:fillRef>
+            <a:effectRef idx="0">
+              <a:schemeClr val="accent1"/>
+            </a:effectRef>
+            <a:fontRef idx="minor">
+              <a:schemeClr val="lt1"/>
+            </a:fontRef>
+          </p:style>
+          <p:txBody>
+            <a:bodyPr rot="0" spcFirstLastPara="0" vert="horz" wrap="square" lIns="91440" tIns="45720" rIns="91440" bIns="45720" numCol="1" spcCol="0" rtlCol="0" fromWordArt="0" anchor="ctr" anchorCtr="0" forceAA="0" compatLnSpc="1">
+              <a:prstTxWarp prst="textNoShape">
+                <a:avLst/>
+              </a:prstTxWarp>
+              <a:noAutofit/>
+            </a:bodyPr>
+            <a:lstStyle/>
+            <a:p>
+              <a:pPr marL="0" marR="0" algn="ctr">
+                <a:lnSpc>
+                  <a:spcPct val="107000"/>
+                </a:lnSpc>
+                <a:spcBef>
+                  <a:spcPts val="0"/>
+                </a:spcBef>
+                <a:spcAft>
+                  <a:spcPts val="800"/>
+                </a:spcAft>
+              </a:pPr>
+              <a:r>
+                <a:rPr lang="en-US" sz="1200" dirty="0">
+                  <a:solidFill>
+                    <a:schemeClr val="tx1"/>
+                  </a:solidFill>
+                  <a:effectLst/>
+                  <a:latin typeface="Sylfaen" panose="010A0502050306030303" pitchFamily="18" charset="0"/>
+                  <a:ea typeface="Calibri" panose="020F0502020204030204" pitchFamily="34" charset="0"/>
+                  <a:cs typeface="Times New Roman" panose="02020603050405020304" pitchFamily="18" charset="0"/>
+                </a:rPr>
+                <a:t> </a:t>
+              </a:r>
+              <a:r>
+                <a:rPr lang="en-US" sz="1400" dirty="0">
+                  <a:solidFill>
+                    <a:schemeClr val="tx1"/>
+                  </a:solidFill>
+                  <a:latin typeface="Sylfaen" panose="010A0502050306030303" pitchFamily="18" charset="0"/>
+                  <a:ea typeface="Calibri" panose="020F0502020204030204" pitchFamily="34" charset="0"/>
+                  <a:cs typeface="Times New Roman" panose="02020603050405020304" pitchFamily="18" charset="0"/>
+                </a:rPr>
+                <a:t>l</a:t>
+              </a:r>
+              <a:r>
+                <a:rPr lang="en-US" sz="1400" dirty="0">
+                  <a:solidFill>
+                    <a:schemeClr val="tx1"/>
+                  </a:solidFill>
+                  <a:latin typeface="Sylfaen" panose="010A0502050306030303" pitchFamily="18" charset="0"/>
+                </a:rPr>
+                <a:t>ogelai</a:t>
+              </a:r>
+              <a:endParaRPr lang="en-US" sz="1200" dirty="0">
+                <a:solidFill>
+                  <a:schemeClr val="tx1"/>
+                </a:solidFill>
+                <a:effectLst/>
+                <a:latin typeface="Sylfaen" panose="010A0502050306030303" pitchFamily="18" charset="0"/>
+                <a:ea typeface="Calibri" panose="020F0502020204030204" pitchFamily="34" charset="0"/>
+                <a:cs typeface="Times New Roman" panose="02020603050405020304" pitchFamily="18" charset="0"/>
+              </a:endParaRPr>
+            </a:p>
+          </p:txBody>
+        </p:sp>
+        <p:sp>
+          <p:nvSpPr>
+            <p:cNvPr id="175" name="Speech Bubble: Rectangle with Corners Rounded 174">
+              <a:extLst>
+                <a:ext uri="{FF2B5EF4-FFF2-40B4-BE49-F238E27FC236}">
+                  <a16:creationId xmlns:a16="http://schemas.microsoft.com/office/drawing/2014/main" id="{EA2AB4A1-A5DD-8C0D-4642-F44B23546356}"/>
+                </a:ext>
+              </a:extLst>
+            </p:cNvPr>
+            <p:cNvSpPr/>
+            <p:nvPr/>
+          </p:nvSpPr>
+          <p:spPr>
+            <a:xfrm flipH="1">
+              <a:off x="2535317" y="2069594"/>
+              <a:ext cx="890450" cy="359675"/>
+            </a:xfrm>
+            <a:prstGeom prst="wedgeRoundRectCallout">
+              <a:avLst>
+                <a:gd name="adj1" fmla="val -39736"/>
+                <a:gd name="adj2" fmla="val 100379"/>
+                <a:gd name="adj3" fmla="val 16667"/>
+              </a:avLst>
+            </a:prstGeom>
+            <a:noFill/>
+            <a:ln w="28575">
+              <a:solidFill>
+                <a:srgbClr val="77CEF9"/>
+              </a:solidFill>
+            </a:ln>
+          </p:spPr>
+          <p:style>
+            <a:lnRef idx="2">
+              <a:schemeClr val="accent1">
+                <a:shade val="50000"/>
+              </a:schemeClr>
+            </a:lnRef>
+            <a:fillRef idx="1">
+              <a:schemeClr val="accent1"/>
+            </a:fillRef>
+            <a:effectRef idx="0">
+              <a:schemeClr val="accent1"/>
+            </a:effectRef>
+            <a:fontRef idx="minor">
+              <a:schemeClr val="lt1"/>
+            </a:fontRef>
+          </p:style>
+          <p:txBody>
+            <a:bodyPr rot="0" spcFirstLastPara="0" vert="horz" wrap="square" lIns="91440" tIns="45720" rIns="91440" bIns="45720" numCol="1" spcCol="0" rtlCol="0" fromWordArt="0" anchor="ctr" anchorCtr="0" forceAA="0" compatLnSpc="1">
+              <a:prstTxWarp prst="textNoShape">
+                <a:avLst/>
+              </a:prstTxWarp>
+              <a:noAutofit/>
+            </a:bodyPr>
+            <a:lstStyle/>
+            <a:p>
+              <a:pPr marL="0" marR="0" algn="ctr">
+                <a:lnSpc>
+                  <a:spcPct val="107000"/>
+                </a:lnSpc>
+                <a:spcBef>
+                  <a:spcPts val="0"/>
+                </a:spcBef>
+                <a:spcAft>
+                  <a:spcPts val="800"/>
+                </a:spcAft>
+              </a:pPr>
+              <a:r>
+                <a:rPr lang="en-US" sz="1300" dirty="0">
+                  <a:solidFill>
+                    <a:schemeClr val="tx1"/>
+                  </a:solidFill>
+                  <a:latin typeface="Sylfaen" panose="010A0502050306030303" pitchFamily="18" charset="0"/>
+                  <a:ea typeface="Calibri" panose="020F0502020204030204" pitchFamily="34" charset="0"/>
+                  <a:cs typeface="Times New Roman" panose="02020603050405020304" pitchFamily="18" charset="0"/>
+                </a:rPr>
+                <a:t>r</a:t>
+              </a:r>
+              <a:r>
+                <a:rPr lang="en-US" sz="1300" dirty="0">
+                  <a:solidFill>
+                    <a:schemeClr val="tx1"/>
+                  </a:solidFill>
+                  <a:effectLst/>
+                  <a:latin typeface="Sylfaen" panose="010A0502050306030303" pitchFamily="18" charset="0"/>
+                  <a:ea typeface="Calibri" panose="020F0502020204030204" pitchFamily="34" charset="0"/>
+                  <a:cs typeface="Times New Roman" panose="02020603050405020304" pitchFamily="18" charset="0"/>
+                </a:rPr>
+                <a:t>omantic</a:t>
+              </a:r>
+            </a:p>
+          </p:txBody>
+        </p:sp>
+      </p:grpSp>
+    </p:spTree>
+    <p:extLst>
+      <p:ext uri="{BB962C8B-B14F-4D97-AF65-F5344CB8AC3E}">
+        <p14:creationId xmlns:p14="http://schemas.microsoft.com/office/powerpoint/2010/main" val="1761867840"/>
+      </p:ext>
+    </p:extLst>
+  </p:cSld>
+  <p:clrMapOvr>
+    <a:masterClrMapping/>
+  </p:clrMapOvr>
+</p:sld>
+</file>
+
+<file path=ppt/slides/slide3.xml><?xml version="1.0" encoding="utf-8"?>
 <p:sld xmlns:a="http://schemas.openxmlformats.org/drawingml/2006/main" xmlns:r="http://schemas.openxmlformats.org/officeDocument/2006/relationships" xmlns:p="http://schemas.openxmlformats.org/presentationml/2006/main">
   <p:cSld>
     <p:spTree>
@@ -8133,10 +11806,9 @@
             <a:lstStyle/>
             <a:p>
               <a:r>
-                <a:rPr lang="en-US" dirty="0" err="1"/>
+                <a:rPr lang="en-US" dirty="0"/>
                 <a:t>Sh</a:t>
               </a:r>
-              <a:endParaRPr lang="en-US" dirty="0"/>
             </a:p>
           </p:txBody>
         </p:sp>
@@ -8765,10 +12437,9 @@
             <a:lstStyle/>
             <a:p>
               <a:r>
-                <a:rPr lang="en-US" dirty="0" err="1"/>
+                <a:rPr lang="en-US" dirty="0"/>
                 <a:t>Sh</a:t>
               </a:r>
-              <a:endParaRPr lang="en-US" dirty="0"/>
             </a:p>
           </p:txBody>
         </p:sp>
@@ -9296,10 +12967,9 @@
             <a:lstStyle/>
             <a:p>
               <a:r>
-                <a:rPr lang="en-US" dirty="0" err="1"/>
+                <a:rPr lang="en-US" dirty="0"/>
                 <a:t>Sh</a:t>
               </a:r>
-              <a:endParaRPr lang="en-US" dirty="0"/>
             </a:p>
           </p:txBody>
         </p:sp>
@@ -9920,10 +13590,9 @@
             <a:lstStyle/>
             <a:p>
               <a:r>
-                <a:rPr lang="en-US" dirty="0" err="1"/>
+                <a:rPr lang="en-US" dirty="0"/>
                 <a:t>Sh</a:t>
               </a:r>
-              <a:endParaRPr lang="en-US" dirty="0"/>
             </a:p>
           </p:txBody>
         </p:sp>
@@ -10328,10 +13997,9 @@
             <a:lstStyle/>
             <a:p>
               <a:r>
-                <a:rPr lang="en-US" dirty="0" err="1"/>
+                <a:rPr lang="en-US" dirty="0"/>
                 <a:t>Sh</a:t>
               </a:r>
-              <a:endParaRPr lang="en-US" dirty="0"/>
             </a:p>
           </p:txBody>
         </p:sp>
@@ -10960,10 +14628,9 @@
             <a:lstStyle/>
             <a:p>
               <a:r>
-                <a:rPr lang="en-US" dirty="0" err="1"/>
+                <a:rPr lang="en-US" dirty="0"/>
                 <a:t>Sh</a:t>
               </a:r>
-              <a:endParaRPr lang="en-US" dirty="0"/>
             </a:p>
           </p:txBody>
         </p:sp>
@@ -11878,10 +15545,9 @@
             <a:lstStyle/>
             <a:p>
               <a:r>
-                <a:rPr lang="en-US" dirty="0" err="1"/>
+                <a:rPr lang="en-US" dirty="0"/>
                 <a:t>Sh</a:t>
               </a:r>
-              <a:endParaRPr lang="en-US" dirty="0"/>
             </a:p>
           </p:txBody>
         </p:sp>
@@ -12409,10 +16075,9 @@
             <a:lstStyle/>
             <a:p>
               <a:r>
-                <a:rPr lang="en-US" dirty="0" err="1"/>
+                <a:rPr lang="en-US" dirty="0"/>
                 <a:t>Sh</a:t>
               </a:r>
-              <a:endParaRPr lang="en-US" dirty="0"/>
             </a:p>
           </p:txBody>
         </p:sp>
